--- a/캐릭터 및 카드 컨셉, 디자인.pptx
+++ b/캐릭터 및 카드 컨셉, 디자인.pptx
@@ -9,6 +9,10 @@
     <p:sldId id="258" r:id="rId3"/>
     <p:sldId id="257" r:id="rId4"/>
     <p:sldId id="259" r:id="rId5"/>
+    <p:sldId id="260" r:id="rId6"/>
+    <p:sldId id="261" r:id="rId7"/>
+    <p:sldId id="262" r:id="rId8"/>
+    <p:sldId id="263" r:id="rId9"/>
   </p:sldIdLst>
   <p:sldSz cx="12192000" cy="6858000"/>
   <p:notesSz cx="6858000" cy="9144000"/>
@@ -262,7 +266,7 @@
           <a:p>
             <a:fld id="{05BC4793-986E-4D22-B9AD-0CF3790F042B}" type="datetimeFigureOut">
               <a:rPr lang="ko-KR" altLang="en-US" smtClean="0"/>
-              <a:t>2019-10-13</a:t>
+              <a:t>2019-10-14</a:t>
             </a:fld>
             <a:endParaRPr lang="ko-KR" altLang="en-US"/>
           </a:p>
@@ -460,7 +464,7 @@
           <a:p>
             <a:fld id="{05BC4793-986E-4D22-B9AD-0CF3790F042B}" type="datetimeFigureOut">
               <a:rPr lang="ko-KR" altLang="en-US" smtClean="0"/>
-              <a:t>2019-10-13</a:t>
+              <a:t>2019-10-14</a:t>
             </a:fld>
             <a:endParaRPr lang="ko-KR" altLang="en-US"/>
           </a:p>
@@ -668,7 +672,7 @@
           <a:p>
             <a:fld id="{05BC4793-986E-4D22-B9AD-0CF3790F042B}" type="datetimeFigureOut">
               <a:rPr lang="ko-KR" altLang="en-US" smtClean="0"/>
-              <a:t>2019-10-13</a:t>
+              <a:t>2019-10-14</a:t>
             </a:fld>
             <a:endParaRPr lang="ko-KR" altLang="en-US"/>
           </a:p>
@@ -866,7 +870,7 @@
           <a:p>
             <a:fld id="{05BC4793-986E-4D22-B9AD-0CF3790F042B}" type="datetimeFigureOut">
               <a:rPr lang="ko-KR" altLang="en-US" smtClean="0"/>
-              <a:t>2019-10-13</a:t>
+              <a:t>2019-10-14</a:t>
             </a:fld>
             <a:endParaRPr lang="ko-KR" altLang="en-US"/>
           </a:p>
@@ -1141,7 +1145,7 @@
           <a:p>
             <a:fld id="{05BC4793-986E-4D22-B9AD-0CF3790F042B}" type="datetimeFigureOut">
               <a:rPr lang="ko-KR" altLang="en-US" smtClean="0"/>
-              <a:t>2019-10-13</a:t>
+              <a:t>2019-10-14</a:t>
             </a:fld>
             <a:endParaRPr lang="ko-KR" altLang="en-US"/>
           </a:p>
@@ -1406,7 +1410,7 @@
           <a:p>
             <a:fld id="{05BC4793-986E-4D22-B9AD-0CF3790F042B}" type="datetimeFigureOut">
               <a:rPr lang="ko-KR" altLang="en-US" smtClean="0"/>
-              <a:t>2019-10-13</a:t>
+              <a:t>2019-10-14</a:t>
             </a:fld>
             <a:endParaRPr lang="ko-KR" altLang="en-US"/>
           </a:p>
@@ -1818,7 +1822,7 @@
           <a:p>
             <a:fld id="{05BC4793-986E-4D22-B9AD-0CF3790F042B}" type="datetimeFigureOut">
               <a:rPr lang="ko-KR" altLang="en-US" smtClean="0"/>
-              <a:t>2019-10-13</a:t>
+              <a:t>2019-10-14</a:t>
             </a:fld>
             <a:endParaRPr lang="ko-KR" altLang="en-US"/>
           </a:p>
@@ -1959,7 +1963,7 @@
           <a:p>
             <a:fld id="{05BC4793-986E-4D22-B9AD-0CF3790F042B}" type="datetimeFigureOut">
               <a:rPr lang="ko-KR" altLang="en-US" smtClean="0"/>
-              <a:t>2019-10-13</a:t>
+              <a:t>2019-10-14</a:t>
             </a:fld>
             <a:endParaRPr lang="ko-KR" altLang="en-US"/>
           </a:p>
@@ -2072,7 +2076,7 @@
           <a:p>
             <a:fld id="{05BC4793-986E-4D22-B9AD-0CF3790F042B}" type="datetimeFigureOut">
               <a:rPr lang="ko-KR" altLang="en-US" smtClean="0"/>
-              <a:t>2019-10-13</a:t>
+              <a:t>2019-10-14</a:t>
             </a:fld>
             <a:endParaRPr lang="ko-KR" altLang="en-US"/>
           </a:p>
@@ -2383,7 +2387,7 @@
           <a:p>
             <a:fld id="{05BC4793-986E-4D22-B9AD-0CF3790F042B}" type="datetimeFigureOut">
               <a:rPr lang="ko-KR" altLang="en-US" smtClean="0"/>
-              <a:t>2019-10-13</a:t>
+              <a:t>2019-10-14</a:t>
             </a:fld>
             <a:endParaRPr lang="ko-KR" altLang="en-US"/>
           </a:p>
@@ -2671,7 +2675,7 @@
           <a:p>
             <a:fld id="{05BC4793-986E-4D22-B9AD-0CF3790F042B}" type="datetimeFigureOut">
               <a:rPr lang="ko-KR" altLang="en-US" smtClean="0"/>
-              <a:t>2019-10-13</a:t>
+              <a:t>2019-10-14</a:t>
             </a:fld>
             <a:endParaRPr lang="ko-KR" altLang="en-US"/>
           </a:p>
@@ -2912,7 +2916,7 @@
           <a:p>
             <a:fld id="{05BC4793-986E-4D22-B9AD-0CF3790F042B}" type="datetimeFigureOut">
               <a:rPr lang="ko-KR" altLang="en-US" smtClean="0"/>
-              <a:t>2019-10-13</a:t>
+              <a:t>2019-10-14</a:t>
             </a:fld>
             <a:endParaRPr lang="ko-KR" altLang="en-US"/>
           </a:p>
@@ -3795,7 +3799,7 @@
             <p:ph idx="1"/>
             <p:extLst>
               <p:ext uri="{D42A27DB-BD31-4B8C-83A1-F6EECF244321}">
-                <p14:modId xmlns:p14="http://schemas.microsoft.com/office/powerpoint/2010/main" val="403293207"/>
+                <p14:modId xmlns:p14="http://schemas.microsoft.com/office/powerpoint/2010/main" val="2732243435"/>
               </p:ext>
             </p:extLst>
           </p:nvPr>
@@ -3846,7 +3850,7 @@
                             <a:schemeClr val="tx1"/>
                           </a:solidFill>
                         </a:rPr>
-                        <a:t>돌도끼 투척</a:t>
+                        <a:t>돌팔매질</a:t>
                       </a:r>
                     </a:p>
                   </a:txBody>
@@ -4552,11 +4556,14 @@
                     <a:lstStyle/>
                     <a:p>
                       <a:pPr algn="ctr" latinLnBrk="1"/>
-                      <a:endParaRPr lang="ko-KR" altLang="en-US" dirty="0">
-                        <a:solidFill>
-                          <a:schemeClr val="tx1"/>
-                        </a:solidFill>
-                      </a:endParaRPr>
+                      <a:r>
+                        <a:rPr lang="ko-KR" altLang="en-US" dirty="0">
+                          <a:solidFill>
+                            <a:schemeClr val="tx1"/>
+                          </a:solidFill>
+                        </a:rPr>
+                        <a:t>돌 갈기</a:t>
+                      </a:r>
                     </a:p>
                   </a:txBody>
                   <a:tcPr>
@@ -4727,7 +4734,15 @@
                     <a:lstStyle/>
                     <a:p>
                       <a:pPr algn="ctr" latinLnBrk="1"/>
-                      <a:endParaRPr lang="ko-KR" altLang="en-US" dirty="0">
+                      <a:r>
+                        <a:rPr lang="ko-KR" altLang="en-US" dirty="0">
+                          <a:solidFill>
+                            <a:schemeClr val="tx1"/>
+                          </a:solidFill>
+                        </a:rPr>
+                        <a:t>돌도끼질</a:t>
+                      </a:r>
+                      <a:endParaRPr lang="en-US" altLang="ko-KR" dirty="0">
                         <a:solidFill>
                           <a:schemeClr val="tx1"/>
                         </a:solidFill>
@@ -4902,11 +4917,14 @@
                     <a:lstStyle/>
                     <a:p>
                       <a:pPr algn="ctr" latinLnBrk="1"/>
-                      <a:endParaRPr lang="ko-KR" altLang="en-US" dirty="0">
-                        <a:solidFill>
-                          <a:schemeClr val="tx1"/>
-                        </a:solidFill>
-                      </a:endParaRPr>
+                      <a:r>
+                        <a:rPr lang="ko-KR" altLang="en-US" dirty="0">
+                          <a:solidFill>
+                            <a:schemeClr val="tx1"/>
+                          </a:solidFill>
+                        </a:rPr>
+                        <a:t>토템 신앙</a:t>
+                      </a:r>
                     </a:p>
                   </a:txBody>
                   <a:tcPr>
@@ -5077,11 +5095,14 @@
                     <a:lstStyle/>
                     <a:p>
                       <a:pPr algn="ctr" latinLnBrk="1"/>
-                      <a:endParaRPr lang="ko-KR" altLang="en-US" dirty="0">
-                        <a:solidFill>
-                          <a:schemeClr val="tx1"/>
-                        </a:solidFill>
-                      </a:endParaRPr>
+                      <a:r>
+                        <a:rPr lang="ko-KR" altLang="en-US" dirty="0">
+                          <a:solidFill>
+                            <a:schemeClr val="tx1"/>
+                          </a:solidFill>
+                        </a:rPr>
+                        <a:t>활 쏘기</a:t>
+                      </a:r>
                     </a:p>
                   </a:txBody>
                   <a:tcPr>
@@ -5258,7 +5279,7 @@
                             <a:schemeClr val="tx1"/>
                           </a:solidFill>
                         </a:rPr>
-                        <a:t>불의 발견</a:t>
+                        <a:t>함정파기</a:t>
                       </a:r>
                     </a:p>
                   </a:txBody>
@@ -5430,11 +5451,14 @@
                     <a:lstStyle/>
                     <a:p>
                       <a:pPr algn="ctr" latinLnBrk="1"/>
-                      <a:endParaRPr lang="ko-KR" altLang="en-US" dirty="0">
-                        <a:solidFill>
-                          <a:schemeClr val="tx1"/>
-                        </a:solidFill>
-                      </a:endParaRPr>
+                      <a:r>
+                        <a:rPr lang="ko-KR" altLang="en-US" dirty="0">
+                          <a:solidFill>
+                            <a:schemeClr val="tx1"/>
+                          </a:solidFill>
+                        </a:rPr>
+                        <a:t>화염 화살</a:t>
+                      </a:r>
                     </a:p>
                   </a:txBody>
                   <a:tcPr>
@@ -5606,6 +5630,7510 @@
     <p:extLst>
       <p:ext uri="{BB962C8B-B14F-4D97-AF65-F5344CB8AC3E}">
         <p14:creationId xmlns:p14="http://schemas.microsoft.com/office/powerpoint/2010/main" val="4096829406"/>
+      </p:ext>
+    </p:extLst>
+  </p:cSld>
+  <p:clrMapOvr>
+    <a:masterClrMapping/>
+  </p:clrMapOvr>
+</p:sld>
+</file>
+
+<file path=ppt/slides/slide5.xml><?xml version="1.0" encoding="utf-8"?>
+<p:sld xmlns:a="http://schemas.openxmlformats.org/drawingml/2006/main" xmlns:r="http://schemas.openxmlformats.org/officeDocument/2006/relationships" xmlns:p="http://schemas.openxmlformats.org/presentationml/2006/main">
+  <p:cSld>
+    <p:spTree>
+      <p:nvGrpSpPr>
+        <p:cNvPr id="1" name=""/>
+        <p:cNvGrpSpPr/>
+        <p:nvPr/>
+      </p:nvGrpSpPr>
+      <p:grpSpPr>
+        <a:xfrm>
+          <a:off x="0" y="0"/>
+          <a:ext cx="0" cy="0"/>
+          <a:chOff x="0" y="0"/>
+          <a:chExt cx="0" cy="0"/>
+        </a:xfrm>
+      </p:grpSpPr>
+      <p:sp>
+        <p:nvSpPr>
+          <p:cNvPr id="2" name="제목 1">
+            <a:extLst>
+              <a:ext uri="{FF2B5EF4-FFF2-40B4-BE49-F238E27FC236}">
+                <a16:creationId xmlns:a16="http://schemas.microsoft.com/office/drawing/2014/main" id="{CA849E62-B6A9-43D4-B209-9B88DA3CECC0}"/>
+              </a:ext>
+            </a:extLst>
+          </p:cNvPr>
+          <p:cNvSpPr>
+            <a:spLocks noGrp="1"/>
+          </p:cNvSpPr>
+          <p:nvPr>
+            <p:ph type="title"/>
+          </p:nvPr>
+        </p:nvSpPr>
+        <p:spPr/>
+        <p:txBody>
+          <a:bodyPr/>
+          <a:lstStyle/>
+          <a:p>
+            <a:r>
+              <a:rPr lang="en-US" altLang="ko-KR" dirty="0"/>
+              <a:t>2. </a:t>
+            </a:r>
+            <a:r>
+              <a:rPr lang="ko-KR" altLang="en-US" dirty="0"/>
+              <a:t>바이킹 전사</a:t>
+            </a:r>
+          </a:p>
+        </p:txBody>
+      </p:sp>
+      <p:graphicFrame>
+        <p:nvGraphicFramePr>
+          <p:cNvPr id="5" name="표 6">
+            <a:extLst>
+              <a:ext uri="{FF2B5EF4-FFF2-40B4-BE49-F238E27FC236}">
+                <a16:creationId xmlns:a16="http://schemas.microsoft.com/office/drawing/2014/main" id="{3546F334-E11E-490A-AB47-A89C9A9F9D5D}"/>
+              </a:ext>
+            </a:extLst>
+          </p:cNvPr>
+          <p:cNvGraphicFramePr>
+            <a:graphicFrameLocks noGrp="1"/>
+          </p:cNvGraphicFramePr>
+          <p:nvPr>
+            <p:ph idx="1"/>
+            <p:extLst>
+              <p:ext uri="{D42A27DB-BD31-4B8C-83A1-F6EECF244321}">
+                <p14:modId xmlns:p14="http://schemas.microsoft.com/office/powerpoint/2010/main" val="1725265171"/>
+              </p:ext>
+            </p:extLst>
+          </p:nvPr>
+        </p:nvGraphicFramePr>
+        <p:xfrm>
+          <a:off x="838200" y="1825625"/>
+          <a:ext cx="10515597" cy="3708400"/>
+        </p:xfrm>
+        <a:graphic>
+          <a:graphicData uri="http://schemas.openxmlformats.org/drawingml/2006/table">
+            <a:tbl>
+              <a:tblPr firstRow="1" bandRow="1">
+                <a:tableStyleId>{5C22544A-7EE6-4342-B048-85BDC9FD1C3A}</a:tableStyleId>
+              </a:tblPr>
+              <a:tblGrid>
+                <a:gridCol w="1423737">
+                  <a:extLst>
+                    <a:ext uri="{9D8B030D-6E8A-4147-A177-3AD203B41FA5}">
+                      <a16:colId xmlns:a16="http://schemas.microsoft.com/office/drawing/2014/main" val="326280827"/>
+                    </a:ext>
+                  </a:extLst>
+                </a:gridCol>
+                <a:gridCol w="5586661">
+                  <a:extLst>
+                    <a:ext uri="{9D8B030D-6E8A-4147-A177-3AD203B41FA5}">
+                      <a16:colId xmlns:a16="http://schemas.microsoft.com/office/drawing/2014/main" val="2089160439"/>
+                    </a:ext>
+                  </a:extLst>
+                </a:gridCol>
+                <a:gridCol w="3505199">
+                  <a:extLst>
+                    <a:ext uri="{9D8B030D-6E8A-4147-A177-3AD203B41FA5}">
+                      <a16:colId xmlns:a16="http://schemas.microsoft.com/office/drawing/2014/main" val="4025820395"/>
+                    </a:ext>
+                  </a:extLst>
+                </a:gridCol>
+              </a:tblGrid>
+              <a:tr h="370840">
+                <a:tc>
+                  <a:txBody>
+                    <a:bodyPr/>
+                    <a:lstStyle/>
+                    <a:p>
+                      <a:pPr algn="ctr" latinLnBrk="1"/>
+                      <a:r>
+                        <a:rPr lang="ko-KR" altLang="en-US" dirty="0">
+                          <a:solidFill>
+                            <a:schemeClr val="tx1"/>
+                          </a:solidFill>
+                        </a:rPr>
+                        <a:t>도끼질</a:t>
+                      </a:r>
+                    </a:p>
+                  </a:txBody>
+                  <a:tcPr>
+                    <a:lnL w="12700" cap="flat" cmpd="sng" algn="ctr">
+                      <a:solidFill>
+                        <a:schemeClr val="tx1"/>
+                      </a:solidFill>
+                      <a:prstDash val="solid"/>
+                      <a:round/>
+                      <a:headEnd type="none" w="med" len="med"/>
+                      <a:tailEnd type="none" w="med" len="med"/>
+                    </a:lnL>
+                    <a:lnR w="12700" cap="flat" cmpd="sng" algn="ctr">
+                      <a:solidFill>
+                        <a:schemeClr val="tx1"/>
+                      </a:solidFill>
+                      <a:prstDash val="solid"/>
+                      <a:round/>
+                      <a:headEnd type="none" w="med" len="med"/>
+                      <a:tailEnd type="none" w="med" len="med"/>
+                    </a:lnR>
+                    <a:lnT w="12700" cap="flat" cmpd="sng" algn="ctr">
+                      <a:solidFill>
+                        <a:schemeClr val="tx1"/>
+                      </a:solidFill>
+                      <a:prstDash val="solid"/>
+                      <a:round/>
+                      <a:headEnd type="none" w="med" len="med"/>
+                      <a:tailEnd type="none" w="med" len="med"/>
+                    </a:lnT>
+                    <a:lnB w="12700" cap="flat" cmpd="sng" algn="ctr">
+                      <a:solidFill>
+                        <a:schemeClr val="tx1"/>
+                      </a:solidFill>
+                      <a:prstDash val="solid"/>
+                      <a:round/>
+                      <a:headEnd type="none" w="med" len="med"/>
+                      <a:tailEnd type="none" w="med" len="med"/>
+                    </a:lnB>
+                    <a:solidFill>
+                      <a:schemeClr val="accent4">
+                        <a:lumMod val="20000"/>
+                        <a:lumOff val="80000"/>
+                      </a:schemeClr>
+                    </a:solidFill>
+                  </a:tcPr>
+                </a:tc>
+                <a:tc>
+                  <a:txBody>
+                    <a:bodyPr/>
+                    <a:lstStyle/>
+                    <a:p>
+                      <a:pPr latinLnBrk="1"/>
+                      <a:endParaRPr lang="ko-KR" altLang="en-US" dirty="0">
+                        <a:solidFill>
+                          <a:schemeClr val="tx1"/>
+                        </a:solidFill>
+                      </a:endParaRPr>
+                    </a:p>
+                  </a:txBody>
+                  <a:tcPr>
+                    <a:lnL w="12700" cap="flat" cmpd="sng" algn="ctr">
+                      <a:solidFill>
+                        <a:schemeClr val="tx1"/>
+                      </a:solidFill>
+                      <a:prstDash val="solid"/>
+                      <a:round/>
+                      <a:headEnd type="none" w="med" len="med"/>
+                      <a:tailEnd type="none" w="med" len="med"/>
+                    </a:lnL>
+                    <a:lnR w="12700" cap="flat" cmpd="sng" algn="ctr">
+                      <a:solidFill>
+                        <a:schemeClr val="tx1"/>
+                      </a:solidFill>
+                      <a:prstDash val="solid"/>
+                      <a:round/>
+                      <a:headEnd type="none" w="med" len="med"/>
+                      <a:tailEnd type="none" w="med" len="med"/>
+                    </a:lnR>
+                    <a:lnT w="12700" cap="flat" cmpd="sng" algn="ctr">
+                      <a:solidFill>
+                        <a:schemeClr val="tx1"/>
+                      </a:solidFill>
+                      <a:prstDash val="solid"/>
+                      <a:round/>
+                      <a:headEnd type="none" w="med" len="med"/>
+                      <a:tailEnd type="none" w="med" len="med"/>
+                    </a:lnT>
+                    <a:lnB w="12700" cap="flat" cmpd="sng" algn="ctr">
+                      <a:solidFill>
+                        <a:schemeClr val="tx1"/>
+                      </a:solidFill>
+                      <a:prstDash val="solid"/>
+                      <a:round/>
+                      <a:headEnd type="none" w="med" len="med"/>
+                      <a:tailEnd type="none" w="med" len="med"/>
+                    </a:lnB>
+                    <a:solidFill>
+                      <a:schemeClr val="bg1"/>
+                    </a:solidFill>
+                  </a:tcPr>
+                </a:tc>
+                <a:tc>
+                  <a:txBody>
+                    <a:bodyPr/>
+                    <a:lstStyle/>
+                    <a:p>
+                      <a:pPr latinLnBrk="1"/>
+                      <a:endParaRPr lang="ko-KR" altLang="en-US" dirty="0">
+                        <a:solidFill>
+                          <a:schemeClr val="tx1"/>
+                        </a:solidFill>
+                      </a:endParaRPr>
+                    </a:p>
+                  </a:txBody>
+                  <a:tcPr>
+                    <a:lnL w="12700" cap="flat" cmpd="sng" algn="ctr">
+                      <a:solidFill>
+                        <a:schemeClr val="tx1"/>
+                      </a:solidFill>
+                      <a:prstDash val="solid"/>
+                      <a:round/>
+                      <a:headEnd type="none" w="med" len="med"/>
+                      <a:tailEnd type="none" w="med" len="med"/>
+                    </a:lnL>
+                    <a:lnR w="12700" cap="flat" cmpd="sng" algn="ctr">
+                      <a:solidFill>
+                        <a:schemeClr val="tx1"/>
+                      </a:solidFill>
+                      <a:prstDash val="solid"/>
+                      <a:round/>
+                      <a:headEnd type="none" w="med" len="med"/>
+                      <a:tailEnd type="none" w="med" len="med"/>
+                    </a:lnR>
+                    <a:lnT w="12700" cap="flat" cmpd="sng" algn="ctr">
+                      <a:solidFill>
+                        <a:schemeClr val="tx1"/>
+                      </a:solidFill>
+                      <a:prstDash val="solid"/>
+                      <a:round/>
+                      <a:headEnd type="none" w="med" len="med"/>
+                      <a:tailEnd type="none" w="med" len="med"/>
+                    </a:lnT>
+                    <a:lnB w="12700" cap="flat" cmpd="sng" algn="ctr">
+                      <a:solidFill>
+                        <a:schemeClr val="tx1"/>
+                      </a:solidFill>
+                      <a:prstDash val="solid"/>
+                      <a:round/>
+                      <a:headEnd type="none" w="med" len="med"/>
+                      <a:tailEnd type="none" w="med" len="med"/>
+                    </a:lnB>
+                    <a:solidFill>
+                      <a:schemeClr val="bg1"/>
+                    </a:solidFill>
+                  </a:tcPr>
+                </a:tc>
+                <a:extLst>
+                  <a:ext uri="{0D108BD9-81ED-4DB2-BD59-A6C34878D82A}">
+                    <a16:rowId xmlns:a16="http://schemas.microsoft.com/office/drawing/2014/main" val="2183773304"/>
+                  </a:ext>
+                </a:extLst>
+              </a:tr>
+              <a:tr h="370840">
+                <a:tc>
+                  <a:txBody>
+                    <a:bodyPr/>
+                    <a:lstStyle/>
+                    <a:p>
+                      <a:pPr algn="ctr" latinLnBrk="1"/>
+                      <a:r>
+                        <a:rPr lang="ko-KR" altLang="en-US" dirty="0">
+                          <a:solidFill>
+                            <a:schemeClr val="tx1"/>
+                          </a:solidFill>
+                        </a:rPr>
+                        <a:t>항해 시작</a:t>
+                      </a:r>
+                    </a:p>
+                  </a:txBody>
+                  <a:tcPr>
+                    <a:lnL w="12700" cap="flat" cmpd="sng" algn="ctr">
+                      <a:solidFill>
+                        <a:schemeClr val="tx1"/>
+                      </a:solidFill>
+                      <a:prstDash val="solid"/>
+                      <a:round/>
+                      <a:headEnd type="none" w="med" len="med"/>
+                      <a:tailEnd type="none" w="med" len="med"/>
+                    </a:lnL>
+                    <a:lnR w="12700" cap="flat" cmpd="sng" algn="ctr">
+                      <a:solidFill>
+                        <a:schemeClr val="tx1"/>
+                      </a:solidFill>
+                      <a:prstDash val="solid"/>
+                      <a:round/>
+                      <a:headEnd type="none" w="med" len="med"/>
+                      <a:tailEnd type="none" w="med" len="med"/>
+                    </a:lnR>
+                    <a:lnT w="12700" cap="flat" cmpd="sng" algn="ctr">
+                      <a:solidFill>
+                        <a:schemeClr val="tx1"/>
+                      </a:solidFill>
+                      <a:prstDash val="solid"/>
+                      <a:round/>
+                      <a:headEnd type="none" w="med" len="med"/>
+                      <a:tailEnd type="none" w="med" len="med"/>
+                    </a:lnT>
+                    <a:lnB w="12700" cap="flat" cmpd="sng" algn="ctr">
+                      <a:solidFill>
+                        <a:schemeClr val="tx1"/>
+                      </a:solidFill>
+                      <a:prstDash val="solid"/>
+                      <a:round/>
+                      <a:headEnd type="none" w="med" len="med"/>
+                      <a:tailEnd type="none" w="med" len="med"/>
+                    </a:lnB>
+                    <a:solidFill>
+                      <a:schemeClr val="accent4">
+                        <a:lumMod val="20000"/>
+                        <a:lumOff val="80000"/>
+                      </a:schemeClr>
+                    </a:solidFill>
+                  </a:tcPr>
+                </a:tc>
+                <a:tc>
+                  <a:txBody>
+                    <a:bodyPr/>
+                    <a:lstStyle/>
+                    <a:p>
+                      <a:pPr latinLnBrk="1"/>
+                      <a:endParaRPr lang="ko-KR" altLang="en-US" dirty="0">
+                        <a:solidFill>
+                          <a:schemeClr val="tx1"/>
+                        </a:solidFill>
+                      </a:endParaRPr>
+                    </a:p>
+                  </a:txBody>
+                  <a:tcPr>
+                    <a:lnL w="12700" cap="flat" cmpd="sng" algn="ctr">
+                      <a:solidFill>
+                        <a:schemeClr val="tx1"/>
+                      </a:solidFill>
+                      <a:prstDash val="solid"/>
+                      <a:round/>
+                      <a:headEnd type="none" w="med" len="med"/>
+                      <a:tailEnd type="none" w="med" len="med"/>
+                    </a:lnL>
+                    <a:lnR w="12700" cap="flat" cmpd="sng" algn="ctr">
+                      <a:solidFill>
+                        <a:schemeClr val="tx1"/>
+                      </a:solidFill>
+                      <a:prstDash val="solid"/>
+                      <a:round/>
+                      <a:headEnd type="none" w="med" len="med"/>
+                      <a:tailEnd type="none" w="med" len="med"/>
+                    </a:lnR>
+                    <a:lnT w="12700" cap="flat" cmpd="sng" algn="ctr">
+                      <a:solidFill>
+                        <a:schemeClr val="tx1"/>
+                      </a:solidFill>
+                      <a:prstDash val="solid"/>
+                      <a:round/>
+                      <a:headEnd type="none" w="med" len="med"/>
+                      <a:tailEnd type="none" w="med" len="med"/>
+                    </a:lnT>
+                    <a:lnB w="12700" cap="flat" cmpd="sng" algn="ctr">
+                      <a:solidFill>
+                        <a:schemeClr val="tx1"/>
+                      </a:solidFill>
+                      <a:prstDash val="solid"/>
+                      <a:round/>
+                      <a:headEnd type="none" w="med" len="med"/>
+                      <a:tailEnd type="none" w="med" len="med"/>
+                    </a:lnB>
+                    <a:solidFill>
+                      <a:schemeClr val="bg1"/>
+                    </a:solidFill>
+                  </a:tcPr>
+                </a:tc>
+                <a:tc>
+                  <a:txBody>
+                    <a:bodyPr/>
+                    <a:lstStyle/>
+                    <a:p>
+                      <a:pPr latinLnBrk="1"/>
+                      <a:endParaRPr lang="ko-KR" altLang="en-US" dirty="0">
+                        <a:solidFill>
+                          <a:schemeClr val="tx1"/>
+                        </a:solidFill>
+                      </a:endParaRPr>
+                    </a:p>
+                  </a:txBody>
+                  <a:tcPr>
+                    <a:lnL w="12700" cap="flat" cmpd="sng" algn="ctr">
+                      <a:solidFill>
+                        <a:schemeClr val="tx1"/>
+                      </a:solidFill>
+                      <a:prstDash val="solid"/>
+                      <a:round/>
+                      <a:headEnd type="none" w="med" len="med"/>
+                      <a:tailEnd type="none" w="med" len="med"/>
+                    </a:lnL>
+                    <a:lnR w="12700" cap="flat" cmpd="sng" algn="ctr">
+                      <a:solidFill>
+                        <a:schemeClr val="tx1"/>
+                      </a:solidFill>
+                      <a:prstDash val="solid"/>
+                      <a:round/>
+                      <a:headEnd type="none" w="med" len="med"/>
+                      <a:tailEnd type="none" w="med" len="med"/>
+                    </a:lnR>
+                    <a:lnT w="12700" cap="flat" cmpd="sng" algn="ctr">
+                      <a:solidFill>
+                        <a:schemeClr val="tx1"/>
+                      </a:solidFill>
+                      <a:prstDash val="solid"/>
+                      <a:round/>
+                      <a:headEnd type="none" w="med" len="med"/>
+                      <a:tailEnd type="none" w="med" len="med"/>
+                    </a:lnT>
+                    <a:lnB w="12700" cap="flat" cmpd="sng" algn="ctr">
+                      <a:solidFill>
+                        <a:schemeClr val="tx1"/>
+                      </a:solidFill>
+                      <a:prstDash val="solid"/>
+                      <a:round/>
+                      <a:headEnd type="none" w="med" len="med"/>
+                      <a:tailEnd type="none" w="med" len="med"/>
+                    </a:lnB>
+                    <a:solidFill>
+                      <a:schemeClr val="bg1"/>
+                    </a:solidFill>
+                  </a:tcPr>
+                </a:tc>
+                <a:extLst>
+                  <a:ext uri="{0D108BD9-81ED-4DB2-BD59-A6C34878D82A}">
+                    <a16:rowId xmlns:a16="http://schemas.microsoft.com/office/drawing/2014/main" val="2657461998"/>
+                  </a:ext>
+                </a:extLst>
+              </a:tr>
+              <a:tr h="370840">
+                <a:tc>
+                  <a:txBody>
+                    <a:bodyPr/>
+                    <a:lstStyle/>
+                    <a:p>
+                      <a:pPr algn="ctr" latinLnBrk="1"/>
+                      <a:r>
+                        <a:rPr lang="ko-KR" altLang="en-US" dirty="0" err="1">
+                          <a:solidFill>
+                            <a:schemeClr val="tx1"/>
+                          </a:solidFill>
+                        </a:rPr>
+                        <a:t>벌꿀주</a:t>
+                      </a:r>
+                      <a:endParaRPr lang="ko-KR" altLang="en-US" dirty="0">
+                        <a:solidFill>
+                          <a:schemeClr val="tx1"/>
+                        </a:solidFill>
+                      </a:endParaRPr>
+                    </a:p>
+                  </a:txBody>
+                  <a:tcPr>
+                    <a:lnL w="12700" cap="flat" cmpd="sng" algn="ctr">
+                      <a:solidFill>
+                        <a:schemeClr val="tx1"/>
+                      </a:solidFill>
+                      <a:prstDash val="solid"/>
+                      <a:round/>
+                      <a:headEnd type="none" w="med" len="med"/>
+                      <a:tailEnd type="none" w="med" len="med"/>
+                    </a:lnL>
+                    <a:lnR w="12700" cap="flat" cmpd="sng" algn="ctr">
+                      <a:solidFill>
+                        <a:schemeClr val="tx1"/>
+                      </a:solidFill>
+                      <a:prstDash val="solid"/>
+                      <a:round/>
+                      <a:headEnd type="none" w="med" len="med"/>
+                      <a:tailEnd type="none" w="med" len="med"/>
+                    </a:lnR>
+                    <a:lnT w="12700" cap="flat" cmpd="sng" algn="ctr">
+                      <a:solidFill>
+                        <a:schemeClr val="tx1"/>
+                      </a:solidFill>
+                      <a:prstDash val="solid"/>
+                      <a:round/>
+                      <a:headEnd type="none" w="med" len="med"/>
+                      <a:tailEnd type="none" w="med" len="med"/>
+                    </a:lnT>
+                    <a:lnB w="12700" cap="flat" cmpd="sng" algn="ctr">
+                      <a:solidFill>
+                        <a:schemeClr val="tx1"/>
+                      </a:solidFill>
+                      <a:prstDash val="solid"/>
+                      <a:round/>
+                      <a:headEnd type="none" w="med" len="med"/>
+                      <a:tailEnd type="none" w="med" len="med"/>
+                    </a:lnB>
+                    <a:solidFill>
+                      <a:schemeClr val="accent4">
+                        <a:lumMod val="20000"/>
+                        <a:lumOff val="80000"/>
+                      </a:schemeClr>
+                    </a:solidFill>
+                  </a:tcPr>
+                </a:tc>
+                <a:tc>
+                  <a:txBody>
+                    <a:bodyPr/>
+                    <a:lstStyle/>
+                    <a:p>
+                      <a:pPr latinLnBrk="1"/>
+                      <a:endParaRPr lang="ko-KR" altLang="en-US" dirty="0">
+                        <a:solidFill>
+                          <a:schemeClr val="tx1"/>
+                        </a:solidFill>
+                      </a:endParaRPr>
+                    </a:p>
+                  </a:txBody>
+                  <a:tcPr>
+                    <a:lnL w="12700" cap="flat" cmpd="sng" algn="ctr">
+                      <a:solidFill>
+                        <a:schemeClr val="tx1"/>
+                      </a:solidFill>
+                      <a:prstDash val="solid"/>
+                      <a:round/>
+                      <a:headEnd type="none" w="med" len="med"/>
+                      <a:tailEnd type="none" w="med" len="med"/>
+                    </a:lnL>
+                    <a:lnR w="12700" cap="flat" cmpd="sng" algn="ctr">
+                      <a:solidFill>
+                        <a:schemeClr val="tx1"/>
+                      </a:solidFill>
+                      <a:prstDash val="solid"/>
+                      <a:round/>
+                      <a:headEnd type="none" w="med" len="med"/>
+                      <a:tailEnd type="none" w="med" len="med"/>
+                    </a:lnR>
+                    <a:lnT w="12700" cap="flat" cmpd="sng" algn="ctr">
+                      <a:solidFill>
+                        <a:schemeClr val="tx1"/>
+                      </a:solidFill>
+                      <a:prstDash val="solid"/>
+                      <a:round/>
+                      <a:headEnd type="none" w="med" len="med"/>
+                      <a:tailEnd type="none" w="med" len="med"/>
+                    </a:lnT>
+                    <a:lnB w="12700" cap="flat" cmpd="sng" algn="ctr">
+                      <a:solidFill>
+                        <a:schemeClr val="tx1"/>
+                      </a:solidFill>
+                      <a:prstDash val="solid"/>
+                      <a:round/>
+                      <a:headEnd type="none" w="med" len="med"/>
+                      <a:tailEnd type="none" w="med" len="med"/>
+                    </a:lnB>
+                    <a:solidFill>
+                      <a:schemeClr val="bg1"/>
+                    </a:solidFill>
+                  </a:tcPr>
+                </a:tc>
+                <a:tc>
+                  <a:txBody>
+                    <a:bodyPr/>
+                    <a:lstStyle/>
+                    <a:p>
+                      <a:pPr latinLnBrk="1"/>
+                      <a:endParaRPr lang="ko-KR" altLang="en-US" dirty="0">
+                        <a:solidFill>
+                          <a:schemeClr val="tx1"/>
+                        </a:solidFill>
+                      </a:endParaRPr>
+                    </a:p>
+                  </a:txBody>
+                  <a:tcPr>
+                    <a:lnL w="12700" cap="flat" cmpd="sng" algn="ctr">
+                      <a:solidFill>
+                        <a:schemeClr val="tx1"/>
+                      </a:solidFill>
+                      <a:prstDash val="solid"/>
+                      <a:round/>
+                      <a:headEnd type="none" w="med" len="med"/>
+                      <a:tailEnd type="none" w="med" len="med"/>
+                    </a:lnL>
+                    <a:lnR w="12700" cap="flat" cmpd="sng" algn="ctr">
+                      <a:solidFill>
+                        <a:schemeClr val="tx1"/>
+                      </a:solidFill>
+                      <a:prstDash val="solid"/>
+                      <a:round/>
+                      <a:headEnd type="none" w="med" len="med"/>
+                      <a:tailEnd type="none" w="med" len="med"/>
+                    </a:lnR>
+                    <a:lnT w="12700" cap="flat" cmpd="sng" algn="ctr">
+                      <a:solidFill>
+                        <a:schemeClr val="tx1"/>
+                      </a:solidFill>
+                      <a:prstDash val="solid"/>
+                      <a:round/>
+                      <a:headEnd type="none" w="med" len="med"/>
+                      <a:tailEnd type="none" w="med" len="med"/>
+                    </a:lnT>
+                    <a:lnB w="12700" cap="flat" cmpd="sng" algn="ctr">
+                      <a:solidFill>
+                        <a:schemeClr val="tx1"/>
+                      </a:solidFill>
+                      <a:prstDash val="solid"/>
+                      <a:round/>
+                      <a:headEnd type="none" w="med" len="med"/>
+                      <a:tailEnd type="none" w="med" len="med"/>
+                    </a:lnB>
+                    <a:solidFill>
+                      <a:schemeClr val="bg1"/>
+                    </a:solidFill>
+                  </a:tcPr>
+                </a:tc>
+                <a:extLst>
+                  <a:ext uri="{0D108BD9-81ED-4DB2-BD59-A6C34878D82A}">
+                    <a16:rowId xmlns:a16="http://schemas.microsoft.com/office/drawing/2014/main" val="413906600"/>
+                  </a:ext>
+                </a:extLst>
+              </a:tr>
+              <a:tr h="370840">
+                <a:tc>
+                  <a:txBody>
+                    <a:bodyPr/>
+                    <a:lstStyle/>
+                    <a:p>
+                      <a:pPr algn="ctr" latinLnBrk="1"/>
+                      <a:endParaRPr lang="ko-KR" altLang="en-US" dirty="0">
+                        <a:solidFill>
+                          <a:schemeClr val="tx1"/>
+                        </a:solidFill>
+                      </a:endParaRPr>
+                    </a:p>
+                  </a:txBody>
+                  <a:tcPr>
+                    <a:lnL w="12700" cap="flat" cmpd="sng" algn="ctr">
+                      <a:solidFill>
+                        <a:schemeClr val="tx1"/>
+                      </a:solidFill>
+                      <a:prstDash val="solid"/>
+                      <a:round/>
+                      <a:headEnd type="none" w="med" len="med"/>
+                      <a:tailEnd type="none" w="med" len="med"/>
+                    </a:lnL>
+                    <a:lnR w="12700" cap="flat" cmpd="sng" algn="ctr">
+                      <a:solidFill>
+                        <a:schemeClr val="tx1"/>
+                      </a:solidFill>
+                      <a:prstDash val="solid"/>
+                      <a:round/>
+                      <a:headEnd type="none" w="med" len="med"/>
+                      <a:tailEnd type="none" w="med" len="med"/>
+                    </a:lnR>
+                    <a:lnT w="12700" cap="flat" cmpd="sng" algn="ctr">
+                      <a:solidFill>
+                        <a:schemeClr val="tx1"/>
+                      </a:solidFill>
+                      <a:prstDash val="solid"/>
+                      <a:round/>
+                      <a:headEnd type="none" w="med" len="med"/>
+                      <a:tailEnd type="none" w="med" len="med"/>
+                    </a:lnT>
+                    <a:lnB w="12700" cap="flat" cmpd="sng" algn="ctr">
+                      <a:solidFill>
+                        <a:schemeClr val="tx1"/>
+                      </a:solidFill>
+                      <a:prstDash val="solid"/>
+                      <a:round/>
+                      <a:headEnd type="none" w="med" len="med"/>
+                      <a:tailEnd type="none" w="med" len="med"/>
+                    </a:lnB>
+                    <a:solidFill>
+                      <a:schemeClr val="accent4">
+                        <a:lumMod val="20000"/>
+                        <a:lumOff val="80000"/>
+                      </a:schemeClr>
+                    </a:solidFill>
+                  </a:tcPr>
+                </a:tc>
+                <a:tc>
+                  <a:txBody>
+                    <a:bodyPr/>
+                    <a:lstStyle/>
+                    <a:p>
+                      <a:pPr latinLnBrk="1"/>
+                      <a:endParaRPr lang="ko-KR" altLang="en-US" dirty="0">
+                        <a:solidFill>
+                          <a:schemeClr val="tx1"/>
+                        </a:solidFill>
+                      </a:endParaRPr>
+                    </a:p>
+                  </a:txBody>
+                  <a:tcPr>
+                    <a:lnL w="12700" cap="flat" cmpd="sng" algn="ctr">
+                      <a:solidFill>
+                        <a:schemeClr val="tx1"/>
+                      </a:solidFill>
+                      <a:prstDash val="solid"/>
+                      <a:round/>
+                      <a:headEnd type="none" w="med" len="med"/>
+                      <a:tailEnd type="none" w="med" len="med"/>
+                    </a:lnL>
+                    <a:lnR w="12700" cap="flat" cmpd="sng" algn="ctr">
+                      <a:solidFill>
+                        <a:schemeClr val="tx1"/>
+                      </a:solidFill>
+                      <a:prstDash val="solid"/>
+                      <a:round/>
+                      <a:headEnd type="none" w="med" len="med"/>
+                      <a:tailEnd type="none" w="med" len="med"/>
+                    </a:lnR>
+                    <a:lnT w="12700" cap="flat" cmpd="sng" algn="ctr">
+                      <a:solidFill>
+                        <a:schemeClr val="tx1"/>
+                      </a:solidFill>
+                      <a:prstDash val="solid"/>
+                      <a:round/>
+                      <a:headEnd type="none" w="med" len="med"/>
+                      <a:tailEnd type="none" w="med" len="med"/>
+                    </a:lnT>
+                    <a:lnB w="12700" cap="flat" cmpd="sng" algn="ctr">
+                      <a:solidFill>
+                        <a:schemeClr val="tx1"/>
+                      </a:solidFill>
+                      <a:prstDash val="solid"/>
+                      <a:round/>
+                      <a:headEnd type="none" w="med" len="med"/>
+                      <a:tailEnd type="none" w="med" len="med"/>
+                    </a:lnB>
+                    <a:solidFill>
+                      <a:schemeClr val="bg1"/>
+                    </a:solidFill>
+                  </a:tcPr>
+                </a:tc>
+                <a:tc>
+                  <a:txBody>
+                    <a:bodyPr/>
+                    <a:lstStyle/>
+                    <a:p>
+                      <a:pPr latinLnBrk="1"/>
+                      <a:endParaRPr lang="ko-KR" altLang="en-US" dirty="0">
+                        <a:solidFill>
+                          <a:schemeClr val="tx1"/>
+                        </a:solidFill>
+                      </a:endParaRPr>
+                    </a:p>
+                  </a:txBody>
+                  <a:tcPr>
+                    <a:lnL w="12700" cap="flat" cmpd="sng" algn="ctr">
+                      <a:solidFill>
+                        <a:schemeClr val="tx1"/>
+                      </a:solidFill>
+                      <a:prstDash val="solid"/>
+                      <a:round/>
+                      <a:headEnd type="none" w="med" len="med"/>
+                      <a:tailEnd type="none" w="med" len="med"/>
+                    </a:lnL>
+                    <a:lnR w="12700" cap="flat" cmpd="sng" algn="ctr">
+                      <a:solidFill>
+                        <a:schemeClr val="tx1"/>
+                      </a:solidFill>
+                      <a:prstDash val="solid"/>
+                      <a:round/>
+                      <a:headEnd type="none" w="med" len="med"/>
+                      <a:tailEnd type="none" w="med" len="med"/>
+                    </a:lnR>
+                    <a:lnT w="12700" cap="flat" cmpd="sng" algn="ctr">
+                      <a:solidFill>
+                        <a:schemeClr val="tx1"/>
+                      </a:solidFill>
+                      <a:prstDash val="solid"/>
+                      <a:round/>
+                      <a:headEnd type="none" w="med" len="med"/>
+                      <a:tailEnd type="none" w="med" len="med"/>
+                    </a:lnT>
+                    <a:lnB w="12700" cap="flat" cmpd="sng" algn="ctr">
+                      <a:solidFill>
+                        <a:schemeClr val="tx1"/>
+                      </a:solidFill>
+                      <a:prstDash val="solid"/>
+                      <a:round/>
+                      <a:headEnd type="none" w="med" len="med"/>
+                      <a:tailEnd type="none" w="med" len="med"/>
+                    </a:lnB>
+                    <a:solidFill>
+                      <a:schemeClr val="bg1"/>
+                    </a:solidFill>
+                  </a:tcPr>
+                </a:tc>
+                <a:extLst>
+                  <a:ext uri="{0D108BD9-81ED-4DB2-BD59-A6C34878D82A}">
+                    <a16:rowId xmlns:a16="http://schemas.microsoft.com/office/drawing/2014/main" val="3283850315"/>
+                  </a:ext>
+                </a:extLst>
+              </a:tr>
+              <a:tr h="370840">
+                <a:tc>
+                  <a:txBody>
+                    <a:bodyPr/>
+                    <a:lstStyle/>
+                    <a:p>
+                      <a:pPr algn="ctr" latinLnBrk="1"/>
+                      <a:endParaRPr lang="ko-KR" altLang="en-US" dirty="0">
+                        <a:solidFill>
+                          <a:schemeClr val="tx1"/>
+                        </a:solidFill>
+                      </a:endParaRPr>
+                    </a:p>
+                  </a:txBody>
+                  <a:tcPr>
+                    <a:lnL w="12700" cap="flat" cmpd="sng" algn="ctr">
+                      <a:solidFill>
+                        <a:schemeClr val="tx1"/>
+                      </a:solidFill>
+                      <a:prstDash val="solid"/>
+                      <a:round/>
+                      <a:headEnd type="none" w="med" len="med"/>
+                      <a:tailEnd type="none" w="med" len="med"/>
+                    </a:lnL>
+                    <a:lnR w="12700" cap="flat" cmpd="sng" algn="ctr">
+                      <a:solidFill>
+                        <a:schemeClr val="tx1"/>
+                      </a:solidFill>
+                      <a:prstDash val="solid"/>
+                      <a:round/>
+                      <a:headEnd type="none" w="med" len="med"/>
+                      <a:tailEnd type="none" w="med" len="med"/>
+                    </a:lnR>
+                    <a:lnT w="12700" cap="flat" cmpd="sng" algn="ctr">
+                      <a:solidFill>
+                        <a:schemeClr val="tx1"/>
+                      </a:solidFill>
+                      <a:prstDash val="solid"/>
+                      <a:round/>
+                      <a:headEnd type="none" w="med" len="med"/>
+                      <a:tailEnd type="none" w="med" len="med"/>
+                    </a:lnT>
+                    <a:lnB w="12700" cap="flat" cmpd="sng" algn="ctr">
+                      <a:solidFill>
+                        <a:schemeClr val="tx1"/>
+                      </a:solidFill>
+                      <a:prstDash val="solid"/>
+                      <a:round/>
+                      <a:headEnd type="none" w="med" len="med"/>
+                      <a:tailEnd type="none" w="med" len="med"/>
+                    </a:lnB>
+                    <a:solidFill>
+                      <a:schemeClr val="accent1">
+                        <a:lumMod val="60000"/>
+                        <a:lumOff val="40000"/>
+                      </a:schemeClr>
+                    </a:solidFill>
+                  </a:tcPr>
+                </a:tc>
+                <a:tc>
+                  <a:txBody>
+                    <a:bodyPr/>
+                    <a:lstStyle/>
+                    <a:p>
+                      <a:pPr latinLnBrk="1"/>
+                      <a:endParaRPr lang="ko-KR" altLang="en-US" dirty="0">
+                        <a:solidFill>
+                          <a:schemeClr val="tx1"/>
+                        </a:solidFill>
+                      </a:endParaRPr>
+                    </a:p>
+                  </a:txBody>
+                  <a:tcPr>
+                    <a:lnL w="12700" cap="flat" cmpd="sng" algn="ctr">
+                      <a:solidFill>
+                        <a:schemeClr val="tx1"/>
+                      </a:solidFill>
+                      <a:prstDash val="solid"/>
+                      <a:round/>
+                      <a:headEnd type="none" w="med" len="med"/>
+                      <a:tailEnd type="none" w="med" len="med"/>
+                    </a:lnL>
+                    <a:lnR w="12700" cap="flat" cmpd="sng" algn="ctr">
+                      <a:solidFill>
+                        <a:schemeClr val="tx1"/>
+                      </a:solidFill>
+                      <a:prstDash val="solid"/>
+                      <a:round/>
+                      <a:headEnd type="none" w="med" len="med"/>
+                      <a:tailEnd type="none" w="med" len="med"/>
+                    </a:lnR>
+                    <a:lnT w="12700" cap="flat" cmpd="sng" algn="ctr">
+                      <a:solidFill>
+                        <a:schemeClr val="tx1"/>
+                      </a:solidFill>
+                      <a:prstDash val="solid"/>
+                      <a:round/>
+                      <a:headEnd type="none" w="med" len="med"/>
+                      <a:tailEnd type="none" w="med" len="med"/>
+                    </a:lnT>
+                    <a:lnB w="12700" cap="flat" cmpd="sng" algn="ctr">
+                      <a:solidFill>
+                        <a:schemeClr val="tx1"/>
+                      </a:solidFill>
+                      <a:prstDash val="solid"/>
+                      <a:round/>
+                      <a:headEnd type="none" w="med" len="med"/>
+                      <a:tailEnd type="none" w="med" len="med"/>
+                    </a:lnB>
+                    <a:solidFill>
+                      <a:schemeClr val="bg1"/>
+                    </a:solidFill>
+                  </a:tcPr>
+                </a:tc>
+                <a:tc>
+                  <a:txBody>
+                    <a:bodyPr/>
+                    <a:lstStyle/>
+                    <a:p>
+                      <a:pPr latinLnBrk="1"/>
+                      <a:endParaRPr lang="ko-KR" altLang="en-US" dirty="0">
+                        <a:solidFill>
+                          <a:schemeClr val="tx1"/>
+                        </a:solidFill>
+                      </a:endParaRPr>
+                    </a:p>
+                  </a:txBody>
+                  <a:tcPr>
+                    <a:lnL w="12700" cap="flat" cmpd="sng" algn="ctr">
+                      <a:solidFill>
+                        <a:schemeClr val="tx1"/>
+                      </a:solidFill>
+                      <a:prstDash val="solid"/>
+                      <a:round/>
+                      <a:headEnd type="none" w="med" len="med"/>
+                      <a:tailEnd type="none" w="med" len="med"/>
+                    </a:lnL>
+                    <a:lnR w="12700" cap="flat" cmpd="sng" algn="ctr">
+                      <a:solidFill>
+                        <a:schemeClr val="tx1"/>
+                      </a:solidFill>
+                      <a:prstDash val="solid"/>
+                      <a:round/>
+                      <a:headEnd type="none" w="med" len="med"/>
+                      <a:tailEnd type="none" w="med" len="med"/>
+                    </a:lnR>
+                    <a:lnT w="12700" cap="flat" cmpd="sng" algn="ctr">
+                      <a:solidFill>
+                        <a:schemeClr val="tx1"/>
+                      </a:solidFill>
+                      <a:prstDash val="solid"/>
+                      <a:round/>
+                      <a:headEnd type="none" w="med" len="med"/>
+                      <a:tailEnd type="none" w="med" len="med"/>
+                    </a:lnT>
+                    <a:lnB w="12700" cap="flat" cmpd="sng" algn="ctr">
+                      <a:solidFill>
+                        <a:schemeClr val="tx1"/>
+                      </a:solidFill>
+                      <a:prstDash val="solid"/>
+                      <a:round/>
+                      <a:headEnd type="none" w="med" len="med"/>
+                      <a:tailEnd type="none" w="med" len="med"/>
+                    </a:lnB>
+                    <a:solidFill>
+                      <a:schemeClr val="bg1"/>
+                    </a:solidFill>
+                  </a:tcPr>
+                </a:tc>
+                <a:extLst>
+                  <a:ext uri="{0D108BD9-81ED-4DB2-BD59-A6C34878D82A}">
+                    <a16:rowId xmlns:a16="http://schemas.microsoft.com/office/drawing/2014/main" val="115049388"/>
+                  </a:ext>
+                </a:extLst>
+              </a:tr>
+              <a:tr h="370840">
+                <a:tc>
+                  <a:txBody>
+                    <a:bodyPr/>
+                    <a:lstStyle/>
+                    <a:p>
+                      <a:pPr algn="ctr" latinLnBrk="1"/>
+                      <a:endParaRPr lang="ko-KR" altLang="en-US" dirty="0">
+                        <a:solidFill>
+                          <a:schemeClr val="tx1"/>
+                        </a:solidFill>
+                      </a:endParaRPr>
+                    </a:p>
+                  </a:txBody>
+                  <a:tcPr>
+                    <a:lnL w="12700" cap="flat" cmpd="sng" algn="ctr">
+                      <a:solidFill>
+                        <a:schemeClr val="tx1"/>
+                      </a:solidFill>
+                      <a:prstDash val="solid"/>
+                      <a:round/>
+                      <a:headEnd type="none" w="med" len="med"/>
+                      <a:tailEnd type="none" w="med" len="med"/>
+                    </a:lnL>
+                    <a:lnR w="12700" cap="flat" cmpd="sng" algn="ctr">
+                      <a:solidFill>
+                        <a:schemeClr val="tx1"/>
+                      </a:solidFill>
+                      <a:prstDash val="solid"/>
+                      <a:round/>
+                      <a:headEnd type="none" w="med" len="med"/>
+                      <a:tailEnd type="none" w="med" len="med"/>
+                    </a:lnR>
+                    <a:lnT w="12700" cap="flat" cmpd="sng" algn="ctr">
+                      <a:solidFill>
+                        <a:schemeClr val="tx1"/>
+                      </a:solidFill>
+                      <a:prstDash val="solid"/>
+                      <a:round/>
+                      <a:headEnd type="none" w="med" len="med"/>
+                      <a:tailEnd type="none" w="med" len="med"/>
+                    </a:lnT>
+                    <a:lnB w="12700" cap="flat" cmpd="sng" algn="ctr">
+                      <a:solidFill>
+                        <a:schemeClr val="tx1"/>
+                      </a:solidFill>
+                      <a:prstDash val="solid"/>
+                      <a:round/>
+                      <a:headEnd type="none" w="med" len="med"/>
+                      <a:tailEnd type="none" w="med" len="med"/>
+                    </a:lnB>
+                    <a:solidFill>
+                      <a:schemeClr val="accent1">
+                        <a:lumMod val="60000"/>
+                        <a:lumOff val="40000"/>
+                      </a:schemeClr>
+                    </a:solidFill>
+                  </a:tcPr>
+                </a:tc>
+                <a:tc>
+                  <a:txBody>
+                    <a:bodyPr/>
+                    <a:lstStyle/>
+                    <a:p>
+                      <a:pPr latinLnBrk="1"/>
+                      <a:endParaRPr lang="ko-KR" altLang="en-US" dirty="0">
+                        <a:solidFill>
+                          <a:schemeClr val="tx1"/>
+                        </a:solidFill>
+                      </a:endParaRPr>
+                    </a:p>
+                  </a:txBody>
+                  <a:tcPr>
+                    <a:lnL w="12700" cap="flat" cmpd="sng" algn="ctr">
+                      <a:solidFill>
+                        <a:schemeClr val="tx1"/>
+                      </a:solidFill>
+                      <a:prstDash val="solid"/>
+                      <a:round/>
+                      <a:headEnd type="none" w="med" len="med"/>
+                      <a:tailEnd type="none" w="med" len="med"/>
+                    </a:lnL>
+                    <a:lnR w="12700" cap="flat" cmpd="sng" algn="ctr">
+                      <a:solidFill>
+                        <a:schemeClr val="tx1"/>
+                      </a:solidFill>
+                      <a:prstDash val="solid"/>
+                      <a:round/>
+                      <a:headEnd type="none" w="med" len="med"/>
+                      <a:tailEnd type="none" w="med" len="med"/>
+                    </a:lnR>
+                    <a:lnT w="12700" cap="flat" cmpd="sng" algn="ctr">
+                      <a:solidFill>
+                        <a:schemeClr val="tx1"/>
+                      </a:solidFill>
+                      <a:prstDash val="solid"/>
+                      <a:round/>
+                      <a:headEnd type="none" w="med" len="med"/>
+                      <a:tailEnd type="none" w="med" len="med"/>
+                    </a:lnT>
+                    <a:lnB w="12700" cap="flat" cmpd="sng" algn="ctr">
+                      <a:solidFill>
+                        <a:schemeClr val="tx1"/>
+                      </a:solidFill>
+                      <a:prstDash val="solid"/>
+                      <a:round/>
+                      <a:headEnd type="none" w="med" len="med"/>
+                      <a:tailEnd type="none" w="med" len="med"/>
+                    </a:lnB>
+                    <a:solidFill>
+                      <a:schemeClr val="bg1"/>
+                    </a:solidFill>
+                  </a:tcPr>
+                </a:tc>
+                <a:tc>
+                  <a:txBody>
+                    <a:bodyPr/>
+                    <a:lstStyle/>
+                    <a:p>
+                      <a:pPr latinLnBrk="1"/>
+                      <a:endParaRPr lang="ko-KR" altLang="en-US" dirty="0">
+                        <a:solidFill>
+                          <a:schemeClr val="tx1"/>
+                        </a:solidFill>
+                      </a:endParaRPr>
+                    </a:p>
+                  </a:txBody>
+                  <a:tcPr>
+                    <a:lnL w="12700" cap="flat" cmpd="sng" algn="ctr">
+                      <a:solidFill>
+                        <a:schemeClr val="tx1"/>
+                      </a:solidFill>
+                      <a:prstDash val="solid"/>
+                      <a:round/>
+                      <a:headEnd type="none" w="med" len="med"/>
+                      <a:tailEnd type="none" w="med" len="med"/>
+                    </a:lnL>
+                    <a:lnR w="12700" cap="flat" cmpd="sng" algn="ctr">
+                      <a:solidFill>
+                        <a:schemeClr val="tx1"/>
+                      </a:solidFill>
+                      <a:prstDash val="solid"/>
+                      <a:round/>
+                      <a:headEnd type="none" w="med" len="med"/>
+                      <a:tailEnd type="none" w="med" len="med"/>
+                    </a:lnR>
+                    <a:lnT w="12700" cap="flat" cmpd="sng" algn="ctr">
+                      <a:solidFill>
+                        <a:schemeClr val="tx1"/>
+                      </a:solidFill>
+                      <a:prstDash val="solid"/>
+                      <a:round/>
+                      <a:headEnd type="none" w="med" len="med"/>
+                      <a:tailEnd type="none" w="med" len="med"/>
+                    </a:lnT>
+                    <a:lnB w="12700" cap="flat" cmpd="sng" algn="ctr">
+                      <a:solidFill>
+                        <a:schemeClr val="tx1"/>
+                      </a:solidFill>
+                      <a:prstDash val="solid"/>
+                      <a:round/>
+                      <a:headEnd type="none" w="med" len="med"/>
+                      <a:tailEnd type="none" w="med" len="med"/>
+                    </a:lnB>
+                    <a:solidFill>
+                      <a:schemeClr val="bg1"/>
+                    </a:solidFill>
+                  </a:tcPr>
+                </a:tc>
+                <a:extLst>
+                  <a:ext uri="{0D108BD9-81ED-4DB2-BD59-A6C34878D82A}">
+                    <a16:rowId xmlns:a16="http://schemas.microsoft.com/office/drawing/2014/main" val="1482916371"/>
+                  </a:ext>
+                </a:extLst>
+              </a:tr>
+              <a:tr h="370840">
+                <a:tc>
+                  <a:txBody>
+                    <a:bodyPr/>
+                    <a:lstStyle/>
+                    <a:p>
+                      <a:pPr algn="ctr" latinLnBrk="1"/>
+                      <a:endParaRPr lang="ko-KR" altLang="en-US" dirty="0">
+                        <a:solidFill>
+                          <a:schemeClr val="tx1"/>
+                        </a:solidFill>
+                      </a:endParaRPr>
+                    </a:p>
+                  </a:txBody>
+                  <a:tcPr>
+                    <a:lnL w="12700" cap="flat" cmpd="sng" algn="ctr">
+                      <a:solidFill>
+                        <a:schemeClr val="tx1"/>
+                      </a:solidFill>
+                      <a:prstDash val="solid"/>
+                      <a:round/>
+                      <a:headEnd type="none" w="med" len="med"/>
+                      <a:tailEnd type="none" w="med" len="med"/>
+                    </a:lnL>
+                    <a:lnR w="12700" cap="flat" cmpd="sng" algn="ctr">
+                      <a:solidFill>
+                        <a:schemeClr val="tx1"/>
+                      </a:solidFill>
+                      <a:prstDash val="solid"/>
+                      <a:round/>
+                      <a:headEnd type="none" w="med" len="med"/>
+                      <a:tailEnd type="none" w="med" len="med"/>
+                    </a:lnR>
+                    <a:lnT w="12700" cap="flat" cmpd="sng" algn="ctr">
+                      <a:solidFill>
+                        <a:schemeClr val="tx1"/>
+                      </a:solidFill>
+                      <a:prstDash val="solid"/>
+                      <a:round/>
+                      <a:headEnd type="none" w="med" len="med"/>
+                      <a:tailEnd type="none" w="med" len="med"/>
+                    </a:lnT>
+                    <a:lnB w="12700" cap="flat" cmpd="sng" algn="ctr">
+                      <a:solidFill>
+                        <a:schemeClr val="tx1"/>
+                      </a:solidFill>
+                      <a:prstDash val="solid"/>
+                      <a:round/>
+                      <a:headEnd type="none" w="med" len="med"/>
+                      <a:tailEnd type="none" w="med" len="med"/>
+                    </a:lnB>
+                    <a:solidFill>
+                      <a:schemeClr val="accent1">
+                        <a:lumMod val="60000"/>
+                        <a:lumOff val="40000"/>
+                      </a:schemeClr>
+                    </a:solidFill>
+                  </a:tcPr>
+                </a:tc>
+                <a:tc>
+                  <a:txBody>
+                    <a:bodyPr/>
+                    <a:lstStyle/>
+                    <a:p>
+                      <a:pPr latinLnBrk="1"/>
+                      <a:endParaRPr lang="ko-KR" altLang="en-US" dirty="0">
+                        <a:solidFill>
+                          <a:schemeClr val="tx1"/>
+                        </a:solidFill>
+                      </a:endParaRPr>
+                    </a:p>
+                  </a:txBody>
+                  <a:tcPr>
+                    <a:lnL w="12700" cap="flat" cmpd="sng" algn="ctr">
+                      <a:solidFill>
+                        <a:schemeClr val="tx1"/>
+                      </a:solidFill>
+                      <a:prstDash val="solid"/>
+                      <a:round/>
+                      <a:headEnd type="none" w="med" len="med"/>
+                      <a:tailEnd type="none" w="med" len="med"/>
+                    </a:lnL>
+                    <a:lnR w="12700" cap="flat" cmpd="sng" algn="ctr">
+                      <a:solidFill>
+                        <a:schemeClr val="tx1"/>
+                      </a:solidFill>
+                      <a:prstDash val="solid"/>
+                      <a:round/>
+                      <a:headEnd type="none" w="med" len="med"/>
+                      <a:tailEnd type="none" w="med" len="med"/>
+                    </a:lnR>
+                    <a:lnT w="12700" cap="flat" cmpd="sng" algn="ctr">
+                      <a:solidFill>
+                        <a:schemeClr val="tx1"/>
+                      </a:solidFill>
+                      <a:prstDash val="solid"/>
+                      <a:round/>
+                      <a:headEnd type="none" w="med" len="med"/>
+                      <a:tailEnd type="none" w="med" len="med"/>
+                    </a:lnT>
+                    <a:lnB w="12700" cap="flat" cmpd="sng" algn="ctr">
+                      <a:solidFill>
+                        <a:schemeClr val="tx1"/>
+                      </a:solidFill>
+                      <a:prstDash val="solid"/>
+                      <a:round/>
+                      <a:headEnd type="none" w="med" len="med"/>
+                      <a:tailEnd type="none" w="med" len="med"/>
+                    </a:lnB>
+                    <a:solidFill>
+                      <a:schemeClr val="bg1"/>
+                    </a:solidFill>
+                  </a:tcPr>
+                </a:tc>
+                <a:tc>
+                  <a:txBody>
+                    <a:bodyPr/>
+                    <a:lstStyle/>
+                    <a:p>
+                      <a:pPr latinLnBrk="1"/>
+                      <a:endParaRPr lang="ko-KR" altLang="en-US" dirty="0">
+                        <a:solidFill>
+                          <a:schemeClr val="tx1"/>
+                        </a:solidFill>
+                      </a:endParaRPr>
+                    </a:p>
+                  </a:txBody>
+                  <a:tcPr>
+                    <a:lnL w="12700" cap="flat" cmpd="sng" algn="ctr">
+                      <a:solidFill>
+                        <a:schemeClr val="tx1"/>
+                      </a:solidFill>
+                      <a:prstDash val="solid"/>
+                      <a:round/>
+                      <a:headEnd type="none" w="med" len="med"/>
+                      <a:tailEnd type="none" w="med" len="med"/>
+                    </a:lnL>
+                    <a:lnR w="12700" cap="flat" cmpd="sng" algn="ctr">
+                      <a:solidFill>
+                        <a:schemeClr val="tx1"/>
+                      </a:solidFill>
+                      <a:prstDash val="solid"/>
+                      <a:round/>
+                      <a:headEnd type="none" w="med" len="med"/>
+                      <a:tailEnd type="none" w="med" len="med"/>
+                    </a:lnR>
+                    <a:lnT w="12700" cap="flat" cmpd="sng" algn="ctr">
+                      <a:solidFill>
+                        <a:schemeClr val="tx1"/>
+                      </a:solidFill>
+                      <a:prstDash val="solid"/>
+                      <a:round/>
+                      <a:headEnd type="none" w="med" len="med"/>
+                      <a:tailEnd type="none" w="med" len="med"/>
+                    </a:lnT>
+                    <a:lnB w="12700" cap="flat" cmpd="sng" algn="ctr">
+                      <a:solidFill>
+                        <a:schemeClr val="tx1"/>
+                      </a:solidFill>
+                      <a:prstDash val="solid"/>
+                      <a:round/>
+                      <a:headEnd type="none" w="med" len="med"/>
+                      <a:tailEnd type="none" w="med" len="med"/>
+                    </a:lnB>
+                    <a:solidFill>
+                      <a:schemeClr val="bg1"/>
+                    </a:solidFill>
+                  </a:tcPr>
+                </a:tc>
+                <a:extLst>
+                  <a:ext uri="{0D108BD9-81ED-4DB2-BD59-A6C34878D82A}">
+                    <a16:rowId xmlns:a16="http://schemas.microsoft.com/office/drawing/2014/main" val="2085773863"/>
+                  </a:ext>
+                </a:extLst>
+              </a:tr>
+              <a:tr h="370840">
+                <a:tc>
+                  <a:txBody>
+                    <a:bodyPr/>
+                    <a:lstStyle/>
+                    <a:p>
+                      <a:pPr algn="ctr" latinLnBrk="1"/>
+                      <a:endParaRPr lang="ko-KR" altLang="en-US" dirty="0">
+                        <a:solidFill>
+                          <a:schemeClr val="tx1"/>
+                        </a:solidFill>
+                      </a:endParaRPr>
+                    </a:p>
+                  </a:txBody>
+                  <a:tcPr>
+                    <a:lnL w="12700" cap="flat" cmpd="sng" algn="ctr">
+                      <a:solidFill>
+                        <a:schemeClr val="tx1"/>
+                      </a:solidFill>
+                      <a:prstDash val="solid"/>
+                      <a:round/>
+                      <a:headEnd type="none" w="med" len="med"/>
+                      <a:tailEnd type="none" w="med" len="med"/>
+                    </a:lnL>
+                    <a:lnR w="12700" cap="flat" cmpd="sng" algn="ctr">
+                      <a:solidFill>
+                        <a:schemeClr val="tx1"/>
+                      </a:solidFill>
+                      <a:prstDash val="solid"/>
+                      <a:round/>
+                      <a:headEnd type="none" w="med" len="med"/>
+                      <a:tailEnd type="none" w="med" len="med"/>
+                    </a:lnR>
+                    <a:lnT w="12700" cap="flat" cmpd="sng" algn="ctr">
+                      <a:solidFill>
+                        <a:schemeClr val="tx1"/>
+                      </a:solidFill>
+                      <a:prstDash val="solid"/>
+                      <a:round/>
+                      <a:headEnd type="none" w="med" len="med"/>
+                      <a:tailEnd type="none" w="med" len="med"/>
+                    </a:lnT>
+                    <a:lnB w="12700" cap="flat" cmpd="sng" algn="ctr">
+                      <a:solidFill>
+                        <a:schemeClr val="tx1"/>
+                      </a:solidFill>
+                      <a:prstDash val="solid"/>
+                      <a:round/>
+                      <a:headEnd type="none" w="med" len="med"/>
+                      <a:tailEnd type="none" w="med" len="med"/>
+                    </a:lnB>
+                    <a:solidFill>
+                      <a:schemeClr val="accent1">
+                        <a:lumMod val="60000"/>
+                        <a:lumOff val="40000"/>
+                      </a:schemeClr>
+                    </a:solidFill>
+                  </a:tcPr>
+                </a:tc>
+                <a:tc>
+                  <a:txBody>
+                    <a:bodyPr/>
+                    <a:lstStyle/>
+                    <a:p>
+                      <a:pPr latinLnBrk="1"/>
+                      <a:endParaRPr lang="ko-KR" altLang="en-US" dirty="0">
+                        <a:solidFill>
+                          <a:schemeClr val="tx1"/>
+                        </a:solidFill>
+                      </a:endParaRPr>
+                    </a:p>
+                  </a:txBody>
+                  <a:tcPr>
+                    <a:lnL w="12700" cap="flat" cmpd="sng" algn="ctr">
+                      <a:solidFill>
+                        <a:schemeClr val="tx1"/>
+                      </a:solidFill>
+                      <a:prstDash val="solid"/>
+                      <a:round/>
+                      <a:headEnd type="none" w="med" len="med"/>
+                      <a:tailEnd type="none" w="med" len="med"/>
+                    </a:lnL>
+                    <a:lnR w="12700" cap="flat" cmpd="sng" algn="ctr">
+                      <a:solidFill>
+                        <a:schemeClr val="tx1"/>
+                      </a:solidFill>
+                      <a:prstDash val="solid"/>
+                      <a:round/>
+                      <a:headEnd type="none" w="med" len="med"/>
+                      <a:tailEnd type="none" w="med" len="med"/>
+                    </a:lnR>
+                    <a:lnT w="12700" cap="flat" cmpd="sng" algn="ctr">
+                      <a:solidFill>
+                        <a:schemeClr val="tx1"/>
+                      </a:solidFill>
+                      <a:prstDash val="solid"/>
+                      <a:round/>
+                      <a:headEnd type="none" w="med" len="med"/>
+                      <a:tailEnd type="none" w="med" len="med"/>
+                    </a:lnT>
+                    <a:lnB w="12700" cap="flat" cmpd="sng" algn="ctr">
+                      <a:solidFill>
+                        <a:schemeClr val="tx1"/>
+                      </a:solidFill>
+                      <a:prstDash val="solid"/>
+                      <a:round/>
+                      <a:headEnd type="none" w="med" len="med"/>
+                      <a:tailEnd type="none" w="med" len="med"/>
+                    </a:lnB>
+                    <a:solidFill>
+                      <a:schemeClr val="bg1"/>
+                    </a:solidFill>
+                  </a:tcPr>
+                </a:tc>
+                <a:tc>
+                  <a:txBody>
+                    <a:bodyPr/>
+                    <a:lstStyle/>
+                    <a:p>
+                      <a:pPr latinLnBrk="1"/>
+                      <a:endParaRPr lang="ko-KR" altLang="en-US" dirty="0">
+                        <a:solidFill>
+                          <a:schemeClr val="tx1"/>
+                        </a:solidFill>
+                      </a:endParaRPr>
+                    </a:p>
+                  </a:txBody>
+                  <a:tcPr>
+                    <a:lnL w="12700" cap="flat" cmpd="sng" algn="ctr">
+                      <a:solidFill>
+                        <a:schemeClr val="tx1"/>
+                      </a:solidFill>
+                      <a:prstDash val="solid"/>
+                      <a:round/>
+                      <a:headEnd type="none" w="med" len="med"/>
+                      <a:tailEnd type="none" w="med" len="med"/>
+                    </a:lnL>
+                    <a:lnR w="12700" cap="flat" cmpd="sng" algn="ctr">
+                      <a:solidFill>
+                        <a:schemeClr val="tx1"/>
+                      </a:solidFill>
+                      <a:prstDash val="solid"/>
+                      <a:round/>
+                      <a:headEnd type="none" w="med" len="med"/>
+                      <a:tailEnd type="none" w="med" len="med"/>
+                    </a:lnR>
+                    <a:lnT w="12700" cap="flat" cmpd="sng" algn="ctr">
+                      <a:solidFill>
+                        <a:schemeClr val="tx1"/>
+                      </a:solidFill>
+                      <a:prstDash val="solid"/>
+                      <a:round/>
+                      <a:headEnd type="none" w="med" len="med"/>
+                      <a:tailEnd type="none" w="med" len="med"/>
+                    </a:lnT>
+                    <a:lnB w="12700" cap="flat" cmpd="sng" algn="ctr">
+                      <a:solidFill>
+                        <a:schemeClr val="tx1"/>
+                      </a:solidFill>
+                      <a:prstDash val="solid"/>
+                      <a:round/>
+                      <a:headEnd type="none" w="med" len="med"/>
+                      <a:tailEnd type="none" w="med" len="med"/>
+                    </a:lnB>
+                    <a:solidFill>
+                      <a:schemeClr val="bg1"/>
+                    </a:solidFill>
+                  </a:tcPr>
+                </a:tc>
+                <a:extLst>
+                  <a:ext uri="{0D108BD9-81ED-4DB2-BD59-A6C34878D82A}">
+                    <a16:rowId xmlns:a16="http://schemas.microsoft.com/office/drawing/2014/main" val="4294301989"/>
+                  </a:ext>
+                </a:extLst>
+              </a:tr>
+              <a:tr h="370840">
+                <a:tc>
+                  <a:txBody>
+                    <a:bodyPr/>
+                    <a:lstStyle/>
+                    <a:p>
+                      <a:pPr algn="ctr" latinLnBrk="1"/>
+                      <a:endParaRPr lang="ko-KR" altLang="en-US" dirty="0">
+                        <a:solidFill>
+                          <a:schemeClr val="tx1"/>
+                        </a:solidFill>
+                      </a:endParaRPr>
+                    </a:p>
+                  </a:txBody>
+                  <a:tcPr>
+                    <a:lnL w="12700" cap="flat" cmpd="sng" algn="ctr">
+                      <a:solidFill>
+                        <a:schemeClr val="tx1"/>
+                      </a:solidFill>
+                      <a:prstDash val="solid"/>
+                      <a:round/>
+                      <a:headEnd type="none" w="med" len="med"/>
+                      <a:tailEnd type="none" w="med" len="med"/>
+                    </a:lnL>
+                    <a:lnR w="12700" cap="flat" cmpd="sng" algn="ctr">
+                      <a:solidFill>
+                        <a:schemeClr val="tx1"/>
+                      </a:solidFill>
+                      <a:prstDash val="solid"/>
+                      <a:round/>
+                      <a:headEnd type="none" w="med" len="med"/>
+                      <a:tailEnd type="none" w="med" len="med"/>
+                    </a:lnR>
+                    <a:lnT w="12700" cap="flat" cmpd="sng" algn="ctr">
+                      <a:solidFill>
+                        <a:schemeClr val="tx1"/>
+                      </a:solidFill>
+                      <a:prstDash val="solid"/>
+                      <a:round/>
+                      <a:headEnd type="none" w="med" len="med"/>
+                      <a:tailEnd type="none" w="med" len="med"/>
+                    </a:lnT>
+                    <a:lnB w="12700" cap="flat" cmpd="sng" algn="ctr">
+                      <a:solidFill>
+                        <a:schemeClr val="tx1"/>
+                      </a:solidFill>
+                      <a:prstDash val="solid"/>
+                      <a:round/>
+                      <a:headEnd type="none" w="med" len="med"/>
+                      <a:tailEnd type="none" w="med" len="med"/>
+                    </a:lnB>
+                    <a:solidFill>
+                      <a:schemeClr val="accent4">
+                        <a:lumMod val="60000"/>
+                        <a:lumOff val="40000"/>
+                      </a:schemeClr>
+                    </a:solidFill>
+                  </a:tcPr>
+                </a:tc>
+                <a:tc>
+                  <a:txBody>
+                    <a:bodyPr/>
+                    <a:lstStyle/>
+                    <a:p>
+                      <a:pPr latinLnBrk="1"/>
+                      <a:endParaRPr lang="ko-KR" altLang="en-US" dirty="0">
+                        <a:solidFill>
+                          <a:schemeClr val="tx1"/>
+                        </a:solidFill>
+                      </a:endParaRPr>
+                    </a:p>
+                  </a:txBody>
+                  <a:tcPr>
+                    <a:lnL w="12700" cap="flat" cmpd="sng" algn="ctr">
+                      <a:solidFill>
+                        <a:schemeClr val="tx1"/>
+                      </a:solidFill>
+                      <a:prstDash val="solid"/>
+                      <a:round/>
+                      <a:headEnd type="none" w="med" len="med"/>
+                      <a:tailEnd type="none" w="med" len="med"/>
+                    </a:lnL>
+                    <a:lnR w="12700" cap="flat" cmpd="sng" algn="ctr">
+                      <a:solidFill>
+                        <a:schemeClr val="tx1"/>
+                      </a:solidFill>
+                      <a:prstDash val="solid"/>
+                      <a:round/>
+                      <a:headEnd type="none" w="med" len="med"/>
+                      <a:tailEnd type="none" w="med" len="med"/>
+                    </a:lnR>
+                    <a:lnT w="12700" cap="flat" cmpd="sng" algn="ctr">
+                      <a:solidFill>
+                        <a:schemeClr val="tx1"/>
+                      </a:solidFill>
+                      <a:prstDash val="solid"/>
+                      <a:round/>
+                      <a:headEnd type="none" w="med" len="med"/>
+                      <a:tailEnd type="none" w="med" len="med"/>
+                    </a:lnT>
+                    <a:lnB w="12700" cap="flat" cmpd="sng" algn="ctr">
+                      <a:solidFill>
+                        <a:schemeClr val="tx1"/>
+                      </a:solidFill>
+                      <a:prstDash val="solid"/>
+                      <a:round/>
+                      <a:headEnd type="none" w="med" len="med"/>
+                      <a:tailEnd type="none" w="med" len="med"/>
+                    </a:lnB>
+                    <a:solidFill>
+                      <a:schemeClr val="bg1"/>
+                    </a:solidFill>
+                  </a:tcPr>
+                </a:tc>
+                <a:tc>
+                  <a:txBody>
+                    <a:bodyPr/>
+                    <a:lstStyle/>
+                    <a:p>
+                      <a:pPr latinLnBrk="1"/>
+                      <a:endParaRPr lang="ko-KR" altLang="en-US" dirty="0">
+                        <a:solidFill>
+                          <a:schemeClr val="tx1"/>
+                        </a:solidFill>
+                      </a:endParaRPr>
+                    </a:p>
+                  </a:txBody>
+                  <a:tcPr>
+                    <a:lnL w="12700" cap="flat" cmpd="sng" algn="ctr">
+                      <a:solidFill>
+                        <a:schemeClr val="tx1"/>
+                      </a:solidFill>
+                      <a:prstDash val="solid"/>
+                      <a:round/>
+                      <a:headEnd type="none" w="med" len="med"/>
+                      <a:tailEnd type="none" w="med" len="med"/>
+                    </a:lnL>
+                    <a:lnR w="12700" cap="flat" cmpd="sng" algn="ctr">
+                      <a:solidFill>
+                        <a:schemeClr val="tx1"/>
+                      </a:solidFill>
+                      <a:prstDash val="solid"/>
+                      <a:round/>
+                      <a:headEnd type="none" w="med" len="med"/>
+                      <a:tailEnd type="none" w="med" len="med"/>
+                    </a:lnR>
+                    <a:lnT w="12700" cap="flat" cmpd="sng" algn="ctr">
+                      <a:solidFill>
+                        <a:schemeClr val="tx1"/>
+                      </a:solidFill>
+                      <a:prstDash val="solid"/>
+                      <a:round/>
+                      <a:headEnd type="none" w="med" len="med"/>
+                      <a:tailEnd type="none" w="med" len="med"/>
+                    </a:lnT>
+                    <a:lnB w="12700" cap="flat" cmpd="sng" algn="ctr">
+                      <a:solidFill>
+                        <a:schemeClr val="tx1"/>
+                      </a:solidFill>
+                      <a:prstDash val="solid"/>
+                      <a:round/>
+                      <a:headEnd type="none" w="med" len="med"/>
+                      <a:tailEnd type="none" w="med" len="med"/>
+                    </a:lnB>
+                    <a:solidFill>
+                      <a:schemeClr val="bg1"/>
+                    </a:solidFill>
+                  </a:tcPr>
+                </a:tc>
+                <a:extLst>
+                  <a:ext uri="{0D108BD9-81ED-4DB2-BD59-A6C34878D82A}">
+                    <a16:rowId xmlns:a16="http://schemas.microsoft.com/office/drawing/2014/main" val="3344979124"/>
+                  </a:ext>
+                </a:extLst>
+              </a:tr>
+              <a:tr h="370840">
+                <a:tc>
+                  <a:txBody>
+                    <a:bodyPr/>
+                    <a:lstStyle/>
+                    <a:p>
+                      <a:pPr algn="ctr" latinLnBrk="1"/>
+                      <a:endParaRPr lang="ko-KR" altLang="en-US" dirty="0">
+                        <a:solidFill>
+                          <a:schemeClr val="tx1"/>
+                        </a:solidFill>
+                      </a:endParaRPr>
+                    </a:p>
+                  </a:txBody>
+                  <a:tcPr>
+                    <a:lnL w="12700" cap="flat" cmpd="sng" algn="ctr">
+                      <a:solidFill>
+                        <a:schemeClr val="tx1"/>
+                      </a:solidFill>
+                      <a:prstDash val="solid"/>
+                      <a:round/>
+                      <a:headEnd type="none" w="med" len="med"/>
+                      <a:tailEnd type="none" w="med" len="med"/>
+                    </a:lnL>
+                    <a:lnR w="12700" cap="flat" cmpd="sng" algn="ctr">
+                      <a:solidFill>
+                        <a:schemeClr val="tx1"/>
+                      </a:solidFill>
+                      <a:prstDash val="solid"/>
+                      <a:round/>
+                      <a:headEnd type="none" w="med" len="med"/>
+                      <a:tailEnd type="none" w="med" len="med"/>
+                    </a:lnR>
+                    <a:lnT w="12700" cap="flat" cmpd="sng" algn="ctr">
+                      <a:solidFill>
+                        <a:schemeClr val="tx1"/>
+                      </a:solidFill>
+                      <a:prstDash val="solid"/>
+                      <a:round/>
+                      <a:headEnd type="none" w="med" len="med"/>
+                      <a:tailEnd type="none" w="med" len="med"/>
+                    </a:lnT>
+                    <a:lnB w="12700" cap="flat" cmpd="sng" algn="ctr">
+                      <a:solidFill>
+                        <a:schemeClr val="tx1"/>
+                      </a:solidFill>
+                      <a:prstDash val="solid"/>
+                      <a:round/>
+                      <a:headEnd type="none" w="med" len="med"/>
+                      <a:tailEnd type="none" w="med" len="med"/>
+                    </a:lnB>
+                    <a:solidFill>
+                      <a:schemeClr val="accent4">
+                        <a:lumMod val="60000"/>
+                        <a:lumOff val="40000"/>
+                      </a:schemeClr>
+                    </a:solidFill>
+                  </a:tcPr>
+                </a:tc>
+                <a:tc>
+                  <a:txBody>
+                    <a:bodyPr/>
+                    <a:lstStyle/>
+                    <a:p>
+                      <a:pPr latinLnBrk="1"/>
+                      <a:endParaRPr lang="ko-KR" altLang="en-US" dirty="0">
+                        <a:solidFill>
+                          <a:schemeClr val="tx1"/>
+                        </a:solidFill>
+                      </a:endParaRPr>
+                    </a:p>
+                  </a:txBody>
+                  <a:tcPr>
+                    <a:lnL w="12700" cap="flat" cmpd="sng" algn="ctr">
+                      <a:solidFill>
+                        <a:schemeClr val="tx1"/>
+                      </a:solidFill>
+                      <a:prstDash val="solid"/>
+                      <a:round/>
+                      <a:headEnd type="none" w="med" len="med"/>
+                      <a:tailEnd type="none" w="med" len="med"/>
+                    </a:lnL>
+                    <a:lnR w="12700" cap="flat" cmpd="sng" algn="ctr">
+                      <a:solidFill>
+                        <a:schemeClr val="tx1"/>
+                      </a:solidFill>
+                      <a:prstDash val="solid"/>
+                      <a:round/>
+                      <a:headEnd type="none" w="med" len="med"/>
+                      <a:tailEnd type="none" w="med" len="med"/>
+                    </a:lnR>
+                    <a:lnT w="12700" cap="flat" cmpd="sng" algn="ctr">
+                      <a:solidFill>
+                        <a:schemeClr val="tx1"/>
+                      </a:solidFill>
+                      <a:prstDash val="solid"/>
+                      <a:round/>
+                      <a:headEnd type="none" w="med" len="med"/>
+                      <a:tailEnd type="none" w="med" len="med"/>
+                    </a:lnT>
+                    <a:lnB w="12700" cap="flat" cmpd="sng" algn="ctr">
+                      <a:solidFill>
+                        <a:schemeClr val="tx1"/>
+                      </a:solidFill>
+                      <a:prstDash val="solid"/>
+                      <a:round/>
+                      <a:headEnd type="none" w="med" len="med"/>
+                      <a:tailEnd type="none" w="med" len="med"/>
+                    </a:lnB>
+                    <a:solidFill>
+                      <a:schemeClr val="bg1"/>
+                    </a:solidFill>
+                  </a:tcPr>
+                </a:tc>
+                <a:tc>
+                  <a:txBody>
+                    <a:bodyPr/>
+                    <a:lstStyle/>
+                    <a:p>
+                      <a:pPr latinLnBrk="1"/>
+                      <a:endParaRPr lang="ko-KR" altLang="en-US" dirty="0">
+                        <a:solidFill>
+                          <a:schemeClr val="tx1"/>
+                        </a:solidFill>
+                      </a:endParaRPr>
+                    </a:p>
+                  </a:txBody>
+                  <a:tcPr>
+                    <a:lnL w="12700" cap="flat" cmpd="sng" algn="ctr">
+                      <a:solidFill>
+                        <a:schemeClr val="tx1"/>
+                      </a:solidFill>
+                      <a:prstDash val="solid"/>
+                      <a:round/>
+                      <a:headEnd type="none" w="med" len="med"/>
+                      <a:tailEnd type="none" w="med" len="med"/>
+                    </a:lnL>
+                    <a:lnR w="12700" cap="flat" cmpd="sng" algn="ctr">
+                      <a:solidFill>
+                        <a:schemeClr val="tx1"/>
+                      </a:solidFill>
+                      <a:prstDash val="solid"/>
+                      <a:round/>
+                      <a:headEnd type="none" w="med" len="med"/>
+                      <a:tailEnd type="none" w="med" len="med"/>
+                    </a:lnR>
+                    <a:lnT w="12700" cap="flat" cmpd="sng" algn="ctr">
+                      <a:solidFill>
+                        <a:schemeClr val="tx1"/>
+                      </a:solidFill>
+                      <a:prstDash val="solid"/>
+                      <a:round/>
+                      <a:headEnd type="none" w="med" len="med"/>
+                      <a:tailEnd type="none" w="med" len="med"/>
+                    </a:lnT>
+                    <a:lnB w="12700" cap="flat" cmpd="sng" algn="ctr">
+                      <a:solidFill>
+                        <a:schemeClr val="tx1"/>
+                      </a:solidFill>
+                      <a:prstDash val="solid"/>
+                      <a:round/>
+                      <a:headEnd type="none" w="med" len="med"/>
+                      <a:tailEnd type="none" w="med" len="med"/>
+                    </a:lnB>
+                    <a:solidFill>
+                      <a:schemeClr val="bg1"/>
+                    </a:solidFill>
+                  </a:tcPr>
+                </a:tc>
+                <a:extLst>
+                  <a:ext uri="{0D108BD9-81ED-4DB2-BD59-A6C34878D82A}">
+                    <a16:rowId xmlns:a16="http://schemas.microsoft.com/office/drawing/2014/main" val="3684839970"/>
+                  </a:ext>
+                </a:extLst>
+              </a:tr>
+            </a:tbl>
+          </a:graphicData>
+        </a:graphic>
+      </p:graphicFrame>
+    </p:spTree>
+    <p:extLst>
+      <p:ext uri="{BB962C8B-B14F-4D97-AF65-F5344CB8AC3E}">
+        <p14:creationId xmlns:p14="http://schemas.microsoft.com/office/powerpoint/2010/main" val="4214426690"/>
+      </p:ext>
+    </p:extLst>
+  </p:cSld>
+  <p:clrMapOvr>
+    <a:masterClrMapping/>
+  </p:clrMapOvr>
+</p:sld>
+</file>
+
+<file path=ppt/slides/slide6.xml><?xml version="1.0" encoding="utf-8"?>
+<p:sld xmlns:a="http://schemas.openxmlformats.org/drawingml/2006/main" xmlns:r="http://schemas.openxmlformats.org/officeDocument/2006/relationships" xmlns:p="http://schemas.openxmlformats.org/presentationml/2006/main">
+  <p:cSld>
+    <p:spTree>
+      <p:nvGrpSpPr>
+        <p:cNvPr id="1" name=""/>
+        <p:cNvGrpSpPr/>
+        <p:nvPr/>
+      </p:nvGrpSpPr>
+      <p:grpSpPr>
+        <a:xfrm>
+          <a:off x="0" y="0"/>
+          <a:ext cx="0" cy="0"/>
+          <a:chOff x="0" y="0"/>
+          <a:chExt cx="0" cy="0"/>
+        </a:xfrm>
+      </p:grpSpPr>
+      <p:sp>
+        <p:nvSpPr>
+          <p:cNvPr id="2" name="제목 1">
+            <a:extLst>
+              <a:ext uri="{FF2B5EF4-FFF2-40B4-BE49-F238E27FC236}">
+                <a16:creationId xmlns:a16="http://schemas.microsoft.com/office/drawing/2014/main" id="{275E38A5-4295-4576-B8D7-1FDDF5BEE7DE}"/>
+              </a:ext>
+            </a:extLst>
+          </p:cNvPr>
+          <p:cNvSpPr>
+            <a:spLocks noGrp="1"/>
+          </p:cNvSpPr>
+          <p:nvPr>
+            <p:ph type="title"/>
+          </p:nvPr>
+        </p:nvSpPr>
+        <p:spPr/>
+        <p:txBody>
+          <a:bodyPr/>
+          <a:lstStyle/>
+          <a:p>
+            <a:r>
+              <a:rPr lang="en-US" altLang="ko-KR" dirty="0"/>
+              <a:t>3. </a:t>
+            </a:r>
+            <a:r>
+              <a:rPr lang="ko-KR" altLang="en-US" dirty="0"/>
+              <a:t>중세 용사</a:t>
+            </a:r>
+            <a:r>
+              <a:rPr lang="en-US" altLang="ko-KR" dirty="0"/>
+              <a:t> </a:t>
+            </a:r>
+            <a:endParaRPr lang="ko-KR" altLang="en-US" dirty="0"/>
+          </a:p>
+        </p:txBody>
+      </p:sp>
+      <p:graphicFrame>
+        <p:nvGraphicFramePr>
+          <p:cNvPr id="5" name="표 6">
+            <a:extLst>
+              <a:ext uri="{FF2B5EF4-FFF2-40B4-BE49-F238E27FC236}">
+                <a16:creationId xmlns:a16="http://schemas.microsoft.com/office/drawing/2014/main" id="{DAFFAC2D-46BE-43B6-9652-90D054B66C53}"/>
+              </a:ext>
+            </a:extLst>
+          </p:cNvPr>
+          <p:cNvGraphicFramePr>
+            <a:graphicFrameLocks noGrp="1"/>
+          </p:cNvGraphicFramePr>
+          <p:nvPr>
+            <p:ph idx="1"/>
+            <p:extLst>
+              <p:ext uri="{D42A27DB-BD31-4B8C-83A1-F6EECF244321}">
+                <p14:modId xmlns:p14="http://schemas.microsoft.com/office/powerpoint/2010/main" val="1240135393"/>
+              </p:ext>
+            </p:extLst>
+          </p:nvPr>
+        </p:nvGraphicFramePr>
+        <p:xfrm>
+          <a:off x="838200" y="1825625"/>
+          <a:ext cx="10515597" cy="3708400"/>
+        </p:xfrm>
+        <a:graphic>
+          <a:graphicData uri="http://schemas.openxmlformats.org/drawingml/2006/table">
+            <a:tbl>
+              <a:tblPr firstRow="1" bandRow="1">
+                <a:tableStyleId>{5C22544A-7EE6-4342-B048-85BDC9FD1C3A}</a:tableStyleId>
+              </a:tblPr>
+              <a:tblGrid>
+                <a:gridCol w="1423737">
+                  <a:extLst>
+                    <a:ext uri="{9D8B030D-6E8A-4147-A177-3AD203B41FA5}">
+                      <a16:colId xmlns:a16="http://schemas.microsoft.com/office/drawing/2014/main" val="326280827"/>
+                    </a:ext>
+                  </a:extLst>
+                </a:gridCol>
+                <a:gridCol w="5586661">
+                  <a:extLst>
+                    <a:ext uri="{9D8B030D-6E8A-4147-A177-3AD203B41FA5}">
+                      <a16:colId xmlns:a16="http://schemas.microsoft.com/office/drawing/2014/main" val="2089160439"/>
+                    </a:ext>
+                  </a:extLst>
+                </a:gridCol>
+                <a:gridCol w="3505199">
+                  <a:extLst>
+                    <a:ext uri="{9D8B030D-6E8A-4147-A177-3AD203B41FA5}">
+                      <a16:colId xmlns:a16="http://schemas.microsoft.com/office/drawing/2014/main" val="4025820395"/>
+                    </a:ext>
+                  </a:extLst>
+                </a:gridCol>
+              </a:tblGrid>
+              <a:tr h="370840">
+                <a:tc>
+                  <a:txBody>
+                    <a:bodyPr/>
+                    <a:lstStyle/>
+                    <a:p>
+                      <a:pPr algn="ctr" latinLnBrk="1"/>
+                      <a:endParaRPr lang="ko-KR" altLang="en-US" dirty="0">
+                        <a:solidFill>
+                          <a:schemeClr val="tx1"/>
+                        </a:solidFill>
+                      </a:endParaRPr>
+                    </a:p>
+                  </a:txBody>
+                  <a:tcPr>
+                    <a:lnL w="12700" cap="flat" cmpd="sng" algn="ctr">
+                      <a:solidFill>
+                        <a:schemeClr val="tx1"/>
+                      </a:solidFill>
+                      <a:prstDash val="solid"/>
+                      <a:round/>
+                      <a:headEnd type="none" w="med" len="med"/>
+                      <a:tailEnd type="none" w="med" len="med"/>
+                    </a:lnL>
+                    <a:lnR w="12700" cap="flat" cmpd="sng" algn="ctr">
+                      <a:solidFill>
+                        <a:schemeClr val="tx1"/>
+                      </a:solidFill>
+                      <a:prstDash val="solid"/>
+                      <a:round/>
+                      <a:headEnd type="none" w="med" len="med"/>
+                      <a:tailEnd type="none" w="med" len="med"/>
+                    </a:lnR>
+                    <a:lnT w="12700" cap="flat" cmpd="sng" algn="ctr">
+                      <a:solidFill>
+                        <a:schemeClr val="tx1"/>
+                      </a:solidFill>
+                      <a:prstDash val="solid"/>
+                      <a:round/>
+                      <a:headEnd type="none" w="med" len="med"/>
+                      <a:tailEnd type="none" w="med" len="med"/>
+                    </a:lnT>
+                    <a:lnB w="12700" cap="flat" cmpd="sng" algn="ctr">
+                      <a:solidFill>
+                        <a:schemeClr val="tx1"/>
+                      </a:solidFill>
+                      <a:prstDash val="solid"/>
+                      <a:round/>
+                      <a:headEnd type="none" w="med" len="med"/>
+                      <a:tailEnd type="none" w="med" len="med"/>
+                    </a:lnB>
+                    <a:solidFill>
+                      <a:schemeClr val="accent4">
+                        <a:lumMod val="20000"/>
+                        <a:lumOff val="80000"/>
+                      </a:schemeClr>
+                    </a:solidFill>
+                  </a:tcPr>
+                </a:tc>
+                <a:tc>
+                  <a:txBody>
+                    <a:bodyPr/>
+                    <a:lstStyle/>
+                    <a:p>
+                      <a:pPr latinLnBrk="1"/>
+                      <a:endParaRPr lang="ko-KR" altLang="en-US" dirty="0">
+                        <a:solidFill>
+                          <a:schemeClr val="tx1"/>
+                        </a:solidFill>
+                      </a:endParaRPr>
+                    </a:p>
+                  </a:txBody>
+                  <a:tcPr>
+                    <a:lnL w="12700" cap="flat" cmpd="sng" algn="ctr">
+                      <a:solidFill>
+                        <a:schemeClr val="tx1"/>
+                      </a:solidFill>
+                      <a:prstDash val="solid"/>
+                      <a:round/>
+                      <a:headEnd type="none" w="med" len="med"/>
+                      <a:tailEnd type="none" w="med" len="med"/>
+                    </a:lnL>
+                    <a:lnR w="12700" cap="flat" cmpd="sng" algn="ctr">
+                      <a:solidFill>
+                        <a:schemeClr val="tx1"/>
+                      </a:solidFill>
+                      <a:prstDash val="solid"/>
+                      <a:round/>
+                      <a:headEnd type="none" w="med" len="med"/>
+                      <a:tailEnd type="none" w="med" len="med"/>
+                    </a:lnR>
+                    <a:lnT w="12700" cap="flat" cmpd="sng" algn="ctr">
+                      <a:solidFill>
+                        <a:schemeClr val="tx1"/>
+                      </a:solidFill>
+                      <a:prstDash val="solid"/>
+                      <a:round/>
+                      <a:headEnd type="none" w="med" len="med"/>
+                      <a:tailEnd type="none" w="med" len="med"/>
+                    </a:lnT>
+                    <a:lnB w="12700" cap="flat" cmpd="sng" algn="ctr">
+                      <a:solidFill>
+                        <a:schemeClr val="tx1"/>
+                      </a:solidFill>
+                      <a:prstDash val="solid"/>
+                      <a:round/>
+                      <a:headEnd type="none" w="med" len="med"/>
+                      <a:tailEnd type="none" w="med" len="med"/>
+                    </a:lnB>
+                    <a:solidFill>
+                      <a:schemeClr val="bg1"/>
+                    </a:solidFill>
+                  </a:tcPr>
+                </a:tc>
+                <a:tc>
+                  <a:txBody>
+                    <a:bodyPr/>
+                    <a:lstStyle/>
+                    <a:p>
+                      <a:pPr latinLnBrk="1"/>
+                      <a:endParaRPr lang="ko-KR" altLang="en-US" dirty="0">
+                        <a:solidFill>
+                          <a:schemeClr val="tx1"/>
+                        </a:solidFill>
+                      </a:endParaRPr>
+                    </a:p>
+                  </a:txBody>
+                  <a:tcPr>
+                    <a:lnL w="12700" cap="flat" cmpd="sng" algn="ctr">
+                      <a:solidFill>
+                        <a:schemeClr val="tx1"/>
+                      </a:solidFill>
+                      <a:prstDash val="solid"/>
+                      <a:round/>
+                      <a:headEnd type="none" w="med" len="med"/>
+                      <a:tailEnd type="none" w="med" len="med"/>
+                    </a:lnL>
+                    <a:lnR w="12700" cap="flat" cmpd="sng" algn="ctr">
+                      <a:solidFill>
+                        <a:schemeClr val="tx1"/>
+                      </a:solidFill>
+                      <a:prstDash val="solid"/>
+                      <a:round/>
+                      <a:headEnd type="none" w="med" len="med"/>
+                      <a:tailEnd type="none" w="med" len="med"/>
+                    </a:lnR>
+                    <a:lnT w="12700" cap="flat" cmpd="sng" algn="ctr">
+                      <a:solidFill>
+                        <a:schemeClr val="tx1"/>
+                      </a:solidFill>
+                      <a:prstDash val="solid"/>
+                      <a:round/>
+                      <a:headEnd type="none" w="med" len="med"/>
+                      <a:tailEnd type="none" w="med" len="med"/>
+                    </a:lnT>
+                    <a:lnB w="12700" cap="flat" cmpd="sng" algn="ctr">
+                      <a:solidFill>
+                        <a:schemeClr val="tx1"/>
+                      </a:solidFill>
+                      <a:prstDash val="solid"/>
+                      <a:round/>
+                      <a:headEnd type="none" w="med" len="med"/>
+                      <a:tailEnd type="none" w="med" len="med"/>
+                    </a:lnB>
+                    <a:solidFill>
+                      <a:schemeClr val="bg1"/>
+                    </a:solidFill>
+                  </a:tcPr>
+                </a:tc>
+                <a:extLst>
+                  <a:ext uri="{0D108BD9-81ED-4DB2-BD59-A6C34878D82A}">
+                    <a16:rowId xmlns:a16="http://schemas.microsoft.com/office/drawing/2014/main" val="2183773304"/>
+                  </a:ext>
+                </a:extLst>
+              </a:tr>
+              <a:tr h="370840">
+                <a:tc>
+                  <a:txBody>
+                    <a:bodyPr/>
+                    <a:lstStyle/>
+                    <a:p>
+                      <a:pPr algn="ctr" latinLnBrk="1"/>
+                      <a:endParaRPr lang="ko-KR" altLang="en-US" dirty="0">
+                        <a:solidFill>
+                          <a:schemeClr val="tx1"/>
+                        </a:solidFill>
+                      </a:endParaRPr>
+                    </a:p>
+                  </a:txBody>
+                  <a:tcPr>
+                    <a:lnL w="12700" cap="flat" cmpd="sng" algn="ctr">
+                      <a:solidFill>
+                        <a:schemeClr val="tx1"/>
+                      </a:solidFill>
+                      <a:prstDash val="solid"/>
+                      <a:round/>
+                      <a:headEnd type="none" w="med" len="med"/>
+                      <a:tailEnd type="none" w="med" len="med"/>
+                    </a:lnL>
+                    <a:lnR w="12700" cap="flat" cmpd="sng" algn="ctr">
+                      <a:solidFill>
+                        <a:schemeClr val="tx1"/>
+                      </a:solidFill>
+                      <a:prstDash val="solid"/>
+                      <a:round/>
+                      <a:headEnd type="none" w="med" len="med"/>
+                      <a:tailEnd type="none" w="med" len="med"/>
+                    </a:lnR>
+                    <a:lnT w="12700" cap="flat" cmpd="sng" algn="ctr">
+                      <a:solidFill>
+                        <a:schemeClr val="tx1"/>
+                      </a:solidFill>
+                      <a:prstDash val="solid"/>
+                      <a:round/>
+                      <a:headEnd type="none" w="med" len="med"/>
+                      <a:tailEnd type="none" w="med" len="med"/>
+                    </a:lnT>
+                    <a:lnB w="12700" cap="flat" cmpd="sng" algn="ctr">
+                      <a:solidFill>
+                        <a:schemeClr val="tx1"/>
+                      </a:solidFill>
+                      <a:prstDash val="solid"/>
+                      <a:round/>
+                      <a:headEnd type="none" w="med" len="med"/>
+                      <a:tailEnd type="none" w="med" len="med"/>
+                    </a:lnB>
+                    <a:solidFill>
+                      <a:schemeClr val="accent4">
+                        <a:lumMod val="20000"/>
+                        <a:lumOff val="80000"/>
+                      </a:schemeClr>
+                    </a:solidFill>
+                  </a:tcPr>
+                </a:tc>
+                <a:tc>
+                  <a:txBody>
+                    <a:bodyPr/>
+                    <a:lstStyle/>
+                    <a:p>
+                      <a:pPr latinLnBrk="1"/>
+                      <a:endParaRPr lang="ko-KR" altLang="en-US" dirty="0">
+                        <a:solidFill>
+                          <a:schemeClr val="tx1"/>
+                        </a:solidFill>
+                      </a:endParaRPr>
+                    </a:p>
+                  </a:txBody>
+                  <a:tcPr>
+                    <a:lnL w="12700" cap="flat" cmpd="sng" algn="ctr">
+                      <a:solidFill>
+                        <a:schemeClr val="tx1"/>
+                      </a:solidFill>
+                      <a:prstDash val="solid"/>
+                      <a:round/>
+                      <a:headEnd type="none" w="med" len="med"/>
+                      <a:tailEnd type="none" w="med" len="med"/>
+                    </a:lnL>
+                    <a:lnR w="12700" cap="flat" cmpd="sng" algn="ctr">
+                      <a:solidFill>
+                        <a:schemeClr val="tx1"/>
+                      </a:solidFill>
+                      <a:prstDash val="solid"/>
+                      <a:round/>
+                      <a:headEnd type="none" w="med" len="med"/>
+                      <a:tailEnd type="none" w="med" len="med"/>
+                    </a:lnR>
+                    <a:lnT w="12700" cap="flat" cmpd="sng" algn="ctr">
+                      <a:solidFill>
+                        <a:schemeClr val="tx1"/>
+                      </a:solidFill>
+                      <a:prstDash val="solid"/>
+                      <a:round/>
+                      <a:headEnd type="none" w="med" len="med"/>
+                      <a:tailEnd type="none" w="med" len="med"/>
+                    </a:lnT>
+                    <a:lnB w="12700" cap="flat" cmpd="sng" algn="ctr">
+                      <a:solidFill>
+                        <a:schemeClr val="tx1"/>
+                      </a:solidFill>
+                      <a:prstDash val="solid"/>
+                      <a:round/>
+                      <a:headEnd type="none" w="med" len="med"/>
+                      <a:tailEnd type="none" w="med" len="med"/>
+                    </a:lnB>
+                    <a:solidFill>
+                      <a:schemeClr val="bg1"/>
+                    </a:solidFill>
+                  </a:tcPr>
+                </a:tc>
+                <a:tc>
+                  <a:txBody>
+                    <a:bodyPr/>
+                    <a:lstStyle/>
+                    <a:p>
+                      <a:pPr latinLnBrk="1"/>
+                      <a:endParaRPr lang="ko-KR" altLang="en-US" dirty="0">
+                        <a:solidFill>
+                          <a:schemeClr val="tx1"/>
+                        </a:solidFill>
+                      </a:endParaRPr>
+                    </a:p>
+                  </a:txBody>
+                  <a:tcPr>
+                    <a:lnL w="12700" cap="flat" cmpd="sng" algn="ctr">
+                      <a:solidFill>
+                        <a:schemeClr val="tx1"/>
+                      </a:solidFill>
+                      <a:prstDash val="solid"/>
+                      <a:round/>
+                      <a:headEnd type="none" w="med" len="med"/>
+                      <a:tailEnd type="none" w="med" len="med"/>
+                    </a:lnL>
+                    <a:lnR w="12700" cap="flat" cmpd="sng" algn="ctr">
+                      <a:solidFill>
+                        <a:schemeClr val="tx1"/>
+                      </a:solidFill>
+                      <a:prstDash val="solid"/>
+                      <a:round/>
+                      <a:headEnd type="none" w="med" len="med"/>
+                      <a:tailEnd type="none" w="med" len="med"/>
+                    </a:lnR>
+                    <a:lnT w="12700" cap="flat" cmpd="sng" algn="ctr">
+                      <a:solidFill>
+                        <a:schemeClr val="tx1"/>
+                      </a:solidFill>
+                      <a:prstDash val="solid"/>
+                      <a:round/>
+                      <a:headEnd type="none" w="med" len="med"/>
+                      <a:tailEnd type="none" w="med" len="med"/>
+                    </a:lnT>
+                    <a:lnB w="12700" cap="flat" cmpd="sng" algn="ctr">
+                      <a:solidFill>
+                        <a:schemeClr val="tx1"/>
+                      </a:solidFill>
+                      <a:prstDash val="solid"/>
+                      <a:round/>
+                      <a:headEnd type="none" w="med" len="med"/>
+                      <a:tailEnd type="none" w="med" len="med"/>
+                    </a:lnB>
+                    <a:solidFill>
+                      <a:schemeClr val="bg1"/>
+                    </a:solidFill>
+                  </a:tcPr>
+                </a:tc>
+                <a:extLst>
+                  <a:ext uri="{0D108BD9-81ED-4DB2-BD59-A6C34878D82A}">
+                    <a16:rowId xmlns:a16="http://schemas.microsoft.com/office/drawing/2014/main" val="2657461998"/>
+                  </a:ext>
+                </a:extLst>
+              </a:tr>
+              <a:tr h="370840">
+                <a:tc>
+                  <a:txBody>
+                    <a:bodyPr/>
+                    <a:lstStyle/>
+                    <a:p>
+                      <a:pPr algn="ctr" latinLnBrk="1"/>
+                      <a:endParaRPr lang="ko-KR" altLang="en-US" dirty="0">
+                        <a:solidFill>
+                          <a:schemeClr val="tx1"/>
+                        </a:solidFill>
+                      </a:endParaRPr>
+                    </a:p>
+                  </a:txBody>
+                  <a:tcPr>
+                    <a:lnL w="12700" cap="flat" cmpd="sng" algn="ctr">
+                      <a:solidFill>
+                        <a:schemeClr val="tx1"/>
+                      </a:solidFill>
+                      <a:prstDash val="solid"/>
+                      <a:round/>
+                      <a:headEnd type="none" w="med" len="med"/>
+                      <a:tailEnd type="none" w="med" len="med"/>
+                    </a:lnL>
+                    <a:lnR w="12700" cap="flat" cmpd="sng" algn="ctr">
+                      <a:solidFill>
+                        <a:schemeClr val="tx1"/>
+                      </a:solidFill>
+                      <a:prstDash val="solid"/>
+                      <a:round/>
+                      <a:headEnd type="none" w="med" len="med"/>
+                      <a:tailEnd type="none" w="med" len="med"/>
+                    </a:lnR>
+                    <a:lnT w="12700" cap="flat" cmpd="sng" algn="ctr">
+                      <a:solidFill>
+                        <a:schemeClr val="tx1"/>
+                      </a:solidFill>
+                      <a:prstDash val="solid"/>
+                      <a:round/>
+                      <a:headEnd type="none" w="med" len="med"/>
+                      <a:tailEnd type="none" w="med" len="med"/>
+                    </a:lnT>
+                    <a:lnB w="12700" cap="flat" cmpd="sng" algn="ctr">
+                      <a:solidFill>
+                        <a:schemeClr val="tx1"/>
+                      </a:solidFill>
+                      <a:prstDash val="solid"/>
+                      <a:round/>
+                      <a:headEnd type="none" w="med" len="med"/>
+                      <a:tailEnd type="none" w="med" len="med"/>
+                    </a:lnB>
+                    <a:solidFill>
+                      <a:schemeClr val="accent4">
+                        <a:lumMod val="20000"/>
+                        <a:lumOff val="80000"/>
+                      </a:schemeClr>
+                    </a:solidFill>
+                  </a:tcPr>
+                </a:tc>
+                <a:tc>
+                  <a:txBody>
+                    <a:bodyPr/>
+                    <a:lstStyle/>
+                    <a:p>
+                      <a:pPr latinLnBrk="1"/>
+                      <a:endParaRPr lang="ko-KR" altLang="en-US" dirty="0">
+                        <a:solidFill>
+                          <a:schemeClr val="tx1"/>
+                        </a:solidFill>
+                      </a:endParaRPr>
+                    </a:p>
+                  </a:txBody>
+                  <a:tcPr>
+                    <a:lnL w="12700" cap="flat" cmpd="sng" algn="ctr">
+                      <a:solidFill>
+                        <a:schemeClr val="tx1"/>
+                      </a:solidFill>
+                      <a:prstDash val="solid"/>
+                      <a:round/>
+                      <a:headEnd type="none" w="med" len="med"/>
+                      <a:tailEnd type="none" w="med" len="med"/>
+                    </a:lnL>
+                    <a:lnR w="12700" cap="flat" cmpd="sng" algn="ctr">
+                      <a:solidFill>
+                        <a:schemeClr val="tx1"/>
+                      </a:solidFill>
+                      <a:prstDash val="solid"/>
+                      <a:round/>
+                      <a:headEnd type="none" w="med" len="med"/>
+                      <a:tailEnd type="none" w="med" len="med"/>
+                    </a:lnR>
+                    <a:lnT w="12700" cap="flat" cmpd="sng" algn="ctr">
+                      <a:solidFill>
+                        <a:schemeClr val="tx1"/>
+                      </a:solidFill>
+                      <a:prstDash val="solid"/>
+                      <a:round/>
+                      <a:headEnd type="none" w="med" len="med"/>
+                      <a:tailEnd type="none" w="med" len="med"/>
+                    </a:lnT>
+                    <a:lnB w="12700" cap="flat" cmpd="sng" algn="ctr">
+                      <a:solidFill>
+                        <a:schemeClr val="tx1"/>
+                      </a:solidFill>
+                      <a:prstDash val="solid"/>
+                      <a:round/>
+                      <a:headEnd type="none" w="med" len="med"/>
+                      <a:tailEnd type="none" w="med" len="med"/>
+                    </a:lnB>
+                    <a:solidFill>
+                      <a:schemeClr val="bg1"/>
+                    </a:solidFill>
+                  </a:tcPr>
+                </a:tc>
+                <a:tc>
+                  <a:txBody>
+                    <a:bodyPr/>
+                    <a:lstStyle/>
+                    <a:p>
+                      <a:pPr latinLnBrk="1"/>
+                      <a:endParaRPr lang="ko-KR" altLang="en-US" dirty="0">
+                        <a:solidFill>
+                          <a:schemeClr val="tx1"/>
+                        </a:solidFill>
+                      </a:endParaRPr>
+                    </a:p>
+                  </a:txBody>
+                  <a:tcPr>
+                    <a:lnL w="12700" cap="flat" cmpd="sng" algn="ctr">
+                      <a:solidFill>
+                        <a:schemeClr val="tx1"/>
+                      </a:solidFill>
+                      <a:prstDash val="solid"/>
+                      <a:round/>
+                      <a:headEnd type="none" w="med" len="med"/>
+                      <a:tailEnd type="none" w="med" len="med"/>
+                    </a:lnL>
+                    <a:lnR w="12700" cap="flat" cmpd="sng" algn="ctr">
+                      <a:solidFill>
+                        <a:schemeClr val="tx1"/>
+                      </a:solidFill>
+                      <a:prstDash val="solid"/>
+                      <a:round/>
+                      <a:headEnd type="none" w="med" len="med"/>
+                      <a:tailEnd type="none" w="med" len="med"/>
+                    </a:lnR>
+                    <a:lnT w="12700" cap="flat" cmpd="sng" algn="ctr">
+                      <a:solidFill>
+                        <a:schemeClr val="tx1"/>
+                      </a:solidFill>
+                      <a:prstDash val="solid"/>
+                      <a:round/>
+                      <a:headEnd type="none" w="med" len="med"/>
+                      <a:tailEnd type="none" w="med" len="med"/>
+                    </a:lnT>
+                    <a:lnB w="12700" cap="flat" cmpd="sng" algn="ctr">
+                      <a:solidFill>
+                        <a:schemeClr val="tx1"/>
+                      </a:solidFill>
+                      <a:prstDash val="solid"/>
+                      <a:round/>
+                      <a:headEnd type="none" w="med" len="med"/>
+                      <a:tailEnd type="none" w="med" len="med"/>
+                    </a:lnB>
+                    <a:solidFill>
+                      <a:schemeClr val="bg1"/>
+                    </a:solidFill>
+                  </a:tcPr>
+                </a:tc>
+                <a:extLst>
+                  <a:ext uri="{0D108BD9-81ED-4DB2-BD59-A6C34878D82A}">
+                    <a16:rowId xmlns:a16="http://schemas.microsoft.com/office/drawing/2014/main" val="413906600"/>
+                  </a:ext>
+                </a:extLst>
+              </a:tr>
+              <a:tr h="370840">
+                <a:tc>
+                  <a:txBody>
+                    <a:bodyPr/>
+                    <a:lstStyle/>
+                    <a:p>
+                      <a:pPr algn="ctr" latinLnBrk="1"/>
+                      <a:endParaRPr lang="ko-KR" altLang="en-US" dirty="0">
+                        <a:solidFill>
+                          <a:schemeClr val="tx1"/>
+                        </a:solidFill>
+                      </a:endParaRPr>
+                    </a:p>
+                  </a:txBody>
+                  <a:tcPr>
+                    <a:lnL w="12700" cap="flat" cmpd="sng" algn="ctr">
+                      <a:solidFill>
+                        <a:schemeClr val="tx1"/>
+                      </a:solidFill>
+                      <a:prstDash val="solid"/>
+                      <a:round/>
+                      <a:headEnd type="none" w="med" len="med"/>
+                      <a:tailEnd type="none" w="med" len="med"/>
+                    </a:lnL>
+                    <a:lnR w="12700" cap="flat" cmpd="sng" algn="ctr">
+                      <a:solidFill>
+                        <a:schemeClr val="tx1"/>
+                      </a:solidFill>
+                      <a:prstDash val="solid"/>
+                      <a:round/>
+                      <a:headEnd type="none" w="med" len="med"/>
+                      <a:tailEnd type="none" w="med" len="med"/>
+                    </a:lnR>
+                    <a:lnT w="12700" cap="flat" cmpd="sng" algn="ctr">
+                      <a:solidFill>
+                        <a:schemeClr val="tx1"/>
+                      </a:solidFill>
+                      <a:prstDash val="solid"/>
+                      <a:round/>
+                      <a:headEnd type="none" w="med" len="med"/>
+                      <a:tailEnd type="none" w="med" len="med"/>
+                    </a:lnT>
+                    <a:lnB w="12700" cap="flat" cmpd="sng" algn="ctr">
+                      <a:solidFill>
+                        <a:schemeClr val="tx1"/>
+                      </a:solidFill>
+                      <a:prstDash val="solid"/>
+                      <a:round/>
+                      <a:headEnd type="none" w="med" len="med"/>
+                      <a:tailEnd type="none" w="med" len="med"/>
+                    </a:lnB>
+                    <a:solidFill>
+                      <a:schemeClr val="accent4">
+                        <a:lumMod val="20000"/>
+                        <a:lumOff val="80000"/>
+                      </a:schemeClr>
+                    </a:solidFill>
+                  </a:tcPr>
+                </a:tc>
+                <a:tc>
+                  <a:txBody>
+                    <a:bodyPr/>
+                    <a:lstStyle/>
+                    <a:p>
+                      <a:pPr latinLnBrk="1"/>
+                      <a:endParaRPr lang="ko-KR" altLang="en-US" dirty="0">
+                        <a:solidFill>
+                          <a:schemeClr val="tx1"/>
+                        </a:solidFill>
+                      </a:endParaRPr>
+                    </a:p>
+                  </a:txBody>
+                  <a:tcPr>
+                    <a:lnL w="12700" cap="flat" cmpd="sng" algn="ctr">
+                      <a:solidFill>
+                        <a:schemeClr val="tx1"/>
+                      </a:solidFill>
+                      <a:prstDash val="solid"/>
+                      <a:round/>
+                      <a:headEnd type="none" w="med" len="med"/>
+                      <a:tailEnd type="none" w="med" len="med"/>
+                    </a:lnL>
+                    <a:lnR w="12700" cap="flat" cmpd="sng" algn="ctr">
+                      <a:solidFill>
+                        <a:schemeClr val="tx1"/>
+                      </a:solidFill>
+                      <a:prstDash val="solid"/>
+                      <a:round/>
+                      <a:headEnd type="none" w="med" len="med"/>
+                      <a:tailEnd type="none" w="med" len="med"/>
+                    </a:lnR>
+                    <a:lnT w="12700" cap="flat" cmpd="sng" algn="ctr">
+                      <a:solidFill>
+                        <a:schemeClr val="tx1"/>
+                      </a:solidFill>
+                      <a:prstDash val="solid"/>
+                      <a:round/>
+                      <a:headEnd type="none" w="med" len="med"/>
+                      <a:tailEnd type="none" w="med" len="med"/>
+                    </a:lnT>
+                    <a:lnB w="12700" cap="flat" cmpd="sng" algn="ctr">
+                      <a:solidFill>
+                        <a:schemeClr val="tx1"/>
+                      </a:solidFill>
+                      <a:prstDash val="solid"/>
+                      <a:round/>
+                      <a:headEnd type="none" w="med" len="med"/>
+                      <a:tailEnd type="none" w="med" len="med"/>
+                    </a:lnB>
+                    <a:solidFill>
+                      <a:schemeClr val="bg1"/>
+                    </a:solidFill>
+                  </a:tcPr>
+                </a:tc>
+                <a:tc>
+                  <a:txBody>
+                    <a:bodyPr/>
+                    <a:lstStyle/>
+                    <a:p>
+                      <a:pPr latinLnBrk="1"/>
+                      <a:endParaRPr lang="ko-KR" altLang="en-US" dirty="0">
+                        <a:solidFill>
+                          <a:schemeClr val="tx1"/>
+                        </a:solidFill>
+                      </a:endParaRPr>
+                    </a:p>
+                  </a:txBody>
+                  <a:tcPr>
+                    <a:lnL w="12700" cap="flat" cmpd="sng" algn="ctr">
+                      <a:solidFill>
+                        <a:schemeClr val="tx1"/>
+                      </a:solidFill>
+                      <a:prstDash val="solid"/>
+                      <a:round/>
+                      <a:headEnd type="none" w="med" len="med"/>
+                      <a:tailEnd type="none" w="med" len="med"/>
+                    </a:lnL>
+                    <a:lnR w="12700" cap="flat" cmpd="sng" algn="ctr">
+                      <a:solidFill>
+                        <a:schemeClr val="tx1"/>
+                      </a:solidFill>
+                      <a:prstDash val="solid"/>
+                      <a:round/>
+                      <a:headEnd type="none" w="med" len="med"/>
+                      <a:tailEnd type="none" w="med" len="med"/>
+                    </a:lnR>
+                    <a:lnT w="12700" cap="flat" cmpd="sng" algn="ctr">
+                      <a:solidFill>
+                        <a:schemeClr val="tx1"/>
+                      </a:solidFill>
+                      <a:prstDash val="solid"/>
+                      <a:round/>
+                      <a:headEnd type="none" w="med" len="med"/>
+                      <a:tailEnd type="none" w="med" len="med"/>
+                    </a:lnT>
+                    <a:lnB w="12700" cap="flat" cmpd="sng" algn="ctr">
+                      <a:solidFill>
+                        <a:schemeClr val="tx1"/>
+                      </a:solidFill>
+                      <a:prstDash val="solid"/>
+                      <a:round/>
+                      <a:headEnd type="none" w="med" len="med"/>
+                      <a:tailEnd type="none" w="med" len="med"/>
+                    </a:lnB>
+                    <a:solidFill>
+                      <a:schemeClr val="bg1"/>
+                    </a:solidFill>
+                  </a:tcPr>
+                </a:tc>
+                <a:extLst>
+                  <a:ext uri="{0D108BD9-81ED-4DB2-BD59-A6C34878D82A}">
+                    <a16:rowId xmlns:a16="http://schemas.microsoft.com/office/drawing/2014/main" val="3283850315"/>
+                  </a:ext>
+                </a:extLst>
+              </a:tr>
+              <a:tr h="370840">
+                <a:tc>
+                  <a:txBody>
+                    <a:bodyPr/>
+                    <a:lstStyle/>
+                    <a:p>
+                      <a:pPr algn="ctr" latinLnBrk="1"/>
+                      <a:endParaRPr lang="ko-KR" altLang="en-US" dirty="0">
+                        <a:solidFill>
+                          <a:schemeClr val="tx1"/>
+                        </a:solidFill>
+                      </a:endParaRPr>
+                    </a:p>
+                  </a:txBody>
+                  <a:tcPr>
+                    <a:lnL w="12700" cap="flat" cmpd="sng" algn="ctr">
+                      <a:solidFill>
+                        <a:schemeClr val="tx1"/>
+                      </a:solidFill>
+                      <a:prstDash val="solid"/>
+                      <a:round/>
+                      <a:headEnd type="none" w="med" len="med"/>
+                      <a:tailEnd type="none" w="med" len="med"/>
+                    </a:lnL>
+                    <a:lnR w="12700" cap="flat" cmpd="sng" algn="ctr">
+                      <a:solidFill>
+                        <a:schemeClr val="tx1"/>
+                      </a:solidFill>
+                      <a:prstDash val="solid"/>
+                      <a:round/>
+                      <a:headEnd type="none" w="med" len="med"/>
+                      <a:tailEnd type="none" w="med" len="med"/>
+                    </a:lnR>
+                    <a:lnT w="12700" cap="flat" cmpd="sng" algn="ctr">
+                      <a:solidFill>
+                        <a:schemeClr val="tx1"/>
+                      </a:solidFill>
+                      <a:prstDash val="solid"/>
+                      <a:round/>
+                      <a:headEnd type="none" w="med" len="med"/>
+                      <a:tailEnd type="none" w="med" len="med"/>
+                    </a:lnT>
+                    <a:lnB w="12700" cap="flat" cmpd="sng" algn="ctr">
+                      <a:solidFill>
+                        <a:schemeClr val="tx1"/>
+                      </a:solidFill>
+                      <a:prstDash val="solid"/>
+                      <a:round/>
+                      <a:headEnd type="none" w="med" len="med"/>
+                      <a:tailEnd type="none" w="med" len="med"/>
+                    </a:lnB>
+                    <a:solidFill>
+                      <a:schemeClr val="accent1">
+                        <a:lumMod val="60000"/>
+                        <a:lumOff val="40000"/>
+                      </a:schemeClr>
+                    </a:solidFill>
+                  </a:tcPr>
+                </a:tc>
+                <a:tc>
+                  <a:txBody>
+                    <a:bodyPr/>
+                    <a:lstStyle/>
+                    <a:p>
+                      <a:pPr latinLnBrk="1"/>
+                      <a:endParaRPr lang="ko-KR" altLang="en-US" dirty="0">
+                        <a:solidFill>
+                          <a:schemeClr val="tx1"/>
+                        </a:solidFill>
+                      </a:endParaRPr>
+                    </a:p>
+                  </a:txBody>
+                  <a:tcPr>
+                    <a:lnL w="12700" cap="flat" cmpd="sng" algn="ctr">
+                      <a:solidFill>
+                        <a:schemeClr val="tx1"/>
+                      </a:solidFill>
+                      <a:prstDash val="solid"/>
+                      <a:round/>
+                      <a:headEnd type="none" w="med" len="med"/>
+                      <a:tailEnd type="none" w="med" len="med"/>
+                    </a:lnL>
+                    <a:lnR w="12700" cap="flat" cmpd="sng" algn="ctr">
+                      <a:solidFill>
+                        <a:schemeClr val="tx1"/>
+                      </a:solidFill>
+                      <a:prstDash val="solid"/>
+                      <a:round/>
+                      <a:headEnd type="none" w="med" len="med"/>
+                      <a:tailEnd type="none" w="med" len="med"/>
+                    </a:lnR>
+                    <a:lnT w="12700" cap="flat" cmpd="sng" algn="ctr">
+                      <a:solidFill>
+                        <a:schemeClr val="tx1"/>
+                      </a:solidFill>
+                      <a:prstDash val="solid"/>
+                      <a:round/>
+                      <a:headEnd type="none" w="med" len="med"/>
+                      <a:tailEnd type="none" w="med" len="med"/>
+                    </a:lnT>
+                    <a:lnB w="12700" cap="flat" cmpd="sng" algn="ctr">
+                      <a:solidFill>
+                        <a:schemeClr val="tx1"/>
+                      </a:solidFill>
+                      <a:prstDash val="solid"/>
+                      <a:round/>
+                      <a:headEnd type="none" w="med" len="med"/>
+                      <a:tailEnd type="none" w="med" len="med"/>
+                    </a:lnB>
+                    <a:solidFill>
+                      <a:schemeClr val="bg1"/>
+                    </a:solidFill>
+                  </a:tcPr>
+                </a:tc>
+                <a:tc>
+                  <a:txBody>
+                    <a:bodyPr/>
+                    <a:lstStyle/>
+                    <a:p>
+                      <a:pPr latinLnBrk="1"/>
+                      <a:endParaRPr lang="ko-KR" altLang="en-US" dirty="0">
+                        <a:solidFill>
+                          <a:schemeClr val="tx1"/>
+                        </a:solidFill>
+                      </a:endParaRPr>
+                    </a:p>
+                  </a:txBody>
+                  <a:tcPr>
+                    <a:lnL w="12700" cap="flat" cmpd="sng" algn="ctr">
+                      <a:solidFill>
+                        <a:schemeClr val="tx1"/>
+                      </a:solidFill>
+                      <a:prstDash val="solid"/>
+                      <a:round/>
+                      <a:headEnd type="none" w="med" len="med"/>
+                      <a:tailEnd type="none" w="med" len="med"/>
+                    </a:lnL>
+                    <a:lnR w="12700" cap="flat" cmpd="sng" algn="ctr">
+                      <a:solidFill>
+                        <a:schemeClr val="tx1"/>
+                      </a:solidFill>
+                      <a:prstDash val="solid"/>
+                      <a:round/>
+                      <a:headEnd type="none" w="med" len="med"/>
+                      <a:tailEnd type="none" w="med" len="med"/>
+                    </a:lnR>
+                    <a:lnT w="12700" cap="flat" cmpd="sng" algn="ctr">
+                      <a:solidFill>
+                        <a:schemeClr val="tx1"/>
+                      </a:solidFill>
+                      <a:prstDash val="solid"/>
+                      <a:round/>
+                      <a:headEnd type="none" w="med" len="med"/>
+                      <a:tailEnd type="none" w="med" len="med"/>
+                    </a:lnT>
+                    <a:lnB w="12700" cap="flat" cmpd="sng" algn="ctr">
+                      <a:solidFill>
+                        <a:schemeClr val="tx1"/>
+                      </a:solidFill>
+                      <a:prstDash val="solid"/>
+                      <a:round/>
+                      <a:headEnd type="none" w="med" len="med"/>
+                      <a:tailEnd type="none" w="med" len="med"/>
+                    </a:lnB>
+                    <a:solidFill>
+                      <a:schemeClr val="bg1"/>
+                    </a:solidFill>
+                  </a:tcPr>
+                </a:tc>
+                <a:extLst>
+                  <a:ext uri="{0D108BD9-81ED-4DB2-BD59-A6C34878D82A}">
+                    <a16:rowId xmlns:a16="http://schemas.microsoft.com/office/drawing/2014/main" val="115049388"/>
+                  </a:ext>
+                </a:extLst>
+              </a:tr>
+              <a:tr h="370840">
+                <a:tc>
+                  <a:txBody>
+                    <a:bodyPr/>
+                    <a:lstStyle/>
+                    <a:p>
+                      <a:pPr algn="ctr" latinLnBrk="1"/>
+                      <a:endParaRPr lang="ko-KR" altLang="en-US" dirty="0">
+                        <a:solidFill>
+                          <a:schemeClr val="tx1"/>
+                        </a:solidFill>
+                      </a:endParaRPr>
+                    </a:p>
+                  </a:txBody>
+                  <a:tcPr>
+                    <a:lnL w="12700" cap="flat" cmpd="sng" algn="ctr">
+                      <a:solidFill>
+                        <a:schemeClr val="tx1"/>
+                      </a:solidFill>
+                      <a:prstDash val="solid"/>
+                      <a:round/>
+                      <a:headEnd type="none" w="med" len="med"/>
+                      <a:tailEnd type="none" w="med" len="med"/>
+                    </a:lnL>
+                    <a:lnR w="12700" cap="flat" cmpd="sng" algn="ctr">
+                      <a:solidFill>
+                        <a:schemeClr val="tx1"/>
+                      </a:solidFill>
+                      <a:prstDash val="solid"/>
+                      <a:round/>
+                      <a:headEnd type="none" w="med" len="med"/>
+                      <a:tailEnd type="none" w="med" len="med"/>
+                    </a:lnR>
+                    <a:lnT w="12700" cap="flat" cmpd="sng" algn="ctr">
+                      <a:solidFill>
+                        <a:schemeClr val="tx1"/>
+                      </a:solidFill>
+                      <a:prstDash val="solid"/>
+                      <a:round/>
+                      <a:headEnd type="none" w="med" len="med"/>
+                      <a:tailEnd type="none" w="med" len="med"/>
+                    </a:lnT>
+                    <a:lnB w="12700" cap="flat" cmpd="sng" algn="ctr">
+                      <a:solidFill>
+                        <a:schemeClr val="tx1"/>
+                      </a:solidFill>
+                      <a:prstDash val="solid"/>
+                      <a:round/>
+                      <a:headEnd type="none" w="med" len="med"/>
+                      <a:tailEnd type="none" w="med" len="med"/>
+                    </a:lnB>
+                    <a:solidFill>
+                      <a:schemeClr val="accent1">
+                        <a:lumMod val="60000"/>
+                        <a:lumOff val="40000"/>
+                      </a:schemeClr>
+                    </a:solidFill>
+                  </a:tcPr>
+                </a:tc>
+                <a:tc>
+                  <a:txBody>
+                    <a:bodyPr/>
+                    <a:lstStyle/>
+                    <a:p>
+                      <a:pPr latinLnBrk="1"/>
+                      <a:endParaRPr lang="ko-KR" altLang="en-US" dirty="0">
+                        <a:solidFill>
+                          <a:schemeClr val="tx1"/>
+                        </a:solidFill>
+                      </a:endParaRPr>
+                    </a:p>
+                  </a:txBody>
+                  <a:tcPr>
+                    <a:lnL w="12700" cap="flat" cmpd="sng" algn="ctr">
+                      <a:solidFill>
+                        <a:schemeClr val="tx1"/>
+                      </a:solidFill>
+                      <a:prstDash val="solid"/>
+                      <a:round/>
+                      <a:headEnd type="none" w="med" len="med"/>
+                      <a:tailEnd type="none" w="med" len="med"/>
+                    </a:lnL>
+                    <a:lnR w="12700" cap="flat" cmpd="sng" algn="ctr">
+                      <a:solidFill>
+                        <a:schemeClr val="tx1"/>
+                      </a:solidFill>
+                      <a:prstDash val="solid"/>
+                      <a:round/>
+                      <a:headEnd type="none" w="med" len="med"/>
+                      <a:tailEnd type="none" w="med" len="med"/>
+                    </a:lnR>
+                    <a:lnT w="12700" cap="flat" cmpd="sng" algn="ctr">
+                      <a:solidFill>
+                        <a:schemeClr val="tx1"/>
+                      </a:solidFill>
+                      <a:prstDash val="solid"/>
+                      <a:round/>
+                      <a:headEnd type="none" w="med" len="med"/>
+                      <a:tailEnd type="none" w="med" len="med"/>
+                    </a:lnT>
+                    <a:lnB w="12700" cap="flat" cmpd="sng" algn="ctr">
+                      <a:solidFill>
+                        <a:schemeClr val="tx1"/>
+                      </a:solidFill>
+                      <a:prstDash val="solid"/>
+                      <a:round/>
+                      <a:headEnd type="none" w="med" len="med"/>
+                      <a:tailEnd type="none" w="med" len="med"/>
+                    </a:lnB>
+                    <a:solidFill>
+                      <a:schemeClr val="bg1"/>
+                    </a:solidFill>
+                  </a:tcPr>
+                </a:tc>
+                <a:tc>
+                  <a:txBody>
+                    <a:bodyPr/>
+                    <a:lstStyle/>
+                    <a:p>
+                      <a:pPr latinLnBrk="1"/>
+                      <a:endParaRPr lang="ko-KR" altLang="en-US" dirty="0">
+                        <a:solidFill>
+                          <a:schemeClr val="tx1"/>
+                        </a:solidFill>
+                      </a:endParaRPr>
+                    </a:p>
+                  </a:txBody>
+                  <a:tcPr>
+                    <a:lnL w="12700" cap="flat" cmpd="sng" algn="ctr">
+                      <a:solidFill>
+                        <a:schemeClr val="tx1"/>
+                      </a:solidFill>
+                      <a:prstDash val="solid"/>
+                      <a:round/>
+                      <a:headEnd type="none" w="med" len="med"/>
+                      <a:tailEnd type="none" w="med" len="med"/>
+                    </a:lnL>
+                    <a:lnR w="12700" cap="flat" cmpd="sng" algn="ctr">
+                      <a:solidFill>
+                        <a:schemeClr val="tx1"/>
+                      </a:solidFill>
+                      <a:prstDash val="solid"/>
+                      <a:round/>
+                      <a:headEnd type="none" w="med" len="med"/>
+                      <a:tailEnd type="none" w="med" len="med"/>
+                    </a:lnR>
+                    <a:lnT w="12700" cap="flat" cmpd="sng" algn="ctr">
+                      <a:solidFill>
+                        <a:schemeClr val="tx1"/>
+                      </a:solidFill>
+                      <a:prstDash val="solid"/>
+                      <a:round/>
+                      <a:headEnd type="none" w="med" len="med"/>
+                      <a:tailEnd type="none" w="med" len="med"/>
+                    </a:lnT>
+                    <a:lnB w="12700" cap="flat" cmpd="sng" algn="ctr">
+                      <a:solidFill>
+                        <a:schemeClr val="tx1"/>
+                      </a:solidFill>
+                      <a:prstDash val="solid"/>
+                      <a:round/>
+                      <a:headEnd type="none" w="med" len="med"/>
+                      <a:tailEnd type="none" w="med" len="med"/>
+                    </a:lnB>
+                    <a:solidFill>
+                      <a:schemeClr val="bg1"/>
+                    </a:solidFill>
+                  </a:tcPr>
+                </a:tc>
+                <a:extLst>
+                  <a:ext uri="{0D108BD9-81ED-4DB2-BD59-A6C34878D82A}">
+                    <a16:rowId xmlns:a16="http://schemas.microsoft.com/office/drawing/2014/main" val="1482916371"/>
+                  </a:ext>
+                </a:extLst>
+              </a:tr>
+              <a:tr h="370840">
+                <a:tc>
+                  <a:txBody>
+                    <a:bodyPr/>
+                    <a:lstStyle/>
+                    <a:p>
+                      <a:pPr algn="ctr" latinLnBrk="1"/>
+                      <a:endParaRPr lang="ko-KR" altLang="en-US" dirty="0">
+                        <a:solidFill>
+                          <a:schemeClr val="tx1"/>
+                        </a:solidFill>
+                      </a:endParaRPr>
+                    </a:p>
+                  </a:txBody>
+                  <a:tcPr>
+                    <a:lnL w="12700" cap="flat" cmpd="sng" algn="ctr">
+                      <a:solidFill>
+                        <a:schemeClr val="tx1"/>
+                      </a:solidFill>
+                      <a:prstDash val="solid"/>
+                      <a:round/>
+                      <a:headEnd type="none" w="med" len="med"/>
+                      <a:tailEnd type="none" w="med" len="med"/>
+                    </a:lnL>
+                    <a:lnR w="12700" cap="flat" cmpd="sng" algn="ctr">
+                      <a:solidFill>
+                        <a:schemeClr val="tx1"/>
+                      </a:solidFill>
+                      <a:prstDash val="solid"/>
+                      <a:round/>
+                      <a:headEnd type="none" w="med" len="med"/>
+                      <a:tailEnd type="none" w="med" len="med"/>
+                    </a:lnR>
+                    <a:lnT w="12700" cap="flat" cmpd="sng" algn="ctr">
+                      <a:solidFill>
+                        <a:schemeClr val="tx1"/>
+                      </a:solidFill>
+                      <a:prstDash val="solid"/>
+                      <a:round/>
+                      <a:headEnd type="none" w="med" len="med"/>
+                      <a:tailEnd type="none" w="med" len="med"/>
+                    </a:lnT>
+                    <a:lnB w="12700" cap="flat" cmpd="sng" algn="ctr">
+                      <a:solidFill>
+                        <a:schemeClr val="tx1"/>
+                      </a:solidFill>
+                      <a:prstDash val="solid"/>
+                      <a:round/>
+                      <a:headEnd type="none" w="med" len="med"/>
+                      <a:tailEnd type="none" w="med" len="med"/>
+                    </a:lnB>
+                    <a:solidFill>
+                      <a:schemeClr val="accent1">
+                        <a:lumMod val="60000"/>
+                        <a:lumOff val="40000"/>
+                      </a:schemeClr>
+                    </a:solidFill>
+                  </a:tcPr>
+                </a:tc>
+                <a:tc>
+                  <a:txBody>
+                    <a:bodyPr/>
+                    <a:lstStyle/>
+                    <a:p>
+                      <a:pPr latinLnBrk="1"/>
+                      <a:endParaRPr lang="ko-KR" altLang="en-US" dirty="0">
+                        <a:solidFill>
+                          <a:schemeClr val="tx1"/>
+                        </a:solidFill>
+                      </a:endParaRPr>
+                    </a:p>
+                  </a:txBody>
+                  <a:tcPr>
+                    <a:lnL w="12700" cap="flat" cmpd="sng" algn="ctr">
+                      <a:solidFill>
+                        <a:schemeClr val="tx1"/>
+                      </a:solidFill>
+                      <a:prstDash val="solid"/>
+                      <a:round/>
+                      <a:headEnd type="none" w="med" len="med"/>
+                      <a:tailEnd type="none" w="med" len="med"/>
+                    </a:lnL>
+                    <a:lnR w="12700" cap="flat" cmpd="sng" algn="ctr">
+                      <a:solidFill>
+                        <a:schemeClr val="tx1"/>
+                      </a:solidFill>
+                      <a:prstDash val="solid"/>
+                      <a:round/>
+                      <a:headEnd type="none" w="med" len="med"/>
+                      <a:tailEnd type="none" w="med" len="med"/>
+                    </a:lnR>
+                    <a:lnT w="12700" cap="flat" cmpd="sng" algn="ctr">
+                      <a:solidFill>
+                        <a:schemeClr val="tx1"/>
+                      </a:solidFill>
+                      <a:prstDash val="solid"/>
+                      <a:round/>
+                      <a:headEnd type="none" w="med" len="med"/>
+                      <a:tailEnd type="none" w="med" len="med"/>
+                    </a:lnT>
+                    <a:lnB w="12700" cap="flat" cmpd="sng" algn="ctr">
+                      <a:solidFill>
+                        <a:schemeClr val="tx1"/>
+                      </a:solidFill>
+                      <a:prstDash val="solid"/>
+                      <a:round/>
+                      <a:headEnd type="none" w="med" len="med"/>
+                      <a:tailEnd type="none" w="med" len="med"/>
+                    </a:lnB>
+                    <a:solidFill>
+                      <a:schemeClr val="bg1"/>
+                    </a:solidFill>
+                  </a:tcPr>
+                </a:tc>
+                <a:tc>
+                  <a:txBody>
+                    <a:bodyPr/>
+                    <a:lstStyle/>
+                    <a:p>
+                      <a:pPr latinLnBrk="1"/>
+                      <a:endParaRPr lang="ko-KR" altLang="en-US" dirty="0">
+                        <a:solidFill>
+                          <a:schemeClr val="tx1"/>
+                        </a:solidFill>
+                      </a:endParaRPr>
+                    </a:p>
+                  </a:txBody>
+                  <a:tcPr>
+                    <a:lnL w="12700" cap="flat" cmpd="sng" algn="ctr">
+                      <a:solidFill>
+                        <a:schemeClr val="tx1"/>
+                      </a:solidFill>
+                      <a:prstDash val="solid"/>
+                      <a:round/>
+                      <a:headEnd type="none" w="med" len="med"/>
+                      <a:tailEnd type="none" w="med" len="med"/>
+                    </a:lnL>
+                    <a:lnR w="12700" cap="flat" cmpd="sng" algn="ctr">
+                      <a:solidFill>
+                        <a:schemeClr val="tx1"/>
+                      </a:solidFill>
+                      <a:prstDash val="solid"/>
+                      <a:round/>
+                      <a:headEnd type="none" w="med" len="med"/>
+                      <a:tailEnd type="none" w="med" len="med"/>
+                    </a:lnR>
+                    <a:lnT w="12700" cap="flat" cmpd="sng" algn="ctr">
+                      <a:solidFill>
+                        <a:schemeClr val="tx1"/>
+                      </a:solidFill>
+                      <a:prstDash val="solid"/>
+                      <a:round/>
+                      <a:headEnd type="none" w="med" len="med"/>
+                      <a:tailEnd type="none" w="med" len="med"/>
+                    </a:lnT>
+                    <a:lnB w="12700" cap="flat" cmpd="sng" algn="ctr">
+                      <a:solidFill>
+                        <a:schemeClr val="tx1"/>
+                      </a:solidFill>
+                      <a:prstDash val="solid"/>
+                      <a:round/>
+                      <a:headEnd type="none" w="med" len="med"/>
+                      <a:tailEnd type="none" w="med" len="med"/>
+                    </a:lnB>
+                    <a:solidFill>
+                      <a:schemeClr val="bg1"/>
+                    </a:solidFill>
+                  </a:tcPr>
+                </a:tc>
+                <a:extLst>
+                  <a:ext uri="{0D108BD9-81ED-4DB2-BD59-A6C34878D82A}">
+                    <a16:rowId xmlns:a16="http://schemas.microsoft.com/office/drawing/2014/main" val="2085773863"/>
+                  </a:ext>
+                </a:extLst>
+              </a:tr>
+              <a:tr h="370840">
+                <a:tc>
+                  <a:txBody>
+                    <a:bodyPr/>
+                    <a:lstStyle/>
+                    <a:p>
+                      <a:pPr algn="ctr" latinLnBrk="1"/>
+                      <a:endParaRPr lang="ko-KR" altLang="en-US" dirty="0">
+                        <a:solidFill>
+                          <a:schemeClr val="tx1"/>
+                        </a:solidFill>
+                      </a:endParaRPr>
+                    </a:p>
+                  </a:txBody>
+                  <a:tcPr>
+                    <a:lnL w="12700" cap="flat" cmpd="sng" algn="ctr">
+                      <a:solidFill>
+                        <a:schemeClr val="tx1"/>
+                      </a:solidFill>
+                      <a:prstDash val="solid"/>
+                      <a:round/>
+                      <a:headEnd type="none" w="med" len="med"/>
+                      <a:tailEnd type="none" w="med" len="med"/>
+                    </a:lnL>
+                    <a:lnR w="12700" cap="flat" cmpd="sng" algn="ctr">
+                      <a:solidFill>
+                        <a:schemeClr val="tx1"/>
+                      </a:solidFill>
+                      <a:prstDash val="solid"/>
+                      <a:round/>
+                      <a:headEnd type="none" w="med" len="med"/>
+                      <a:tailEnd type="none" w="med" len="med"/>
+                    </a:lnR>
+                    <a:lnT w="12700" cap="flat" cmpd="sng" algn="ctr">
+                      <a:solidFill>
+                        <a:schemeClr val="tx1"/>
+                      </a:solidFill>
+                      <a:prstDash val="solid"/>
+                      <a:round/>
+                      <a:headEnd type="none" w="med" len="med"/>
+                      <a:tailEnd type="none" w="med" len="med"/>
+                    </a:lnT>
+                    <a:lnB w="12700" cap="flat" cmpd="sng" algn="ctr">
+                      <a:solidFill>
+                        <a:schemeClr val="tx1"/>
+                      </a:solidFill>
+                      <a:prstDash val="solid"/>
+                      <a:round/>
+                      <a:headEnd type="none" w="med" len="med"/>
+                      <a:tailEnd type="none" w="med" len="med"/>
+                    </a:lnB>
+                    <a:solidFill>
+                      <a:schemeClr val="accent1">
+                        <a:lumMod val="60000"/>
+                        <a:lumOff val="40000"/>
+                      </a:schemeClr>
+                    </a:solidFill>
+                  </a:tcPr>
+                </a:tc>
+                <a:tc>
+                  <a:txBody>
+                    <a:bodyPr/>
+                    <a:lstStyle/>
+                    <a:p>
+                      <a:pPr latinLnBrk="1"/>
+                      <a:endParaRPr lang="ko-KR" altLang="en-US" dirty="0">
+                        <a:solidFill>
+                          <a:schemeClr val="tx1"/>
+                        </a:solidFill>
+                      </a:endParaRPr>
+                    </a:p>
+                  </a:txBody>
+                  <a:tcPr>
+                    <a:lnL w="12700" cap="flat" cmpd="sng" algn="ctr">
+                      <a:solidFill>
+                        <a:schemeClr val="tx1"/>
+                      </a:solidFill>
+                      <a:prstDash val="solid"/>
+                      <a:round/>
+                      <a:headEnd type="none" w="med" len="med"/>
+                      <a:tailEnd type="none" w="med" len="med"/>
+                    </a:lnL>
+                    <a:lnR w="12700" cap="flat" cmpd="sng" algn="ctr">
+                      <a:solidFill>
+                        <a:schemeClr val="tx1"/>
+                      </a:solidFill>
+                      <a:prstDash val="solid"/>
+                      <a:round/>
+                      <a:headEnd type="none" w="med" len="med"/>
+                      <a:tailEnd type="none" w="med" len="med"/>
+                    </a:lnR>
+                    <a:lnT w="12700" cap="flat" cmpd="sng" algn="ctr">
+                      <a:solidFill>
+                        <a:schemeClr val="tx1"/>
+                      </a:solidFill>
+                      <a:prstDash val="solid"/>
+                      <a:round/>
+                      <a:headEnd type="none" w="med" len="med"/>
+                      <a:tailEnd type="none" w="med" len="med"/>
+                    </a:lnT>
+                    <a:lnB w="12700" cap="flat" cmpd="sng" algn="ctr">
+                      <a:solidFill>
+                        <a:schemeClr val="tx1"/>
+                      </a:solidFill>
+                      <a:prstDash val="solid"/>
+                      <a:round/>
+                      <a:headEnd type="none" w="med" len="med"/>
+                      <a:tailEnd type="none" w="med" len="med"/>
+                    </a:lnB>
+                    <a:solidFill>
+                      <a:schemeClr val="bg1"/>
+                    </a:solidFill>
+                  </a:tcPr>
+                </a:tc>
+                <a:tc>
+                  <a:txBody>
+                    <a:bodyPr/>
+                    <a:lstStyle/>
+                    <a:p>
+                      <a:pPr latinLnBrk="1"/>
+                      <a:endParaRPr lang="ko-KR" altLang="en-US" dirty="0">
+                        <a:solidFill>
+                          <a:schemeClr val="tx1"/>
+                        </a:solidFill>
+                      </a:endParaRPr>
+                    </a:p>
+                  </a:txBody>
+                  <a:tcPr>
+                    <a:lnL w="12700" cap="flat" cmpd="sng" algn="ctr">
+                      <a:solidFill>
+                        <a:schemeClr val="tx1"/>
+                      </a:solidFill>
+                      <a:prstDash val="solid"/>
+                      <a:round/>
+                      <a:headEnd type="none" w="med" len="med"/>
+                      <a:tailEnd type="none" w="med" len="med"/>
+                    </a:lnL>
+                    <a:lnR w="12700" cap="flat" cmpd="sng" algn="ctr">
+                      <a:solidFill>
+                        <a:schemeClr val="tx1"/>
+                      </a:solidFill>
+                      <a:prstDash val="solid"/>
+                      <a:round/>
+                      <a:headEnd type="none" w="med" len="med"/>
+                      <a:tailEnd type="none" w="med" len="med"/>
+                    </a:lnR>
+                    <a:lnT w="12700" cap="flat" cmpd="sng" algn="ctr">
+                      <a:solidFill>
+                        <a:schemeClr val="tx1"/>
+                      </a:solidFill>
+                      <a:prstDash val="solid"/>
+                      <a:round/>
+                      <a:headEnd type="none" w="med" len="med"/>
+                      <a:tailEnd type="none" w="med" len="med"/>
+                    </a:lnT>
+                    <a:lnB w="12700" cap="flat" cmpd="sng" algn="ctr">
+                      <a:solidFill>
+                        <a:schemeClr val="tx1"/>
+                      </a:solidFill>
+                      <a:prstDash val="solid"/>
+                      <a:round/>
+                      <a:headEnd type="none" w="med" len="med"/>
+                      <a:tailEnd type="none" w="med" len="med"/>
+                    </a:lnB>
+                    <a:solidFill>
+                      <a:schemeClr val="bg1"/>
+                    </a:solidFill>
+                  </a:tcPr>
+                </a:tc>
+                <a:extLst>
+                  <a:ext uri="{0D108BD9-81ED-4DB2-BD59-A6C34878D82A}">
+                    <a16:rowId xmlns:a16="http://schemas.microsoft.com/office/drawing/2014/main" val="4294301989"/>
+                  </a:ext>
+                </a:extLst>
+              </a:tr>
+              <a:tr h="370840">
+                <a:tc>
+                  <a:txBody>
+                    <a:bodyPr/>
+                    <a:lstStyle/>
+                    <a:p>
+                      <a:pPr algn="ctr" latinLnBrk="1"/>
+                      <a:endParaRPr lang="ko-KR" altLang="en-US" dirty="0">
+                        <a:solidFill>
+                          <a:schemeClr val="tx1"/>
+                        </a:solidFill>
+                      </a:endParaRPr>
+                    </a:p>
+                  </a:txBody>
+                  <a:tcPr>
+                    <a:lnL w="12700" cap="flat" cmpd="sng" algn="ctr">
+                      <a:solidFill>
+                        <a:schemeClr val="tx1"/>
+                      </a:solidFill>
+                      <a:prstDash val="solid"/>
+                      <a:round/>
+                      <a:headEnd type="none" w="med" len="med"/>
+                      <a:tailEnd type="none" w="med" len="med"/>
+                    </a:lnL>
+                    <a:lnR w="12700" cap="flat" cmpd="sng" algn="ctr">
+                      <a:solidFill>
+                        <a:schemeClr val="tx1"/>
+                      </a:solidFill>
+                      <a:prstDash val="solid"/>
+                      <a:round/>
+                      <a:headEnd type="none" w="med" len="med"/>
+                      <a:tailEnd type="none" w="med" len="med"/>
+                    </a:lnR>
+                    <a:lnT w="12700" cap="flat" cmpd="sng" algn="ctr">
+                      <a:solidFill>
+                        <a:schemeClr val="tx1"/>
+                      </a:solidFill>
+                      <a:prstDash val="solid"/>
+                      <a:round/>
+                      <a:headEnd type="none" w="med" len="med"/>
+                      <a:tailEnd type="none" w="med" len="med"/>
+                    </a:lnT>
+                    <a:lnB w="12700" cap="flat" cmpd="sng" algn="ctr">
+                      <a:solidFill>
+                        <a:schemeClr val="tx1"/>
+                      </a:solidFill>
+                      <a:prstDash val="solid"/>
+                      <a:round/>
+                      <a:headEnd type="none" w="med" len="med"/>
+                      <a:tailEnd type="none" w="med" len="med"/>
+                    </a:lnB>
+                    <a:solidFill>
+                      <a:schemeClr val="accent4">
+                        <a:lumMod val="60000"/>
+                        <a:lumOff val="40000"/>
+                      </a:schemeClr>
+                    </a:solidFill>
+                  </a:tcPr>
+                </a:tc>
+                <a:tc>
+                  <a:txBody>
+                    <a:bodyPr/>
+                    <a:lstStyle/>
+                    <a:p>
+                      <a:pPr latinLnBrk="1"/>
+                      <a:endParaRPr lang="ko-KR" altLang="en-US" dirty="0">
+                        <a:solidFill>
+                          <a:schemeClr val="tx1"/>
+                        </a:solidFill>
+                      </a:endParaRPr>
+                    </a:p>
+                  </a:txBody>
+                  <a:tcPr>
+                    <a:lnL w="12700" cap="flat" cmpd="sng" algn="ctr">
+                      <a:solidFill>
+                        <a:schemeClr val="tx1"/>
+                      </a:solidFill>
+                      <a:prstDash val="solid"/>
+                      <a:round/>
+                      <a:headEnd type="none" w="med" len="med"/>
+                      <a:tailEnd type="none" w="med" len="med"/>
+                    </a:lnL>
+                    <a:lnR w="12700" cap="flat" cmpd="sng" algn="ctr">
+                      <a:solidFill>
+                        <a:schemeClr val="tx1"/>
+                      </a:solidFill>
+                      <a:prstDash val="solid"/>
+                      <a:round/>
+                      <a:headEnd type="none" w="med" len="med"/>
+                      <a:tailEnd type="none" w="med" len="med"/>
+                    </a:lnR>
+                    <a:lnT w="12700" cap="flat" cmpd="sng" algn="ctr">
+                      <a:solidFill>
+                        <a:schemeClr val="tx1"/>
+                      </a:solidFill>
+                      <a:prstDash val="solid"/>
+                      <a:round/>
+                      <a:headEnd type="none" w="med" len="med"/>
+                      <a:tailEnd type="none" w="med" len="med"/>
+                    </a:lnT>
+                    <a:lnB w="12700" cap="flat" cmpd="sng" algn="ctr">
+                      <a:solidFill>
+                        <a:schemeClr val="tx1"/>
+                      </a:solidFill>
+                      <a:prstDash val="solid"/>
+                      <a:round/>
+                      <a:headEnd type="none" w="med" len="med"/>
+                      <a:tailEnd type="none" w="med" len="med"/>
+                    </a:lnB>
+                    <a:solidFill>
+                      <a:schemeClr val="bg1"/>
+                    </a:solidFill>
+                  </a:tcPr>
+                </a:tc>
+                <a:tc>
+                  <a:txBody>
+                    <a:bodyPr/>
+                    <a:lstStyle/>
+                    <a:p>
+                      <a:pPr latinLnBrk="1"/>
+                      <a:endParaRPr lang="ko-KR" altLang="en-US" dirty="0">
+                        <a:solidFill>
+                          <a:schemeClr val="tx1"/>
+                        </a:solidFill>
+                      </a:endParaRPr>
+                    </a:p>
+                  </a:txBody>
+                  <a:tcPr>
+                    <a:lnL w="12700" cap="flat" cmpd="sng" algn="ctr">
+                      <a:solidFill>
+                        <a:schemeClr val="tx1"/>
+                      </a:solidFill>
+                      <a:prstDash val="solid"/>
+                      <a:round/>
+                      <a:headEnd type="none" w="med" len="med"/>
+                      <a:tailEnd type="none" w="med" len="med"/>
+                    </a:lnL>
+                    <a:lnR w="12700" cap="flat" cmpd="sng" algn="ctr">
+                      <a:solidFill>
+                        <a:schemeClr val="tx1"/>
+                      </a:solidFill>
+                      <a:prstDash val="solid"/>
+                      <a:round/>
+                      <a:headEnd type="none" w="med" len="med"/>
+                      <a:tailEnd type="none" w="med" len="med"/>
+                    </a:lnR>
+                    <a:lnT w="12700" cap="flat" cmpd="sng" algn="ctr">
+                      <a:solidFill>
+                        <a:schemeClr val="tx1"/>
+                      </a:solidFill>
+                      <a:prstDash val="solid"/>
+                      <a:round/>
+                      <a:headEnd type="none" w="med" len="med"/>
+                      <a:tailEnd type="none" w="med" len="med"/>
+                    </a:lnT>
+                    <a:lnB w="12700" cap="flat" cmpd="sng" algn="ctr">
+                      <a:solidFill>
+                        <a:schemeClr val="tx1"/>
+                      </a:solidFill>
+                      <a:prstDash val="solid"/>
+                      <a:round/>
+                      <a:headEnd type="none" w="med" len="med"/>
+                      <a:tailEnd type="none" w="med" len="med"/>
+                    </a:lnB>
+                    <a:solidFill>
+                      <a:schemeClr val="bg1"/>
+                    </a:solidFill>
+                  </a:tcPr>
+                </a:tc>
+                <a:extLst>
+                  <a:ext uri="{0D108BD9-81ED-4DB2-BD59-A6C34878D82A}">
+                    <a16:rowId xmlns:a16="http://schemas.microsoft.com/office/drawing/2014/main" val="3344979124"/>
+                  </a:ext>
+                </a:extLst>
+              </a:tr>
+              <a:tr h="370840">
+                <a:tc>
+                  <a:txBody>
+                    <a:bodyPr/>
+                    <a:lstStyle/>
+                    <a:p>
+                      <a:pPr algn="ctr" latinLnBrk="1"/>
+                      <a:endParaRPr lang="ko-KR" altLang="en-US" dirty="0">
+                        <a:solidFill>
+                          <a:schemeClr val="tx1"/>
+                        </a:solidFill>
+                      </a:endParaRPr>
+                    </a:p>
+                  </a:txBody>
+                  <a:tcPr>
+                    <a:lnL w="12700" cap="flat" cmpd="sng" algn="ctr">
+                      <a:solidFill>
+                        <a:schemeClr val="tx1"/>
+                      </a:solidFill>
+                      <a:prstDash val="solid"/>
+                      <a:round/>
+                      <a:headEnd type="none" w="med" len="med"/>
+                      <a:tailEnd type="none" w="med" len="med"/>
+                    </a:lnL>
+                    <a:lnR w="12700" cap="flat" cmpd="sng" algn="ctr">
+                      <a:solidFill>
+                        <a:schemeClr val="tx1"/>
+                      </a:solidFill>
+                      <a:prstDash val="solid"/>
+                      <a:round/>
+                      <a:headEnd type="none" w="med" len="med"/>
+                      <a:tailEnd type="none" w="med" len="med"/>
+                    </a:lnR>
+                    <a:lnT w="12700" cap="flat" cmpd="sng" algn="ctr">
+                      <a:solidFill>
+                        <a:schemeClr val="tx1"/>
+                      </a:solidFill>
+                      <a:prstDash val="solid"/>
+                      <a:round/>
+                      <a:headEnd type="none" w="med" len="med"/>
+                      <a:tailEnd type="none" w="med" len="med"/>
+                    </a:lnT>
+                    <a:lnB w="12700" cap="flat" cmpd="sng" algn="ctr">
+                      <a:solidFill>
+                        <a:schemeClr val="tx1"/>
+                      </a:solidFill>
+                      <a:prstDash val="solid"/>
+                      <a:round/>
+                      <a:headEnd type="none" w="med" len="med"/>
+                      <a:tailEnd type="none" w="med" len="med"/>
+                    </a:lnB>
+                    <a:solidFill>
+                      <a:schemeClr val="accent4">
+                        <a:lumMod val="60000"/>
+                        <a:lumOff val="40000"/>
+                      </a:schemeClr>
+                    </a:solidFill>
+                  </a:tcPr>
+                </a:tc>
+                <a:tc>
+                  <a:txBody>
+                    <a:bodyPr/>
+                    <a:lstStyle/>
+                    <a:p>
+                      <a:pPr latinLnBrk="1"/>
+                      <a:endParaRPr lang="ko-KR" altLang="en-US" dirty="0">
+                        <a:solidFill>
+                          <a:schemeClr val="tx1"/>
+                        </a:solidFill>
+                      </a:endParaRPr>
+                    </a:p>
+                  </a:txBody>
+                  <a:tcPr>
+                    <a:lnL w="12700" cap="flat" cmpd="sng" algn="ctr">
+                      <a:solidFill>
+                        <a:schemeClr val="tx1"/>
+                      </a:solidFill>
+                      <a:prstDash val="solid"/>
+                      <a:round/>
+                      <a:headEnd type="none" w="med" len="med"/>
+                      <a:tailEnd type="none" w="med" len="med"/>
+                    </a:lnL>
+                    <a:lnR w="12700" cap="flat" cmpd="sng" algn="ctr">
+                      <a:solidFill>
+                        <a:schemeClr val="tx1"/>
+                      </a:solidFill>
+                      <a:prstDash val="solid"/>
+                      <a:round/>
+                      <a:headEnd type="none" w="med" len="med"/>
+                      <a:tailEnd type="none" w="med" len="med"/>
+                    </a:lnR>
+                    <a:lnT w="12700" cap="flat" cmpd="sng" algn="ctr">
+                      <a:solidFill>
+                        <a:schemeClr val="tx1"/>
+                      </a:solidFill>
+                      <a:prstDash val="solid"/>
+                      <a:round/>
+                      <a:headEnd type="none" w="med" len="med"/>
+                      <a:tailEnd type="none" w="med" len="med"/>
+                    </a:lnT>
+                    <a:lnB w="12700" cap="flat" cmpd="sng" algn="ctr">
+                      <a:solidFill>
+                        <a:schemeClr val="tx1"/>
+                      </a:solidFill>
+                      <a:prstDash val="solid"/>
+                      <a:round/>
+                      <a:headEnd type="none" w="med" len="med"/>
+                      <a:tailEnd type="none" w="med" len="med"/>
+                    </a:lnB>
+                    <a:solidFill>
+                      <a:schemeClr val="bg1"/>
+                    </a:solidFill>
+                  </a:tcPr>
+                </a:tc>
+                <a:tc>
+                  <a:txBody>
+                    <a:bodyPr/>
+                    <a:lstStyle/>
+                    <a:p>
+                      <a:pPr latinLnBrk="1"/>
+                      <a:endParaRPr lang="ko-KR" altLang="en-US" dirty="0">
+                        <a:solidFill>
+                          <a:schemeClr val="tx1"/>
+                        </a:solidFill>
+                      </a:endParaRPr>
+                    </a:p>
+                  </a:txBody>
+                  <a:tcPr>
+                    <a:lnL w="12700" cap="flat" cmpd="sng" algn="ctr">
+                      <a:solidFill>
+                        <a:schemeClr val="tx1"/>
+                      </a:solidFill>
+                      <a:prstDash val="solid"/>
+                      <a:round/>
+                      <a:headEnd type="none" w="med" len="med"/>
+                      <a:tailEnd type="none" w="med" len="med"/>
+                    </a:lnL>
+                    <a:lnR w="12700" cap="flat" cmpd="sng" algn="ctr">
+                      <a:solidFill>
+                        <a:schemeClr val="tx1"/>
+                      </a:solidFill>
+                      <a:prstDash val="solid"/>
+                      <a:round/>
+                      <a:headEnd type="none" w="med" len="med"/>
+                      <a:tailEnd type="none" w="med" len="med"/>
+                    </a:lnR>
+                    <a:lnT w="12700" cap="flat" cmpd="sng" algn="ctr">
+                      <a:solidFill>
+                        <a:schemeClr val="tx1"/>
+                      </a:solidFill>
+                      <a:prstDash val="solid"/>
+                      <a:round/>
+                      <a:headEnd type="none" w="med" len="med"/>
+                      <a:tailEnd type="none" w="med" len="med"/>
+                    </a:lnT>
+                    <a:lnB w="12700" cap="flat" cmpd="sng" algn="ctr">
+                      <a:solidFill>
+                        <a:schemeClr val="tx1"/>
+                      </a:solidFill>
+                      <a:prstDash val="solid"/>
+                      <a:round/>
+                      <a:headEnd type="none" w="med" len="med"/>
+                      <a:tailEnd type="none" w="med" len="med"/>
+                    </a:lnB>
+                    <a:solidFill>
+                      <a:schemeClr val="bg1"/>
+                    </a:solidFill>
+                  </a:tcPr>
+                </a:tc>
+                <a:extLst>
+                  <a:ext uri="{0D108BD9-81ED-4DB2-BD59-A6C34878D82A}">
+                    <a16:rowId xmlns:a16="http://schemas.microsoft.com/office/drawing/2014/main" val="3684839970"/>
+                  </a:ext>
+                </a:extLst>
+              </a:tr>
+            </a:tbl>
+          </a:graphicData>
+        </a:graphic>
+      </p:graphicFrame>
+    </p:spTree>
+    <p:extLst>
+      <p:ext uri="{BB962C8B-B14F-4D97-AF65-F5344CB8AC3E}">
+        <p14:creationId xmlns:p14="http://schemas.microsoft.com/office/powerpoint/2010/main" val="4107040510"/>
+      </p:ext>
+    </p:extLst>
+  </p:cSld>
+  <p:clrMapOvr>
+    <a:masterClrMapping/>
+  </p:clrMapOvr>
+</p:sld>
+</file>
+
+<file path=ppt/slides/slide7.xml><?xml version="1.0" encoding="utf-8"?>
+<p:sld xmlns:a="http://schemas.openxmlformats.org/drawingml/2006/main" xmlns:r="http://schemas.openxmlformats.org/officeDocument/2006/relationships" xmlns:p="http://schemas.openxmlformats.org/presentationml/2006/main">
+  <p:cSld>
+    <p:spTree>
+      <p:nvGrpSpPr>
+        <p:cNvPr id="1" name=""/>
+        <p:cNvGrpSpPr/>
+        <p:nvPr/>
+      </p:nvGrpSpPr>
+      <p:grpSpPr>
+        <a:xfrm>
+          <a:off x="0" y="0"/>
+          <a:ext cx="0" cy="0"/>
+          <a:chOff x="0" y="0"/>
+          <a:chExt cx="0" cy="0"/>
+        </a:xfrm>
+      </p:grpSpPr>
+      <p:sp>
+        <p:nvSpPr>
+          <p:cNvPr id="2" name="제목 1">
+            <a:extLst>
+              <a:ext uri="{FF2B5EF4-FFF2-40B4-BE49-F238E27FC236}">
+                <a16:creationId xmlns:a16="http://schemas.microsoft.com/office/drawing/2014/main" id="{6A324B35-2DE2-4467-AB82-E4731AFFD4E2}"/>
+              </a:ext>
+            </a:extLst>
+          </p:cNvPr>
+          <p:cNvSpPr>
+            <a:spLocks noGrp="1"/>
+          </p:cNvSpPr>
+          <p:nvPr>
+            <p:ph type="title"/>
+          </p:nvPr>
+        </p:nvSpPr>
+        <p:spPr/>
+        <p:txBody>
+          <a:bodyPr/>
+          <a:lstStyle/>
+          <a:p>
+            <a:r>
+              <a:rPr lang="en-US" altLang="ko-KR" dirty="0"/>
+              <a:t>4. </a:t>
+            </a:r>
+            <a:r>
+              <a:rPr lang="ko-KR" altLang="en-US" dirty="0"/>
+              <a:t>군인</a:t>
+            </a:r>
+            <a:r>
+              <a:rPr lang="en-US" altLang="ko-KR" dirty="0"/>
+              <a:t> </a:t>
+            </a:r>
+            <a:endParaRPr lang="ko-KR" altLang="en-US" dirty="0"/>
+          </a:p>
+        </p:txBody>
+      </p:sp>
+      <p:graphicFrame>
+        <p:nvGraphicFramePr>
+          <p:cNvPr id="5" name="표 6">
+            <a:extLst>
+              <a:ext uri="{FF2B5EF4-FFF2-40B4-BE49-F238E27FC236}">
+                <a16:creationId xmlns:a16="http://schemas.microsoft.com/office/drawing/2014/main" id="{E18DC9AC-A2FD-4607-B019-8BA212880AB6}"/>
+              </a:ext>
+            </a:extLst>
+          </p:cNvPr>
+          <p:cNvGraphicFramePr>
+            <a:graphicFrameLocks noGrp="1"/>
+          </p:cNvGraphicFramePr>
+          <p:nvPr>
+            <p:ph idx="1"/>
+            <p:extLst>
+              <p:ext uri="{D42A27DB-BD31-4B8C-83A1-F6EECF244321}">
+                <p14:modId xmlns:p14="http://schemas.microsoft.com/office/powerpoint/2010/main" val="1240135393"/>
+              </p:ext>
+            </p:extLst>
+          </p:nvPr>
+        </p:nvGraphicFramePr>
+        <p:xfrm>
+          <a:off x="838200" y="1825625"/>
+          <a:ext cx="10515597" cy="3708400"/>
+        </p:xfrm>
+        <a:graphic>
+          <a:graphicData uri="http://schemas.openxmlformats.org/drawingml/2006/table">
+            <a:tbl>
+              <a:tblPr firstRow="1" bandRow="1">
+                <a:tableStyleId>{5C22544A-7EE6-4342-B048-85BDC9FD1C3A}</a:tableStyleId>
+              </a:tblPr>
+              <a:tblGrid>
+                <a:gridCol w="1423737">
+                  <a:extLst>
+                    <a:ext uri="{9D8B030D-6E8A-4147-A177-3AD203B41FA5}">
+                      <a16:colId xmlns:a16="http://schemas.microsoft.com/office/drawing/2014/main" val="326280827"/>
+                    </a:ext>
+                  </a:extLst>
+                </a:gridCol>
+                <a:gridCol w="5586661">
+                  <a:extLst>
+                    <a:ext uri="{9D8B030D-6E8A-4147-A177-3AD203B41FA5}">
+                      <a16:colId xmlns:a16="http://schemas.microsoft.com/office/drawing/2014/main" val="2089160439"/>
+                    </a:ext>
+                  </a:extLst>
+                </a:gridCol>
+                <a:gridCol w="3505199">
+                  <a:extLst>
+                    <a:ext uri="{9D8B030D-6E8A-4147-A177-3AD203B41FA5}">
+                      <a16:colId xmlns:a16="http://schemas.microsoft.com/office/drawing/2014/main" val="4025820395"/>
+                    </a:ext>
+                  </a:extLst>
+                </a:gridCol>
+              </a:tblGrid>
+              <a:tr h="370840">
+                <a:tc>
+                  <a:txBody>
+                    <a:bodyPr/>
+                    <a:lstStyle/>
+                    <a:p>
+                      <a:pPr algn="ctr" latinLnBrk="1"/>
+                      <a:endParaRPr lang="ko-KR" altLang="en-US" dirty="0">
+                        <a:solidFill>
+                          <a:schemeClr val="tx1"/>
+                        </a:solidFill>
+                      </a:endParaRPr>
+                    </a:p>
+                  </a:txBody>
+                  <a:tcPr>
+                    <a:lnL w="12700" cap="flat" cmpd="sng" algn="ctr">
+                      <a:solidFill>
+                        <a:schemeClr val="tx1"/>
+                      </a:solidFill>
+                      <a:prstDash val="solid"/>
+                      <a:round/>
+                      <a:headEnd type="none" w="med" len="med"/>
+                      <a:tailEnd type="none" w="med" len="med"/>
+                    </a:lnL>
+                    <a:lnR w="12700" cap="flat" cmpd="sng" algn="ctr">
+                      <a:solidFill>
+                        <a:schemeClr val="tx1"/>
+                      </a:solidFill>
+                      <a:prstDash val="solid"/>
+                      <a:round/>
+                      <a:headEnd type="none" w="med" len="med"/>
+                      <a:tailEnd type="none" w="med" len="med"/>
+                    </a:lnR>
+                    <a:lnT w="12700" cap="flat" cmpd="sng" algn="ctr">
+                      <a:solidFill>
+                        <a:schemeClr val="tx1"/>
+                      </a:solidFill>
+                      <a:prstDash val="solid"/>
+                      <a:round/>
+                      <a:headEnd type="none" w="med" len="med"/>
+                      <a:tailEnd type="none" w="med" len="med"/>
+                    </a:lnT>
+                    <a:lnB w="12700" cap="flat" cmpd="sng" algn="ctr">
+                      <a:solidFill>
+                        <a:schemeClr val="tx1"/>
+                      </a:solidFill>
+                      <a:prstDash val="solid"/>
+                      <a:round/>
+                      <a:headEnd type="none" w="med" len="med"/>
+                      <a:tailEnd type="none" w="med" len="med"/>
+                    </a:lnB>
+                    <a:solidFill>
+                      <a:schemeClr val="accent4">
+                        <a:lumMod val="20000"/>
+                        <a:lumOff val="80000"/>
+                      </a:schemeClr>
+                    </a:solidFill>
+                  </a:tcPr>
+                </a:tc>
+                <a:tc>
+                  <a:txBody>
+                    <a:bodyPr/>
+                    <a:lstStyle/>
+                    <a:p>
+                      <a:pPr latinLnBrk="1"/>
+                      <a:endParaRPr lang="ko-KR" altLang="en-US" dirty="0">
+                        <a:solidFill>
+                          <a:schemeClr val="tx1"/>
+                        </a:solidFill>
+                      </a:endParaRPr>
+                    </a:p>
+                  </a:txBody>
+                  <a:tcPr>
+                    <a:lnL w="12700" cap="flat" cmpd="sng" algn="ctr">
+                      <a:solidFill>
+                        <a:schemeClr val="tx1"/>
+                      </a:solidFill>
+                      <a:prstDash val="solid"/>
+                      <a:round/>
+                      <a:headEnd type="none" w="med" len="med"/>
+                      <a:tailEnd type="none" w="med" len="med"/>
+                    </a:lnL>
+                    <a:lnR w="12700" cap="flat" cmpd="sng" algn="ctr">
+                      <a:solidFill>
+                        <a:schemeClr val="tx1"/>
+                      </a:solidFill>
+                      <a:prstDash val="solid"/>
+                      <a:round/>
+                      <a:headEnd type="none" w="med" len="med"/>
+                      <a:tailEnd type="none" w="med" len="med"/>
+                    </a:lnR>
+                    <a:lnT w="12700" cap="flat" cmpd="sng" algn="ctr">
+                      <a:solidFill>
+                        <a:schemeClr val="tx1"/>
+                      </a:solidFill>
+                      <a:prstDash val="solid"/>
+                      <a:round/>
+                      <a:headEnd type="none" w="med" len="med"/>
+                      <a:tailEnd type="none" w="med" len="med"/>
+                    </a:lnT>
+                    <a:lnB w="12700" cap="flat" cmpd="sng" algn="ctr">
+                      <a:solidFill>
+                        <a:schemeClr val="tx1"/>
+                      </a:solidFill>
+                      <a:prstDash val="solid"/>
+                      <a:round/>
+                      <a:headEnd type="none" w="med" len="med"/>
+                      <a:tailEnd type="none" w="med" len="med"/>
+                    </a:lnB>
+                    <a:solidFill>
+                      <a:schemeClr val="bg1"/>
+                    </a:solidFill>
+                  </a:tcPr>
+                </a:tc>
+                <a:tc>
+                  <a:txBody>
+                    <a:bodyPr/>
+                    <a:lstStyle/>
+                    <a:p>
+                      <a:pPr latinLnBrk="1"/>
+                      <a:endParaRPr lang="ko-KR" altLang="en-US" dirty="0">
+                        <a:solidFill>
+                          <a:schemeClr val="tx1"/>
+                        </a:solidFill>
+                      </a:endParaRPr>
+                    </a:p>
+                  </a:txBody>
+                  <a:tcPr>
+                    <a:lnL w="12700" cap="flat" cmpd="sng" algn="ctr">
+                      <a:solidFill>
+                        <a:schemeClr val="tx1"/>
+                      </a:solidFill>
+                      <a:prstDash val="solid"/>
+                      <a:round/>
+                      <a:headEnd type="none" w="med" len="med"/>
+                      <a:tailEnd type="none" w="med" len="med"/>
+                    </a:lnL>
+                    <a:lnR w="12700" cap="flat" cmpd="sng" algn="ctr">
+                      <a:solidFill>
+                        <a:schemeClr val="tx1"/>
+                      </a:solidFill>
+                      <a:prstDash val="solid"/>
+                      <a:round/>
+                      <a:headEnd type="none" w="med" len="med"/>
+                      <a:tailEnd type="none" w="med" len="med"/>
+                    </a:lnR>
+                    <a:lnT w="12700" cap="flat" cmpd="sng" algn="ctr">
+                      <a:solidFill>
+                        <a:schemeClr val="tx1"/>
+                      </a:solidFill>
+                      <a:prstDash val="solid"/>
+                      <a:round/>
+                      <a:headEnd type="none" w="med" len="med"/>
+                      <a:tailEnd type="none" w="med" len="med"/>
+                    </a:lnT>
+                    <a:lnB w="12700" cap="flat" cmpd="sng" algn="ctr">
+                      <a:solidFill>
+                        <a:schemeClr val="tx1"/>
+                      </a:solidFill>
+                      <a:prstDash val="solid"/>
+                      <a:round/>
+                      <a:headEnd type="none" w="med" len="med"/>
+                      <a:tailEnd type="none" w="med" len="med"/>
+                    </a:lnB>
+                    <a:solidFill>
+                      <a:schemeClr val="bg1"/>
+                    </a:solidFill>
+                  </a:tcPr>
+                </a:tc>
+                <a:extLst>
+                  <a:ext uri="{0D108BD9-81ED-4DB2-BD59-A6C34878D82A}">
+                    <a16:rowId xmlns:a16="http://schemas.microsoft.com/office/drawing/2014/main" val="2183773304"/>
+                  </a:ext>
+                </a:extLst>
+              </a:tr>
+              <a:tr h="370840">
+                <a:tc>
+                  <a:txBody>
+                    <a:bodyPr/>
+                    <a:lstStyle/>
+                    <a:p>
+                      <a:pPr algn="ctr" latinLnBrk="1"/>
+                      <a:endParaRPr lang="ko-KR" altLang="en-US" dirty="0">
+                        <a:solidFill>
+                          <a:schemeClr val="tx1"/>
+                        </a:solidFill>
+                      </a:endParaRPr>
+                    </a:p>
+                  </a:txBody>
+                  <a:tcPr>
+                    <a:lnL w="12700" cap="flat" cmpd="sng" algn="ctr">
+                      <a:solidFill>
+                        <a:schemeClr val="tx1"/>
+                      </a:solidFill>
+                      <a:prstDash val="solid"/>
+                      <a:round/>
+                      <a:headEnd type="none" w="med" len="med"/>
+                      <a:tailEnd type="none" w="med" len="med"/>
+                    </a:lnL>
+                    <a:lnR w="12700" cap="flat" cmpd="sng" algn="ctr">
+                      <a:solidFill>
+                        <a:schemeClr val="tx1"/>
+                      </a:solidFill>
+                      <a:prstDash val="solid"/>
+                      <a:round/>
+                      <a:headEnd type="none" w="med" len="med"/>
+                      <a:tailEnd type="none" w="med" len="med"/>
+                    </a:lnR>
+                    <a:lnT w="12700" cap="flat" cmpd="sng" algn="ctr">
+                      <a:solidFill>
+                        <a:schemeClr val="tx1"/>
+                      </a:solidFill>
+                      <a:prstDash val="solid"/>
+                      <a:round/>
+                      <a:headEnd type="none" w="med" len="med"/>
+                      <a:tailEnd type="none" w="med" len="med"/>
+                    </a:lnT>
+                    <a:lnB w="12700" cap="flat" cmpd="sng" algn="ctr">
+                      <a:solidFill>
+                        <a:schemeClr val="tx1"/>
+                      </a:solidFill>
+                      <a:prstDash val="solid"/>
+                      <a:round/>
+                      <a:headEnd type="none" w="med" len="med"/>
+                      <a:tailEnd type="none" w="med" len="med"/>
+                    </a:lnB>
+                    <a:solidFill>
+                      <a:schemeClr val="accent4">
+                        <a:lumMod val="20000"/>
+                        <a:lumOff val="80000"/>
+                      </a:schemeClr>
+                    </a:solidFill>
+                  </a:tcPr>
+                </a:tc>
+                <a:tc>
+                  <a:txBody>
+                    <a:bodyPr/>
+                    <a:lstStyle/>
+                    <a:p>
+                      <a:pPr latinLnBrk="1"/>
+                      <a:endParaRPr lang="ko-KR" altLang="en-US" dirty="0">
+                        <a:solidFill>
+                          <a:schemeClr val="tx1"/>
+                        </a:solidFill>
+                      </a:endParaRPr>
+                    </a:p>
+                  </a:txBody>
+                  <a:tcPr>
+                    <a:lnL w="12700" cap="flat" cmpd="sng" algn="ctr">
+                      <a:solidFill>
+                        <a:schemeClr val="tx1"/>
+                      </a:solidFill>
+                      <a:prstDash val="solid"/>
+                      <a:round/>
+                      <a:headEnd type="none" w="med" len="med"/>
+                      <a:tailEnd type="none" w="med" len="med"/>
+                    </a:lnL>
+                    <a:lnR w="12700" cap="flat" cmpd="sng" algn="ctr">
+                      <a:solidFill>
+                        <a:schemeClr val="tx1"/>
+                      </a:solidFill>
+                      <a:prstDash val="solid"/>
+                      <a:round/>
+                      <a:headEnd type="none" w="med" len="med"/>
+                      <a:tailEnd type="none" w="med" len="med"/>
+                    </a:lnR>
+                    <a:lnT w="12700" cap="flat" cmpd="sng" algn="ctr">
+                      <a:solidFill>
+                        <a:schemeClr val="tx1"/>
+                      </a:solidFill>
+                      <a:prstDash val="solid"/>
+                      <a:round/>
+                      <a:headEnd type="none" w="med" len="med"/>
+                      <a:tailEnd type="none" w="med" len="med"/>
+                    </a:lnT>
+                    <a:lnB w="12700" cap="flat" cmpd="sng" algn="ctr">
+                      <a:solidFill>
+                        <a:schemeClr val="tx1"/>
+                      </a:solidFill>
+                      <a:prstDash val="solid"/>
+                      <a:round/>
+                      <a:headEnd type="none" w="med" len="med"/>
+                      <a:tailEnd type="none" w="med" len="med"/>
+                    </a:lnB>
+                    <a:solidFill>
+                      <a:schemeClr val="bg1"/>
+                    </a:solidFill>
+                  </a:tcPr>
+                </a:tc>
+                <a:tc>
+                  <a:txBody>
+                    <a:bodyPr/>
+                    <a:lstStyle/>
+                    <a:p>
+                      <a:pPr latinLnBrk="1"/>
+                      <a:endParaRPr lang="ko-KR" altLang="en-US" dirty="0">
+                        <a:solidFill>
+                          <a:schemeClr val="tx1"/>
+                        </a:solidFill>
+                      </a:endParaRPr>
+                    </a:p>
+                  </a:txBody>
+                  <a:tcPr>
+                    <a:lnL w="12700" cap="flat" cmpd="sng" algn="ctr">
+                      <a:solidFill>
+                        <a:schemeClr val="tx1"/>
+                      </a:solidFill>
+                      <a:prstDash val="solid"/>
+                      <a:round/>
+                      <a:headEnd type="none" w="med" len="med"/>
+                      <a:tailEnd type="none" w="med" len="med"/>
+                    </a:lnL>
+                    <a:lnR w="12700" cap="flat" cmpd="sng" algn="ctr">
+                      <a:solidFill>
+                        <a:schemeClr val="tx1"/>
+                      </a:solidFill>
+                      <a:prstDash val="solid"/>
+                      <a:round/>
+                      <a:headEnd type="none" w="med" len="med"/>
+                      <a:tailEnd type="none" w="med" len="med"/>
+                    </a:lnR>
+                    <a:lnT w="12700" cap="flat" cmpd="sng" algn="ctr">
+                      <a:solidFill>
+                        <a:schemeClr val="tx1"/>
+                      </a:solidFill>
+                      <a:prstDash val="solid"/>
+                      <a:round/>
+                      <a:headEnd type="none" w="med" len="med"/>
+                      <a:tailEnd type="none" w="med" len="med"/>
+                    </a:lnT>
+                    <a:lnB w="12700" cap="flat" cmpd="sng" algn="ctr">
+                      <a:solidFill>
+                        <a:schemeClr val="tx1"/>
+                      </a:solidFill>
+                      <a:prstDash val="solid"/>
+                      <a:round/>
+                      <a:headEnd type="none" w="med" len="med"/>
+                      <a:tailEnd type="none" w="med" len="med"/>
+                    </a:lnB>
+                    <a:solidFill>
+                      <a:schemeClr val="bg1"/>
+                    </a:solidFill>
+                  </a:tcPr>
+                </a:tc>
+                <a:extLst>
+                  <a:ext uri="{0D108BD9-81ED-4DB2-BD59-A6C34878D82A}">
+                    <a16:rowId xmlns:a16="http://schemas.microsoft.com/office/drawing/2014/main" val="2657461998"/>
+                  </a:ext>
+                </a:extLst>
+              </a:tr>
+              <a:tr h="370840">
+                <a:tc>
+                  <a:txBody>
+                    <a:bodyPr/>
+                    <a:lstStyle/>
+                    <a:p>
+                      <a:pPr algn="ctr" latinLnBrk="1"/>
+                      <a:endParaRPr lang="ko-KR" altLang="en-US" dirty="0">
+                        <a:solidFill>
+                          <a:schemeClr val="tx1"/>
+                        </a:solidFill>
+                      </a:endParaRPr>
+                    </a:p>
+                  </a:txBody>
+                  <a:tcPr>
+                    <a:lnL w="12700" cap="flat" cmpd="sng" algn="ctr">
+                      <a:solidFill>
+                        <a:schemeClr val="tx1"/>
+                      </a:solidFill>
+                      <a:prstDash val="solid"/>
+                      <a:round/>
+                      <a:headEnd type="none" w="med" len="med"/>
+                      <a:tailEnd type="none" w="med" len="med"/>
+                    </a:lnL>
+                    <a:lnR w="12700" cap="flat" cmpd="sng" algn="ctr">
+                      <a:solidFill>
+                        <a:schemeClr val="tx1"/>
+                      </a:solidFill>
+                      <a:prstDash val="solid"/>
+                      <a:round/>
+                      <a:headEnd type="none" w="med" len="med"/>
+                      <a:tailEnd type="none" w="med" len="med"/>
+                    </a:lnR>
+                    <a:lnT w="12700" cap="flat" cmpd="sng" algn="ctr">
+                      <a:solidFill>
+                        <a:schemeClr val="tx1"/>
+                      </a:solidFill>
+                      <a:prstDash val="solid"/>
+                      <a:round/>
+                      <a:headEnd type="none" w="med" len="med"/>
+                      <a:tailEnd type="none" w="med" len="med"/>
+                    </a:lnT>
+                    <a:lnB w="12700" cap="flat" cmpd="sng" algn="ctr">
+                      <a:solidFill>
+                        <a:schemeClr val="tx1"/>
+                      </a:solidFill>
+                      <a:prstDash val="solid"/>
+                      <a:round/>
+                      <a:headEnd type="none" w="med" len="med"/>
+                      <a:tailEnd type="none" w="med" len="med"/>
+                    </a:lnB>
+                    <a:solidFill>
+                      <a:schemeClr val="accent4">
+                        <a:lumMod val="20000"/>
+                        <a:lumOff val="80000"/>
+                      </a:schemeClr>
+                    </a:solidFill>
+                  </a:tcPr>
+                </a:tc>
+                <a:tc>
+                  <a:txBody>
+                    <a:bodyPr/>
+                    <a:lstStyle/>
+                    <a:p>
+                      <a:pPr latinLnBrk="1"/>
+                      <a:endParaRPr lang="ko-KR" altLang="en-US" dirty="0">
+                        <a:solidFill>
+                          <a:schemeClr val="tx1"/>
+                        </a:solidFill>
+                      </a:endParaRPr>
+                    </a:p>
+                  </a:txBody>
+                  <a:tcPr>
+                    <a:lnL w="12700" cap="flat" cmpd="sng" algn="ctr">
+                      <a:solidFill>
+                        <a:schemeClr val="tx1"/>
+                      </a:solidFill>
+                      <a:prstDash val="solid"/>
+                      <a:round/>
+                      <a:headEnd type="none" w="med" len="med"/>
+                      <a:tailEnd type="none" w="med" len="med"/>
+                    </a:lnL>
+                    <a:lnR w="12700" cap="flat" cmpd="sng" algn="ctr">
+                      <a:solidFill>
+                        <a:schemeClr val="tx1"/>
+                      </a:solidFill>
+                      <a:prstDash val="solid"/>
+                      <a:round/>
+                      <a:headEnd type="none" w="med" len="med"/>
+                      <a:tailEnd type="none" w="med" len="med"/>
+                    </a:lnR>
+                    <a:lnT w="12700" cap="flat" cmpd="sng" algn="ctr">
+                      <a:solidFill>
+                        <a:schemeClr val="tx1"/>
+                      </a:solidFill>
+                      <a:prstDash val="solid"/>
+                      <a:round/>
+                      <a:headEnd type="none" w="med" len="med"/>
+                      <a:tailEnd type="none" w="med" len="med"/>
+                    </a:lnT>
+                    <a:lnB w="12700" cap="flat" cmpd="sng" algn="ctr">
+                      <a:solidFill>
+                        <a:schemeClr val="tx1"/>
+                      </a:solidFill>
+                      <a:prstDash val="solid"/>
+                      <a:round/>
+                      <a:headEnd type="none" w="med" len="med"/>
+                      <a:tailEnd type="none" w="med" len="med"/>
+                    </a:lnB>
+                    <a:solidFill>
+                      <a:schemeClr val="bg1"/>
+                    </a:solidFill>
+                  </a:tcPr>
+                </a:tc>
+                <a:tc>
+                  <a:txBody>
+                    <a:bodyPr/>
+                    <a:lstStyle/>
+                    <a:p>
+                      <a:pPr latinLnBrk="1"/>
+                      <a:endParaRPr lang="ko-KR" altLang="en-US" dirty="0">
+                        <a:solidFill>
+                          <a:schemeClr val="tx1"/>
+                        </a:solidFill>
+                      </a:endParaRPr>
+                    </a:p>
+                  </a:txBody>
+                  <a:tcPr>
+                    <a:lnL w="12700" cap="flat" cmpd="sng" algn="ctr">
+                      <a:solidFill>
+                        <a:schemeClr val="tx1"/>
+                      </a:solidFill>
+                      <a:prstDash val="solid"/>
+                      <a:round/>
+                      <a:headEnd type="none" w="med" len="med"/>
+                      <a:tailEnd type="none" w="med" len="med"/>
+                    </a:lnL>
+                    <a:lnR w="12700" cap="flat" cmpd="sng" algn="ctr">
+                      <a:solidFill>
+                        <a:schemeClr val="tx1"/>
+                      </a:solidFill>
+                      <a:prstDash val="solid"/>
+                      <a:round/>
+                      <a:headEnd type="none" w="med" len="med"/>
+                      <a:tailEnd type="none" w="med" len="med"/>
+                    </a:lnR>
+                    <a:lnT w="12700" cap="flat" cmpd="sng" algn="ctr">
+                      <a:solidFill>
+                        <a:schemeClr val="tx1"/>
+                      </a:solidFill>
+                      <a:prstDash val="solid"/>
+                      <a:round/>
+                      <a:headEnd type="none" w="med" len="med"/>
+                      <a:tailEnd type="none" w="med" len="med"/>
+                    </a:lnT>
+                    <a:lnB w="12700" cap="flat" cmpd="sng" algn="ctr">
+                      <a:solidFill>
+                        <a:schemeClr val="tx1"/>
+                      </a:solidFill>
+                      <a:prstDash val="solid"/>
+                      <a:round/>
+                      <a:headEnd type="none" w="med" len="med"/>
+                      <a:tailEnd type="none" w="med" len="med"/>
+                    </a:lnB>
+                    <a:solidFill>
+                      <a:schemeClr val="bg1"/>
+                    </a:solidFill>
+                  </a:tcPr>
+                </a:tc>
+                <a:extLst>
+                  <a:ext uri="{0D108BD9-81ED-4DB2-BD59-A6C34878D82A}">
+                    <a16:rowId xmlns:a16="http://schemas.microsoft.com/office/drawing/2014/main" val="413906600"/>
+                  </a:ext>
+                </a:extLst>
+              </a:tr>
+              <a:tr h="370840">
+                <a:tc>
+                  <a:txBody>
+                    <a:bodyPr/>
+                    <a:lstStyle/>
+                    <a:p>
+                      <a:pPr algn="ctr" latinLnBrk="1"/>
+                      <a:endParaRPr lang="ko-KR" altLang="en-US" dirty="0">
+                        <a:solidFill>
+                          <a:schemeClr val="tx1"/>
+                        </a:solidFill>
+                      </a:endParaRPr>
+                    </a:p>
+                  </a:txBody>
+                  <a:tcPr>
+                    <a:lnL w="12700" cap="flat" cmpd="sng" algn="ctr">
+                      <a:solidFill>
+                        <a:schemeClr val="tx1"/>
+                      </a:solidFill>
+                      <a:prstDash val="solid"/>
+                      <a:round/>
+                      <a:headEnd type="none" w="med" len="med"/>
+                      <a:tailEnd type="none" w="med" len="med"/>
+                    </a:lnL>
+                    <a:lnR w="12700" cap="flat" cmpd="sng" algn="ctr">
+                      <a:solidFill>
+                        <a:schemeClr val="tx1"/>
+                      </a:solidFill>
+                      <a:prstDash val="solid"/>
+                      <a:round/>
+                      <a:headEnd type="none" w="med" len="med"/>
+                      <a:tailEnd type="none" w="med" len="med"/>
+                    </a:lnR>
+                    <a:lnT w="12700" cap="flat" cmpd="sng" algn="ctr">
+                      <a:solidFill>
+                        <a:schemeClr val="tx1"/>
+                      </a:solidFill>
+                      <a:prstDash val="solid"/>
+                      <a:round/>
+                      <a:headEnd type="none" w="med" len="med"/>
+                      <a:tailEnd type="none" w="med" len="med"/>
+                    </a:lnT>
+                    <a:lnB w="12700" cap="flat" cmpd="sng" algn="ctr">
+                      <a:solidFill>
+                        <a:schemeClr val="tx1"/>
+                      </a:solidFill>
+                      <a:prstDash val="solid"/>
+                      <a:round/>
+                      <a:headEnd type="none" w="med" len="med"/>
+                      <a:tailEnd type="none" w="med" len="med"/>
+                    </a:lnB>
+                    <a:solidFill>
+                      <a:schemeClr val="accent4">
+                        <a:lumMod val="20000"/>
+                        <a:lumOff val="80000"/>
+                      </a:schemeClr>
+                    </a:solidFill>
+                  </a:tcPr>
+                </a:tc>
+                <a:tc>
+                  <a:txBody>
+                    <a:bodyPr/>
+                    <a:lstStyle/>
+                    <a:p>
+                      <a:pPr latinLnBrk="1"/>
+                      <a:endParaRPr lang="ko-KR" altLang="en-US" dirty="0">
+                        <a:solidFill>
+                          <a:schemeClr val="tx1"/>
+                        </a:solidFill>
+                      </a:endParaRPr>
+                    </a:p>
+                  </a:txBody>
+                  <a:tcPr>
+                    <a:lnL w="12700" cap="flat" cmpd="sng" algn="ctr">
+                      <a:solidFill>
+                        <a:schemeClr val="tx1"/>
+                      </a:solidFill>
+                      <a:prstDash val="solid"/>
+                      <a:round/>
+                      <a:headEnd type="none" w="med" len="med"/>
+                      <a:tailEnd type="none" w="med" len="med"/>
+                    </a:lnL>
+                    <a:lnR w="12700" cap="flat" cmpd="sng" algn="ctr">
+                      <a:solidFill>
+                        <a:schemeClr val="tx1"/>
+                      </a:solidFill>
+                      <a:prstDash val="solid"/>
+                      <a:round/>
+                      <a:headEnd type="none" w="med" len="med"/>
+                      <a:tailEnd type="none" w="med" len="med"/>
+                    </a:lnR>
+                    <a:lnT w="12700" cap="flat" cmpd="sng" algn="ctr">
+                      <a:solidFill>
+                        <a:schemeClr val="tx1"/>
+                      </a:solidFill>
+                      <a:prstDash val="solid"/>
+                      <a:round/>
+                      <a:headEnd type="none" w="med" len="med"/>
+                      <a:tailEnd type="none" w="med" len="med"/>
+                    </a:lnT>
+                    <a:lnB w="12700" cap="flat" cmpd="sng" algn="ctr">
+                      <a:solidFill>
+                        <a:schemeClr val="tx1"/>
+                      </a:solidFill>
+                      <a:prstDash val="solid"/>
+                      <a:round/>
+                      <a:headEnd type="none" w="med" len="med"/>
+                      <a:tailEnd type="none" w="med" len="med"/>
+                    </a:lnB>
+                    <a:solidFill>
+                      <a:schemeClr val="bg1"/>
+                    </a:solidFill>
+                  </a:tcPr>
+                </a:tc>
+                <a:tc>
+                  <a:txBody>
+                    <a:bodyPr/>
+                    <a:lstStyle/>
+                    <a:p>
+                      <a:pPr latinLnBrk="1"/>
+                      <a:endParaRPr lang="ko-KR" altLang="en-US" dirty="0">
+                        <a:solidFill>
+                          <a:schemeClr val="tx1"/>
+                        </a:solidFill>
+                      </a:endParaRPr>
+                    </a:p>
+                  </a:txBody>
+                  <a:tcPr>
+                    <a:lnL w="12700" cap="flat" cmpd="sng" algn="ctr">
+                      <a:solidFill>
+                        <a:schemeClr val="tx1"/>
+                      </a:solidFill>
+                      <a:prstDash val="solid"/>
+                      <a:round/>
+                      <a:headEnd type="none" w="med" len="med"/>
+                      <a:tailEnd type="none" w="med" len="med"/>
+                    </a:lnL>
+                    <a:lnR w="12700" cap="flat" cmpd="sng" algn="ctr">
+                      <a:solidFill>
+                        <a:schemeClr val="tx1"/>
+                      </a:solidFill>
+                      <a:prstDash val="solid"/>
+                      <a:round/>
+                      <a:headEnd type="none" w="med" len="med"/>
+                      <a:tailEnd type="none" w="med" len="med"/>
+                    </a:lnR>
+                    <a:lnT w="12700" cap="flat" cmpd="sng" algn="ctr">
+                      <a:solidFill>
+                        <a:schemeClr val="tx1"/>
+                      </a:solidFill>
+                      <a:prstDash val="solid"/>
+                      <a:round/>
+                      <a:headEnd type="none" w="med" len="med"/>
+                      <a:tailEnd type="none" w="med" len="med"/>
+                    </a:lnT>
+                    <a:lnB w="12700" cap="flat" cmpd="sng" algn="ctr">
+                      <a:solidFill>
+                        <a:schemeClr val="tx1"/>
+                      </a:solidFill>
+                      <a:prstDash val="solid"/>
+                      <a:round/>
+                      <a:headEnd type="none" w="med" len="med"/>
+                      <a:tailEnd type="none" w="med" len="med"/>
+                    </a:lnB>
+                    <a:solidFill>
+                      <a:schemeClr val="bg1"/>
+                    </a:solidFill>
+                  </a:tcPr>
+                </a:tc>
+                <a:extLst>
+                  <a:ext uri="{0D108BD9-81ED-4DB2-BD59-A6C34878D82A}">
+                    <a16:rowId xmlns:a16="http://schemas.microsoft.com/office/drawing/2014/main" val="3283850315"/>
+                  </a:ext>
+                </a:extLst>
+              </a:tr>
+              <a:tr h="370840">
+                <a:tc>
+                  <a:txBody>
+                    <a:bodyPr/>
+                    <a:lstStyle/>
+                    <a:p>
+                      <a:pPr algn="ctr" latinLnBrk="1"/>
+                      <a:endParaRPr lang="ko-KR" altLang="en-US" dirty="0">
+                        <a:solidFill>
+                          <a:schemeClr val="tx1"/>
+                        </a:solidFill>
+                      </a:endParaRPr>
+                    </a:p>
+                  </a:txBody>
+                  <a:tcPr>
+                    <a:lnL w="12700" cap="flat" cmpd="sng" algn="ctr">
+                      <a:solidFill>
+                        <a:schemeClr val="tx1"/>
+                      </a:solidFill>
+                      <a:prstDash val="solid"/>
+                      <a:round/>
+                      <a:headEnd type="none" w="med" len="med"/>
+                      <a:tailEnd type="none" w="med" len="med"/>
+                    </a:lnL>
+                    <a:lnR w="12700" cap="flat" cmpd="sng" algn="ctr">
+                      <a:solidFill>
+                        <a:schemeClr val="tx1"/>
+                      </a:solidFill>
+                      <a:prstDash val="solid"/>
+                      <a:round/>
+                      <a:headEnd type="none" w="med" len="med"/>
+                      <a:tailEnd type="none" w="med" len="med"/>
+                    </a:lnR>
+                    <a:lnT w="12700" cap="flat" cmpd="sng" algn="ctr">
+                      <a:solidFill>
+                        <a:schemeClr val="tx1"/>
+                      </a:solidFill>
+                      <a:prstDash val="solid"/>
+                      <a:round/>
+                      <a:headEnd type="none" w="med" len="med"/>
+                      <a:tailEnd type="none" w="med" len="med"/>
+                    </a:lnT>
+                    <a:lnB w="12700" cap="flat" cmpd="sng" algn="ctr">
+                      <a:solidFill>
+                        <a:schemeClr val="tx1"/>
+                      </a:solidFill>
+                      <a:prstDash val="solid"/>
+                      <a:round/>
+                      <a:headEnd type="none" w="med" len="med"/>
+                      <a:tailEnd type="none" w="med" len="med"/>
+                    </a:lnB>
+                    <a:solidFill>
+                      <a:schemeClr val="accent1">
+                        <a:lumMod val="60000"/>
+                        <a:lumOff val="40000"/>
+                      </a:schemeClr>
+                    </a:solidFill>
+                  </a:tcPr>
+                </a:tc>
+                <a:tc>
+                  <a:txBody>
+                    <a:bodyPr/>
+                    <a:lstStyle/>
+                    <a:p>
+                      <a:pPr latinLnBrk="1"/>
+                      <a:endParaRPr lang="ko-KR" altLang="en-US" dirty="0">
+                        <a:solidFill>
+                          <a:schemeClr val="tx1"/>
+                        </a:solidFill>
+                      </a:endParaRPr>
+                    </a:p>
+                  </a:txBody>
+                  <a:tcPr>
+                    <a:lnL w="12700" cap="flat" cmpd="sng" algn="ctr">
+                      <a:solidFill>
+                        <a:schemeClr val="tx1"/>
+                      </a:solidFill>
+                      <a:prstDash val="solid"/>
+                      <a:round/>
+                      <a:headEnd type="none" w="med" len="med"/>
+                      <a:tailEnd type="none" w="med" len="med"/>
+                    </a:lnL>
+                    <a:lnR w="12700" cap="flat" cmpd="sng" algn="ctr">
+                      <a:solidFill>
+                        <a:schemeClr val="tx1"/>
+                      </a:solidFill>
+                      <a:prstDash val="solid"/>
+                      <a:round/>
+                      <a:headEnd type="none" w="med" len="med"/>
+                      <a:tailEnd type="none" w="med" len="med"/>
+                    </a:lnR>
+                    <a:lnT w="12700" cap="flat" cmpd="sng" algn="ctr">
+                      <a:solidFill>
+                        <a:schemeClr val="tx1"/>
+                      </a:solidFill>
+                      <a:prstDash val="solid"/>
+                      <a:round/>
+                      <a:headEnd type="none" w="med" len="med"/>
+                      <a:tailEnd type="none" w="med" len="med"/>
+                    </a:lnT>
+                    <a:lnB w="12700" cap="flat" cmpd="sng" algn="ctr">
+                      <a:solidFill>
+                        <a:schemeClr val="tx1"/>
+                      </a:solidFill>
+                      <a:prstDash val="solid"/>
+                      <a:round/>
+                      <a:headEnd type="none" w="med" len="med"/>
+                      <a:tailEnd type="none" w="med" len="med"/>
+                    </a:lnB>
+                    <a:solidFill>
+                      <a:schemeClr val="bg1"/>
+                    </a:solidFill>
+                  </a:tcPr>
+                </a:tc>
+                <a:tc>
+                  <a:txBody>
+                    <a:bodyPr/>
+                    <a:lstStyle/>
+                    <a:p>
+                      <a:pPr latinLnBrk="1"/>
+                      <a:endParaRPr lang="ko-KR" altLang="en-US" dirty="0">
+                        <a:solidFill>
+                          <a:schemeClr val="tx1"/>
+                        </a:solidFill>
+                      </a:endParaRPr>
+                    </a:p>
+                  </a:txBody>
+                  <a:tcPr>
+                    <a:lnL w="12700" cap="flat" cmpd="sng" algn="ctr">
+                      <a:solidFill>
+                        <a:schemeClr val="tx1"/>
+                      </a:solidFill>
+                      <a:prstDash val="solid"/>
+                      <a:round/>
+                      <a:headEnd type="none" w="med" len="med"/>
+                      <a:tailEnd type="none" w="med" len="med"/>
+                    </a:lnL>
+                    <a:lnR w="12700" cap="flat" cmpd="sng" algn="ctr">
+                      <a:solidFill>
+                        <a:schemeClr val="tx1"/>
+                      </a:solidFill>
+                      <a:prstDash val="solid"/>
+                      <a:round/>
+                      <a:headEnd type="none" w="med" len="med"/>
+                      <a:tailEnd type="none" w="med" len="med"/>
+                    </a:lnR>
+                    <a:lnT w="12700" cap="flat" cmpd="sng" algn="ctr">
+                      <a:solidFill>
+                        <a:schemeClr val="tx1"/>
+                      </a:solidFill>
+                      <a:prstDash val="solid"/>
+                      <a:round/>
+                      <a:headEnd type="none" w="med" len="med"/>
+                      <a:tailEnd type="none" w="med" len="med"/>
+                    </a:lnT>
+                    <a:lnB w="12700" cap="flat" cmpd="sng" algn="ctr">
+                      <a:solidFill>
+                        <a:schemeClr val="tx1"/>
+                      </a:solidFill>
+                      <a:prstDash val="solid"/>
+                      <a:round/>
+                      <a:headEnd type="none" w="med" len="med"/>
+                      <a:tailEnd type="none" w="med" len="med"/>
+                    </a:lnB>
+                    <a:solidFill>
+                      <a:schemeClr val="bg1"/>
+                    </a:solidFill>
+                  </a:tcPr>
+                </a:tc>
+                <a:extLst>
+                  <a:ext uri="{0D108BD9-81ED-4DB2-BD59-A6C34878D82A}">
+                    <a16:rowId xmlns:a16="http://schemas.microsoft.com/office/drawing/2014/main" val="115049388"/>
+                  </a:ext>
+                </a:extLst>
+              </a:tr>
+              <a:tr h="370840">
+                <a:tc>
+                  <a:txBody>
+                    <a:bodyPr/>
+                    <a:lstStyle/>
+                    <a:p>
+                      <a:pPr algn="ctr" latinLnBrk="1"/>
+                      <a:endParaRPr lang="ko-KR" altLang="en-US" dirty="0">
+                        <a:solidFill>
+                          <a:schemeClr val="tx1"/>
+                        </a:solidFill>
+                      </a:endParaRPr>
+                    </a:p>
+                  </a:txBody>
+                  <a:tcPr>
+                    <a:lnL w="12700" cap="flat" cmpd="sng" algn="ctr">
+                      <a:solidFill>
+                        <a:schemeClr val="tx1"/>
+                      </a:solidFill>
+                      <a:prstDash val="solid"/>
+                      <a:round/>
+                      <a:headEnd type="none" w="med" len="med"/>
+                      <a:tailEnd type="none" w="med" len="med"/>
+                    </a:lnL>
+                    <a:lnR w="12700" cap="flat" cmpd="sng" algn="ctr">
+                      <a:solidFill>
+                        <a:schemeClr val="tx1"/>
+                      </a:solidFill>
+                      <a:prstDash val="solid"/>
+                      <a:round/>
+                      <a:headEnd type="none" w="med" len="med"/>
+                      <a:tailEnd type="none" w="med" len="med"/>
+                    </a:lnR>
+                    <a:lnT w="12700" cap="flat" cmpd="sng" algn="ctr">
+                      <a:solidFill>
+                        <a:schemeClr val="tx1"/>
+                      </a:solidFill>
+                      <a:prstDash val="solid"/>
+                      <a:round/>
+                      <a:headEnd type="none" w="med" len="med"/>
+                      <a:tailEnd type="none" w="med" len="med"/>
+                    </a:lnT>
+                    <a:lnB w="12700" cap="flat" cmpd="sng" algn="ctr">
+                      <a:solidFill>
+                        <a:schemeClr val="tx1"/>
+                      </a:solidFill>
+                      <a:prstDash val="solid"/>
+                      <a:round/>
+                      <a:headEnd type="none" w="med" len="med"/>
+                      <a:tailEnd type="none" w="med" len="med"/>
+                    </a:lnB>
+                    <a:solidFill>
+                      <a:schemeClr val="accent1">
+                        <a:lumMod val="60000"/>
+                        <a:lumOff val="40000"/>
+                      </a:schemeClr>
+                    </a:solidFill>
+                  </a:tcPr>
+                </a:tc>
+                <a:tc>
+                  <a:txBody>
+                    <a:bodyPr/>
+                    <a:lstStyle/>
+                    <a:p>
+                      <a:pPr latinLnBrk="1"/>
+                      <a:endParaRPr lang="ko-KR" altLang="en-US" dirty="0">
+                        <a:solidFill>
+                          <a:schemeClr val="tx1"/>
+                        </a:solidFill>
+                      </a:endParaRPr>
+                    </a:p>
+                  </a:txBody>
+                  <a:tcPr>
+                    <a:lnL w="12700" cap="flat" cmpd="sng" algn="ctr">
+                      <a:solidFill>
+                        <a:schemeClr val="tx1"/>
+                      </a:solidFill>
+                      <a:prstDash val="solid"/>
+                      <a:round/>
+                      <a:headEnd type="none" w="med" len="med"/>
+                      <a:tailEnd type="none" w="med" len="med"/>
+                    </a:lnL>
+                    <a:lnR w="12700" cap="flat" cmpd="sng" algn="ctr">
+                      <a:solidFill>
+                        <a:schemeClr val="tx1"/>
+                      </a:solidFill>
+                      <a:prstDash val="solid"/>
+                      <a:round/>
+                      <a:headEnd type="none" w="med" len="med"/>
+                      <a:tailEnd type="none" w="med" len="med"/>
+                    </a:lnR>
+                    <a:lnT w="12700" cap="flat" cmpd="sng" algn="ctr">
+                      <a:solidFill>
+                        <a:schemeClr val="tx1"/>
+                      </a:solidFill>
+                      <a:prstDash val="solid"/>
+                      <a:round/>
+                      <a:headEnd type="none" w="med" len="med"/>
+                      <a:tailEnd type="none" w="med" len="med"/>
+                    </a:lnT>
+                    <a:lnB w="12700" cap="flat" cmpd="sng" algn="ctr">
+                      <a:solidFill>
+                        <a:schemeClr val="tx1"/>
+                      </a:solidFill>
+                      <a:prstDash val="solid"/>
+                      <a:round/>
+                      <a:headEnd type="none" w="med" len="med"/>
+                      <a:tailEnd type="none" w="med" len="med"/>
+                    </a:lnB>
+                    <a:solidFill>
+                      <a:schemeClr val="bg1"/>
+                    </a:solidFill>
+                  </a:tcPr>
+                </a:tc>
+                <a:tc>
+                  <a:txBody>
+                    <a:bodyPr/>
+                    <a:lstStyle/>
+                    <a:p>
+                      <a:pPr latinLnBrk="1"/>
+                      <a:endParaRPr lang="ko-KR" altLang="en-US" dirty="0">
+                        <a:solidFill>
+                          <a:schemeClr val="tx1"/>
+                        </a:solidFill>
+                      </a:endParaRPr>
+                    </a:p>
+                  </a:txBody>
+                  <a:tcPr>
+                    <a:lnL w="12700" cap="flat" cmpd="sng" algn="ctr">
+                      <a:solidFill>
+                        <a:schemeClr val="tx1"/>
+                      </a:solidFill>
+                      <a:prstDash val="solid"/>
+                      <a:round/>
+                      <a:headEnd type="none" w="med" len="med"/>
+                      <a:tailEnd type="none" w="med" len="med"/>
+                    </a:lnL>
+                    <a:lnR w="12700" cap="flat" cmpd="sng" algn="ctr">
+                      <a:solidFill>
+                        <a:schemeClr val="tx1"/>
+                      </a:solidFill>
+                      <a:prstDash val="solid"/>
+                      <a:round/>
+                      <a:headEnd type="none" w="med" len="med"/>
+                      <a:tailEnd type="none" w="med" len="med"/>
+                    </a:lnR>
+                    <a:lnT w="12700" cap="flat" cmpd="sng" algn="ctr">
+                      <a:solidFill>
+                        <a:schemeClr val="tx1"/>
+                      </a:solidFill>
+                      <a:prstDash val="solid"/>
+                      <a:round/>
+                      <a:headEnd type="none" w="med" len="med"/>
+                      <a:tailEnd type="none" w="med" len="med"/>
+                    </a:lnT>
+                    <a:lnB w="12700" cap="flat" cmpd="sng" algn="ctr">
+                      <a:solidFill>
+                        <a:schemeClr val="tx1"/>
+                      </a:solidFill>
+                      <a:prstDash val="solid"/>
+                      <a:round/>
+                      <a:headEnd type="none" w="med" len="med"/>
+                      <a:tailEnd type="none" w="med" len="med"/>
+                    </a:lnB>
+                    <a:solidFill>
+                      <a:schemeClr val="bg1"/>
+                    </a:solidFill>
+                  </a:tcPr>
+                </a:tc>
+                <a:extLst>
+                  <a:ext uri="{0D108BD9-81ED-4DB2-BD59-A6C34878D82A}">
+                    <a16:rowId xmlns:a16="http://schemas.microsoft.com/office/drawing/2014/main" val="1482916371"/>
+                  </a:ext>
+                </a:extLst>
+              </a:tr>
+              <a:tr h="370840">
+                <a:tc>
+                  <a:txBody>
+                    <a:bodyPr/>
+                    <a:lstStyle/>
+                    <a:p>
+                      <a:pPr algn="ctr" latinLnBrk="1"/>
+                      <a:endParaRPr lang="ko-KR" altLang="en-US" dirty="0">
+                        <a:solidFill>
+                          <a:schemeClr val="tx1"/>
+                        </a:solidFill>
+                      </a:endParaRPr>
+                    </a:p>
+                  </a:txBody>
+                  <a:tcPr>
+                    <a:lnL w="12700" cap="flat" cmpd="sng" algn="ctr">
+                      <a:solidFill>
+                        <a:schemeClr val="tx1"/>
+                      </a:solidFill>
+                      <a:prstDash val="solid"/>
+                      <a:round/>
+                      <a:headEnd type="none" w="med" len="med"/>
+                      <a:tailEnd type="none" w="med" len="med"/>
+                    </a:lnL>
+                    <a:lnR w="12700" cap="flat" cmpd="sng" algn="ctr">
+                      <a:solidFill>
+                        <a:schemeClr val="tx1"/>
+                      </a:solidFill>
+                      <a:prstDash val="solid"/>
+                      <a:round/>
+                      <a:headEnd type="none" w="med" len="med"/>
+                      <a:tailEnd type="none" w="med" len="med"/>
+                    </a:lnR>
+                    <a:lnT w="12700" cap="flat" cmpd="sng" algn="ctr">
+                      <a:solidFill>
+                        <a:schemeClr val="tx1"/>
+                      </a:solidFill>
+                      <a:prstDash val="solid"/>
+                      <a:round/>
+                      <a:headEnd type="none" w="med" len="med"/>
+                      <a:tailEnd type="none" w="med" len="med"/>
+                    </a:lnT>
+                    <a:lnB w="12700" cap="flat" cmpd="sng" algn="ctr">
+                      <a:solidFill>
+                        <a:schemeClr val="tx1"/>
+                      </a:solidFill>
+                      <a:prstDash val="solid"/>
+                      <a:round/>
+                      <a:headEnd type="none" w="med" len="med"/>
+                      <a:tailEnd type="none" w="med" len="med"/>
+                    </a:lnB>
+                    <a:solidFill>
+                      <a:schemeClr val="accent1">
+                        <a:lumMod val="60000"/>
+                        <a:lumOff val="40000"/>
+                      </a:schemeClr>
+                    </a:solidFill>
+                  </a:tcPr>
+                </a:tc>
+                <a:tc>
+                  <a:txBody>
+                    <a:bodyPr/>
+                    <a:lstStyle/>
+                    <a:p>
+                      <a:pPr latinLnBrk="1"/>
+                      <a:endParaRPr lang="ko-KR" altLang="en-US" dirty="0">
+                        <a:solidFill>
+                          <a:schemeClr val="tx1"/>
+                        </a:solidFill>
+                      </a:endParaRPr>
+                    </a:p>
+                  </a:txBody>
+                  <a:tcPr>
+                    <a:lnL w="12700" cap="flat" cmpd="sng" algn="ctr">
+                      <a:solidFill>
+                        <a:schemeClr val="tx1"/>
+                      </a:solidFill>
+                      <a:prstDash val="solid"/>
+                      <a:round/>
+                      <a:headEnd type="none" w="med" len="med"/>
+                      <a:tailEnd type="none" w="med" len="med"/>
+                    </a:lnL>
+                    <a:lnR w="12700" cap="flat" cmpd="sng" algn="ctr">
+                      <a:solidFill>
+                        <a:schemeClr val="tx1"/>
+                      </a:solidFill>
+                      <a:prstDash val="solid"/>
+                      <a:round/>
+                      <a:headEnd type="none" w="med" len="med"/>
+                      <a:tailEnd type="none" w="med" len="med"/>
+                    </a:lnR>
+                    <a:lnT w="12700" cap="flat" cmpd="sng" algn="ctr">
+                      <a:solidFill>
+                        <a:schemeClr val="tx1"/>
+                      </a:solidFill>
+                      <a:prstDash val="solid"/>
+                      <a:round/>
+                      <a:headEnd type="none" w="med" len="med"/>
+                      <a:tailEnd type="none" w="med" len="med"/>
+                    </a:lnT>
+                    <a:lnB w="12700" cap="flat" cmpd="sng" algn="ctr">
+                      <a:solidFill>
+                        <a:schemeClr val="tx1"/>
+                      </a:solidFill>
+                      <a:prstDash val="solid"/>
+                      <a:round/>
+                      <a:headEnd type="none" w="med" len="med"/>
+                      <a:tailEnd type="none" w="med" len="med"/>
+                    </a:lnB>
+                    <a:solidFill>
+                      <a:schemeClr val="bg1"/>
+                    </a:solidFill>
+                  </a:tcPr>
+                </a:tc>
+                <a:tc>
+                  <a:txBody>
+                    <a:bodyPr/>
+                    <a:lstStyle/>
+                    <a:p>
+                      <a:pPr latinLnBrk="1"/>
+                      <a:endParaRPr lang="ko-KR" altLang="en-US" dirty="0">
+                        <a:solidFill>
+                          <a:schemeClr val="tx1"/>
+                        </a:solidFill>
+                      </a:endParaRPr>
+                    </a:p>
+                  </a:txBody>
+                  <a:tcPr>
+                    <a:lnL w="12700" cap="flat" cmpd="sng" algn="ctr">
+                      <a:solidFill>
+                        <a:schemeClr val="tx1"/>
+                      </a:solidFill>
+                      <a:prstDash val="solid"/>
+                      <a:round/>
+                      <a:headEnd type="none" w="med" len="med"/>
+                      <a:tailEnd type="none" w="med" len="med"/>
+                    </a:lnL>
+                    <a:lnR w="12700" cap="flat" cmpd="sng" algn="ctr">
+                      <a:solidFill>
+                        <a:schemeClr val="tx1"/>
+                      </a:solidFill>
+                      <a:prstDash val="solid"/>
+                      <a:round/>
+                      <a:headEnd type="none" w="med" len="med"/>
+                      <a:tailEnd type="none" w="med" len="med"/>
+                    </a:lnR>
+                    <a:lnT w="12700" cap="flat" cmpd="sng" algn="ctr">
+                      <a:solidFill>
+                        <a:schemeClr val="tx1"/>
+                      </a:solidFill>
+                      <a:prstDash val="solid"/>
+                      <a:round/>
+                      <a:headEnd type="none" w="med" len="med"/>
+                      <a:tailEnd type="none" w="med" len="med"/>
+                    </a:lnT>
+                    <a:lnB w="12700" cap="flat" cmpd="sng" algn="ctr">
+                      <a:solidFill>
+                        <a:schemeClr val="tx1"/>
+                      </a:solidFill>
+                      <a:prstDash val="solid"/>
+                      <a:round/>
+                      <a:headEnd type="none" w="med" len="med"/>
+                      <a:tailEnd type="none" w="med" len="med"/>
+                    </a:lnB>
+                    <a:solidFill>
+                      <a:schemeClr val="bg1"/>
+                    </a:solidFill>
+                  </a:tcPr>
+                </a:tc>
+                <a:extLst>
+                  <a:ext uri="{0D108BD9-81ED-4DB2-BD59-A6C34878D82A}">
+                    <a16:rowId xmlns:a16="http://schemas.microsoft.com/office/drawing/2014/main" val="2085773863"/>
+                  </a:ext>
+                </a:extLst>
+              </a:tr>
+              <a:tr h="370840">
+                <a:tc>
+                  <a:txBody>
+                    <a:bodyPr/>
+                    <a:lstStyle/>
+                    <a:p>
+                      <a:pPr algn="ctr" latinLnBrk="1"/>
+                      <a:endParaRPr lang="ko-KR" altLang="en-US" dirty="0">
+                        <a:solidFill>
+                          <a:schemeClr val="tx1"/>
+                        </a:solidFill>
+                      </a:endParaRPr>
+                    </a:p>
+                  </a:txBody>
+                  <a:tcPr>
+                    <a:lnL w="12700" cap="flat" cmpd="sng" algn="ctr">
+                      <a:solidFill>
+                        <a:schemeClr val="tx1"/>
+                      </a:solidFill>
+                      <a:prstDash val="solid"/>
+                      <a:round/>
+                      <a:headEnd type="none" w="med" len="med"/>
+                      <a:tailEnd type="none" w="med" len="med"/>
+                    </a:lnL>
+                    <a:lnR w="12700" cap="flat" cmpd="sng" algn="ctr">
+                      <a:solidFill>
+                        <a:schemeClr val="tx1"/>
+                      </a:solidFill>
+                      <a:prstDash val="solid"/>
+                      <a:round/>
+                      <a:headEnd type="none" w="med" len="med"/>
+                      <a:tailEnd type="none" w="med" len="med"/>
+                    </a:lnR>
+                    <a:lnT w="12700" cap="flat" cmpd="sng" algn="ctr">
+                      <a:solidFill>
+                        <a:schemeClr val="tx1"/>
+                      </a:solidFill>
+                      <a:prstDash val="solid"/>
+                      <a:round/>
+                      <a:headEnd type="none" w="med" len="med"/>
+                      <a:tailEnd type="none" w="med" len="med"/>
+                    </a:lnT>
+                    <a:lnB w="12700" cap="flat" cmpd="sng" algn="ctr">
+                      <a:solidFill>
+                        <a:schemeClr val="tx1"/>
+                      </a:solidFill>
+                      <a:prstDash val="solid"/>
+                      <a:round/>
+                      <a:headEnd type="none" w="med" len="med"/>
+                      <a:tailEnd type="none" w="med" len="med"/>
+                    </a:lnB>
+                    <a:solidFill>
+                      <a:schemeClr val="accent1">
+                        <a:lumMod val="60000"/>
+                        <a:lumOff val="40000"/>
+                      </a:schemeClr>
+                    </a:solidFill>
+                  </a:tcPr>
+                </a:tc>
+                <a:tc>
+                  <a:txBody>
+                    <a:bodyPr/>
+                    <a:lstStyle/>
+                    <a:p>
+                      <a:pPr latinLnBrk="1"/>
+                      <a:endParaRPr lang="ko-KR" altLang="en-US" dirty="0">
+                        <a:solidFill>
+                          <a:schemeClr val="tx1"/>
+                        </a:solidFill>
+                      </a:endParaRPr>
+                    </a:p>
+                  </a:txBody>
+                  <a:tcPr>
+                    <a:lnL w="12700" cap="flat" cmpd="sng" algn="ctr">
+                      <a:solidFill>
+                        <a:schemeClr val="tx1"/>
+                      </a:solidFill>
+                      <a:prstDash val="solid"/>
+                      <a:round/>
+                      <a:headEnd type="none" w="med" len="med"/>
+                      <a:tailEnd type="none" w="med" len="med"/>
+                    </a:lnL>
+                    <a:lnR w="12700" cap="flat" cmpd="sng" algn="ctr">
+                      <a:solidFill>
+                        <a:schemeClr val="tx1"/>
+                      </a:solidFill>
+                      <a:prstDash val="solid"/>
+                      <a:round/>
+                      <a:headEnd type="none" w="med" len="med"/>
+                      <a:tailEnd type="none" w="med" len="med"/>
+                    </a:lnR>
+                    <a:lnT w="12700" cap="flat" cmpd="sng" algn="ctr">
+                      <a:solidFill>
+                        <a:schemeClr val="tx1"/>
+                      </a:solidFill>
+                      <a:prstDash val="solid"/>
+                      <a:round/>
+                      <a:headEnd type="none" w="med" len="med"/>
+                      <a:tailEnd type="none" w="med" len="med"/>
+                    </a:lnT>
+                    <a:lnB w="12700" cap="flat" cmpd="sng" algn="ctr">
+                      <a:solidFill>
+                        <a:schemeClr val="tx1"/>
+                      </a:solidFill>
+                      <a:prstDash val="solid"/>
+                      <a:round/>
+                      <a:headEnd type="none" w="med" len="med"/>
+                      <a:tailEnd type="none" w="med" len="med"/>
+                    </a:lnB>
+                    <a:solidFill>
+                      <a:schemeClr val="bg1"/>
+                    </a:solidFill>
+                  </a:tcPr>
+                </a:tc>
+                <a:tc>
+                  <a:txBody>
+                    <a:bodyPr/>
+                    <a:lstStyle/>
+                    <a:p>
+                      <a:pPr latinLnBrk="1"/>
+                      <a:endParaRPr lang="ko-KR" altLang="en-US" dirty="0">
+                        <a:solidFill>
+                          <a:schemeClr val="tx1"/>
+                        </a:solidFill>
+                      </a:endParaRPr>
+                    </a:p>
+                  </a:txBody>
+                  <a:tcPr>
+                    <a:lnL w="12700" cap="flat" cmpd="sng" algn="ctr">
+                      <a:solidFill>
+                        <a:schemeClr val="tx1"/>
+                      </a:solidFill>
+                      <a:prstDash val="solid"/>
+                      <a:round/>
+                      <a:headEnd type="none" w="med" len="med"/>
+                      <a:tailEnd type="none" w="med" len="med"/>
+                    </a:lnL>
+                    <a:lnR w="12700" cap="flat" cmpd="sng" algn="ctr">
+                      <a:solidFill>
+                        <a:schemeClr val="tx1"/>
+                      </a:solidFill>
+                      <a:prstDash val="solid"/>
+                      <a:round/>
+                      <a:headEnd type="none" w="med" len="med"/>
+                      <a:tailEnd type="none" w="med" len="med"/>
+                    </a:lnR>
+                    <a:lnT w="12700" cap="flat" cmpd="sng" algn="ctr">
+                      <a:solidFill>
+                        <a:schemeClr val="tx1"/>
+                      </a:solidFill>
+                      <a:prstDash val="solid"/>
+                      <a:round/>
+                      <a:headEnd type="none" w="med" len="med"/>
+                      <a:tailEnd type="none" w="med" len="med"/>
+                    </a:lnT>
+                    <a:lnB w="12700" cap="flat" cmpd="sng" algn="ctr">
+                      <a:solidFill>
+                        <a:schemeClr val="tx1"/>
+                      </a:solidFill>
+                      <a:prstDash val="solid"/>
+                      <a:round/>
+                      <a:headEnd type="none" w="med" len="med"/>
+                      <a:tailEnd type="none" w="med" len="med"/>
+                    </a:lnB>
+                    <a:solidFill>
+                      <a:schemeClr val="bg1"/>
+                    </a:solidFill>
+                  </a:tcPr>
+                </a:tc>
+                <a:extLst>
+                  <a:ext uri="{0D108BD9-81ED-4DB2-BD59-A6C34878D82A}">
+                    <a16:rowId xmlns:a16="http://schemas.microsoft.com/office/drawing/2014/main" val="4294301989"/>
+                  </a:ext>
+                </a:extLst>
+              </a:tr>
+              <a:tr h="370840">
+                <a:tc>
+                  <a:txBody>
+                    <a:bodyPr/>
+                    <a:lstStyle/>
+                    <a:p>
+                      <a:pPr algn="ctr" latinLnBrk="1"/>
+                      <a:endParaRPr lang="ko-KR" altLang="en-US" dirty="0">
+                        <a:solidFill>
+                          <a:schemeClr val="tx1"/>
+                        </a:solidFill>
+                      </a:endParaRPr>
+                    </a:p>
+                  </a:txBody>
+                  <a:tcPr>
+                    <a:lnL w="12700" cap="flat" cmpd="sng" algn="ctr">
+                      <a:solidFill>
+                        <a:schemeClr val="tx1"/>
+                      </a:solidFill>
+                      <a:prstDash val="solid"/>
+                      <a:round/>
+                      <a:headEnd type="none" w="med" len="med"/>
+                      <a:tailEnd type="none" w="med" len="med"/>
+                    </a:lnL>
+                    <a:lnR w="12700" cap="flat" cmpd="sng" algn="ctr">
+                      <a:solidFill>
+                        <a:schemeClr val="tx1"/>
+                      </a:solidFill>
+                      <a:prstDash val="solid"/>
+                      <a:round/>
+                      <a:headEnd type="none" w="med" len="med"/>
+                      <a:tailEnd type="none" w="med" len="med"/>
+                    </a:lnR>
+                    <a:lnT w="12700" cap="flat" cmpd="sng" algn="ctr">
+                      <a:solidFill>
+                        <a:schemeClr val="tx1"/>
+                      </a:solidFill>
+                      <a:prstDash val="solid"/>
+                      <a:round/>
+                      <a:headEnd type="none" w="med" len="med"/>
+                      <a:tailEnd type="none" w="med" len="med"/>
+                    </a:lnT>
+                    <a:lnB w="12700" cap="flat" cmpd="sng" algn="ctr">
+                      <a:solidFill>
+                        <a:schemeClr val="tx1"/>
+                      </a:solidFill>
+                      <a:prstDash val="solid"/>
+                      <a:round/>
+                      <a:headEnd type="none" w="med" len="med"/>
+                      <a:tailEnd type="none" w="med" len="med"/>
+                    </a:lnB>
+                    <a:solidFill>
+                      <a:schemeClr val="accent4">
+                        <a:lumMod val="60000"/>
+                        <a:lumOff val="40000"/>
+                      </a:schemeClr>
+                    </a:solidFill>
+                  </a:tcPr>
+                </a:tc>
+                <a:tc>
+                  <a:txBody>
+                    <a:bodyPr/>
+                    <a:lstStyle/>
+                    <a:p>
+                      <a:pPr latinLnBrk="1"/>
+                      <a:endParaRPr lang="ko-KR" altLang="en-US" dirty="0">
+                        <a:solidFill>
+                          <a:schemeClr val="tx1"/>
+                        </a:solidFill>
+                      </a:endParaRPr>
+                    </a:p>
+                  </a:txBody>
+                  <a:tcPr>
+                    <a:lnL w="12700" cap="flat" cmpd="sng" algn="ctr">
+                      <a:solidFill>
+                        <a:schemeClr val="tx1"/>
+                      </a:solidFill>
+                      <a:prstDash val="solid"/>
+                      <a:round/>
+                      <a:headEnd type="none" w="med" len="med"/>
+                      <a:tailEnd type="none" w="med" len="med"/>
+                    </a:lnL>
+                    <a:lnR w="12700" cap="flat" cmpd="sng" algn="ctr">
+                      <a:solidFill>
+                        <a:schemeClr val="tx1"/>
+                      </a:solidFill>
+                      <a:prstDash val="solid"/>
+                      <a:round/>
+                      <a:headEnd type="none" w="med" len="med"/>
+                      <a:tailEnd type="none" w="med" len="med"/>
+                    </a:lnR>
+                    <a:lnT w="12700" cap="flat" cmpd="sng" algn="ctr">
+                      <a:solidFill>
+                        <a:schemeClr val="tx1"/>
+                      </a:solidFill>
+                      <a:prstDash val="solid"/>
+                      <a:round/>
+                      <a:headEnd type="none" w="med" len="med"/>
+                      <a:tailEnd type="none" w="med" len="med"/>
+                    </a:lnT>
+                    <a:lnB w="12700" cap="flat" cmpd="sng" algn="ctr">
+                      <a:solidFill>
+                        <a:schemeClr val="tx1"/>
+                      </a:solidFill>
+                      <a:prstDash val="solid"/>
+                      <a:round/>
+                      <a:headEnd type="none" w="med" len="med"/>
+                      <a:tailEnd type="none" w="med" len="med"/>
+                    </a:lnB>
+                    <a:solidFill>
+                      <a:schemeClr val="bg1"/>
+                    </a:solidFill>
+                  </a:tcPr>
+                </a:tc>
+                <a:tc>
+                  <a:txBody>
+                    <a:bodyPr/>
+                    <a:lstStyle/>
+                    <a:p>
+                      <a:pPr latinLnBrk="1"/>
+                      <a:endParaRPr lang="ko-KR" altLang="en-US" dirty="0">
+                        <a:solidFill>
+                          <a:schemeClr val="tx1"/>
+                        </a:solidFill>
+                      </a:endParaRPr>
+                    </a:p>
+                  </a:txBody>
+                  <a:tcPr>
+                    <a:lnL w="12700" cap="flat" cmpd="sng" algn="ctr">
+                      <a:solidFill>
+                        <a:schemeClr val="tx1"/>
+                      </a:solidFill>
+                      <a:prstDash val="solid"/>
+                      <a:round/>
+                      <a:headEnd type="none" w="med" len="med"/>
+                      <a:tailEnd type="none" w="med" len="med"/>
+                    </a:lnL>
+                    <a:lnR w="12700" cap="flat" cmpd="sng" algn="ctr">
+                      <a:solidFill>
+                        <a:schemeClr val="tx1"/>
+                      </a:solidFill>
+                      <a:prstDash val="solid"/>
+                      <a:round/>
+                      <a:headEnd type="none" w="med" len="med"/>
+                      <a:tailEnd type="none" w="med" len="med"/>
+                    </a:lnR>
+                    <a:lnT w="12700" cap="flat" cmpd="sng" algn="ctr">
+                      <a:solidFill>
+                        <a:schemeClr val="tx1"/>
+                      </a:solidFill>
+                      <a:prstDash val="solid"/>
+                      <a:round/>
+                      <a:headEnd type="none" w="med" len="med"/>
+                      <a:tailEnd type="none" w="med" len="med"/>
+                    </a:lnT>
+                    <a:lnB w="12700" cap="flat" cmpd="sng" algn="ctr">
+                      <a:solidFill>
+                        <a:schemeClr val="tx1"/>
+                      </a:solidFill>
+                      <a:prstDash val="solid"/>
+                      <a:round/>
+                      <a:headEnd type="none" w="med" len="med"/>
+                      <a:tailEnd type="none" w="med" len="med"/>
+                    </a:lnB>
+                    <a:solidFill>
+                      <a:schemeClr val="bg1"/>
+                    </a:solidFill>
+                  </a:tcPr>
+                </a:tc>
+                <a:extLst>
+                  <a:ext uri="{0D108BD9-81ED-4DB2-BD59-A6C34878D82A}">
+                    <a16:rowId xmlns:a16="http://schemas.microsoft.com/office/drawing/2014/main" val="3344979124"/>
+                  </a:ext>
+                </a:extLst>
+              </a:tr>
+              <a:tr h="370840">
+                <a:tc>
+                  <a:txBody>
+                    <a:bodyPr/>
+                    <a:lstStyle/>
+                    <a:p>
+                      <a:pPr algn="ctr" latinLnBrk="1"/>
+                      <a:endParaRPr lang="ko-KR" altLang="en-US" dirty="0">
+                        <a:solidFill>
+                          <a:schemeClr val="tx1"/>
+                        </a:solidFill>
+                      </a:endParaRPr>
+                    </a:p>
+                  </a:txBody>
+                  <a:tcPr>
+                    <a:lnL w="12700" cap="flat" cmpd="sng" algn="ctr">
+                      <a:solidFill>
+                        <a:schemeClr val="tx1"/>
+                      </a:solidFill>
+                      <a:prstDash val="solid"/>
+                      <a:round/>
+                      <a:headEnd type="none" w="med" len="med"/>
+                      <a:tailEnd type="none" w="med" len="med"/>
+                    </a:lnL>
+                    <a:lnR w="12700" cap="flat" cmpd="sng" algn="ctr">
+                      <a:solidFill>
+                        <a:schemeClr val="tx1"/>
+                      </a:solidFill>
+                      <a:prstDash val="solid"/>
+                      <a:round/>
+                      <a:headEnd type="none" w="med" len="med"/>
+                      <a:tailEnd type="none" w="med" len="med"/>
+                    </a:lnR>
+                    <a:lnT w="12700" cap="flat" cmpd="sng" algn="ctr">
+                      <a:solidFill>
+                        <a:schemeClr val="tx1"/>
+                      </a:solidFill>
+                      <a:prstDash val="solid"/>
+                      <a:round/>
+                      <a:headEnd type="none" w="med" len="med"/>
+                      <a:tailEnd type="none" w="med" len="med"/>
+                    </a:lnT>
+                    <a:lnB w="12700" cap="flat" cmpd="sng" algn="ctr">
+                      <a:solidFill>
+                        <a:schemeClr val="tx1"/>
+                      </a:solidFill>
+                      <a:prstDash val="solid"/>
+                      <a:round/>
+                      <a:headEnd type="none" w="med" len="med"/>
+                      <a:tailEnd type="none" w="med" len="med"/>
+                    </a:lnB>
+                    <a:solidFill>
+                      <a:schemeClr val="accent4">
+                        <a:lumMod val="60000"/>
+                        <a:lumOff val="40000"/>
+                      </a:schemeClr>
+                    </a:solidFill>
+                  </a:tcPr>
+                </a:tc>
+                <a:tc>
+                  <a:txBody>
+                    <a:bodyPr/>
+                    <a:lstStyle/>
+                    <a:p>
+                      <a:pPr latinLnBrk="1"/>
+                      <a:endParaRPr lang="ko-KR" altLang="en-US" dirty="0">
+                        <a:solidFill>
+                          <a:schemeClr val="tx1"/>
+                        </a:solidFill>
+                      </a:endParaRPr>
+                    </a:p>
+                  </a:txBody>
+                  <a:tcPr>
+                    <a:lnL w="12700" cap="flat" cmpd="sng" algn="ctr">
+                      <a:solidFill>
+                        <a:schemeClr val="tx1"/>
+                      </a:solidFill>
+                      <a:prstDash val="solid"/>
+                      <a:round/>
+                      <a:headEnd type="none" w="med" len="med"/>
+                      <a:tailEnd type="none" w="med" len="med"/>
+                    </a:lnL>
+                    <a:lnR w="12700" cap="flat" cmpd="sng" algn="ctr">
+                      <a:solidFill>
+                        <a:schemeClr val="tx1"/>
+                      </a:solidFill>
+                      <a:prstDash val="solid"/>
+                      <a:round/>
+                      <a:headEnd type="none" w="med" len="med"/>
+                      <a:tailEnd type="none" w="med" len="med"/>
+                    </a:lnR>
+                    <a:lnT w="12700" cap="flat" cmpd="sng" algn="ctr">
+                      <a:solidFill>
+                        <a:schemeClr val="tx1"/>
+                      </a:solidFill>
+                      <a:prstDash val="solid"/>
+                      <a:round/>
+                      <a:headEnd type="none" w="med" len="med"/>
+                      <a:tailEnd type="none" w="med" len="med"/>
+                    </a:lnT>
+                    <a:lnB w="12700" cap="flat" cmpd="sng" algn="ctr">
+                      <a:solidFill>
+                        <a:schemeClr val="tx1"/>
+                      </a:solidFill>
+                      <a:prstDash val="solid"/>
+                      <a:round/>
+                      <a:headEnd type="none" w="med" len="med"/>
+                      <a:tailEnd type="none" w="med" len="med"/>
+                    </a:lnB>
+                    <a:solidFill>
+                      <a:schemeClr val="bg1"/>
+                    </a:solidFill>
+                  </a:tcPr>
+                </a:tc>
+                <a:tc>
+                  <a:txBody>
+                    <a:bodyPr/>
+                    <a:lstStyle/>
+                    <a:p>
+                      <a:pPr latinLnBrk="1"/>
+                      <a:endParaRPr lang="ko-KR" altLang="en-US" dirty="0">
+                        <a:solidFill>
+                          <a:schemeClr val="tx1"/>
+                        </a:solidFill>
+                      </a:endParaRPr>
+                    </a:p>
+                  </a:txBody>
+                  <a:tcPr>
+                    <a:lnL w="12700" cap="flat" cmpd="sng" algn="ctr">
+                      <a:solidFill>
+                        <a:schemeClr val="tx1"/>
+                      </a:solidFill>
+                      <a:prstDash val="solid"/>
+                      <a:round/>
+                      <a:headEnd type="none" w="med" len="med"/>
+                      <a:tailEnd type="none" w="med" len="med"/>
+                    </a:lnL>
+                    <a:lnR w="12700" cap="flat" cmpd="sng" algn="ctr">
+                      <a:solidFill>
+                        <a:schemeClr val="tx1"/>
+                      </a:solidFill>
+                      <a:prstDash val="solid"/>
+                      <a:round/>
+                      <a:headEnd type="none" w="med" len="med"/>
+                      <a:tailEnd type="none" w="med" len="med"/>
+                    </a:lnR>
+                    <a:lnT w="12700" cap="flat" cmpd="sng" algn="ctr">
+                      <a:solidFill>
+                        <a:schemeClr val="tx1"/>
+                      </a:solidFill>
+                      <a:prstDash val="solid"/>
+                      <a:round/>
+                      <a:headEnd type="none" w="med" len="med"/>
+                      <a:tailEnd type="none" w="med" len="med"/>
+                    </a:lnT>
+                    <a:lnB w="12700" cap="flat" cmpd="sng" algn="ctr">
+                      <a:solidFill>
+                        <a:schemeClr val="tx1"/>
+                      </a:solidFill>
+                      <a:prstDash val="solid"/>
+                      <a:round/>
+                      <a:headEnd type="none" w="med" len="med"/>
+                      <a:tailEnd type="none" w="med" len="med"/>
+                    </a:lnB>
+                    <a:solidFill>
+                      <a:schemeClr val="bg1"/>
+                    </a:solidFill>
+                  </a:tcPr>
+                </a:tc>
+                <a:extLst>
+                  <a:ext uri="{0D108BD9-81ED-4DB2-BD59-A6C34878D82A}">
+                    <a16:rowId xmlns:a16="http://schemas.microsoft.com/office/drawing/2014/main" val="3684839970"/>
+                  </a:ext>
+                </a:extLst>
+              </a:tr>
+            </a:tbl>
+          </a:graphicData>
+        </a:graphic>
+      </p:graphicFrame>
+    </p:spTree>
+    <p:extLst>
+      <p:ext uri="{BB962C8B-B14F-4D97-AF65-F5344CB8AC3E}">
+        <p14:creationId xmlns:p14="http://schemas.microsoft.com/office/powerpoint/2010/main" val="956774852"/>
+      </p:ext>
+    </p:extLst>
+  </p:cSld>
+  <p:clrMapOvr>
+    <a:masterClrMapping/>
+  </p:clrMapOvr>
+</p:sld>
+</file>
+
+<file path=ppt/slides/slide8.xml><?xml version="1.0" encoding="utf-8"?>
+<p:sld xmlns:a="http://schemas.openxmlformats.org/drawingml/2006/main" xmlns:r="http://schemas.openxmlformats.org/officeDocument/2006/relationships" xmlns:p="http://schemas.openxmlformats.org/presentationml/2006/main">
+  <p:cSld>
+    <p:spTree>
+      <p:nvGrpSpPr>
+        <p:cNvPr id="1" name=""/>
+        <p:cNvGrpSpPr/>
+        <p:nvPr/>
+      </p:nvGrpSpPr>
+      <p:grpSpPr>
+        <a:xfrm>
+          <a:off x="0" y="0"/>
+          <a:ext cx="0" cy="0"/>
+          <a:chOff x="0" y="0"/>
+          <a:chExt cx="0" cy="0"/>
+        </a:xfrm>
+      </p:grpSpPr>
+      <p:sp>
+        <p:nvSpPr>
+          <p:cNvPr id="2" name="제목 1">
+            <a:extLst>
+              <a:ext uri="{FF2B5EF4-FFF2-40B4-BE49-F238E27FC236}">
+                <a16:creationId xmlns:a16="http://schemas.microsoft.com/office/drawing/2014/main" id="{55319BA7-5458-4D9A-996A-535E33F837AE}"/>
+              </a:ext>
+            </a:extLst>
+          </p:cNvPr>
+          <p:cNvSpPr>
+            <a:spLocks noGrp="1"/>
+          </p:cNvSpPr>
+          <p:nvPr>
+            <p:ph type="title"/>
+          </p:nvPr>
+        </p:nvSpPr>
+        <p:spPr/>
+        <p:txBody>
+          <a:bodyPr/>
+          <a:lstStyle/>
+          <a:p>
+            <a:r>
+              <a:rPr lang="en-US" altLang="ko-KR" dirty="0"/>
+              <a:t>5. </a:t>
+            </a:r>
+            <a:r>
+              <a:rPr lang="ko-KR" altLang="en-US" dirty="0"/>
+              <a:t>터미네이터</a:t>
+            </a:r>
+          </a:p>
+        </p:txBody>
+      </p:sp>
+      <p:graphicFrame>
+        <p:nvGraphicFramePr>
+          <p:cNvPr id="7" name="표 6">
+            <a:extLst>
+              <a:ext uri="{FF2B5EF4-FFF2-40B4-BE49-F238E27FC236}">
+                <a16:creationId xmlns:a16="http://schemas.microsoft.com/office/drawing/2014/main" id="{C4E17580-CCC5-4611-84A9-57D8743E5D34}"/>
+              </a:ext>
+            </a:extLst>
+          </p:cNvPr>
+          <p:cNvGraphicFramePr>
+            <a:graphicFrameLocks noGrp="1"/>
+          </p:cNvGraphicFramePr>
+          <p:nvPr>
+            <p:ph idx="1"/>
+            <p:extLst>
+              <p:ext uri="{D42A27DB-BD31-4B8C-83A1-F6EECF244321}">
+                <p14:modId xmlns:p14="http://schemas.microsoft.com/office/powerpoint/2010/main" val="1240135393"/>
+              </p:ext>
+            </p:extLst>
+          </p:nvPr>
+        </p:nvGraphicFramePr>
+        <p:xfrm>
+          <a:off x="838200" y="1825625"/>
+          <a:ext cx="10515597" cy="3708400"/>
+        </p:xfrm>
+        <a:graphic>
+          <a:graphicData uri="http://schemas.openxmlformats.org/drawingml/2006/table">
+            <a:tbl>
+              <a:tblPr firstRow="1" bandRow="1">
+                <a:tableStyleId>{5C22544A-7EE6-4342-B048-85BDC9FD1C3A}</a:tableStyleId>
+              </a:tblPr>
+              <a:tblGrid>
+                <a:gridCol w="1423737">
+                  <a:extLst>
+                    <a:ext uri="{9D8B030D-6E8A-4147-A177-3AD203B41FA5}">
+                      <a16:colId xmlns:a16="http://schemas.microsoft.com/office/drawing/2014/main" val="326280827"/>
+                    </a:ext>
+                  </a:extLst>
+                </a:gridCol>
+                <a:gridCol w="5586661">
+                  <a:extLst>
+                    <a:ext uri="{9D8B030D-6E8A-4147-A177-3AD203B41FA5}">
+                      <a16:colId xmlns:a16="http://schemas.microsoft.com/office/drawing/2014/main" val="2089160439"/>
+                    </a:ext>
+                  </a:extLst>
+                </a:gridCol>
+                <a:gridCol w="3505199">
+                  <a:extLst>
+                    <a:ext uri="{9D8B030D-6E8A-4147-A177-3AD203B41FA5}">
+                      <a16:colId xmlns:a16="http://schemas.microsoft.com/office/drawing/2014/main" val="4025820395"/>
+                    </a:ext>
+                  </a:extLst>
+                </a:gridCol>
+              </a:tblGrid>
+              <a:tr h="370840">
+                <a:tc>
+                  <a:txBody>
+                    <a:bodyPr/>
+                    <a:lstStyle/>
+                    <a:p>
+                      <a:pPr algn="ctr" latinLnBrk="1"/>
+                      <a:endParaRPr lang="ko-KR" altLang="en-US" dirty="0">
+                        <a:solidFill>
+                          <a:schemeClr val="tx1"/>
+                        </a:solidFill>
+                      </a:endParaRPr>
+                    </a:p>
+                  </a:txBody>
+                  <a:tcPr>
+                    <a:lnL w="12700" cap="flat" cmpd="sng" algn="ctr">
+                      <a:solidFill>
+                        <a:schemeClr val="tx1"/>
+                      </a:solidFill>
+                      <a:prstDash val="solid"/>
+                      <a:round/>
+                      <a:headEnd type="none" w="med" len="med"/>
+                      <a:tailEnd type="none" w="med" len="med"/>
+                    </a:lnL>
+                    <a:lnR w="12700" cap="flat" cmpd="sng" algn="ctr">
+                      <a:solidFill>
+                        <a:schemeClr val="tx1"/>
+                      </a:solidFill>
+                      <a:prstDash val="solid"/>
+                      <a:round/>
+                      <a:headEnd type="none" w="med" len="med"/>
+                      <a:tailEnd type="none" w="med" len="med"/>
+                    </a:lnR>
+                    <a:lnT w="12700" cap="flat" cmpd="sng" algn="ctr">
+                      <a:solidFill>
+                        <a:schemeClr val="tx1"/>
+                      </a:solidFill>
+                      <a:prstDash val="solid"/>
+                      <a:round/>
+                      <a:headEnd type="none" w="med" len="med"/>
+                      <a:tailEnd type="none" w="med" len="med"/>
+                    </a:lnT>
+                    <a:lnB w="12700" cap="flat" cmpd="sng" algn="ctr">
+                      <a:solidFill>
+                        <a:schemeClr val="tx1"/>
+                      </a:solidFill>
+                      <a:prstDash val="solid"/>
+                      <a:round/>
+                      <a:headEnd type="none" w="med" len="med"/>
+                      <a:tailEnd type="none" w="med" len="med"/>
+                    </a:lnB>
+                    <a:solidFill>
+                      <a:schemeClr val="accent4">
+                        <a:lumMod val="20000"/>
+                        <a:lumOff val="80000"/>
+                      </a:schemeClr>
+                    </a:solidFill>
+                  </a:tcPr>
+                </a:tc>
+                <a:tc>
+                  <a:txBody>
+                    <a:bodyPr/>
+                    <a:lstStyle/>
+                    <a:p>
+                      <a:pPr latinLnBrk="1"/>
+                      <a:endParaRPr lang="ko-KR" altLang="en-US" dirty="0">
+                        <a:solidFill>
+                          <a:schemeClr val="tx1"/>
+                        </a:solidFill>
+                      </a:endParaRPr>
+                    </a:p>
+                  </a:txBody>
+                  <a:tcPr>
+                    <a:lnL w="12700" cap="flat" cmpd="sng" algn="ctr">
+                      <a:solidFill>
+                        <a:schemeClr val="tx1"/>
+                      </a:solidFill>
+                      <a:prstDash val="solid"/>
+                      <a:round/>
+                      <a:headEnd type="none" w="med" len="med"/>
+                      <a:tailEnd type="none" w="med" len="med"/>
+                    </a:lnL>
+                    <a:lnR w="12700" cap="flat" cmpd="sng" algn="ctr">
+                      <a:solidFill>
+                        <a:schemeClr val="tx1"/>
+                      </a:solidFill>
+                      <a:prstDash val="solid"/>
+                      <a:round/>
+                      <a:headEnd type="none" w="med" len="med"/>
+                      <a:tailEnd type="none" w="med" len="med"/>
+                    </a:lnR>
+                    <a:lnT w="12700" cap="flat" cmpd="sng" algn="ctr">
+                      <a:solidFill>
+                        <a:schemeClr val="tx1"/>
+                      </a:solidFill>
+                      <a:prstDash val="solid"/>
+                      <a:round/>
+                      <a:headEnd type="none" w="med" len="med"/>
+                      <a:tailEnd type="none" w="med" len="med"/>
+                    </a:lnT>
+                    <a:lnB w="12700" cap="flat" cmpd="sng" algn="ctr">
+                      <a:solidFill>
+                        <a:schemeClr val="tx1"/>
+                      </a:solidFill>
+                      <a:prstDash val="solid"/>
+                      <a:round/>
+                      <a:headEnd type="none" w="med" len="med"/>
+                      <a:tailEnd type="none" w="med" len="med"/>
+                    </a:lnB>
+                    <a:solidFill>
+                      <a:schemeClr val="bg1"/>
+                    </a:solidFill>
+                  </a:tcPr>
+                </a:tc>
+                <a:tc>
+                  <a:txBody>
+                    <a:bodyPr/>
+                    <a:lstStyle/>
+                    <a:p>
+                      <a:pPr latinLnBrk="1"/>
+                      <a:endParaRPr lang="ko-KR" altLang="en-US" dirty="0">
+                        <a:solidFill>
+                          <a:schemeClr val="tx1"/>
+                        </a:solidFill>
+                      </a:endParaRPr>
+                    </a:p>
+                  </a:txBody>
+                  <a:tcPr>
+                    <a:lnL w="12700" cap="flat" cmpd="sng" algn="ctr">
+                      <a:solidFill>
+                        <a:schemeClr val="tx1"/>
+                      </a:solidFill>
+                      <a:prstDash val="solid"/>
+                      <a:round/>
+                      <a:headEnd type="none" w="med" len="med"/>
+                      <a:tailEnd type="none" w="med" len="med"/>
+                    </a:lnL>
+                    <a:lnR w="12700" cap="flat" cmpd="sng" algn="ctr">
+                      <a:solidFill>
+                        <a:schemeClr val="tx1"/>
+                      </a:solidFill>
+                      <a:prstDash val="solid"/>
+                      <a:round/>
+                      <a:headEnd type="none" w="med" len="med"/>
+                      <a:tailEnd type="none" w="med" len="med"/>
+                    </a:lnR>
+                    <a:lnT w="12700" cap="flat" cmpd="sng" algn="ctr">
+                      <a:solidFill>
+                        <a:schemeClr val="tx1"/>
+                      </a:solidFill>
+                      <a:prstDash val="solid"/>
+                      <a:round/>
+                      <a:headEnd type="none" w="med" len="med"/>
+                      <a:tailEnd type="none" w="med" len="med"/>
+                    </a:lnT>
+                    <a:lnB w="12700" cap="flat" cmpd="sng" algn="ctr">
+                      <a:solidFill>
+                        <a:schemeClr val="tx1"/>
+                      </a:solidFill>
+                      <a:prstDash val="solid"/>
+                      <a:round/>
+                      <a:headEnd type="none" w="med" len="med"/>
+                      <a:tailEnd type="none" w="med" len="med"/>
+                    </a:lnB>
+                    <a:solidFill>
+                      <a:schemeClr val="bg1"/>
+                    </a:solidFill>
+                  </a:tcPr>
+                </a:tc>
+                <a:extLst>
+                  <a:ext uri="{0D108BD9-81ED-4DB2-BD59-A6C34878D82A}">
+                    <a16:rowId xmlns:a16="http://schemas.microsoft.com/office/drawing/2014/main" val="2183773304"/>
+                  </a:ext>
+                </a:extLst>
+              </a:tr>
+              <a:tr h="370840">
+                <a:tc>
+                  <a:txBody>
+                    <a:bodyPr/>
+                    <a:lstStyle/>
+                    <a:p>
+                      <a:pPr algn="ctr" latinLnBrk="1"/>
+                      <a:endParaRPr lang="ko-KR" altLang="en-US" dirty="0">
+                        <a:solidFill>
+                          <a:schemeClr val="tx1"/>
+                        </a:solidFill>
+                      </a:endParaRPr>
+                    </a:p>
+                  </a:txBody>
+                  <a:tcPr>
+                    <a:lnL w="12700" cap="flat" cmpd="sng" algn="ctr">
+                      <a:solidFill>
+                        <a:schemeClr val="tx1"/>
+                      </a:solidFill>
+                      <a:prstDash val="solid"/>
+                      <a:round/>
+                      <a:headEnd type="none" w="med" len="med"/>
+                      <a:tailEnd type="none" w="med" len="med"/>
+                    </a:lnL>
+                    <a:lnR w="12700" cap="flat" cmpd="sng" algn="ctr">
+                      <a:solidFill>
+                        <a:schemeClr val="tx1"/>
+                      </a:solidFill>
+                      <a:prstDash val="solid"/>
+                      <a:round/>
+                      <a:headEnd type="none" w="med" len="med"/>
+                      <a:tailEnd type="none" w="med" len="med"/>
+                    </a:lnR>
+                    <a:lnT w="12700" cap="flat" cmpd="sng" algn="ctr">
+                      <a:solidFill>
+                        <a:schemeClr val="tx1"/>
+                      </a:solidFill>
+                      <a:prstDash val="solid"/>
+                      <a:round/>
+                      <a:headEnd type="none" w="med" len="med"/>
+                      <a:tailEnd type="none" w="med" len="med"/>
+                    </a:lnT>
+                    <a:lnB w="12700" cap="flat" cmpd="sng" algn="ctr">
+                      <a:solidFill>
+                        <a:schemeClr val="tx1"/>
+                      </a:solidFill>
+                      <a:prstDash val="solid"/>
+                      <a:round/>
+                      <a:headEnd type="none" w="med" len="med"/>
+                      <a:tailEnd type="none" w="med" len="med"/>
+                    </a:lnB>
+                    <a:solidFill>
+                      <a:schemeClr val="accent4">
+                        <a:lumMod val="20000"/>
+                        <a:lumOff val="80000"/>
+                      </a:schemeClr>
+                    </a:solidFill>
+                  </a:tcPr>
+                </a:tc>
+                <a:tc>
+                  <a:txBody>
+                    <a:bodyPr/>
+                    <a:lstStyle/>
+                    <a:p>
+                      <a:pPr latinLnBrk="1"/>
+                      <a:endParaRPr lang="ko-KR" altLang="en-US" dirty="0">
+                        <a:solidFill>
+                          <a:schemeClr val="tx1"/>
+                        </a:solidFill>
+                      </a:endParaRPr>
+                    </a:p>
+                  </a:txBody>
+                  <a:tcPr>
+                    <a:lnL w="12700" cap="flat" cmpd="sng" algn="ctr">
+                      <a:solidFill>
+                        <a:schemeClr val="tx1"/>
+                      </a:solidFill>
+                      <a:prstDash val="solid"/>
+                      <a:round/>
+                      <a:headEnd type="none" w="med" len="med"/>
+                      <a:tailEnd type="none" w="med" len="med"/>
+                    </a:lnL>
+                    <a:lnR w="12700" cap="flat" cmpd="sng" algn="ctr">
+                      <a:solidFill>
+                        <a:schemeClr val="tx1"/>
+                      </a:solidFill>
+                      <a:prstDash val="solid"/>
+                      <a:round/>
+                      <a:headEnd type="none" w="med" len="med"/>
+                      <a:tailEnd type="none" w="med" len="med"/>
+                    </a:lnR>
+                    <a:lnT w="12700" cap="flat" cmpd="sng" algn="ctr">
+                      <a:solidFill>
+                        <a:schemeClr val="tx1"/>
+                      </a:solidFill>
+                      <a:prstDash val="solid"/>
+                      <a:round/>
+                      <a:headEnd type="none" w="med" len="med"/>
+                      <a:tailEnd type="none" w="med" len="med"/>
+                    </a:lnT>
+                    <a:lnB w="12700" cap="flat" cmpd="sng" algn="ctr">
+                      <a:solidFill>
+                        <a:schemeClr val="tx1"/>
+                      </a:solidFill>
+                      <a:prstDash val="solid"/>
+                      <a:round/>
+                      <a:headEnd type="none" w="med" len="med"/>
+                      <a:tailEnd type="none" w="med" len="med"/>
+                    </a:lnB>
+                    <a:solidFill>
+                      <a:schemeClr val="bg1"/>
+                    </a:solidFill>
+                  </a:tcPr>
+                </a:tc>
+                <a:tc>
+                  <a:txBody>
+                    <a:bodyPr/>
+                    <a:lstStyle/>
+                    <a:p>
+                      <a:pPr latinLnBrk="1"/>
+                      <a:endParaRPr lang="ko-KR" altLang="en-US" dirty="0">
+                        <a:solidFill>
+                          <a:schemeClr val="tx1"/>
+                        </a:solidFill>
+                      </a:endParaRPr>
+                    </a:p>
+                  </a:txBody>
+                  <a:tcPr>
+                    <a:lnL w="12700" cap="flat" cmpd="sng" algn="ctr">
+                      <a:solidFill>
+                        <a:schemeClr val="tx1"/>
+                      </a:solidFill>
+                      <a:prstDash val="solid"/>
+                      <a:round/>
+                      <a:headEnd type="none" w="med" len="med"/>
+                      <a:tailEnd type="none" w="med" len="med"/>
+                    </a:lnL>
+                    <a:lnR w="12700" cap="flat" cmpd="sng" algn="ctr">
+                      <a:solidFill>
+                        <a:schemeClr val="tx1"/>
+                      </a:solidFill>
+                      <a:prstDash val="solid"/>
+                      <a:round/>
+                      <a:headEnd type="none" w="med" len="med"/>
+                      <a:tailEnd type="none" w="med" len="med"/>
+                    </a:lnR>
+                    <a:lnT w="12700" cap="flat" cmpd="sng" algn="ctr">
+                      <a:solidFill>
+                        <a:schemeClr val="tx1"/>
+                      </a:solidFill>
+                      <a:prstDash val="solid"/>
+                      <a:round/>
+                      <a:headEnd type="none" w="med" len="med"/>
+                      <a:tailEnd type="none" w="med" len="med"/>
+                    </a:lnT>
+                    <a:lnB w="12700" cap="flat" cmpd="sng" algn="ctr">
+                      <a:solidFill>
+                        <a:schemeClr val="tx1"/>
+                      </a:solidFill>
+                      <a:prstDash val="solid"/>
+                      <a:round/>
+                      <a:headEnd type="none" w="med" len="med"/>
+                      <a:tailEnd type="none" w="med" len="med"/>
+                    </a:lnB>
+                    <a:solidFill>
+                      <a:schemeClr val="bg1"/>
+                    </a:solidFill>
+                  </a:tcPr>
+                </a:tc>
+                <a:extLst>
+                  <a:ext uri="{0D108BD9-81ED-4DB2-BD59-A6C34878D82A}">
+                    <a16:rowId xmlns:a16="http://schemas.microsoft.com/office/drawing/2014/main" val="2657461998"/>
+                  </a:ext>
+                </a:extLst>
+              </a:tr>
+              <a:tr h="370840">
+                <a:tc>
+                  <a:txBody>
+                    <a:bodyPr/>
+                    <a:lstStyle/>
+                    <a:p>
+                      <a:pPr algn="ctr" latinLnBrk="1"/>
+                      <a:endParaRPr lang="ko-KR" altLang="en-US" dirty="0">
+                        <a:solidFill>
+                          <a:schemeClr val="tx1"/>
+                        </a:solidFill>
+                      </a:endParaRPr>
+                    </a:p>
+                  </a:txBody>
+                  <a:tcPr>
+                    <a:lnL w="12700" cap="flat" cmpd="sng" algn="ctr">
+                      <a:solidFill>
+                        <a:schemeClr val="tx1"/>
+                      </a:solidFill>
+                      <a:prstDash val="solid"/>
+                      <a:round/>
+                      <a:headEnd type="none" w="med" len="med"/>
+                      <a:tailEnd type="none" w="med" len="med"/>
+                    </a:lnL>
+                    <a:lnR w="12700" cap="flat" cmpd="sng" algn="ctr">
+                      <a:solidFill>
+                        <a:schemeClr val="tx1"/>
+                      </a:solidFill>
+                      <a:prstDash val="solid"/>
+                      <a:round/>
+                      <a:headEnd type="none" w="med" len="med"/>
+                      <a:tailEnd type="none" w="med" len="med"/>
+                    </a:lnR>
+                    <a:lnT w="12700" cap="flat" cmpd="sng" algn="ctr">
+                      <a:solidFill>
+                        <a:schemeClr val="tx1"/>
+                      </a:solidFill>
+                      <a:prstDash val="solid"/>
+                      <a:round/>
+                      <a:headEnd type="none" w="med" len="med"/>
+                      <a:tailEnd type="none" w="med" len="med"/>
+                    </a:lnT>
+                    <a:lnB w="12700" cap="flat" cmpd="sng" algn="ctr">
+                      <a:solidFill>
+                        <a:schemeClr val="tx1"/>
+                      </a:solidFill>
+                      <a:prstDash val="solid"/>
+                      <a:round/>
+                      <a:headEnd type="none" w="med" len="med"/>
+                      <a:tailEnd type="none" w="med" len="med"/>
+                    </a:lnB>
+                    <a:solidFill>
+                      <a:schemeClr val="accent4">
+                        <a:lumMod val="20000"/>
+                        <a:lumOff val="80000"/>
+                      </a:schemeClr>
+                    </a:solidFill>
+                  </a:tcPr>
+                </a:tc>
+                <a:tc>
+                  <a:txBody>
+                    <a:bodyPr/>
+                    <a:lstStyle/>
+                    <a:p>
+                      <a:pPr latinLnBrk="1"/>
+                      <a:endParaRPr lang="ko-KR" altLang="en-US" dirty="0">
+                        <a:solidFill>
+                          <a:schemeClr val="tx1"/>
+                        </a:solidFill>
+                      </a:endParaRPr>
+                    </a:p>
+                  </a:txBody>
+                  <a:tcPr>
+                    <a:lnL w="12700" cap="flat" cmpd="sng" algn="ctr">
+                      <a:solidFill>
+                        <a:schemeClr val="tx1"/>
+                      </a:solidFill>
+                      <a:prstDash val="solid"/>
+                      <a:round/>
+                      <a:headEnd type="none" w="med" len="med"/>
+                      <a:tailEnd type="none" w="med" len="med"/>
+                    </a:lnL>
+                    <a:lnR w="12700" cap="flat" cmpd="sng" algn="ctr">
+                      <a:solidFill>
+                        <a:schemeClr val="tx1"/>
+                      </a:solidFill>
+                      <a:prstDash val="solid"/>
+                      <a:round/>
+                      <a:headEnd type="none" w="med" len="med"/>
+                      <a:tailEnd type="none" w="med" len="med"/>
+                    </a:lnR>
+                    <a:lnT w="12700" cap="flat" cmpd="sng" algn="ctr">
+                      <a:solidFill>
+                        <a:schemeClr val="tx1"/>
+                      </a:solidFill>
+                      <a:prstDash val="solid"/>
+                      <a:round/>
+                      <a:headEnd type="none" w="med" len="med"/>
+                      <a:tailEnd type="none" w="med" len="med"/>
+                    </a:lnT>
+                    <a:lnB w="12700" cap="flat" cmpd="sng" algn="ctr">
+                      <a:solidFill>
+                        <a:schemeClr val="tx1"/>
+                      </a:solidFill>
+                      <a:prstDash val="solid"/>
+                      <a:round/>
+                      <a:headEnd type="none" w="med" len="med"/>
+                      <a:tailEnd type="none" w="med" len="med"/>
+                    </a:lnB>
+                    <a:solidFill>
+                      <a:schemeClr val="bg1"/>
+                    </a:solidFill>
+                  </a:tcPr>
+                </a:tc>
+                <a:tc>
+                  <a:txBody>
+                    <a:bodyPr/>
+                    <a:lstStyle/>
+                    <a:p>
+                      <a:pPr latinLnBrk="1"/>
+                      <a:endParaRPr lang="ko-KR" altLang="en-US" dirty="0">
+                        <a:solidFill>
+                          <a:schemeClr val="tx1"/>
+                        </a:solidFill>
+                      </a:endParaRPr>
+                    </a:p>
+                  </a:txBody>
+                  <a:tcPr>
+                    <a:lnL w="12700" cap="flat" cmpd="sng" algn="ctr">
+                      <a:solidFill>
+                        <a:schemeClr val="tx1"/>
+                      </a:solidFill>
+                      <a:prstDash val="solid"/>
+                      <a:round/>
+                      <a:headEnd type="none" w="med" len="med"/>
+                      <a:tailEnd type="none" w="med" len="med"/>
+                    </a:lnL>
+                    <a:lnR w="12700" cap="flat" cmpd="sng" algn="ctr">
+                      <a:solidFill>
+                        <a:schemeClr val="tx1"/>
+                      </a:solidFill>
+                      <a:prstDash val="solid"/>
+                      <a:round/>
+                      <a:headEnd type="none" w="med" len="med"/>
+                      <a:tailEnd type="none" w="med" len="med"/>
+                    </a:lnR>
+                    <a:lnT w="12700" cap="flat" cmpd="sng" algn="ctr">
+                      <a:solidFill>
+                        <a:schemeClr val="tx1"/>
+                      </a:solidFill>
+                      <a:prstDash val="solid"/>
+                      <a:round/>
+                      <a:headEnd type="none" w="med" len="med"/>
+                      <a:tailEnd type="none" w="med" len="med"/>
+                    </a:lnT>
+                    <a:lnB w="12700" cap="flat" cmpd="sng" algn="ctr">
+                      <a:solidFill>
+                        <a:schemeClr val="tx1"/>
+                      </a:solidFill>
+                      <a:prstDash val="solid"/>
+                      <a:round/>
+                      <a:headEnd type="none" w="med" len="med"/>
+                      <a:tailEnd type="none" w="med" len="med"/>
+                    </a:lnB>
+                    <a:solidFill>
+                      <a:schemeClr val="bg1"/>
+                    </a:solidFill>
+                  </a:tcPr>
+                </a:tc>
+                <a:extLst>
+                  <a:ext uri="{0D108BD9-81ED-4DB2-BD59-A6C34878D82A}">
+                    <a16:rowId xmlns:a16="http://schemas.microsoft.com/office/drawing/2014/main" val="413906600"/>
+                  </a:ext>
+                </a:extLst>
+              </a:tr>
+              <a:tr h="370840">
+                <a:tc>
+                  <a:txBody>
+                    <a:bodyPr/>
+                    <a:lstStyle/>
+                    <a:p>
+                      <a:pPr algn="ctr" latinLnBrk="1"/>
+                      <a:endParaRPr lang="ko-KR" altLang="en-US" dirty="0">
+                        <a:solidFill>
+                          <a:schemeClr val="tx1"/>
+                        </a:solidFill>
+                      </a:endParaRPr>
+                    </a:p>
+                  </a:txBody>
+                  <a:tcPr>
+                    <a:lnL w="12700" cap="flat" cmpd="sng" algn="ctr">
+                      <a:solidFill>
+                        <a:schemeClr val="tx1"/>
+                      </a:solidFill>
+                      <a:prstDash val="solid"/>
+                      <a:round/>
+                      <a:headEnd type="none" w="med" len="med"/>
+                      <a:tailEnd type="none" w="med" len="med"/>
+                    </a:lnL>
+                    <a:lnR w="12700" cap="flat" cmpd="sng" algn="ctr">
+                      <a:solidFill>
+                        <a:schemeClr val="tx1"/>
+                      </a:solidFill>
+                      <a:prstDash val="solid"/>
+                      <a:round/>
+                      <a:headEnd type="none" w="med" len="med"/>
+                      <a:tailEnd type="none" w="med" len="med"/>
+                    </a:lnR>
+                    <a:lnT w="12700" cap="flat" cmpd="sng" algn="ctr">
+                      <a:solidFill>
+                        <a:schemeClr val="tx1"/>
+                      </a:solidFill>
+                      <a:prstDash val="solid"/>
+                      <a:round/>
+                      <a:headEnd type="none" w="med" len="med"/>
+                      <a:tailEnd type="none" w="med" len="med"/>
+                    </a:lnT>
+                    <a:lnB w="12700" cap="flat" cmpd="sng" algn="ctr">
+                      <a:solidFill>
+                        <a:schemeClr val="tx1"/>
+                      </a:solidFill>
+                      <a:prstDash val="solid"/>
+                      <a:round/>
+                      <a:headEnd type="none" w="med" len="med"/>
+                      <a:tailEnd type="none" w="med" len="med"/>
+                    </a:lnB>
+                    <a:solidFill>
+                      <a:schemeClr val="accent4">
+                        <a:lumMod val="20000"/>
+                        <a:lumOff val="80000"/>
+                      </a:schemeClr>
+                    </a:solidFill>
+                  </a:tcPr>
+                </a:tc>
+                <a:tc>
+                  <a:txBody>
+                    <a:bodyPr/>
+                    <a:lstStyle/>
+                    <a:p>
+                      <a:pPr latinLnBrk="1"/>
+                      <a:endParaRPr lang="ko-KR" altLang="en-US" dirty="0">
+                        <a:solidFill>
+                          <a:schemeClr val="tx1"/>
+                        </a:solidFill>
+                      </a:endParaRPr>
+                    </a:p>
+                  </a:txBody>
+                  <a:tcPr>
+                    <a:lnL w="12700" cap="flat" cmpd="sng" algn="ctr">
+                      <a:solidFill>
+                        <a:schemeClr val="tx1"/>
+                      </a:solidFill>
+                      <a:prstDash val="solid"/>
+                      <a:round/>
+                      <a:headEnd type="none" w="med" len="med"/>
+                      <a:tailEnd type="none" w="med" len="med"/>
+                    </a:lnL>
+                    <a:lnR w="12700" cap="flat" cmpd="sng" algn="ctr">
+                      <a:solidFill>
+                        <a:schemeClr val="tx1"/>
+                      </a:solidFill>
+                      <a:prstDash val="solid"/>
+                      <a:round/>
+                      <a:headEnd type="none" w="med" len="med"/>
+                      <a:tailEnd type="none" w="med" len="med"/>
+                    </a:lnR>
+                    <a:lnT w="12700" cap="flat" cmpd="sng" algn="ctr">
+                      <a:solidFill>
+                        <a:schemeClr val="tx1"/>
+                      </a:solidFill>
+                      <a:prstDash val="solid"/>
+                      <a:round/>
+                      <a:headEnd type="none" w="med" len="med"/>
+                      <a:tailEnd type="none" w="med" len="med"/>
+                    </a:lnT>
+                    <a:lnB w="12700" cap="flat" cmpd="sng" algn="ctr">
+                      <a:solidFill>
+                        <a:schemeClr val="tx1"/>
+                      </a:solidFill>
+                      <a:prstDash val="solid"/>
+                      <a:round/>
+                      <a:headEnd type="none" w="med" len="med"/>
+                      <a:tailEnd type="none" w="med" len="med"/>
+                    </a:lnB>
+                    <a:solidFill>
+                      <a:schemeClr val="bg1"/>
+                    </a:solidFill>
+                  </a:tcPr>
+                </a:tc>
+                <a:tc>
+                  <a:txBody>
+                    <a:bodyPr/>
+                    <a:lstStyle/>
+                    <a:p>
+                      <a:pPr latinLnBrk="1"/>
+                      <a:endParaRPr lang="ko-KR" altLang="en-US" dirty="0">
+                        <a:solidFill>
+                          <a:schemeClr val="tx1"/>
+                        </a:solidFill>
+                      </a:endParaRPr>
+                    </a:p>
+                  </a:txBody>
+                  <a:tcPr>
+                    <a:lnL w="12700" cap="flat" cmpd="sng" algn="ctr">
+                      <a:solidFill>
+                        <a:schemeClr val="tx1"/>
+                      </a:solidFill>
+                      <a:prstDash val="solid"/>
+                      <a:round/>
+                      <a:headEnd type="none" w="med" len="med"/>
+                      <a:tailEnd type="none" w="med" len="med"/>
+                    </a:lnL>
+                    <a:lnR w="12700" cap="flat" cmpd="sng" algn="ctr">
+                      <a:solidFill>
+                        <a:schemeClr val="tx1"/>
+                      </a:solidFill>
+                      <a:prstDash val="solid"/>
+                      <a:round/>
+                      <a:headEnd type="none" w="med" len="med"/>
+                      <a:tailEnd type="none" w="med" len="med"/>
+                    </a:lnR>
+                    <a:lnT w="12700" cap="flat" cmpd="sng" algn="ctr">
+                      <a:solidFill>
+                        <a:schemeClr val="tx1"/>
+                      </a:solidFill>
+                      <a:prstDash val="solid"/>
+                      <a:round/>
+                      <a:headEnd type="none" w="med" len="med"/>
+                      <a:tailEnd type="none" w="med" len="med"/>
+                    </a:lnT>
+                    <a:lnB w="12700" cap="flat" cmpd="sng" algn="ctr">
+                      <a:solidFill>
+                        <a:schemeClr val="tx1"/>
+                      </a:solidFill>
+                      <a:prstDash val="solid"/>
+                      <a:round/>
+                      <a:headEnd type="none" w="med" len="med"/>
+                      <a:tailEnd type="none" w="med" len="med"/>
+                    </a:lnB>
+                    <a:solidFill>
+                      <a:schemeClr val="bg1"/>
+                    </a:solidFill>
+                  </a:tcPr>
+                </a:tc>
+                <a:extLst>
+                  <a:ext uri="{0D108BD9-81ED-4DB2-BD59-A6C34878D82A}">
+                    <a16:rowId xmlns:a16="http://schemas.microsoft.com/office/drawing/2014/main" val="3283850315"/>
+                  </a:ext>
+                </a:extLst>
+              </a:tr>
+              <a:tr h="370840">
+                <a:tc>
+                  <a:txBody>
+                    <a:bodyPr/>
+                    <a:lstStyle/>
+                    <a:p>
+                      <a:pPr algn="ctr" latinLnBrk="1"/>
+                      <a:endParaRPr lang="ko-KR" altLang="en-US" dirty="0">
+                        <a:solidFill>
+                          <a:schemeClr val="tx1"/>
+                        </a:solidFill>
+                      </a:endParaRPr>
+                    </a:p>
+                  </a:txBody>
+                  <a:tcPr>
+                    <a:lnL w="12700" cap="flat" cmpd="sng" algn="ctr">
+                      <a:solidFill>
+                        <a:schemeClr val="tx1"/>
+                      </a:solidFill>
+                      <a:prstDash val="solid"/>
+                      <a:round/>
+                      <a:headEnd type="none" w="med" len="med"/>
+                      <a:tailEnd type="none" w="med" len="med"/>
+                    </a:lnL>
+                    <a:lnR w="12700" cap="flat" cmpd="sng" algn="ctr">
+                      <a:solidFill>
+                        <a:schemeClr val="tx1"/>
+                      </a:solidFill>
+                      <a:prstDash val="solid"/>
+                      <a:round/>
+                      <a:headEnd type="none" w="med" len="med"/>
+                      <a:tailEnd type="none" w="med" len="med"/>
+                    </a:lnR>
+                    <a:lnT w="12700" cap="flat" cmpd="sng" algn="ctr">
+                      <a:solidFill>
+                        <a:schemeClr val="tx1"/>
+                      </a:solidFill>
+                      <a:prstDash val="solid"/>
+                      <a:round/>
+                      <a:headEnd type="none" w="med" len="med"/>
+                      <a:tailEnd type="none" w="med" len="med"/>
+                    </a:lnT>
+                    <a:lnB w="12700" cap="flat" cmpd="sng" algn="ctr">
+                      <a:solidFill>
+                        <a:schemeClr val="tx1"/>
+                      </a:solidFill>
+                      <a:prstDash val="solid"/>
+                      <a:round/>
+                      <a:headEnd type="none" w="med" len="med"/>
+                      <a:tailEnd type="none" w="med" len="med"/>
+                    </a:lnB>
+                    <a:solidFill>
+                      <a:schemeClr val="accent1">
+                        <a:lumMod val="60000"/>
+                        <a:lumOff val="40000"/>
+                      </a:schemeClr>
+                    </a:solidFill>
+                  </a:tcPr>
+                </a:tc>
+                <a:tc>
+                  <a:txBody>
+                    <a:bodyPr/>
+                    <a:lstStyle/>
+                    <a:p>
+                      <a:pPr latinLnBrk="1"/>
+                      <a:endParaRPr lang="ko-KR" altLang="en-US" dirty="0">
+                        <a:solidFill>
+                          <a:schemeClr val="tx1"/>
+                        </a:solidFill>
+                      </a:endParaRPr>
+                    </a:p>
+                  </a:txBody>
+                  <a:tcPr>
+                    <a:lnL w="12700" cap="flat" cmpd="sng" algn="ctr">
+                      <a:solidFill>
+                        <a:schemeClr val="tx1"/>
+                      </a:solidFill>
+                      <a:prstDash val="solid"/>
+                      <a:round/>
+                      <a:headEnd type="none" w="med" len="med"/>
+                      <a:tailEnd type="none" w="med" len="med"/>
+                    </a:lnL>
+                    <a:lnR w="12700" cap="flat" cmpd="sng" algn="ctr">
+                      <a:solidFill>
+                        <a:schemeClr val="tx1"/>
+                      </a:solidFill>
+                      <a:prstDash val="solid"/>
+                      <a:round/>
+                      <a:headEnd type="none" w="med" len="med"/>
+                      <a:tailEnd type="none" w="med" len="med"/>
+                    </a:lnR>
+                    <a:lnT w="12700" cap="flat" cmpd="sng" algn="ctr">
+                      <a:solidFill>
+                        <a:schemeClr val="tx1"/>
+                      </a:solidFill>
+                      <a:prstDash val="solid"/>
+                      <a:round/>
+                      <a:headEnd type="none" w="med" len="med"/>
+                      <a:tailEnd type="none" w="med" len="med"/>
+                    </a:lnT>
+                    <a:lnB w="12700" cap="flat" cmpd="sng" algn="ctr">
+                      <a:solidFill>
+                        <a:schemeClr val="tx1"/>
+                      </a:solidFill>
+                      <a:prstDash val="solid"/>
+                      <a:round/>
+                      <a:headEnd type="none" w="med" len="med"/>
+                      <a:tailEnd type="none" w="med" len="med"/>
+                    </a:lnB>
+                    <a:solidFill>
+                      <a:schemeClr val="bg1"/>
+                    </a:solidFill>
+                  </a:tcPr>
+                </a:tc>
+                <a:tc>
+                  <a:txBody>
+                    <a:bodyPr/>
+                    <a:lstStyle/>
+                    <a:p>
+                      <a:pPr latinLnBrk="1"/>
+                      <a:endParaRPr lang="ko-KR" altLang="en-US" dirty="0">
+                        <a:solidFill>
+                          <a:schemeClr val="tx1"/>
+                        </a:solidFill>
+                      </a:endParaRPr>
+                    </a:p>
+                  </a:txBody>
+                  <a:tcPr>
+                    <a:lnL w="12700" cap="flat" cmpd="sng" algn="ctr">
+                      <a:solidFill>
+                        <a:schemeClr val="tx1"/>
+                      </a:solidFill>
+                      <a:prstDash val="solid"/>
+                      <a:round/>
+                      <a:headEnd type="none" w="med" len="med"/>
+                      <a:tailEnd type="none" w="med" len="med"/>
+                    </a:lnL>
+                    <a:lnR w="12700" cap="flat" cmpd="sng" algn="ctr">
+                      <a:solidFill>
+                        <a:schemeClr val="tx1"/>
+                      </a:solidFill>
+                      <a:prstDash val="solid"/>
+                      <a:round/>
+                      <a:headEnd type="none" w="med" len="med"/>
+                      <a:tailEnd type="none" w="med" len="med"/>
+                    </a:lnR>
+                    <a:lnT w="12700" cap="flat" cmpd="sng" algn="ctr">
+                      <a:solidFill>
+                        <a:schemeClr val="tx1"/>
+                      </a:solidFill>
+                      <a:prstDash val="solid"/>
+                      <a:round/>
+                      <a:headEnd type="none" w="med" len="med"/>
+                      <a:tailEnd type="none" w="med" len="med"/>
+                    </a:lnT>
+                    <a:lnB w="12700" cap="flat" cmpd="sng" algn="ctr">
+                      <a:solidFill>
+                        <a:schemeClr val="tx1"/>
+                      </a:solidFill>
+                      <a:prstDash val="solid"/>
+                      <a:round/>
+                      <a:headEnd type="none" w="med" len="med"/>
+                      <a:tailEnd type="none" w="med" len="med"/>
+                    </a:lnB>
+                    <a:solidFill>
+                      <a:schemeClr val="bg1"/>
+                    </a:solidFill>
+                  </a:tcPr>
+                </a:tc>
+                <a:extLst>
+                  <a:ext uri="{0D108BD9-81ED-4DB2-BD59-A6C34878D82A}">
+                    <a16:rowId xmlns:a16="http://schemas.microsoft.com/office/drawing/2014/main" val="115049388"/>
+                  </a:ext>
+                </a:extLst>
+              </a:tr>
+              <a:tr h="370840">
+                <a:tc>
+                  <a:txBody>
+                    <a:bodyPr/>
+                    <a:lstStyle/>
+                    <a:p>
+                      <a:pPr algn="ctr" latinLnBrk="1"/>
+                      <a:endParaRPr lang="ko-KR" altLang="en-US" dirty="0">
+                        <a:solidFill>
+                          <a:schemeClr val="tx1"/>
+                        </a:solidFill>
+                      </a:endParaRPr>
+                    </a:p>
+                  </a:txBody>
+                  <a:tcPr>
+                    <a:lnL w="12700" cap="flat" cmpd="sng" algn="ctr">
+                      <a:solidFill>
+                        <a:schemeClr val="tx1"/>
+                      </a:solidFill>
+                      <a:prstDash val="solid"/>
+                      <a:round/>
+                      <a:headEnd type="none" w="med" len="med"/>
+                      <a:tailEnd type="none" w="med" len="med"/>
+                    </a:lnL>
+                    <a:lnR w="12700" cap="flat" cmpd="sng" algn="ctr">
+                      <a:solidFill>
+                        <a:schemeClr val="tx1"/>
+                      </a:solidFill>
+                      <a:prstDash val="solid"/>
+                      <a:round/>
+                      <a:headEnd type="none" w="med" len="med"/>
+                      <a:tailEnd type="none" w="med" len="med"/>
+                    </a:lnR>
+                    <a:lnT w="12700" cap="flat" cmpd="sng" algn="ctr">
+                      <a:solidFill>
+                        <a:schemeClr val="tx1"/>
+                      </a:solidFill>
+                      <a:prstDash val="solid"/>
+                      <a:round/>
+                      <a:headEnd type="none" w="med" len="med"/>
+                      <a:tailEnd type="none" w="med" len="med"/>
+                    </a:lnT>
+                    <a:lnB w="12700" cap="flat" cmpd="sng" algn="ctr">
+                      <a:solidFill>
+                        <a:schemeClr val="tx1"/>
+                      </a:solidFill>
+                      <a:prstDash val="solid"/>
+                      <a:round/>
+                      <a:headEnd type="none" w="med" len="med"/>
+                      <a:tailEnd type="none" w="med" len="med"/>
+                    </a:lnB>
+                    <a:solidFill>
+                      <a:schemeClr val="accent1">
+                        <a:lumMod val="60000"/>
+                        <a:lumOff val="40000"/>
+                      </a:schemeClr>
+                    </a:solidFill>
+                  </a:tcPr>
+                </a:tc>
+                <a:tc>
+                  <a:txBody>
+                    <a:bodyPr/>
+                    <a:lstStyle/>
+                    <a:p>
+                      <a:pPr latinLnBrk="1"/>
+                      <a:endParaRPr lang="ko-KR" altLang="en-US" dirty="0">
+                        <a:solidFill>
+                          <a:schemeClr val="tx1"/>
+                        </a:solidFill>
+                      </a:endParaRPr>
+                    </a:p>
+                  </a:txBody>
+                  <a:tcPr>
+                    <a:lnL w="12700" cap="flat" cmpd="sng" algn="ctr">
+                      <a:solidFill>
+                        <a:schemeClr val="tx1"/>
+                      </a:solidFill>
+                      <a:prstDash val="solid"/>
+                      <a:round/>
+                      <a:headEnd type="none" w="med" len="med"/>
+                      <a:tailEnd type="none" w="med" len="med"/>
+                    </a:lnL>
+                    <a:lnR w="12700" cap="flat" cmpd="sng" algn="ctr">
+                      <a:solidFill>
+                        <a:schemeClr val="tx1"/>
+                      </a:solidFill>
+                      <a:prstDash val="solid"/>
+                      <a:round/>
+                      <a:headEnd type="none" w="med" len="med"/>
+                      <a:tailEnd type="none" w="med" len="med"/>
+                    </a:lnR>
+                    <a:lnT w="12700" cap="flat" cmpd="sng" algn="ctr">
+                      <a:solidFill>
+                        <a:schemeClr val="tx1"/>
+                      </a:solidFill>
+                      <a:prstDash val="solid"/>
+                      <a:round/>
+                      <a:headEnd type="none" w="med" len="med"/>
+                      <a:tailEnd type="none" w="med" len="med"/>
+                    </a:lnT>
+                    <a:lnB w="12700" cap="flat" cmpd="sng" algn="ctr">
+                      <a:solidFill>
+                        <a:schemeClr val="tx1"/>
+                      </a:solidFill>
+                      <a:prstDash val="solid"/>
+                      <a:round/>
+                      <a:headEnd type="none" w="med" len="med"/>
+                      <a:tailEnd type="none" w="med" len="med"/>
+                    </a:lnB>
+                    <a:solidFill>
+                      <a:schemeClr val="bg1"/>
+                    </a:solidFill>
+                  </a:tcPr>
+                </a:tc>
+                <a:tc>
+                  <a:txBody>
+                    <a:bodyPr/>
+                    <a:lstStyle/>
+                    <a:p>
+                      <a:pPr latinLnBrk="1"/>
+                      <a:endParaRPr lang="ko-KR" altLang="en-US" dirty="0">
+                        <a:solidFill>
+                          <a:schemeClr val="tx1"/>
+                        </a:solidFill>
+                      </a:endParaRPr>
+                    </a:p>
+                  </a:txBody>
+                  <a:tcPr>
+                    <a:lnL w="12700" cap="flat" cmpd="sng" algn="ctr">
+                      <a:solidFill>
+                        <a:schemeClr val="tx1"/>
+                      </a:solidFill>
+                      <a:prstDash val="solid"/>
+                      <a:round/>
+                      <a:headEnd type="none" w="med" len="med"/>
+                      <a:tailEnd type="none" w="med" len="med"/>
+                    </a:lnL>
+                    <a:lnR w="12700" cap="flat" cmpd="sng" algn="ctr">
+                      <a:solidFill>
+                        <a:schemeClr val="tx1"/>
+                      </a:solidFill>
+                      <a:prstDash val="solid"/>
+                      <a:round/>
+                      <a:headEnd type="none" w="med" len="med"/>
+                      <a:tailEnd type="none" w="med" len="med"/>
+                    </a:lnR>
+                    <a:lnT w="12700" cap="flat" cmpd="sng" algn="ctr">
+                      <a:solidFill>
+                        <a:schemeClr val="tx1"/>
+                      </a:solidFill>
+                      <a:prstDash val="solid"/>
+                      <a:round/>
+                      <a:headEnd type="none" w="med" len="med"/>
+                      <a:tailEnd type="none" w="med" len="med"/>
+                    </a:lnT>
+                    <a:lnB w="12700" cap="flat" cmpd="sng" algn="ctr">
+                      <a:solidFill>
+                        <a:schemeClr val="tx1"/>
+                      </a:solidFill>
+                      <a:prstDash val="solid"/>
+                      <a:round/>
+                      <a:headEnd type="none" w="med" len="med"/>
+                      <a:tailEnd type="none" w="med" len="med"/>
+                    </a:lnB>
+                    <a:solidFill>
+                      <a:schemeClr val="bg1"/>
+                    </a:solidFill>
+                  </a:tcPr>
+                </a:tc>
+                <a:extLst>
+                  <a:ext uri="{0D108BD9-81ED-4DB2-BD59-A6C34878D82A}">
+                    <a16:rowId xmlns:a16="http://schemas.microsoft.com/office/drawing/2014/main" val="1482916371"/>
+                  </a:ext>
+                </a:extLst>
+              </a:tr>
+              <a:tr h="370840">
+                <a:tc>
+                  <a:txBody>
+                    <a:bodyPr/>
+                    <a:lstStyle/>
+                    <a:p>
+                      <a:pPr algn="ctr" latinLnBrk="1"/>
+                      <a:endParaRPr lang="ko-KR" altLang="en-US" dirty="0">
+                        <a:solidFill>
+                          <a:schemeClr val="tx1"/>
+                        </a:solidFill>
+                      </a:endParaRPr>
+                    </a:p>
+                  </a:txBody>
+                  <a:tcPr>
+                    <a:lnL w="12700" cap="flat" cmpd="sng" algn="ctr">
+                      <a:solidFill>
+                        <a:schemeClr val="tx1"/>
+                      </a:solidFill>
+                      <a:prstDash val="solid"/>
+                      <a:round/>
+                      <a:headEnd type="none" w="med" len="med"/>
+                      <a:tailEnd type="none" w="med" len="med"/>
+                    </a:lnL>
+                    <a:lnR w="12700" cap="flat" cmpd="sng" algn="ctr">
+                      <a:solidFill>
+                        <a:schemeClr val="tx1"/>
+                      </a:solidFill>
+                      <a:prstDash val="solid"/>
+                      <a:round/>
+                      <a:headEnd type="none" w="med" len="med"/>
+                      <a:tailEnd type="none" w="med" len="med"/>
+                    </a:lnR>
+                    <a:lnT w="12700" cap="flat" cmpd="sng" algn="ctr">
+                      <a:solidFill>
+                        <a:schemeClr val="tx1"/>
+                      </a:solidFill>
+                      <a:prstDash val="solid"/>
+                      <a:round/>
+                      <a:headEnd type="none" w="med" len="med"/>
+                      <a:tailEnd type="none" w="med" len="med"/>
+                    </a:lnT>
+                    <a:lnB w="12700" cap="flat" cmpd="sng" algn="ctr">
+                      <a:solidFill>
+                        <a:schemeClr val="tx1"/>
+                      </a:solidFill>
+                      <a:prstDash val="solid"/>
+                      <a:round/>
+                      <a:headEnd type="none" w="med" len="med"/>
+                      <a:tailEnd type="none" w="med" len="med"/>
+                    </a:lnB>
+                    <a:solidFill>
+                      <a:schemeClr val="accent1">
+                        <a:lumMod val="60000"/>
+                        <a:lumOff val="40000"/>
+                      </a:schemeClr>
+                    </a:solidFill>
+                  </a:tcPr>
+                </a:tc>
+                <a:tc>
+                  <a:txBody>
+                    <a:bodyPr/>
+                    <a:lstStyle/>
+                    <a:p>
+                      <a:pPr latinLnBrk="1"/>
+                      <a:endParaRPr lang="ko-KR" altLang="en-US" dirty="0">
+                        <a:solidFill>
+                          <a:schemeClr val="tx1"/>
+                        </a:solidFill>
+                      </a:endParaRPr>
+                    </a:p>
+                  </a:txBody>
+                  <a:tcPr>
+                    <a:lnL w="12700" cap="flat" cmpd="sng" algn="ctr">
+                      <a:solidFill>
+                        <a:schemeClr val="tx1"/>
+                      </a:solidFill>
+                      <a:prstDash val="solid"/>
+                      <a:round/>
+                      <a:headEnd type="none" w="med" len="med"/>
+                      <a:tailEnd type="none" w="med" len="med"/>
+                    </a:lnL>
+                    <a:lnR w="12700" cap="flat" cmpd="sng" algn="ctr">
+                      <a:solidFill>
+                        <a:schemeClr val="tx1"/>
+                      </a:solidFill>
+                      <a:prstDash val="solid"/>
+                      <a:round/>
+                      <a:headEnd type="none" w="med" len="med"/>
+                      <a:tailEnd type="none" w="med" len="med"/>
+                    </a:lnR>
+                    <a:lnT w="12700" cap="flat" cmpd="sng" algn="ctr">
+                      <a:solidFill>
+                        <a:schemeClr val="tx1"/>
+                      </a:solidFill>
+                      <a:prstDash val="solid"/>
+                      <a:round/>
+                      <a:headEnd type="none" w="med" len="med"/>
+                      <a:tailEnd type="none" w="med" len="med"/>
+                    </a:lnT>
+                    <a:lnB w="12700" cap="flat" cmpd="sng" algn="ctr">
+                      <a:solidFill>
+                        <a:schemeClr val="tx1"/>
+                      </a:solidFill>
+                      <a:prstDash val="solid"/>
+                      <a:round/>
+                      <a:headEnd type="none" w="med" len="med"/>
+                      <a:tailEnd type="none" w="med" len="med"/>
+                    </a:lnB>
+                    <a:solidFill>
+                      <a:schemeClr val="bg1"/>
+                    </a:solidFill>
+                  </a:tcPr>
+                </a:tc>
+                <a:tc>
+                  <a:txBody>
+                    <a:bodyPr/>
+                    <a:lstStyle/>
+                    <a:p>
+                      <a:pPr latinLnBrk="1"/>
+                      <a:endParaRPr lang="ko-KR" altLang="en-US" dirty="0">
+                        <a:solidFill>
+                          <a:schemeClr val="tx1"/>
+                        </a:solidFill>
+                      </a:endParaRPr>
+                    </a:p>
+                  </a:txBody>
+                  <a:tcPr>
+                    <a:lnL w="12700" cap="flat" cmpd="sng" algn="ctr">
+                      <a:solidFill>
+                        <a:schemeClr val="tx1"/>
+                      </a:solidFill>
+                      <a:prstDash val="solid"/>
+                      <a:round/>
+                      <a:headEnd type="none" w="med" len="med"/>
+                      <a:tailEnd type="none" w="med" len="med"/>
+                    </a:lnL>
+                    <a:lnR w="12700" cap="flat" cmpd="sng" algn="ctr">
+                      <a:solidFill>
+                        <a:schemeClr val="tx1"/>
+                      </a:solidFill>
+                      <a:prstDash val="solid"/>
+                      <a:round/>
+                      <a:headEnd type="none" w="med" len="med"/>
+                      <a:tailEnd type="none" w="med" len="med"/>
+                    </a:lnR>
+                    <a:lnT w="12700" cap="flat" cmpd="sng" algn="ctr">
+                      <a:solidFill>
+                        <a:schemeClr val="tx1"/>
+                      </a:solidFill>
+                      <a:prstDash val="solid"/>
+                      <a:round/>
+                      <a:headEnd type="none" w="med" len="med"/>
+                      <a:tailEnd type="none" w="med" len="med"/>
+                    </a:lnT>
+                    <a:lnB w="12700" cap="flat" cmpd="sng" algn="ctr">
+                      <a:solidFill>
+                        <a:schemeClr val="tx1"/>
+                      </a:solidFill>
+                      <a:prstDash val="solid"/>
+                      <a:round/>
+                      <a:headEnd type="none" w="med" len="med"/>
+                      <a:tailEnd type="none" w="med" len="med"/>
+                    </a:lnB>
+                    <a:solidFill>
+                      <a:schemeClr val="bg1"/>
+                    </a:solidFill>
+                  </a:tcPr>
+                </a:tc>
+                <a:extLst>
+                  <a:ext uri="{0D108BD9-81ED-4DB2-BD59-A6C34878D82A}">
+                    <a16:rowId xmlns:a16="http://schemas.microsoft.com/office/drawing/2014/main" val="2085773863"/>
+                  </a:ext>
+                </a:extLst>
+              </a:tr>
+              <a:tr h="370840">
+                <a:tc>
+                  <a:txBody>
+                    <a:bodyPr/>
+                    <a:lstStyle/>
+                    <a:p>
+                      <a:pPr algn="ctr" latinLnBrk="1"/>
+                      <a:endParaRPr lang="ko-KR" altLang="en-US" dirty="0">
+                        <a:solidFill>
+                          <a:schemeClr val="tx1"/>
+                        </a:solidFill>
+                      </a:endParaRPr>
+                    </a:p>
+                  </a:txBody>
+                  <a:tcPr>
+                    <a:lnL w="12700" cap="flat" cmpd="sng" algn="ctr">
+                      <a:solidFill>
+                        <a:schemeClr val="tx1"/>
+                      </a:solidFill>
+                      <a:prstDash val="solid"/>
+                      <a:round/>
+                      <a:headEnd type="none" w="med" len="med"/>
+                      <a:tailEnd type="none" w="med" len="med"/>
+                    </a:lnL>
+                    <a:lnR w="12700" cap="flat" cmpd="sng" algn="ctr">
+                      <a:solidFill>
+                        <a:schemeClr val="tx1"/>
+                      </a:solidFill>
+                      <a:prstDash val="solid"/>
+                      <a:round/>
+                      <a:headEnd type="none" w="med" len="med"/>
+                      <a:tailEnd type="none" w="med" len="med"/>
+                    </a:lnR>
+                    <a:lnT w="12700" cap="flat" cmpd="sng" algn="ctr">
+                      <a:solidFill>
+                        <a:schemeClr val="tx1"/>
+                      </a:solidFill>
+                      <a:prstDash val="solid"/>
+                      <a:round/>
+                      <a:headEnd type="none" w="med" len="med"/>
+                      <a:tailEnd type="none" w="med" len="med"/>
+                    </a:lnT>
+                    <a:lnB w="12700" cap="flat" cmpd="sng" algn="ctr">
+                      <a:solidFill>
+                        <a:schemeClr val="tx1"/>
+                      </a:solidFill>
+                      <a:prstDash val="solid"/>
+                      <a:round/>
+                      <a:headEnd type="none" w="med" len="med"/>
+                      <a:tailEnd type="none" w="med" len="med"/>
+                    </a:lnB>
+                    <a:solidFill>
+                      <a:schemeClr val="accent1">
+                        <a:lumMod val="60000"/>
+                        <a:lumOff val="40000"/>
+                      </a:schemeClr>
+                    </a:solidFill>
+                  </a:tcPr>
+                </a:tc>
+                <a:tc>
+                  <a:txBody>
+                    <a:bodyPr/>
+                    <a:lstStyle/>
+                    <a:p>
+                      <a:pPr latinLnBrk="1"/>
+                      <a:endParaRPr lang="ko-KR" altLang="en-US" dirty="0">
+                        <a:solidFill>
+                          <a:schemeClr val="tx1"/>
+                        </a:solidFill>
+                      </a:endParaRPr>
+                    </a:p>
+                  </a:txBody>
+                  <a:tcPr>
+                    <a:lnL w="12700" cap="flat" cmpd="sng" algn="ctr">
+                      <a:solidFill>
+                        <a:schemeClr val="tx1"/>
+                      </a:solidFill>
+                      <a:prstDash val="solid"/>
+                      <a:round/>
+                      <a:headEnd type="none" w="med" len="med"/>
+                      <a:tailEnd type="none" w="med" len="med"/>
+                    </a:lnL>
+                    <a:lnR w="12700" cap="flat" cmpd="sng" algn="ctr">
+                      <a:solidFill>
+                        <a:schemeClr val="tx1"/>
+                      </a:solidFill>
+                      <a:prstDash val="solid"/>
+                      <a:round/>
+                      <a:headEnd type="none" w="med" len="med"/>
+                      <a:tailEnd type="none" w="med" len="med"/>
+                    </a:lnR>
+                    <a:lnT w="12700" cap="flat" cmpd="sng" algn="ctr">
+                      <a:solidFill>
+                        <a:schemeClr val="tx1"/>
+                      </a:solidFill>
+                      <a:prstDash val="solid"/>
+                      <a:round/>
+                      <a:headEnd type="none" w="med" len="med"/>
+                      <a:tailEnd type="none" w="med" len="med"/>
+                    </a:lnT>
+                    <a:lnB w="12700" cap="flat" cmpd="sng" algn="ctr">
+                      <a:solidFill>
+                        <a:schemeClr val="tx1"/>
+                      </a:solidFill>
+                      <a:prstDash val="solid"/>
+                      <a:round/>
+                      <a:headEnd type="none" w="med" len="med"/>
+                      <a:tailEnd type="none" w="med" len="med"/>
+                    </a:lnB>
+                    <a:solidFill>
+                      <a:schemeClr val="bg1"/>
+                    </a:solidFill>
+                  </a:tcPr>
+                </a:tc>
+                <a:tc>
+                  <a:txBody>
+                    <a:bodyPr/>
+                    <a:lstStyle/>
+                    <a:p>
+                      <a:pPr latinLnBrk="1"/>
+                      <a:endParaRPr lang="ko-KR" altLang="en-US" dirty="0">
+                        <a:solidFill>
+                          <a:schemeClr val="tx1"/>
+                        </a:solidFill>
+                      </a:endParaRPr>
+                    </a:p>
+                  </a:txBody>
+                  <a:tcPr>
+                    <a:lnL w="12700" cap="flat" cmpd="sng" algn="ctr">
+                      <a:solidFill>
+                        <a:schemeClr val="tx1"/>
+                      </a:solidFill>
+                      <a:prstDash val="solid"/>
+                      <a:round/>
+                      <a:headEnd type="none" w="med" len="med"/>
+                      <a:tailEnd type="none" w="med" len="med"/>
+                    </a:lnL>
+                    <a:lnR w="12700" cap="flat" cmpd="sng" algn="ctr">
+                      <a:solidFill>
+                        <a:schemeClr val="tx1"/>
+                      </a:solidFill>
+                      <a:prstDash val="solid"/>
+                      <a:round/>
+                      <a:headEnd type="none" w="med" len="med"/>
+                      <a:tailEnd type="none" w="med" len="med"/>
+                    </a:lnR>
+                    <a:lnT w="12700" cap="flat" cmpd="sng" algn="ctr">
+                      <a:solidFill>
+                        <a:schemeClr val="tx1"/>
+                      </a:solidFill>
+                      <a:prstDash val="solid"/>
+                      <a:round/>
+                      <a:headEnd type="none" w="med" len="med"/>
+                      <a:tailEnd type="none" w="med" len="med"/>
+                    </a:lnT>
+                    <a:lnB w="12700" cap="flat" cmpd="sng" algn="ctr">
+                      <a:solidFill>
+                        <a:schemeClr val="tx1"/>
+                      </a:solidFill>
+                      <a:prstDash val="solid"/>
+                      <a:round/>
+                      <a:headEnd type="none" w="med" len="med"/>
+                      <a:tailEnd type="none" w="med" len="med"/>
+                    </a:lnB>
+                    <a:solidFill>
+                      <a:schemeClr val="bg1"/>
+                    </a:solidFill>
+                  </a:tcPr>
+                </a:tc>
+                <a:extLst>
+                  <a:ext uri="{0D108BD9-81ED-4DB2-BD59-A6C34878D82A}">
+                    <a16:rowId xmlns:a16="http://schemas.microsoft.com/office/drawing/2014/main" val="4294301989"/>
+                  </a:ext>
+                </a:extLst>
+              </a:tr>
+              <a:tr h="370840">
+                <a:tc>
+                  <a:txBody>
+                    <a:bodyPr/>
+                    <a:lstStyle/>
+                    <a:p>
+                      <a:pPr algn="ctr" latinLnBrk="1"/>
+                      <a:endParaRPr lang="ko-KR" altLang="en-US" dirty="0">
+                        <a:solidFill>
+                          <a:schemeClr val="tx1"/>
+                        </a:solidFill>
+                      </a:endParaRPr>
+                    </a:p>
+                  </a:txBody>
+                  <a:tcPr>
+                    <a:lnL w="12700" cap="flat" cmpd="sng" algn="ctr">
+                      <a:solidFill>
+                        <a:schemeClr val="tx1"/>
+                      </a:solidFill>
+                      <a:prstDash val="solid"/>
+                      <a:round/>
+                      <a:headEnd type="none" w="med" len="med"/>
+                      <a:tailEnd type="none" w="med" len="med"/>
+                    </a:lnL>
+                    <a:lnR w="12700" cap="flat" cmpd="sng" algn="ctr">
+                      <a:solidFill>
+                        <a:schemeClr val="tx1"/>
+                      </a:solidFill>
+                      <a:prstDash val="solid"/>
+                      <a:round/>
+                      <a:headEnd type="none" w="med" len="med"/>
+                      <a:tailEnd type="none" w="med" len="med"/>
+                    </a:lnR>
+                    <a:lnT w="12700" cap="flat" cmpd="sng" algn="ctr">
+                      <a:solidFill>
+                        <a:schemeClr val="tx1"/>
+                      </a:solidFill>
+                      <a:prstDash val="solid"/>
+                      <a:round/>
+                      <a:headEnd type="none" w="med" len="med"/>
+                      <a:tailEnd type="none" w="med" len="med"/>
+                    </a:lnT>
+                    <a:lnB w="12700" cap="flat" cmpd="sng" algn="ctr">
+                      <a:solidFill>
+                        <a:schemeClr val="tx1"/>
+                      </a:solidFill>
+                      <a:prstDash val="solid"/>
+                      <a:round/>
+                      <a:headEnd type="none" w="med" len="med"/>
+                      <a:tailEnd type="none" w="med" len="med"/>
+                    </a:lnB>
+                    <a:solidFill>
+                      <a:schemeClr val="accent4">
+                        <a:lumMod val="60000"/>
+                        <a:lumOff val="40000"/>
+                      </a:schemeClr>
+                    </a:solidFill>
+                  </a:tcPr>
+                </a:tc>
+                <a:tc>
+                  <a:txBody>
+                    <a:bodyPr/>
+                    <a:lstStyle/>
+                    <a:p>
+                      <a:pPr latinLnBrk="1"/>
+                      <a:endParaRPr lang="ko-KR" altLang="en-US" dirty="0">
+                        <a:solidFill>
+                          <a:schemeClr val="tx1"/>
+                        </a:solidFill>
+                      </a:endParaRPr>
+                    </a:p>
+                  </a:txBody>
+                  <a:tcPr>
+                    <a:lnL w="12700" cap="flat" cmpd="sng" algn="ctr">
+                      <a:solidFill>
+                        <a:schemeClr val="tx1"/>
+                      </a:solidFill>
+                      <a:prstDash val="solid"/>
+                      <a:round/>
+                      <a:headEnd type="none" w="med" len="med"/>
+                      <a:tailEnd type="none" w="med" len="med"/>
+                    </a:lnL>
+                    <a:lnR w="12700" cap="flat" cmpd="sng" algn="ctr">
+                      <a:solidFill>
+                        <a:schemeClr val="tx1"/>
+                      </a:solidFill>
+                      <a:prstDash val="solid"/>
+                      <a:round/>
+                      <a:headEnd type="none" w="med" len="med"/>
+                      <a:tailEnd type="none" w="med" len="med"/>
+                    </a:lnR>
+                    <a:lnT w="12700" cap="flat" cmpd="sng" algn="ctr">
+                      <a:solidFill>
+                        <a:schemeClr val="tx1"/>
+                      </a:solidFill>
+                      <a:prstDash val="solid"/>
+                      <a:round/>
+                      <a:headEnd type="none" w="med" len="med"/>
+                      <a:tailEnd type="none" w="med" len="med"/>
+                    </a:lnT>
+                    <a:lnB w="12700" cap="flat" cmpd="sng" algn="ctr">
+                      <a:solidFill>
+                        <a:schemeClr val="tx1"/>
+                      </a:solidFill>
+                      <a:prstDash val="solid"/>
+                      <a:round/>
+                      <a:headEnd type="none" w="med" len="med"/>
+                      <a:tailEnd type="none" w="med" len="med"/>
+                    </a:lnB>
+                    <a:solidFill>
+                      <a:schemeClr val="bg1"/>
+                    </a:solidFill>
+                  </a:tcPr>
+                </a:tc>
+                <a:tc>
+                  <a:txBody>
+                    <a:bodyPr/>
+                    <a:lstStyle/>
+                    <a:p>
+                      <a:pPr latinLnBrk="1"/>
+                      <a:endParaRPr lang="ko-KR" altLang="en-US" dirty="0">
+                        <a:solidFill>
+                          <a:schemeClr val="tx1"/>
+                        </a:solidFill>
+                      </a:endParaRPr>
+                    </a:p>
+                  </a:txBody>
+                  <a:tcPr>
+                    <a:lnL w="12700" cap="flat" cmpd="sng" algn="ctr">
+                      <a:solidFill>
+                        <a:schemeClr val="tx1"/>
+                      </a:solidFill>
+                      <a:prstDash val="solid"/>
+                      <a:round/>
+                      <a:headEnd type="none" w="med" len="med"/>
+                      <a:tailEnd type="none" w="med" len="med"/>
+                    </a:lnL>
+                    <a:lnR w="12700" cap="flat" cmpd="sng" algn="ctr">
+                      <a:solidFill>
+                        <a:schemeClr val="tx1"/>
+                      </a:solidFill>
+                      <a:prstDash val="solid"/>
+                      <a:round/>
+                      <a:headEnd type="none" w="med" len="med"/>
+                      <a:tailEnd type="none" w="med" len="med"/>
+                    </a:lnR>
+                    <a:lnT w="12700" cap="flat" cmpd="sng" algn="ctr">
+                      <a:solidFill>
+                        <a:schemeClr val="tx1"/>
+                      </a:solidFill>
+                      <a:prstDash val="solid"/>
+                      <a:round/>
+                      <a:headEnd type="none" w="med" len="med"/>
+                      <a:tailEnd type="none" w="med" len="med"/>
+                    </a:lnT>
+                    <a:lnB w="12700" cap="flat" cmpd="sng" algn="ctr">
+                      <a:solidFill>
+                        <a:schemeClr val="tx1"/>
+                      </a:solidFill>
+                      <a:prstDash val="solid"/>
+                      <a:round/>
+                      <a:headEnd type="none" w="med" len="med"/>
+                      <a:tailEnd type="none" w="med" len="med"/>
+                    </a:lnB>
+                    <a:solidFill>
+                      <a:schemeClr val="bg1"/>
+                    </a:solidFill>
+                  </a:tcPr>
+                </a:tc>
+                <a:extLst>
+                  <a:ext uri="{0D108BD9-81ED-4DB2-BD59-A6C34878D82A}">
+                    <a16:rowId xmlns:a16="http://schemas.microsoft.com/office/drawing/2014/main" val="3344979124"/>
+                  </a:ext>
+                </a:extLst>
+              </a:tr>
+              <a:tr h="370840">
+                <a:tc>
+                  <a:txBody>
+                    <a:bodyPr/>
+                    <a:lstStyle/>
+                    <a:p>
+                      <a:pPr algn="ctr" latinLnBrk="1"/>
+                      <a:endParaRPr lang="ko-KR" altLang="en-US" dirty="0">
+                        <a:solidFill>
+                          <a:schemeClr val="tx1"/>
+                        </a:solidFill>
+                      </a:endParaRPr>
+                    </a:p>
+                  </a:txBody>
+                  <a:tcPr>
+                    <a:lnL w="12700" cap="flat" cmpd="sng" algn="ctr">
+                      <a:solidFill>
+                        <a:schemeClr val="tx1"/>
+                      </a:solidFill>
+                      <a:prstDash val="solid"/>
+                      <a:round/>
+                      <a:headEnd type="none" w="med" len="med"/>
+                      <a:tailEnd type="none" w="med" len="med"/>
+                    </a:lnL>
+                    <a:lnR w="12700" cap="flat" cmpd="sng" algn="ctr">
+                      <a:solidFill>
+                        <a:schemeClr val="tx1"/>
+                      </a:solidFill>
+                      <a:prstDash val="solid"/>
+                      <a:round/>
+                      <a:headEnd type="none" w="med" len="med"/>
+                      <a:tailEnd type="none" w="med" len="med"/>
+                    </a:lnR>
+                    <a:lnT w="12700" cap="flat" cmpd="sng" algn="ctr">
+                      <a:solidFill>
+                        <a:schemeClr val="tx1"/>
+                      </a:solidFill>
+                      <a:prstDash val="solid"/>
+                      <a:round/>
+                      <a:headEnd type="none" w="med" len="med"/>
+                      <a:tailEnd type="none" w="med" len="med"/>
+                    </a:lnT>
+                    <a:lnB w="12700" cap="flat" cmpd="sng" algn="ctr">
+                      <a:solidFill>
+                        <a:schemeClr val="tx1"/>
+                      </a:solidFill>
+                      <a:prstDash val="solid"/>
+                      <a:round/>
+                      <a:headEnd type="none" w="med" len="med"/>
+                      <a:tailEnd type="none" w="med" len="med"/>
+                    </a:lnB>
+                    <a:solidFill>
+                      <a:schemeClr val="accent4">
+                        <a:lumMod val="60000"/>
+                        <a:lumOff val="40000"/>
+                      </a:schemeClr>
+                    </a:solidFill>
+                  </a:tcPr>
+                </a:tc>
+                <a:tc>
+                  <a:txBody>
+                    <a:bodyPr/>
+                    <a:lstStyle/>
+                    <a:p>
+                      <a:pPr latinLnBrk="1"/>
+                      <a:endParaRPr lang="ko-KR" altLang="en-US" dirty="0">
+                        <a:solidFill>
+                          <a:schemeClr val="tx1"/>
+                        </a:solidFill>
+                      </a:endParaRPr>
+                    </a:p>
+                  </a:txBody>
+                  <a:tcPr>
+                    <a:lnL w="12700" cap="flat" cmpd="sng" algn="ctr">
+                      <a:solidFill>
+                        <a:schemeClr val="tx1"/>
+                      </a:solidFill>
+                      <a:prstDash val="solid"/>
+                      <a:round/>
+                      <a:headEnd type="none" w="med" len="med"/>
+                      <a:tailEnd type="none" w="med" len="med"/>
+                    </a:lnL>
+                    <a:lnR w="12700" cap="flat" cmpd="sng" algn="ctr">
+                      <a:solidFill>
+                        <a:schemeClr val="tx1"/>
+                      </a:solidFill>
+                      <a:prstDash val="solid"/>
+                      <a:round/>
+                      <a:headEnd type="none" w="med" len="med"/>
+                      <a:tailEnd type="none" w="med" len="med"/>
+                    </a:lnR>
+                    <a:lnT w="12700" cap="flat" cmpd="sng" algn="ctr">
+                      <a:solidFill>
+                        <a:schemeClr val="tx1"/>
+                      </a:solidFill>
+                      <a:prstDash val="solid"/>
+                      <a:round/>
+                      <a:headEnd type="none" w="med" len="med"/>
+                      <a:tailEnd type="none" w="med" len="med"/>
+                    </a:lnT>
+                    <a:lnB w="12700" cap="flat" cmpd="sng" algn="ctr">
+                      <a:solidFill>
+                        <a:schemeClr val="tx1"/>
+                      </a:solidFill>
+                      <a:prstDash val="solid"/>
+                      <a:round/>
+                      <a:headEnd type="none" w="med" len="med"/>
+                      <a:tailEnd type="none" w="med" len="med"/>
+                    </a:lnB>
+                    <a:solidFill>
+                      <a:schemeClr val="bg1"/>
+                    </a:solidFill>
+                  </a:tcPr>
+                </a:tc>
+                <a:tc>
+                  <a:txBody>
+                    <a:bodyPr/>
+                    <a:lstStyle/>
+                    <a:p>
+                      <a:pPr latinLnBrk="1"/>
+                      <a:endParaRPr lang="ko-KR" altLang="en-US" dirty="0">
+                        <a:solidFill>
+                          <a:schemeClr val="tx1"/>
+                        </a:solidFill>
+                      </a:endParaRPr>
+                    </a:p>
+                  </a:txBody>
+                  <a:tcPr>
+                    <a:lnL w="12700" cap="flat" cmpd="sng" algn="ctr">
+                      <a:solidFill>
+                        <a:schemeClr val="tx1"/>
+                      </a:solidFill>
+                      <a:prstDash val="solid"/>
+                      <a:round/>
+                      <a:headEnd type="none" w="med" len="med"/>
+                      <a:tailEnd type="none" w="med" len="med"/>
+                    </a:lnL>
+                    <a:lnR w="12700" cap="flat" cmpd="sng" algn="ctr">
+                      <a:solidFill>
+                        <a:schemeClr val="tx1"/>
+                      </a:solidFill>
+                      <a:prstDash val="solid"/>
+                      <a:round/>
+                      <a:headEnd type="none" w="med" len="med"/>
+                      <a:tailEnd type="none" w="med" len="med"/>
+                    </a:lnR>
+                    <a:lnT w="12700" cap="flat" cmpd="sng" algn="ctr">
+                      <a:solidFill>
+                        <a:schemeClr val="tx1"/>
+                      </a:solidFill>
+                      <a:prstDash val="solid"/>
+                      <a:round/>
+                      <a:headEnd type="none" w="med" len="med"/>
+                      <a:tailEnd type="none" w="med" len="med"/>
+                    </a:lnT>
+                    <a:lnB w="12700" cap="flat" cmpd="sng" algn="ctr">
+                      <a:solidFill>
+                        <a:schemeClr val="tx1"/>
+                      </a:solidFill>
+                      <a:prstDash val="solid"/>
+                      <a:round/>
+                      <a:headEnd type="none" w="med" len="med"/>
+                      <a:tailEnd type="none" w="med" len="med"/>
+                    </a:lnB>
+                    <a:solidFill>
+                      <a:schemeClr val="bg1"/>
+                    </a:solidFill>
+                  </a:tcPr>
+                </a:tc>
+                <a:extLst>
+                  <a:ext uri="{0D108BD9-81ED-4DB2-BD59-A6C34878D82A}">
+                    <a16:rowId xmlns:a16="http://schemas.microsoft.com/office/drawing/2014/main" val="3684839970"/>
+                  </a:ext>
+                </a:extLst>
+              </a:tr>
+            </a:tbl>
+          </a:graphicData>
+        </a:graphic>
+      </p:graphicFrame>
+    </p:spTree>
+    <p:extLst>
+      <p:ext uri="{BB962C8B-B14F-4D97-AF65-F5344CB8AC3E}">
+        <p14:creationId xmlns:p14="http://schemas.microsoft.com/office/powerpoint/2010/main" val="3765462080"/>
       </p:ext>
     </p:extLst>
   </p:cSld>

--- a/캐릭터 및 카드 컨셉, 디자인.pptx
+++ b/캐릭터 및 카드 컨셉, 디자인.pptx
@@ -266,7 +266,7 @@
           <a:p>
             <a:fld id="{05BC4793-986E-4D22-B9AD-0CF3790F042B}" type="datetimeFigureOut">
               <a:rPr lang="ko-KR" altLang="en-US" smtClean="0"/>
-              <a:t>2019-10-14</a:t>
+              <a:t>2019-10-15</a:t>
             </a:fld>
             <a:endParaRPr lang="ko-KR" altLang="en-US"/>
           </a:p>
@@ -464,7 +464,7 @@
           <a:p>
             <a:fld id="{05BC4793-986E-4D22-B9AD-0CF3790F042B}" type="datetimeFigureOut">
               <a:rPr lang="ko-KR" altLang="en-US" smtClean="0"/>
-              <a:t>2019-10-14</a:t>
+              <a:t>2019-10-15</a:t>
             </a:fld>
             <a:endParaRPr lang="ko-KR" altLang="en-US"/>
           </a:p>
@@ -672,7 +672,7 @@
           <a:p>
             <a:fld id="{05BC4793-986E-4D22-B9AD-0CF3790F042B}" type="datetimeFigureOut">
               <a:rPr lang="ko-KR" altLang="en-US" smtClean="0"/>
-              <a:t>2019-10-14</a:t>
+              <a:t>2019-10-15</a:t>
             </a:fld>
             <a:endParaRPr lang="ko-KR" altLang="en-US"/>
           </a:p>
@@ -870,7 +870,7 @@
           <a:p>
             <a:fld id="{05BC4793-986E-4D22-B9AD-0CF3790F042B}" type="datetimeFigureOut">
               <a:rPr lang="ko-KR" altLang="en-US" smtClean="0"/>
-              <a:t>2019-10-14</a:t>
+              <a:t>2019-10-15</a:t>
             </a:fld>
             <a:endParaRPr lang="ko-KR" altLang="en-US"/>
           </a:p>
@@ -1145,7 +1145,7 @@
           <a:p>
             <a:fld id="{05BC4793-986E-4D22-B9AD-0CF3790F042B}" type="datetimeFigureOut">
               <a:rPr lang="ko-KR" altLang="en-US" smtClean="0"/>
-              <a:t>2019-10-14</a:t>
+              <a:t>2019-10-15</a:t>
             </a:fld>
             <a:endParaRPr lang="ko-KR" altLang="en-US"/>
           </a:p>
@@ -1410,7 +1410,7 @@
           <a:p>
             <a:fld id="{05BC4793-986E-4D22-B9AD-0CF3790F042B}" type="datetimeFigureOut">
               <a:rPr lang="ko-KR" altLang="en-US" smtClean="0"/>
-              <a:t>2019-10-14</a:t>
+              <a:t>2019-10-15</a:t>
             </a:fld>
             <a:endParaRPr lang="ko-KR" altLang="en-US"/>
           </a:p>
@@ -1822,7 +1822,7 @@
           <a:p>
             <a:fld id="{05BC4793-986E-4D22-B9AD-0CF3790F042B}" type="datetimeFigureOut">
               <a:rPr lang="ko-KR" altLang="en-US" smtClean="0"/>
-              <a:t>2019-10-14</a:t>
+              <a:t>2019-10-15</a:t>
             </a:fld>
             <a:endParaRPr lang="ko-KR" altLang="en-US"/>
           </a:p>
@@ -1963,7 +1963,7 @@
           <a:p>
             <a:fld id="{05BC4793-986E-4D22-B9AD-0CF3790F042B}" type="datetimeFigureOut">
               <a:rPr lang="ko-KR" altLang="en-US" smtClean="0"/>
-              <a:t>2019-10-14</a:t>
+              <a:t>2019-10-15</a:t>
             </a:fld>
             <a:endParaRPr lang="ko-KR" altLang="en-US"/>
           </a:p>
@@ -2076,7 +2076,7 @@
           <a:p>
             <a:fld id="{05BC4793-986E-4D22-B9AD-0CF3790F042B}" type="datetimeFigureOut">
               <a:rPr lang="ko-KR" altLang="en-US" smtClean="0"/>
-              <a:t>2019-10-14</a:t>
+              <a:t>2019-10-15</a:t>
             </a:fld>
             <a:endParaRPr lang="ko-KR" altLang="en-US"/>
           </a:p>
@@ -2387,7 +2387,7 @@
           <a:p>
             <a:fld id="{05BC4793-986E-4D22-B9AD-0CF3790F042B}" type="datetimeFigureOut">
               <a:rPr lang="ko-KR" altLang="en-US" smtClean="0"/>
-              <a:t>2019-10-14</a:t>
+              <a:t>2019-10-15</a:t>
             </a:fld>
             <a:endParaRPr lang="ko-KR" altLang="en-US"/>
           </a:p>
@@ -2675,7 +2675,7 @@
           <a:p>
             <a:fld id="{05BC4793-986E-4D22-B9AD-0CF3790F042B}" type="datetimeFigureOut">
               <a:rPr lang="ko-KR" altLang="en-US" smtClean="0"/>
-              <a:t>2019-10-14</a:t>
+              <a:t>2019-10-15</a:t>
             </a:fld>
             <a:endParaRPr lang="ko-KR" altLang="en-US"/>
           </a:p>
@@ -2916,7 +2916,7 @@
           <a:p>
             <a:fld id="{05BC4793-986E-4D22-B9AD-0CF3790F042B}" type="datetimeFigureOut">
               <a:rPr lang="ko-KR" altLang="en-US" smtClean="0"/>
-              <a:t>2019-10-14</a:t>
+              <a:t>2019-10-15</a:t>
             </a:fld>
             <a:endParaRPr lang="ko-KR" altLang="en-US"/>
           </a:p>
@@ -5704,7 +5704,7 @@
             <p:ph idx="1"/>
             <p:extLst>
               <p:ext uri="{D42A27DB-BD31-4B8C-83A1-F6EECF244321}">
-                <p14:modId xmlns:p14="http://schemas.microsoft.com/office/powerpoint/2010/main" val="1725265171"/>
+                <p14:modId xmlns:p14="http://schemas.microsoft.com/office/powerpoint/2010/main" val="1666647621"/>
               </p:ext>
             </p:extLst>
           </p:nvPr>
@@ -5750,7 +5750,7 @@
                     <a:p>
                       <a:pPr algn="ctr" latinLnBrk="1"/>
                       <a:r>
-                        <a:rPr lang="ko-KR" altLang="en-US" dirty="0">
+                        <a:rPr lang="ko-KR" altLang="en-US" sz="1400" dirty="0">
                           <a:solidFill>
                             <a:schemeClr val="tx1"/>
                           </a:solidFill>
@@ -5810,7 +5810,7 @@
                     <a:lstStyle/>
                     <a:p>
                       <a:pPr latinLnBrk="1"/>
-                      <a:endParaRPr lang="ko-KR" altLang="en-US" dirty="0">
+                      <a:endParaRPr lang="ko-KR" altLang="en-US" sz="1400" dirty="0">
                         <a:solidFill>
                           <a:schemeClr val="tx1"/>
                         </a:solidFill>
@@ -5865,7 +5865,7 @@
                     <a:lstStyle/>
                     <a:p>
                       <a:pPr latinLnBrk="1"/>
-                      <a:endParaRPr lang="ko-KR" altLang="en-US" dirty="0">
+                      <a:endParaRPr lang="ko-KR" altLang="en-US" sz="1400" dirty="0">
                         <a:solidFill>
                           <a:schemeClr val="tx1"/>
                         </a:solidFill>
@@ -5928,7 +5928,7 @@
                     <a:p>
                       <a:pPr algn="ctr" latinLnBrk="1"/>
                       <a:r>
-                        <a:rPr lang="ko-KR" altLang="en-US" dirty="0">
+                        <a:rPr lang="ko-KR" altLang="en-US" sz="1400" dirty="0">
                           <a:solidFill>
                             <a:schemeClr val="tx1"/>
                           </a:solidFill>
@@ -5988,7 +5988,7 @@
                     <a:lstStyle/>
                     <a:p>
                       <a:pPr latinLnBrk="1"/>
-                      <a:endParaRPr lang="ko-KR" altLang="en-US" dirty="0">
+                      <a:endParaRPr lang="ko-KR" altLang="en-US" sz="1400" dirty="0">
                         <a:solidFill>
                           <a:schemeClr val="tx1"/>
                         </a:solidFill>
@@ -6043,7 +6043,7 @@
                     <a:lstStyle/>
                     <a:p>
                       <a:pPr latinLnBrk="1"/>
-                      <a:endParaRPr lang="ko-KR" altLang="en-US" dirty="0">
+                      <a:endParaRPr lang="ko-KR" altLang="en-US" sz="1400" dirty="0">
                         <a:solidFill>
                           <a:schemeClr val="tx1"/>
                         </a:solidFill>
@@ -6106,14 +6106,14 @@
                     <a:p>
                       <a:pPr algn="ctr" latinLnBrk="1"/>
                       <a:r>
-                        <a:rPr lang="ko-KR" altLang="en-US" dirty="0" err="1">
+                        <a:rPr lang="ko-KR" altLang="en-US" sz="1400" dirty="0" err="1">
                           <a:solidFill>
                             <a:schemeClr val="tx1"/>
                           </a:solidFill>
                         </a:rPr>
                         <a:t>벌꿀주</a:t>
                       </a:r>
-                      <a:endParaRPr lang="ko-KR" altLang="en-US" dirty="0">
+                      <a:endParaRPr lang="ko-KR" altLang="en-US" sz="1400" dirty="0">
                         <a:solidFill>
                           <a:schemeClr val="tx1"/>
                         </a:solidFill>
@@ -6171,7 +6171,7 @@
                     <a:lstStyle/>
                     <a:p>
                       <a:pPr latinLnBrk="1"/>
-                      <a:endParaRPr lang="ko-KR" altLang="en-US" dirty="0">
+                      <a:endParaRPr lang="ko-KR" altLang="en-US" sz="1400" dirty="0">
                         <a:solidFill>
                           <a:schemeClr val="tx1"/>
                         </a:solidFill>
@@ -6226,7 +6226,7 @@
                     <a:lstStyle/>
                     <a:p>
                       <a:pPr latinLnBrk="1"/>
-                      <a:endParaRPr lang="ko-KR" altLang="en-US" dirty="0">
+                      <a:endParaRPr lang="ko-KR" altLang="en-US" sz="1400" dirty="0">
                         <a:solidFill>
                           <a:schemeClr val="tx1"/>
                         </a:solidFill>
@@ -6288,7 +6288,68 @@
                     <a:lstStyle/>
                     <a:p>
                       <a:pPr algn="ctr" latinLnBrk="1"/>
-                      <a:endParaRPr lang="ko-KR" altLang="en-US" dirty="0">
+                      <a:r>
+                        <a:rPr lang="ko-KR" altLang="en-US" sz="1400" dirty="0">
+                          <a:solidFill>
+                            <a:schemeClr val="tx1"/>
+                          </a:solidFill>
+                        </a:rPr>
+                        <a:t>약탈</a:t>
+                      </a:r>
+                    </a:p>
+                  </a:txBody>
+                  <a:tcPr>
+                    <a:lnL w="12700" cap="flat" cmpd="sng" algn="ctr">
+                      <a:solidFill>
+                        <a:schemeClr val="tx1"/>
+                      </a:solidFill>
+                      <a:prstDash val="solid"/>
+                      <a:round/>
+                      <a:headEnd type="none" w="med" len="med"/>
+                      <a:tailEnd type="none" w="med" len="med"/>
+                    </a:lnL>
+                    <a:lnR w="12700" cap="flat" cmpd="sng" algn="ctr">
+                      <a:solidFill>
+                        <a:schemeClr val="tx1"/>
+                      </a:solidFill>
+                      <a:prstDash val="solid"/>
+                      <a:round/>
+                      <a:headEnd type="none" w="med" len="med"/>
+                      <a:tailEnd type="none" w="med" len="med"/>
+                    </a:lnR>
+                    <a:lnT w="12700" cap="flat" cmpd="sng" algn="ctr">
+                      <a:solidFill>
+                        <a:schemeClr val="tx1"/>
+                      </a:solidFill>
+                      <a:prstDash val="solid"/>
+                      <a:round/>
+                      <a:headEnd type="none" w="med" len="med"/>
+                      <a:tailEnd type="none" w="med" len="med"/>
+                    </a:lnT>
+                    <a:lnB w="12700" cap="flat" cmpd="sng" algn="ctr">
+                      <a:solidFill>
+                        <a:schemeClr val="tx1"/>
+                      </a:solidFill>
+                      <a:prstDash val="solid"/>
+                      <a:round/>
+                      <a:headEnd type="none" w="med" len="med"/>
+                      <a:tailEnd type="none" w="med" len="med"/>
+                    </a:lnB>
+                    <a:solidFill>
+                      <a:schemeClr val="accent4">
+                        <a:lumMod val="20000"/>
+                        <a:lumOff val="80000"/>
+                      </a:schemeClr>
+                    </a:solidFill>
+                  </a:tcPr>
+                </a:tc>
+                <a:tc>
+                  <a:txBody>
+                    <a:bodyPr/>
+                    <a:lstStyle/>
+                    <a:p>
+                      <a:pPr latinLnBrk="1"/>
+                      <a:endParaRPr lang="ko-KR" altLang="en-US" sz="1400" dirty="0">
                         <a:solidFill>
                           <a:schemeClr val="tx1"/>
                         </a:solidFill>
@@ -6333,10 +6394,7 @@
                       <a:tailEnd type="none" w="med" len="med"/>
                     </a:lnB>
                     <a:solidFill>
-                      <a:schemeClr val="accent4">
-                        <a:lumMod val="20000"/>
-                        <a:lumOff val="80000"/>
-                      </a:schemeClr>
+                      <a:schemeClr val="bg1"/>
                     </a:solidFill>
                   </a:tcPr>
                 </a:tc>
@@ -6346,62 +6404,7 @@
                     <a:lstStyle/>
                     <a:p>
                       <a:pPr latinLnBrk="1"/>
-                      <a:endParaRPr lang="ko-KR" altLang="en-US" dirty="0">
-                        <a:solidFill>
-                          <a:schemeClr val="tx1"/>
-                        </a:solidFill>
-                      </a:endParaRPr>
-                    </a:p>
-                  </a:txBody>
-                  <a:tcPr>
-                    <a:lnL w="12700" cap="flat" cmpd="sng" algn="ctr">
-                      <a:solidFill>
-                        <a:schemeClr val="tx1"/>
-                      </a:solidFill>
-                      <a:prstDash val="solid"/>
-                      <a:round/>
-                      <a:headEnd type="none" w="med" len="med"/>
-                      <a:tailEnd type="none" w="med" len="med"/>
-                    </a:lnL>
-                    <a:lnR w="12700" cap="flat" cmpd="sng" algn="ctr">
-                      <a:solidFill>
-                        <a:schemeClr val="tx1"/>
-                      </a:solidFill>
-                      <a:prstDash val="solid"/>
-                      <a:round/>
-                      <a:headEnd type="none" w="med" len="med"/>
-                      <a:tailEnd type="none" w="med" len="med"/>
-                    </a:lnR>
-                    <a:lnT w="12700" cap="flat" cmpd="sng" algn="ctr">
-                      <a:solidFill>
-                        <a:schemeClr val="tx1"/>
-                      </a:solidFill>
-                      <a:prstDash val="solid"/>
-                      <a:round/>
-                      <a:headEnd type="none" w="med" len="med"/>
-                      <a:tailEnd type="none" w="med" len="med"/>
-                    </a:lnT>
-                    <a:lnB w="12700" cap="flat" cmpd="sng" algn="ctr">
-                      <a:solidFill>
-                        <a:schemeClr val="tx1"/>
-                      </a:solidFill>
-                      <a:prstDash val="solid"/>
-                      <a:round/>
-                      <a:headEnd type="none" w="med" len="med"/>
-                      <a:tailEnd type="none" w="med" len="med"/>
-                    </a:lnB>
-                    <a:solidFill>
-                      <a:schemeClr val="bg1"/>
-                    </a:solidFill>
-                  </a:tcPr>
-                </a:tc>
-                <a:tc>
-                  <a:txBody>
-                    <a:bodyPr/>
-                    <a:lstStyle/>
-                    <a:p>
-                      <a:pPr latinLnBrk="1"/>
-                      <a:endParaRPr lang="ko-KR" altLang="en-US" dirty="0">
+                      <a:endParaRPr lang="ko-KR" altLang="en-US" sz="1400" dirty="0">
                         <a:solidFill>
                           <a:schemeClr val="tx1"/>
                         </a:solidFill>
@@ -6463,7 +6466,68 @@
                     <a:lstStyle/>
                     <a:p>
                       <a:pPr algn="ctr" latinLnBrk="1"/>
-                      <a:endParaRPr lang="ko-KR" altLang="en-US" dirty="0">
+                      <a:r>
+                        <a:rPr lang="ko-KR" altLang="en-US" sz="1400" dirty="0">
+                          <a:solidFill>
+                            <a:schemeClr val="tx1"/>
+                          </a:solidFill>
+                        </a:rPr>
+                        <a:t>바이킹 투구</a:t>
+                      </a:r>
+                    </a:p>
+                  </a:txBody>
+                  <a:tcPr>
+                    <a:lnL w="12700" cap="flat" cmpd="sng" algn="ctr">
+                      <a:solidFill>
+                        <a:schemeClr val="tx1"/>
+                      </a:solidFill>
+                      <a:prstDash val="solid"/>
+                      <a:round/>
+                      <a:headEnd type="none" w="med" len="med"/>
+                      <a:tailEnd type="none" w="med" len="med"/>
+                    </a:lnL>
+                    <a:lnR w="12700" cap="flat" cmpd="sng" algn="ctr">
+                      <a:solidFill>
+                        <a:schemeClr val="tx1"/>
+                      </a:solidFill>
+                      <a:prstDash val="solid"/>
+                      <a:round/>
+                      <a:headEnd type="none" w="med" len="med"/>
+                      <a:tailEnd type="none" w="med" len="med"/>
+                    </a:lnR>
+                    <a:lnT w="12700" cap="flat" cmpd="sng" algn="ctr">
+                      <a:solidFill>
+                        <a:schemeClr val="tx1"/>
+                      </a:solidFill>
+                      <a:prstDash val="solid"/>
+                      <a:round/>
+                      <a:headEnd type="none" w="med" len="med"/>
+                      <a:tailEnd type="none" w="med" len="med"/>
+                    </a:lnT>
+                    <a:lnB w="12700" cap="flat" cmpd="sng" algn="ctr">
+                      <a:solidFill>
+                        <a:schemeClr val="tx1"/>
+                      </a:solidFill>
+                      <a:prstDash val="solid"/>
+                      <a:round/>
+                      <a:headEnd type="none" w="med" len="med"/>
+                      <a:tailEnd type="none" w="med" len="med"/>
+                    </a:lnB>
+                    <a:solidFill>
+                      <a:schemeClr val="accent1">
+                        <a:lumMod val="60000"/>
+                        <a:lumOff val="40000"/>
+                      </a:schemeClr>
+                    </a:solidFill>
+                  </a:tcPr>
+                </a:tc>
+                <a:tc>
+                  <a:txBody>
+                    <a:bodyPr/>
+                    <a:lstStyle/>
+                    <a:p>
+                      <a:pPr latinLnBrk="1"/>
+                      <a:endParaRPr lang="ko-KR" altLang="en-US" sz="1400" dirty="0">
                         <a:solidFill>
                           <a:schemeClr val="tx1"/>
                         </a:solidFill>
@@ -6508,10 +6572,7 @@
                       <a:tailEnd type="none" w="med" len="med"/>
                     </a:lnB>
                     <a:solidFill>
-                      <a:schemeClr val="accent1">
-                        <a:lumMod val="60000"/>
-                        <a:lumOff val="40000"/>
-                      </a:schemeClr>
+                      <a:schemeClr val="bg1"/>
                     </a:solidFill>
                   </a:tcPr>
                 </a:tc>
@@ -6521,62 +6582,7 @@
                     <a:lstStyle/>
                     <a:p>
                       <a:pPr latinLnBrk="1"/>
-                      <a:endParaRPr lang="ko-KR" altLang="en-US" dirty="0">
-                        <a:solidFill>
-                          <a:schemeClr val="tx1"/>
-                        </a:solidFill>
-                      </a:endParaRPr>
-                    </a:p>
-                  </a:txBody>
-                  <a:tcPr>
-                    <a:lnL w="12700" cap="flat" cmpd="sng" algn="ctr">
-                      <a:solidFill>
-                        <a:schemeClr val="tx1"/>
-                      </a:solidFill>
-                      <a:prstDash val="solid"/>
-                      <a:round/>
-                      <a:headEnd type="none" w="med" len="med"/>
-                      <a:tailEnd type="none" w="med" len="med"/>
-                    </a:lnL>
-                    <a:lnR w="12700" cap="flat" cmpd="sng" algn="ctr">
-                      <a:solidFill>
-                        <a:schemeClr val="tx1"/>
-                      </a:solidFill>
-                      <a:prstDash val="solid"/>
-                      <a:round/>
-                      <a:headEnd type="none" w="med" len="med"/>
-                      <a:tailEnd type="none" w="med" len="med"/>
-                    </a:lnR>
-                    <a:lnT w="12700" cap="flat" cmpd="sng" algn="ctr">
-                      <a:solidFill>
-                        <a:schemeClr val="tx1"/>
-                      </a:solidFill>
-                      <a:prstDash val="solid"/>
-                      <a:round/>
-                      <a:headEnd type="none" w="med" len="med"/>
-                      <a:tailEnd type="none" w="med" len="med"/>
-                    </a:lnT>
-                    <a:lnB w="12700" cap="flat" cmpd="sng" algn="ctr">
-                      <a:solidFill>
-                        <a:schemeClr val="tx1"/>
-                      </a:solidFill>
-                      <a:prstDash val="solid"/>
-                      <a:round/>
-                      <a:headEnd type="none" w="med" len="med"/>
-                      <a:tailEnd type="none" w="med" len="med"/>
-                    </a:lnB>
-                    <a:solidFill>
-                      <a:schemeClr val="bg1"/>
-                    </a:solidFill>
-                  </a:tcPr>
-                </a:tc>
-                <a:tc>
-                  <a:txBody>
-                    <a:bodyPr/>
-                    <a:lstStyle/>
-                    <a:p>
-                      <a:pPr latinLnBrk="1"/>
-                      <a:endParaRPr lang="ko-KR" altLang="en-US" dirty="0">
+                      <a:endParaRPr lang="ko-KR" altLang="en-US" sz="1400" dirty="0">
                         <a:solidFill>
                           <a:schemeClr val="tx1"/>
                         </a:solidFill>
@@ -6638,7 +6644,68 @@
                     <a:lstStyle/>
                     <a:p>
                       <a:pPr algn="ctr" latinLnBrk="1"/>
-                      <a:endParaRPr lang="ko-KR" altLang="en-US" dirty="0">
+                      <a:r>
+                        <a:rPr lang="ko-KR" altLang="en-US" sz="1400" dirty="0">
+                          <a:solidFill>
+                            <a:schemeClr val="tx1"/>
+                          </a:solidFill>
+                        </a:rPr>
+                        <a:t>로키의 장난</a:t>
+                      </a:r>
+                    </a:p>
+                  </a:txBody>
+                  <a:tcPr>
+                    <a:lnL w="12700" cap="flat" cmpd="sng" algn="ctr">
+                      <a:solidFill>
+                        <a:schemeClr val="tx1"/>
+                      </a:solidFill>
+                      <a:prstDash val="solid"/>
+                      <a:round/>
+                      <a:headEnd type="none" w="med" len="med"/>
+                      <a:tailEnd type="none" w="med" len="med"/>
+                    </a:lnL>
+                    <a:lnR w="12700" cap="flat" cmpd="sng" algn="ctr">
+                      <a:solidFill>
+                        <a:schemeClr val="tx1"/>
+                      </a:solidFill>
+                      <a:prstDash val="solid"/>
+                      <a:round/>
+                      <a:headEnd type="none" w="med" len="med"/>
+                      <a:tailEnd type="none" w="med" len="med"/>
+                    </a:lnR>
+                    <a:lnT w="12700" cap="flat" cmpd="sng" algn="ctr">
+                      <a:solidFill>
+                        <a:schemeClr val="tx1"/>
+                      </a:solidFill>
+                      <a:prstDash val="solid"/>
+                      <a:round/>
+                      <a:headEnd type="none" w="med" len="med"/>
+                      <a:tailEnd type="none" w="med" len="med"/>
+                    </a:lnT>
+                    <a:lnB w="12700" cap="flat" cmpd="sng" algn="ctr">
+                      <a:solidFill>
+                        <a:schemeClr val="tx1"/>
+                      </a:solidFill>
+                      <a:prstDash val="solid"/>
+                      <a:round/>
+                      <a:headEnd type="none" w="med" len="med"/>
+                      <a:tailEnd type="none" w="med" len="med"/>
+                    </a:lnB>
+                    <a:solidFill>
+                      <a:schemeClr val="accent1">
+                        <a:lumMod val="60000"/>
+                        <a:lumOff val="40000"/>
+                      </a:schemeClr>
+                    </a:solidFill>
+                  </a:tcPr>
+                </a:tc>
+                <a:tc>
+                  <a:txBody>
+                    <a:bodyPr/>
+                    <a:lstStyle/>
+                    <a:p>
+                      <a:pPr latinLnBrk="1"/>
+                      <a:endParaRPr lang="ko-KR" altLang="en-US" sz="1400" dirty="0">
                         <a:solidFill>
                           <a:schemeClr val="tx1"/>
                         </a:solidFill>
@@ -6683,10 +6750,7 @@
                       <a:tailEnd type="none" w="med" len="med"/>
                     </a:lnB>
                     <a:solidFill>
-                      <a:schemeClr val="accent1">
-                        <a:lumMod val="60000"/>
-                        <a:lumOff val="40000"/>
-                      </a:schemeClr>
+                      <a:schemeClr val="bg1"/>
                     </a:solidFill>
                   </a:tcPr>
                 </a:tc>
@@ -6696,62 +6760,7 @@
                     <a:lstStyle/>
                     <a:p>
                       <a:pPr latinLnBrk="1"/>
-                      <a:endParaRPr lang="ko-KR" altLang="en-US" dirty="0">
-                        <a:solidFill>
-                          <a:schemeClr val="tx1"/>
-                        </a:solidFill>
-                      </a:endParaRPr>
-                    </a:p>
-                  </a:txBody>
-                  <a:tcPr>
-                    <a:lnL w="12700" cap="flat" cmpd="sng" algn="ctr">
-                      <a:solidFill>
-                        <a:schemeClr val="tx1"/>
-                      </a:solidFill>
-                      <a:prstDash val="solid"/>
-                      <a:round/>
-                      <a:headEnd type="none" w="med" len="med"/>
-                      <a:tailEnd type="none" w="med" len="med"/>
-                    </a:lnL>
-                    <a:lnR w="12700" cap="flat" cmpd="sng" algn="ctr">
-                      <a:solidFill>
-                        <a:schemeClr val="tx1"/>
-                      </a:solidFill>
-                      <a:prstDash val="solid"/>
-                      <a:round/>
-                      <a:headEnd type="none" w="med" len="med"/>
-                      <a:tailEnd type="none" w="med" len="med"/>
-                    </a:lnR>
-                    <a:lnT w="12700" cap="flat" cmpd="sng" algn="ctr">
-                      <a:solidFill>
-                        <a:schemeClr val="tx1"/>
-                      </a:solidFill>
-                      <a:prstDash val="solid"/>
-                      <a:round/>
-                      <a:headEnd type="none" w="med" len="med"/>
-                      <a:tailEnd type="none" w="med" len="med"/>
-                    </a:lnT>
-                    <a:lnB w="12700" cap="flat" cmpd="sng" algn="ctr">
-                      <a:solidFill>
-                        <a:schemeClr val="tx1"/>
-                      </a:solidFill>
-                      <a:prstDash val="solid"/>
-                      <a:round/>
-                      <a:headEnd type="none" w="med" len="med"/>
-                      <a:tailEnd type="none" w="med" len="med"/>
-                    </a:lnB>
-                    <a:solidFill>
-                      <a:schemeClr val="bg1"/>
-                    </a:solidFill>
-                  </a:tcPr>
-                </a:tc>
-                <a:tc>
-                  <a:txBody>
-                    <a:bodyPr/>
-                    <a:lstStyle/>
-                    <a:p>
-                      <a:pPr latinLnBrk="1"/>
-                      <a:endParaRPr lang="ko-KR" altLang="en-US" dirty="0">
+                      <a:endParaRPr lang="ko-KR" altLang="en-US" sz="1400" dirty="0">
                         <a:solidFill>
                           <a:schemeClr val="tx1"/>
                         </a:solidFill>
@@ -6813,7 +6822,76 @@
                     <a:lstStyle/>
                     <a:p>
                       <a:pPr algn="ctr" latinLnBrk="1"/>
-                      <a:endParaRPr lang="ko-KR" altLang="en-US" dirty="0">
+                      <a:r>
+                        <a:rPr lang="ko-KR" altLang="en-US" sz="1400" dirty="0" err="1">
+                          <a:solidFill>
+                            <a:schemeClr val="tx1"/>
+                          </a:solidFill>
+                        </a:rPr>
+                        <a:t>오딘의</a:t>
+                      </a:r>
+                      <a:r>
+                        <a:rPr lang="ko-KR" altLang="en-US" sz="1400" dirty="0">
+                          <a:solidFill>
+                            <a:schemeClr val="tx1"/>
+                          </a:solidFill>
+                        </a:rPr>
+                        <a:t> 지혜</a:t>
+                      </a:r>
+                    </a:p>
+                  </a:txBody>
+                  <a:tcPr>
+                    <a:lnL w="12700" cap="flat" cmpd="sng" algn="ctr">
+                      <a:solidFill>
+                        <a:schemeClr val="tx1"/>
+                      </a:solidFill>
+                      <a:prstDash val="solid"/>
+                      <a:round/>
+                      <a:headEnd type="none" w="med" len="med"/>
+                      <a:tailEnd type="none" w="med" len="med"/>
+                    </a:lnL>
+                    <a:lnR w="12700" cap="flat" cmpd="sng" algn="ctr">
+                      <a:solidFill>
+                        <a:schemeClr val="tx1"/>
+                      </a:solidFill>
+                      <a:prstDash val="solid"/>
+                      <a:round/>
+                      <a:headEnd type="none" w="med" len="med"/>
+                      <a:tailEnd type="none" w="med" len="med"/>
+                    </a:lnR>
+                    <a:lnT w="12700" cap="flat" cmpd="sng" algn="ctr">
+                      <a:solidFill>
+                        <a:schemeClr val="tx1"/>
+                      </a:solidFill>
+                      <a:prstDash val="solid"/>
+                      <a:round/>
+                      <a:headEnd type="none" w="med" len="med"/>
+                      <a:tailEnd type="none" w="med" len="med"/>
+                    </a:lnT>
+                    <a:lnB w="12700" cap="flat" cmpd="sng" algn="ctr">
+                      <a:solidFill>
+                        <a:schemeClr val="tx1"/>
+                      </a:solidFill>
+                      <a:prstDash val="solid"/>
+                      <a:round/>
+                      <a:headEnd type="none" w="med" len="med"/>
+                      <a:tailEnd type="none" w="med" len="med"/>
+                    </a:lnB>
+                    <a:solidFill>
+                      <a:schemeClr val="accent1">
+                        <a:lumMod val="60000"/>
+                        <a:lumOff val="40000"/>
+                      </a:schemeClr>
+                    </a:solidFill>
+                  </a:tcPr>
+                </a:tc>
+                <a:tc>
+                  <a:txBody>
+                    <a:bodyPr/>
+                    <a:lstStyle/>
+                    <a:p>
+                      <a:pPr latinLnBrk="1"/>
+                      <a:endParaRPr lang="ko-KR" altLang="en-US" sz="1400" dirty="0">
                         <a:solidFill>
                           <a:schemeClr val="tx1"/>
                         </a:solidFill>
@@ -6858,10 +6936,7 @@
                       <a:tailEnd type="none" w="med" len="med"/>
                     </a:lnB>
                     <a:solidFill>
-                      <a:schemeClr val="accent1">
-                        <a:lumMod val="60000"/>
-                        <a:lumOff val="40000"/>
-                      </a:schemeClr>
+                      <a:schemeClr val="bg1"/>
                     </a:solidFill>
                   </a:tcPr>
                 </a:tc>
@@ -6871,62 +6946,7 @@
                     <a:lstStyle/>
                     <a:p>
                       <a:pPr latinLnBrk="1"/>
-                      <a:endParaRPr lang="ko-KR" altLang="en-US" dirty="0">
-                        <a:solidFill>
-                          <a:schemeClr val="tx1"/>
-                        </a:solidFill>
-                      </a:endParaRPr>
-                    </a:p>
-                  </a:txBody>
-                  <a:tcPr>
-                    <a:lnL w="12700" cap="flat" cmpd="sng" algn="ctr">
-                      <a:solidFill>
-                        <a:schemeClr val="tx1"/>
-                      </a:solidFill>
-                      <a:prstDash val="solid"/>
-                      <a:round/>
-                      <a:headEnd type="none" w="med" len="med"/>
-                      <a:tailEnd type="none" w="med" len="med"/>
-                    </a:lnL>
-                    <a:lnR w="12700" cap="flat" cmpd="sng" algn="ctr">
-                      <a:solidFill>
-                        <a:schemeClr val="tx1"/>
-                      </a:solidFill>
-                      <a:prstDash val="solid"/>
-                      <a:round/>
-                      <a:headEnd type="none" w="med" len="med"/>
-                      <a:tailEnd type="none" w="med" len="med"/>
-                    </a:lnR>
-                    <a:lnT w="12700" cap="flat" cmpd="sng" algn="ctr">
-                      <a:solidFill>
-                        <a:schemeClr val="tx1"/>
-                      </a:solidFill>
-                      <a:prstDash val="solid"/>
-                      <a:round/>
-                      <a:headEnd type="none" w="med" len="med"/>
-                      <a:tailEnd type="none" w="med" len="med"/>
-                    </a:lnT>
-                    <a:lnB w="12700" cap="flat" cmpd="sng" algn="ctr">
-                      <a:solidFill>
-                        <a:schemeClr val="tx1"/>
-                      </a:solidFill>
-                      <a:prstDash val="solid"/>
-                      <a:round/>
-                      <a:headEnd type="none" w="med" len="med"/>
-                      <a:tailEnd type="none" w="med" len="med"/>
-                    </a:lnB>
-                    <a:solidFill>
-                      <a:schemeClr val="bg1"/>
-                    </a:solidFill>
-                  </a:tcPr>
-                </a:tc>
-                <a:tc>
-                  <a:txBody>
-                    <a:bodyPr/>
-                    <a:lstStyle/>
-                    <a:p>
-                      <a:pPr latinLnBrk="1"/>
-                      <a:endParaRPr lang="ko-KR" altLang="en-US" dirty="0">
+                      <a:endParaRPr lang="ko-KR" altLang="en-US" sz="1400" dirty="0">
                         <a:solidFill>
                           <a:schemeClr val="tx1"/>
                         </a:solidFill>
@@ -6988,7 +7008,76 @@
                     <a:lstStyle/>
                     <a:p>
                       <a:pPr algn="ctr" latinLnBrk="1"/>
-                      <a:endParaRPr lang="ko-KR" altLang="en-US" dirty="0">
+                      <a:r>
+                        <a:rPr lang="ko-KR" altLang="en-US" sz="1400" dirty="0" err="1">
+                          <a:solidFill>
+                            <a:schemeClr val="tx1"/>
+                          </a:solidFill>
+                        </a:rPr>
+                        <a:t>펜리르의</a:t>
+                      </a:r>
+                      <a:r>
+                        <a:rPr lang="ko-KR" altLang="en-US" sz="1400" dirty="0">
+                          <a:solidFill>
+                            <a:schemeClr val="tx1"/>
+                          </a:solidFill>
+                        </a:rPr>
+                        <a:t> 이빨</a:t>
+                      </a:r>
+                    </a:p>
+                  </a:txBody>
+                  <a:tcPr>
+                    <a:lnL w="12700" cap="flat" cmpd="sng" algn="ctr">
+                      <a:solidFill>
+                        <a:schemeClr val="tx1"/>
+                      </a:solidFill>
+                      <a:prstDash val="solid"/>
+                      <a:round/>
+                      <a:headEnd type="none" w="med" len="med"/>
+                      <a:tailEnd type="none" w="med" len="med"/>
+                    </a:lnL>
+                    <a:lnR w="12700" cap="flat" cmpd="sng" algn="ctr">
+                      <a:solidFill>
+                        <a:schemeClr val="tx1"/>
+                      </a:solidFill>
+                      <a:prstDash val="solid"/>
+                      <a:round/>
+                      <a:headEnd type="none" w="med" len="med"/>
+                      <a:tailEnd type="none" w="med" len="med"/>
+                    </a:lnR>
+                    <a:lnT w="12700" cap="flat" cmpd="sng" algn="ctr">
+                      <a:solidFill>
+                        <a:schemeClr val="tx1"/>
+                      </a:solidFill>
+                      <a:prstDash val="solid"/>
+                      <a:round/>
+                      <a:headEnd type="none" w="med" len="med"/>
+                      <a:tailEnd type="none" w="med" len="med"/>
+                    </a:lnT>
+                    <a:lnB w="12700" cap="flat" cmpd="sng" algn="ctr">
+                      <a:solidFill>
+                        <a:schemeClr val="tx1"/>
+                      </a:solidFill>
+                      <a:prstDash val="solid"/>
+                      <a:round/>
+                      <a:headEnd type="none" w="med" len="med"/>
+                      <a:tailEnd type="none" w="med" len="med"/>
+                    </a:lnB>
+                    <a:solidFill>
+                      <a:schemeClr val="accent1">
+                        <a:lumMod val="60000"/>
+                        <a:lumOff val="40000"/>
+                      </a:schemeClr>
+                    </a:solidFill>
+                  </a:tcPr>
+                </a:tc>
+                <a:tc>
+                  <a:txBody>
+                    <a:bodyPr/>
+                    <a:lstStyle/>
+                    <a:p>
+                      <a:pPr latinLnBrk="1"/>
+                      <a:endParaRPr lang="ko-KR" altLang="en-US" sz="1400" dirty="0">
                         <a:solidFill>
                           <a:schemeClr val="tx1"/>
                         </a:solidFill>
@@ -7033,10 +7122,7 @@
                       <a:tailEnd type="none" w="med" len="med"/>
                     </a:lnB>
                     <a:solidFill>
-                      <a:schemeClr val="accent1">
-                        <a:lumMod val="60000"/>
-                        <a:lumOff val="40000"/>
-                      </a:schemeClr>
+                      <a:schemeClr val="bg1"/>
                     </a:solidFill>
                   </a:tcPr>
                 </a:tc>
@@ -7046,62 +7132,7 @@
                     <a:lstStyle/>
                     <a:p>
                       <a:pPr latinLnBrk="1"/>
-                      <a:endParaRPr lang="ko-KR" altLang="en-US" dirty="0">
-                        <a:solidFill>
-                          <a:schemeClr val="tx1"/>
-                        </a:solidFill>
-                      </a:endParaRPr>
-                    </a:p>
-                  </a:txBody>
-                  <a:tcPr>
-                    <a:lnL w="12700" cap="flat" cmpd="sng" algn="ctr">
-                      <a:solidFill>
-                        <a:schemeClr val="tx1"/>
-                      </a:solidFill>
-                      <a:prstDash val="solid"/>
-                      <a:round/>
-                      <a:headEnd type="none" w="med" len="med"/>
-                      <a:tailEnd type="none" w="med" len="med"/>
-                    </a:lnL>
-                    <a:lnR w="12700" cap="flat" cmpd="sng" algn="ctr">
-                      <a:solidFill>
-                        <a:schemeClr val="tx1"/>
-                      </a:solidFill>
-                      <a:prstDash val="solid"/>
-                      <a:round/>
-                      <a:headEnd type="none" w="med" len="med"/>
-                      <a:tailEnd type="none" w="med" len="med"/>
-                    </a:lnR>
-                    <a:lnT w="12700" cap="flat" cmpd="sng" algn="ctr">
-                      <a:solidFill>
-                        <a:schemeClr val="tx1"/>
-                      </a:solidFill>
-                      <a:prstDash val="solid"/>
-                      <a:round/>
-                      <a:headEnd type="none" w="med" len="med"/>
-                      <a:tailEnd type="none" w="med" len="med"/>
-                    </a:lnT>
-                    <a:lnB w="12700" cap="flat" cmpd="sng" algn="ctr">
-                      <a:solidFill>
-                        <a:schemeClr val="tx1"/>
-                      </a:solidFill>
-                      <a:prstDash val="solid"/>
-                      <a:round/>
-                      <a:headEnd type="none" w="med" len="med"/>
-                      <a:tailEnd type="none" w="med" len="med"/>
-                    </a:lnB>
-                    <a:solidFill>
-                      <a:schemeClr val="bg1"/>
-                    </a:solidFill>
-                  </a:tcPr>
-                </a:tc>
-                <a:tc>
-                  <a:txBody>
-                    <a:bodyPr/>
-                    <a:lstStyle/>
-                    <a:p>
-                      <a:pPr latinLnBrk="1"/>
-                      <a:endParaRPr lang="ko-KR" altLang="en-US" dirty="0">
+                      <a:endParaRPr lang="ko-KR" altLang="en-US" sz="1400" dirty="0">
                         <a:solidFill>
                           <a:schemeClr val="tx1"/>
                         </a:solidFill>
@@ -7163,7 +7194,15 @@
                     <a:lstStyle/>
                     <a:p>
                       <a:pPr algn="ctr" latinLnBrk="1"/>
-                      <a:endParaRPr lang="ko-KR" altLang="en-US" dirty="0">
+                      <a:r>
+                        <a:rPr lang="ko-KR" altLang="en-US" sz="1400" dirty="0" err="1">
+                          <a:solidFill>
+                            <a:schemeClr val="tx1"/>
+                          </a:solidFill>
+                        </a:rPr>
+                        <a:t>발할라로</a:t>
+                      </a:r>
+                      <a:endParaRPr lang="ko-KR" altLang="en-US" sz="1400" dirty="0">
                         <a:solidFill>
                           <a:schemeClr val="tx1"/>
                         </a:solidFill>
@@ -7221,7 +7260,7 @@
                     <a:lstStyle/>
                     <a:p>
                       <a:pPr latinLnBrk="1"/>
-                      <a:endParaRPr lang="ko-KR" altLang="en-US" dirty="0">
+                      <a:endParaRPr lang="ko-KR" altLang="en-US" sz="1400" dirty="0">
                         <a:solidFill>
                           <a:schemeClr val="tx1"/>
                         </a:solidFill>
@@ -7276,7 +7315,7 @@
                     <a:lstStyle/>
                     <a:p>
                       <a:pPr latinLnBrk="1"/>
-                      <a:endParaRPr lang="ko-KR" altLang="en-US" dirty="0">
+                      <a:endParaRPr lang="ko-KR" altLang="en-US" sz="1400" dirty="0">
                         <a:solidFill>
                           <a:schemeClr val="tx1"/>
                         </a:solidFill>
@@ -7338,7 +7377,68 @@
                     <a:lstStyle/>
                     <a:p>
                       <a:pPr algn="ctr" latinLnBrk="1"/>
-                      <a:endParaRPr lang="ko-KR" altLang="en-US" dirty="0">
+                      <a:r>
+                        <a:rPr lang="ko-KR" altLang="en-US" sz="1400" dirty="0">
+                          <a:solidFill>
+                            <a:schemeClr val="tx1"/>
+                          </a:solidFill>
+                        </a:rPr>
+                        <a:t>토르의 망치</a:t>
+                      </a:r>
+                    </a:p>
+                  </a:txBody>
+                  <a:tcPr>
+                    <a:lnL w="12700" cap="flat" cmpd="sng" algn="ctr">
+                      <a:solidFill>
+                        <a:schemeClr val="tx1"/>
+                      </a:solidFill>
+                      <a:prstDash val="solid"/>
+                      <a:round/>
+                      <a:headEnd type="none" w="med" len="med"/>
+                      <a:tailEnd type="none" w="med" len="med"/>
+                    </a:lnL>
+                    <a:lnR w="12700" cap="flat" cmpd="sng" algn="ctr">
+                      <a:solidFill>
+                        <a:schemeClr val="tx1"/>
+                      </a:solidFill>
+                      <a:prstDash val="solid"/>
+                      <a:round/>
+                      <a:headEnd type="none" w="med" len="med"/>
+                      <a:tailEnd type="none" w="med" len="med"/>
+                    </a:lnR>
+                    <a:lnT w="12700" cap="flat" cmpd="sng" algn="ctr">
+                      <a:solidFill>
+                        <a:schemeClr val="tx1"/>
+                      </a:solidFill>
+                      <a:prstDash val="solid"/>
+                      <a:round/>
+                      <a:headEnd type="none" w="med" len="med"/>
+                      <a:tailEnd type="none" w="med" len="med"/>
+                    </a:lnT>
+                    <a:lnB w="12700" cap="flat" cmpd="sng" algn="ctr">
+                      <a:solidFill>
+                        <a:schemeClr val="tx1"/>
+                      </a:solidFill>
+                      <a:prstDash val="solid"/>
+                      <a:round/>
+                      <a:headEnd type="none" w="med" len="med"/>
+                      <a:tailEnd type="none" w="med" len="med"/>
+                    </a:lnB>
+                    <a:solidFill>
+                      <a:schemeClr val="accent4">
+                        <a:lumMod val="60000"/>
+                        <a:lumOff val="40000"/>
+                      </a:schemeClr>
+                    </a:solidFill>
+                  </a:tcPr>
+                </a:tc>
+                <a:tc>
+                  <a:txBody>
+                    <a:bodyPr/>
+                    <a:lstStyle/>
+                    <a:p>
+                      <a:pPr latinLnBrk="1"/>
+                      <a:endParaRPr lang="ko-KR" altLang="en-US" sz="1400" dirty="0">
                         <a:solidFill>
                           <a:schemeClr val="tx1"/>
                         </a:solidFill>
@@ -7383,10 +7483,7 @@
                       <a:tailEnd type="none" w="med" len="med"/>
                     </a:lnB>
                     <a:solidFill>
-                      <a:schemeClr val="accent4">
-                        <a:lumMod val="60000"/>
-                        <a:lumOff val="40000"/>
-                      </a:schemeClr>
+                      <a:schemeClr val="bg1"/>
                     </a:solidFill>
                   </a:tcPr>
                 </a:tc>
@@ -7396,62 +7493,7 @@
                     <a:lstStyle/>
                     <a:p>
                       <a:pPr latinLnBrk="1"/>
-                      <a:endParaRPr lang="ko-KR" altLang="en-US" dirty="0">
-                        <a:solidFill>
-                          <a:schemeClr val="tx1"/>
-                        </a:solidFill>
-                      </a:endParaRPr>
-                    </a:p>
-                  </a:txBody>
-                  <a:tcPr>
-                    <a:lnL w="12700" cap="flat" cmpd="sng" algn="ctr">
-                      <a:solidFill>
-                        <a:schemeClr val="tx1"/>
-                      </a:solidFill>
-                      <a:prstDash val="solid"/>
-                      <a:round/>
-                      <a:headEnd type="none" w="med" len="med"/>
-                      <a:tailEnd type="none" w="med" len="med"/>
-                    </a:lnL>
-                    <a:lnR w="12700" cap="flat" cmpd="sng" algn="ctr">
-                      <a:solidFill>
-                        <a:schemeClr val="tx1"/>
-                      </a:solidFill>
-                      <a:prstDash val="solid"/>
-                      <a:round/>
-                      <a:headEnd type="none" w="med" len="med"/>
-                      <a:tailEnd type="none" w="med" len="med"/>
-                    </a:lnR>
-                    <a:lnT w="12700" cap="flat" cmpd="sng" algn="ctr">
-                      <a:solidFill>
-                        <a:schemeClr val="tx1"/>
-                      </a:solidFill>
-                      <a:prstDash val="solid"/>
-                      <a:round/>
-                      <a:headEnd type="none" w="med" len="med"/>
-                      <a:tailEnd type="none" w="med" len="med"/>
-                    </a:lnT>
-                    <a:lnB w="12700" cap="flat" cmpd="sng" algn="ctr">
-                      <a:solidFill>
-                        <a:schemeClr val="tx1"/>
-                      </a:solidFill>
-                      <a:prstDash val="solid"/>
-                      <a:round/>
-                      <a:headEnd type="none" w="med" len="med"/>
-                      <a:tailEnd type="none" w="med" len="med"/>
-                    </a:lnB>
-                    <a:solidFill>
-                      <a:schemeClr val="bg1"/>
-                    </a:solidFill>
-                  </a:tcPr>
-                </a:tc>
-                <a:tc>
-                  <a:txBody>
-                    <a:bodyPr/>
-                    <a:lstStyle/>
-                    <a:p>
-                      <a:pPr latinLnBrk="1"/>
-                      <a:endParaRPr lang="ko-KR" altLang="en-US" dirty="0">
+                      <a:endParaRPr lang="ko-KR" altLang="en-US" sz="1400" dirty="0">
                         <a:solidFill>
                           <a:schemeClr val="tx1"/>
                         </a:solidFill>
@@ -9468,7 +9510,7 @@
             <p:ph idx="1"/>
             <p:extLst>
               <p:ext uri="{D42A27DB-BD31-4B8C-83A1-F6EECF244321}">
-                <p14:modId xmlns:p14="http://schemas.microsoft.com/office/powerpoint/2010/main" val="1240135393"/>
+                <p14:modId xmlns:p14="http://schemas.microsoft.com/office/powerpoint/2010/main" val="3239460368"/>
               </p:ext>
             </p:extLst>
           </p:nvPr>
@@ -9513,7 +9555,68 @@
                     <a:lstStyle/>
                     <a:p>
                       <a:pPr algn="ctr" latinLnBrk="1"/>
-                      <a:endParaRPr lang="ko-KR" altLang="en-US" dirty="0">
+                      <a:r>
+                        <a:rPr lang="ko-KR" altLang="en-US" sz="1400" dirty="0">
+                          <a:solidFill>
+                            <a:schemeClr val="tx1"/>
+                          </a:solidFill>
+                        </a:rPr>
+                        <a:t>이등병의 패기</a:t>
+                      </a:r>
+                    </a:p>
+                  </a:txBody>
+                  <a:tcPr>
+                    <a:lnL w="12700" cap="flat" cmpd="sng" algn="ctr">
+                      <a:solidFill>
+                        <a:schemeClr val="tx1"/>
+                      </a:solidFill>
+                      <a:prstDash val="solid"/>
+                      <a:round/>
+                      <a:headEnd type="none" w="med" len="med"/>
+                      <a:tailEnd type="none" w="med" len="med"/>
+                    </a:lnL>
+                    <a:lnR w="12700" cap="flat" cmpd="sng" algn="ctr">
+                      <a:solidFill>
+                        <a:schemeClr val="tx1"/>
+                      </a:solidFill>
+                      <a:prstDash val="solid"/>
+                      <a:round/>
+                      <a:headEnd type="none" w="med" len="med"/>
+                      <a:tailEnd type="none" w="med" len="med"/>
+                    </a:lnR>
+                    <a:lnT w="12700" cap="flat" cmpd="sng" algn="ctr">
+                      <a:solidFill>
+                        <a:schemeClr val="tx1"/>
+                      </a:solidFill>
+                      <a:prstDash val="solid"/>
+                      <a:round/>
+                      <a:headEnd type="none" w="med" len="med"/>
+                      <a:tailEnd type="none" w="med" len="med"/>
+                    </a:lnT>
+                    <a:lnB w="12700" cap="flat" cmpd="sng" algn="ctr">
+                      <a:solidFill>
+                        <a:schemeClr val="tx1"/>
+                      </a:solidFill>
+                      <a:prstDash val="solid"/>
+                      <a:round/>
+                      <a:headEnd type="none" w="med" len="med"/>
+                      <a:tailEnd type="none" w="med" len="med"/>
+                    </a:lnB>
+                    <a:solidFill>
+                      <a:schemeClr val="accent4">
+                        <a:lumMod val="20000"/>
+                        <a:lumOff val="80000"/>
+                      </a:schemeClr>
+                    </a:solidFill>
+                  </a:tcPr>
+                </a:tc>
+                <a:tc>
+                  <a:txBody>
+                    <a:bodyPr/>
+                    <a:lstStyle/>
+                    <a:p>
+                      <a:pPr latinLnBrk="1"/>
+                      <a:endParaRPr lang="ko-KR" altLang="en-US" sz="1400" dirty="0">
                         <a:solidFill>
                           <a:schemeClr val="tx1"/>
                         </a:solidFill>
@@ -9558,10 +9661,7 @@
                       <a:tailEnd type="none" w="med" len="med"/>
                     </a:lnB>
                     <a:solidFill>
-                      <a:schemeClr val="accent4">
-                        <a:lumMod val="20000"/>
-                        <a:lumOff val="80000"/>
-                      </a:schemeClr>
+                      <a:schemeClr val="bg1"/>
                     </a:solidFill>
                   </a:tcPr>
                 </a:tc>
@@ -9571,62 +9671,7 @@
                     <a:lstStyle/>
                     <a:p>
                       <a:pPr latinLnBrk="1"/>
-                      <a:endParaRPr lang="ko-KR" altLang="en-US" dirty="0">
-                        <a:solidFill>
-                          <a:schemeClr val="tx1"/>
-                        </a:solidFill>
-                      </a:endParaRPr>
-                    </a:p>
-                  </a:txBody>
-                  <a:tcPr>
-                    <a:lnL w="12700" cap="flat" cmpd="sng" algn="ctr">
-                      <a:solidFill>
-                        <a:schemeClr val="tx1"/>
-                      </a:solidFill>
-                      <a:prstDash val="solid"/>
-                      <a:round/>
-                      <a:headEnd type="none" w="med" len="med"/>
-                      <a:tailEnd type="none" w="med" len="med"/>
-                    </a:lnL>
-                    <a:lnR w="12700" cap="flat" cmpd="sng" algn="ctr">
-                      <a:solidFill>
-                        <a:schemeClr val="tx1"/>
-                      </a:solidFill>
-                      <a:prstDash val="solid"/>
-                      <a:round/>
-                      <a:headEnd type="none" w="med" len="med"/>
-                      <a:tailEnd type="none" w="med" len="med"/>
-                    </a:lnR>
-                    <a:lnT w="12700" cap="flat" cmpd="sng" algn="ctr">
-                      <a:solidFill>
-                        <a:schemeClr val="tx1"/>
-                      </a:solidFill>
-                      <a:prstDash val="solid"/>
-                      <a:round/>
-                      <a:headEnd type="none" w="med" len="med"/>
-                      <a:tailEnd type="none" w="med" len="med"/>
-                    </a:lnT>
-                    <a:lnB w="12700" cap="flat" cmpd="sng" algn="ctr">
-                      <a:solidFill>
-                        <a:schemeClr val="tx1"/>
-                      </a:solidFill>
-                      <a:prstDash val="solid"/>
-                      <a:round/>
-                      <a:headEnd type="none" w="med" len="med"/>
-                      <a:tailEnd type="none" w="med" len="med"/>
-                    </a:lnB>
-                    <a:solidFill>
-                      <a:schemeClr val="bg1"/>
-                    </a:solidFill>
-                  </a:tcPr>
-                </a:tc>
-                <a:tc>
-                  <a:txBody>
-                    <a:bodyPr/>
-                    <a:lstStyle/>
-                    <a:p>
-                      <a:pPr latinLnBrk="1"/>
-                      <a:endParaRPr lang="ko-KR" altLang="en-US" dirty="0">
+                      <a:endParaRPr lang="ko-KR" altLang="en-US" sz="1400" dirty="0">
                         <a:solidFill>
                           <a:schemeClr val="tx1"/>
                         </a:solidFill>
@@ -9688,7 +9733,7 @@
                     <a:lstStyle/>
                     <a:p>
                       <a:pPr algn="ctr" latinLnBrk="1"/>
-                      <a:endParaRPr lang="ko-KR" altLang="en-US" dirty="0">
+                      <a:endParaRPr lang="ko-KR" altLang="en-US" sz="1400" dirty="0">
                         <a:solidFill>
                           <a:schemeClr val="tx1"/>
                         </a:solidFill>
@@ -9746,7 +9791,7 @@
                     <a:lstStyle/>
                     <a:p>
                       <a:pPr latinLnBrk="1"/>
-                      <a:endParaRPr lang="ko-KR" altLang="en-US" dirty="0">
+                      <a:endParaRPr lang="ko-KR" altLang="en-US" sz="1400" dirty="0">
                         <a:solidFill>
                           <a:schemeClr val="tx1"/>
                         </a:solidFill>
@@ -9801,7 +9846,7 @@
                     <a:lstStyle/>
                     <a:p>
                       <a:pPr latinLnBrk="1"/>
-                      <a:endParaRPr lang="ko-KR" altLang="en-US" dirty="0">
+                      <a:endParaRPr lang="ko-KR" altLang="en-US" sz="1400" dirty="0">
                         <a:solidFill>
                           <a:schemeClr val="tx1"/>
                         </a:solidFill>
@@ -9863,7 +9908,7 @@
                     <a:lstStyle/>
                     <a:p>
                       <a:pPr algn="ctr" latinLnBrk="1"/>
-                      <a:endParaRPr lang="ko-KR" altLang="en-US" dirty="0">
+                      <a:endParaRPr lang="ko-KR" altLang="en-US" sz="1400" dirty="0">
                         <a:solidFill>
                           <a:schemeClr val="tx1"/>
                         </a:solidFill>
@@ -9921,7 +9966,7 @@
                     <a:lstStyle/>
                     <a:p>
                       <a:pPr latinLnBrk="1"/>
-                      <a:endParaRPr lang="ko-KR" altLang="en-US" dirty="0">
+                      <a:endParaRPr lang="ko-KR" altLang="en-US" sz="1400" dirty="0">
                         <a:solidFill>
                           <a:schemeClr val="tx1"/>
                         </a:solidFill>
@@ -9976,7 +10021,7 @@
                     <a:lstStyle/>
                     <a:p>
                       <a:pPr latinLnBrk="1"/>
-                      <a:endParaRPr lang="ko-KR" altLang="en-US" dirty="0">
+                      <a:endParaRPr lang="ko-KR" altLang="en-US" sz="1400" dirty="0">
                         <a:solidFill>
                           <a:schemeClr val="tx1"/>
                         </a:solidFill>
@@ -10038,7 +10083,7 @@
                     <a:lstStyle/>
                     <a:p>
                       <a:pPr algn="ctr" latinLnBrk="1"/>
-                      <a:endParaRPr lang="ko-KR" altLang="en-US" dirty="0">
+                      <a:endParaRPr lang="ko-KR" altLang="en-US" sz="1400" dirty="0">
                         <a:solidFill>
                           <a:schemeClr val="tx1"/>
                         </a:solidFill>
@@ -10096,7 +10141,7 @@
                     <a:lstStyle/>
                     <a:p>
                       <a:pPr latinLnBrk="1"/>
-                      <a:endParaRPr lang="ko-KR" altLang="en-US" dirty="0">
+                      <a:endParaRPr lang="ko-KR" altLang="en-US" sz="1400" dirty="0">
                         <a:solidFill>
                           <a:schemeClr val="tx1"/>
                         </a:solidFill>
@@ -10151,7 +10196,7 @@
                     <a:lstStyle/>
                     <a:p>
                       <a:pPr latinLnBrk="1"/>
-                      <a:endParaRPr lang="ko-KR" altLang="en-US" dirty="0">
+                      <a:endParaRPr lang="ko-KR" altLang="en-US" sz="1400" dirty="0">
                         <a:solidFill>
                           <a:schemeClr val="tx1"/>
                         </a:solidFill>
@@ -10213,7 +10258,7 @@
                     <a:lstStyle/>
                     <a:p>
                       <a:pPr algn="ctr" latinLnBrk="1"/>
-                      <a:endParaRPr lang="ko-KR" altLang="en-US" dirty="0">
+                      <a:endParaRPr lang="ko-KR" altLang="en-US" sz="1400" dirty="0">
                         <a:solidFill>
                           <a:schemeClr val="tx1"/>
                         </a:solidFill>
@@ -10271,7 +10316,7 @@
                     <a:lstStyle/>
                     <a:p>
                       <a:pPr latinLnBrk="1"/>
-                      <a:endParaRPr lang="ko-KR" altLang="en-US" dirty="0">
+                      <a:endParaRPr lang="ko-KR" altLang="en-US" sz="1400" dirty="0">
                         <a:solidFill>
                           <a:schemeClr val="tx1"/>
                         </a:solidFill>
@@ -10326,7 +10371,7 @@
                     <a:lstStyle/>
                     <a:p>
                       <a:pPr latinLnBrk="1"/>
-                      <a:endParaRPr lang="ko-KR" altLang="en-US" dirty="0">
+                      <a:endParaRPr lang="ko-KR" altLang="en-US" sz="1400" dirty="0">
                         <a:solidFill>
                           <a:schemeClr val="tx1"/>
                         </a:solidFill>
@@ -10388,7 +10433,7 @@
                     <a:lstStyle/>
                     <a:p>
                       <a:pPr algn="ctr" latinLnBrk="1"/>
-                      <a:endParaRPr lang="ko-KR" altLang="en-US" dirty="0">
+                      <a:endParaRPr lang="ko-KR" altLang="en-US" sz="1400" dirty="0">
                         <a:solidFill>
                           <a:schemeClr val="tx1"/>
                         </a:solidFill>
@@ -10446,7 +10491,7 @@
                     <a:lstStyle/>
                     <a:p>
                       <a:pPr latinLnBrk="1"/>
-                      <a:endParaRPr lang="ko-KR" altLang="en-US" dirty="0">
+                      <a:endParaRPr lang="ko-KR" altLang="en-US" sz="1400" dirty="0">
                         <a:solidFill>
                           <a:schemeClr val="tx1"/>
                         </a:solidFill>
@@ -10501,7 +10546,7 @@
                     <a:lstStyle/>
                     <a:p>
                       <a:pPr latinLnBrk="1"/>
-                      <a:endParaRPr lang="ko-KR" altLang="en-US" dirty="0">
+                      <a:endParaRPr lang="ko-KR" altLang="en-US" sz="1400" dirty="0">
                         <a:solidFill>
                           <a:schemeClr val="tx1"/>
                         </a:solidFill>
@@ -10563,7 +10608,7 @@
                     <a:lstStyle/>
                     <a:p>
                       <a:pPr algn="ctr" latinLnBrk="1"/>
-                      <a:endParaRPr lang="ko-KR" altLang="en-US" dirty="0">
+                      <a:endParaRPr lang="ko-KR" altLang="en-US" sz="1400" dirty="0">
                         <a:solidFill>
                           <a:schemeClr val="tx1"/>
                         </a:solidFill>
@@ -10621,7 +10666,7 @@
                     <a:lstStyle/>
                     <a:p>
                       <a:pPr latinLnBrk="1"/>
-                      <a:endParaRPr lang="ko-KR" altLang="en-US" dirty="0">
+                      <a:endParaRPr lang="ko-KR" altLang="en-US" sz="1400" dirty="0">
                         <a:solidFill>
                           <a:schemeClr val="tx1"/>
                         </a:solidFill>
@@ -10676,7 +10721,7 @@
                     <a:lstStyle/>
                     <a:p>
                       <a:pPr latinLnBrk="1"/>
-                      <a:endParaRPr lang="ko-KR" altLang="en-US" dirty="0">
+                      <a:endParaRPr lang="ko-KR" altLang="en-US" sz="1400" dirty="0">
                         <a:solidFill>
                           <a:schemeClr val="tx1"/>
                         </a:solidFill>
@@ -10738,7 +10783,7 @@
                     <a:lstStyle/>
                     <a:p>
                       <a:pPr algn="ctr" latinLnBrk="1"/>
-                      <a:endParaRPr lang="ko-KR" altLang="en-US" dirty="0">
+                      <a:endParaRPr lang="ko-KR" altLang="en-US" sz="1400" dirty="0">
                         <a:solidFill>
                           <a:schemeClr val="tx1"/>
                         </a:solidFill>
@@ -10796,7 +10841,7 @@
                     <a:lstStyle/>
                     <a:p>
                       <a:pPr latinLnBrk="1"/>
-                      <a:endParaRPr lang="ko-KR" altLang="en-US" dirty="0">
+                      <a:endParaRPr lang="ko-KR" altLang="en-US" sz="1400" dirty="0">
                         <a:solidFill>
                           <a:schemeClr val="tx1"/>
                         </a:solidFill>
@@ -10851,7 +10896,7 @@
                     <a:lstStyle/>
                     <a:p>
                       <a:pPr latinLnBrk="1"/>
-                      <a:endParaRPr lang="ko-KR" altLang="en-US" dirty="0">
+                      <a:endParaRPr lang="ko-KR" altLang="en-US" sz="1400" dirty="0">
                         <a:solidFill>
                           <a:schemeClr val="tx1"/>
                         </a:solidFill>
@@ -10913,7 +10958,7 @@
                     <a:lstStyle/>
                     <a:p>
                       <a:pPr algn="ctr" latinLnBrk="1"/>
-                      <a:endParaRPr lang="ko-KR" altLang="en-US" dirty="0">
+                      <a:endParaRPr lang="ko-KR" altLang="en-US" sz="1400" dirty="0">
                         <a:solidFill>
                           <a:schemeClr val="tx1"/>
                         </a:solidFill>
@@ -10971,7 +11016,7 @@
                     <a:lstStyle/>
                     <a:p>
                       <a:pPr latinLnBrk="1"/>
-                      <a:endParaRPr lang="ko-KR" altLang="en-US" dirty="0">
+                      <a:endParaRPr lang="ko-KR" altLang="en-US" sz="1400" dirty="0">
                         <a:solidFill>
                           <a:schemeClr val="tx1"/>
                         </a:solidFill>
@@ -11026,7 +11071,7 @@
                     <a:lstStyle/>
                     <a:p>
                       <a:pPr latinLnBrk="1"/>
-                      <a:endParaRPr lang="ko-KR" altLang="en-US" dirty="0">
+                      <a:endParaRPr lang="ko-KR" altLang="en-US" sz="1400" dirty="0">
                         <a:solidFill>
                           <a:schemeClr val="tx1"/>
                         </a:solidFill>
@@ -11088,7 +11133,7 @@
                     <a:lstStyle/>
                     <a:p>
                       <a:pPr algn="ctr" latinLnBrk="1"/>
-                      <a:endParaRPr lang="ko-KR" altLang="en-US" dirty="0">
+                      <a:endParaRPr lang="ko-KR" altLang="en-US" sz="1400" dirty="0">
                         <a:solidFill>
                           <a:schemeClr val="tx1"/>
                         </a:solidFill>
@@ -11146,7 +11191,7 @@
                     <a:lstStyle/>
                     <a:p>
                       <a:pPr latinLnBrk="1"/>
-                      <a:endParaRPr lang="ko-KR" altLang="en-US" dirty="0">
+                      <a:endParaRPr lang="ko-KR" altLang="en-US" sz="1400" dirty="0">
                         <a:solidFill>
                           <a:schemeClr val="tx1"/>
                         </a:solidFill>
@@ -11201,7 +11246,7 @@
                     <a:lstStyle/>
                     <a:p>
                       <a:pPr latinLnBrk="1"/>
-                      <a:endParaRPr lang="ko-KR" altLang="en-US" dirty="0">
+                      <a:endParaRPr lang="ko-KR" altLang="en-US" sz="1400" dirty="0">
                         <a:solidFill>
                           <a:schemeClr val="tx1"/>
                         </a:solidFill>
@@ -11324,7 +11369,7 @@
       </p:sp>
       <p:graphicFrame>
         <p:nvGraphicFramePr>
-          <p:cNvPr id="7" name="표 6">
+          <p:cNvPr id="7" name="내용 개체 틀 6">
             <a:extLst>
               <a:ext uri="{FF2B5EF4-FFF2-40B4-BE49-F238E27FC236}">
                 <a16:creationId xmlns:a16="http://schemas.microsoft.com/office/drawing/2014/main" id="{C4E17580-CCC5-4611-84A9-57D8743E5D34}"/>

--- a/캐릭터 및 카드 컨셉, 디자인.pptx
+++ b/캐릭터 및 카드 컨셉, 디자인.pptx
@@ -266,7 +266,7 @@
           <a:p>
             <a:fld id="{05BC4793-986E-4D22-B9AD-0CF3790F042B}" type="datetimeFigureOut">
               <a:rPr lang="ko-KR" altLang="en-US" smtClean="0"/>
-              <a:t>2019-10-15</a:t>
+              <a:t>2019-10-17</a:t>
             </a:fld>
             <a:endParaRPr lang="ko-KR" altLang="en-US"/>
           </a:p>
@@ -464,7 +464,7 @@
           <a:p>
             <a:fld id="{05BC4793-986E-4D22-B9AD-0CF3790F042B}" type="datetimeFigureOut">
               <a:rPr lang="ko-KR" altLang="en-US" smtClean="0"/>
-              <a:t>2019-10-15</a:t>
+              <a:t>2019-10-17</a:t>
             </a:fld>
             <a:endParaRPr lang="ko-KR" altLang="en-US"/>
           </a:p>
@@ -672,7 +672,7 @@
           <a:p>
             <a:fld id="{05BC4793-986E-4D22-B9AD-0CF3790F042B}" type="datetimeFigureOut">
               <a:rPr lang="ko-KR" altLang="en-US" smtClean="0"/>
-              <a:t>2019-10-15</a:t>
+              <a:t>2019-10-17</a:t>
             </a:fld>
             <a:endParaRPr lang="ko-KR" altLang="en-US"/>
           </a:p>
@@ -870,7 +870,7 @@
           <a:p>
             <a:fld id="{05BC4793-986E-4D22-B9AD-0CF3790F042B}" type="datetimeFigureOut">
               <a:rPr lang="ko-KR" altLang="en-US" smtClean="0"/>
-              <a:t>2019-10-15</a:t>
+              <a:t>2019-10-17</a:t>
             </a:fld>
             <a:endParaRPr lang="ko-KR" altLang="en-US"/>
           </a:p>
@@ -1145,7 +1145,7 @@
           <a:p>
             <a:fld id="{05BC4793-986E-4D22-B9AD-0CF3790F042B}" type="datetimeFigureOut">
               <a:rPr lang="ko-KR" altLang="en-US" smtClean="0"/>
-              <a:t>2019-10-15</a:t>
+              <a:t>2019-10-17</a:t>
             </a:fld>
             <a:endParaRPr lang="ko-KR" altLang="en-US"/>
           </a:p>
@@ -1410,7 +1410,7 @@
           <a:p>
             <a:fld id="{05BC4793-986E-4D22-B9AD-0CF3790F042B}" type="datetimeFigureOut">
               <a:rPr lang="ko-KR" altLang="en-US" smtClean="0"/>
-              <a:t>2019-10-15</a:t>
+              <a:t>2019-10-17</a:t>
             </a:fld>
             <a:endParaRPr lang="ko-KR" altLang="en-US"/>
           </a:p>
@@ -1822,7 +1822,7 @@
           <a:p>
             <a:fld id="{05BC4793-986E-4D22-B9AD-0CF3790F042B}" type="datetimeFigureOut">
               <a:rPr lang="ko-KR" altLang="en-US" smtClean="0"/>
-              <a:t>2019-10-15</a:t>
+              <a:t>2019-10-17</a:t>
             </a:fld>
             <a:endParaRPr lang="ko-KR" altLang="en-US"/>
           </a:p>
@@ -1963,7 +1963,7 @@
           <a:p>
             <a:fld id="{05BC4793-986E-4D22-B9AD-0CF3790F042B}" type="datetimeFigureOut">
               <a:rPr lang="ko-KR" altLang="en-US" smtClean="0"/>
-              <a:t>2019-10-15</a:t>
+              <a:t>2019-10-17</a:t>
             </a:fld>
             <a:endParaRPr lang="ko-KR" altLang="en-US"/>
           </a:p>
@@ -2076,7 +2076,7 @@
           <a:p>
             <a:fld id="{05BC4793-986E-4D22-B9AD-0CF3790F042B}" type="datetimeFigureOut">
               <a:rPr lang="ko-KR" altLang="en-US" smtClean="0"/>
-              <a:t>2019-10-15</a:t>
+              <a:t>2019-10-17</a:t>
             </a:fld>
             <a:endParaRPr lang="ko-KR" altLang="en-US"/>
           </a:p>
@@ -2387,7 +2387,7 @@
           <a:p>
             <a:fld id="{05BC4793-986E-4D22-B9AD-0CF3790F042B}" type="datetimeFigureOut">
               <a:rPr lang="ko-KR" altLang="en-US" smtClean="0"/>
-              <a:t>2019-10-15</a:t>
+              <a:t>2019-10-17</a:t>
             </a:fld>
             <a:endParaRPr lang="ko-KR" altLang="en-US"/>
           </a:p>
@@ -2675,7 +2675,7 @@
           <a:p>
             <a:fld id="{05BC4793-986E-4D22-B9AD-0CF3790F042B}" type="datetimeFigureOut">
               <a:rPr lang="ko-KR" altLang="en-US" smtClean="0"/>
-              <a:t>2019-10-15</a:t>
+              <a:t>2019-10-17</a:t>
             </a:fld>
             <a:endParaRPr lang="ko-KR" altLang="en-US"/>
           </a:p>
@@ -2916,7 +2916,7 @@
           <a:p>
             <a:fld id="{05BC4793-986E-4D22-B9AD-0CF3790F042B}" type="datetimeFigureOut">
               <a:rPr lang="ko-KR" altLang="en-US" smtClean="0"/>
-              <a:t>2019-10-15</a:t>
+              <a:t>2019-10-17</a:t>
             </a:fld>
             <a:endParaRPr lang="ko-KR" altLang="en-US"/>
           </a:p>
@@ -7635,14 +7635,14 @@
             <p:ph idx="1"/>
             <p:extLst>
               <p:ext uri="{D42A27DB-BD31-4B8C-83A1-F6EECF244321}">
-                <p14:modId xmlns:p14="http://schemas.microsoft.com/office/powerpoint/2010/main" val="1240135393"/>
+                <p14:modId xmlns:p14="http://schemas.microsoft.com/office/powerpoint/2010/main" val="46868149"/>
               </p:ext>
             </p:extLst>
           </p:nvPr>
         </p:nvGraphicFramePr>
         <p:xfrm>
           <a:off x="838200" y="1825625"/>
-          <a:ext cx="10515597" cy="3708400"/>
+          <a:ext cx="10515597" cy="3977640"/>
         </p:xfrm>
         <a:graphic>
           <a:graphicData uri="http://schemas.openxmlformats.org/drawingml/2006/table">
@@ -7680,6 +7680,14 @@
                     <a:lstStyle/>
                     <a:p>
                       <a:pPr algn="ctr" latinLnBrk="1"/>
+                      <a:r>
+                        <a:rPr lang="ko-KR" altLang="en-US" dirty="0" err="1">
+                          <a:solidFill>
+                            <a:schemeClr val="tx1"/>
+                          </a:solidFill>
+                        </a:rPr>
+                        <a:t>방패막기</a:t>
+                      </a:r>
                       <a:endParaRPr lang="ko-KR" altLang="en-US" dirty="0">
                         <a:solidFill>
                           <a:schemeClr val="tx1"/>
@@ -7855,11 +7863,14 @@
                     <a:lstStyle/>
                     <a:p>
                       <a:pPr algn="ctr" latinLnBrk="1"/>
-                      <a:endParaRPr lang="ko-KR" altLang="en-US" dirty="0">
-                        <a:solidFill>
-                          <a:schemeClr val="tx1"/>
-                        </a:solidFill>
-                      </a:endParaRPr>
+                      <a:r>
+                        <a:rPr lang="ko-KR" altLang="en-US" dirty="0">
+                          <a:solidFill>
+                            <a:schemeClr val="tx1"/>
+                          </a:solidFill>
+                        </a:rPr>
+                        <a:t>왕가의 검술</a:t>
+                      </a:r>
                     </a:p>
                   </a:txBody>
                   <a:tcPr>
@@ -8030,11 +8041,22 @@
                     <a:lstStyle/>
                     <a:p>
                       <a:pPr algn="ctr" latinLnBrk="1"/>
-                      <a:endParaRPr lang="ko-KR" altLang="en-US" dirty="0">
-                        <a:solidFill>
-                          <a:schemeClr val="tx1"/>
-                        </a:solidFill>
-                      </a:endParaRPr>
+                      <a:r>
+                        <a:rPr lang="ko-KR" altLang="en-US" dirty="0" err="1">
+                          <a:solidFill>
+                            <a:schemeClr val="tx1"/>
+                          </a:solidFill>
+                        </a:rPr>
+                        <a:t>모르가나의</a:t>
+                      </a:r>
+                      <a:r>
+                        <a:rPr lang="ko-KR" altLang="en-US" dirty="0">
+                          <a:solidFill>
+                            <a:schemeClr val="tx1"/>
+                          </a:solidFill>
+                        </a:rPr>
+                        <a:t> 예언</a:t>
+                      </a:r>
                     </a:p>
                   </a:txBody>
                   <a:tcPr>
@@ -8205,11 +8227,22 @@
                     <a:lstStyle/>
                     <a:p>
                       <a:pPr algn="ctr" latinLnBrk="1"/>
-                      <a:endParaRPr lang="ko-KR" altLang="en-US" dirty="0">
-                        <a:solidFill>
-                          <a:schemeClr val="tx1"/>
-                        </a:solidFill>
-                      </a:endParaRPr>
+                      <a:r>
+                        <a:rPr lang="ko-KR" altLang="en-US" dirty="0" err="1">
+                          <a:solidFill>
+                            <a:schemeClr val="tx1"/>
+                          </a:solidFill>
+                        </a:rPr>
+                        <a:t>검날</a:t>
+                      </a:r>
+                      <a:r>
+                        <a:rPr lang="ko-KR" altLang="en-US" dirty="0">
+                          <a:solidFill>
+                            <a:schemeClr val="tx1"/>
+                          </a:solidFill>
+                        </a:rPr>
+                        <a:t> 갈기</a:t>
+                      </a:r>
                     </a:p>
                   </a:txBody>
                   <a:tcPr>
@@ -8380,11 +8413,14 @@
                     <a:lstStyle/>
                     <a:p>
                       <a:pPr algn="ctr" latinLnBrk="1"/>
-                      <a:endParaRPr lang="ko-KR" altLang="en-US" dirty="0">
-                        <a:solidFill>
-                          <a:schemeClr val="tx1"/>
-                        </a:solidFill>
-                      </a:endParaRPr>
+                      <a:r>
+                        <a:rPr lang="ko-KR" altLang="en-US" dirty="0">
+                          <a:solidFill>
+                            <a:schemeClr val="tx1"/>
+                          </a:solidFill>
+                        </a:rPr>
+                        <a:t>왕국 건설</a:t>
+                      </a:r>
                     </a:p>
                   </a:txBody>
                   <a:tcPr>
@@ -8555,11 +8591,14 @@
                     <a:lstStyle/>
                     <a:p>
                       <a:pPr algn="ctr" latinLnBrk="1"/>
-                      <a:endParaRPr lang="ko-KR" altLang="en-US" dirty="0">
-                        <a:solidFill>
-                          <a:schemeClr val="tx1"/>
-                        </a:solidFill>
-                      </a:endParaRPr>
+                      <a:r>
+                        <a:rPr lang="ko-KR" altLang="en-US" dirty="0">
+                          <a:solidFill>
+                            <a:schemeClr val="tx1"/>
+                          </a:solidFill>
+                        </a:rPr>
+                        <a:t>치유의 샘물</a:t>
+                      </a:r>
                     </a:p>
                   </a:txBody>
                   <a:tcPr>
@@ -8730,11 +8769,14 @@
                     <a:lstStyle/>
                     <a:p>
                       <a:pPr algn="ctr" latinLnBrk="1"/>
-                      <a:endParaRPr lang="ko-KR" altLang="en-US" dirty="0">
-                        <a:solidFill>
-                          <a:schemeClr val="tx1"/>
-                        </a:solidFill>
-                      </a:endParaRPr>
+                      <a:r>
+                        <a:rPr lang="ko-KR" altLang="en-US" dirty="0">
+                          <a:solidFill>
+                            <a:schemeClr val="tx1"/>
+                          </a:solidFill>
+                        </a:rPr>
+                        <a:t>원탁의 기사</a:t>
+                      </a:r>
                     </a:p>
                   </a:txBody>
                   <a:tcPr>
@@ -8905,11 +8947,22 @@
                     <a:lstStyle/>
                     <a:p>
                       <a:pPr algn="ctr" latinLnBrk="1"/>
-                      <a:endParaRPr lang="ko-KR" altLang="en-US" dirty="0">
-                        <a:solidFill>
-                          <a:schemeClr val="tx1"/>
-                        </a:solidFill>
-                      </a:endParaRPr>
+                      <a:r>
+                        <a:rPr lang="ko-KR" altLang="en-US" dirty="0" err="1">
+                          <a:solidFill>
+                            <a:schemeClr val="tx1"/>
+                          </a:solidFill>
+                        </a:rPr>
+                        <a:t>멀린의</a:t>
+                      </a:r>
+                      <a:r>
+                        <a:rPr lang="ko-KR" altLang="en-US" dirty="0">
+                          <a:solidFill>
+                            <a:schemeClr val="tx1"/>
+                          </a:solidFill>
+                        </a:rPr>
+                        <a:t> 도움</a:t>
+                      </a:r>
                     </a:p>
                   </a:txBody>
                   <a:tcPr>
@@ -9080,6 +9133,14 @@
                     <a:lstStyle/>
                     <a:p>
                       <a:pPr algn="ctr" latinLnBrk="1"/>
+                      <a:r>
+                        <a:rPr lang="ko-KR" altLang="en-US" dirty="0" err="1">
+                          <a:solidFill>
+                            <a:schemeClr val="tx1"/>
+                          </a:solidFill>
+                        </a:rPr>
+                        <a:t>엑스칼리버</a:t>
+                      </a:r>
                       <a:endParaRPr lang="ko-KR" altLang="en-US" dirty="0">
                         <a:solidFill>
                           <a:schemeClr val="tx1"/>
@@ -9255,11 +9316,14 @@
                     <a:lstStyle/>
                     <a:p>
                       <a:pPr algn="ctr" latinLnBrk="1"/>
-                      <a:endParaRPr lang="ko-KR" altLang="en-US" dirty="0">
-                        <a:solidFill>
-                          <a:schemeClr val="tx1"/>
-                        </a:solidFill>
-                      </a:endParaRPr>
+                      <a:r>
+                        <a:rPr lang="ko-KR" altLang="en-US" dirty="0">
+                          <a:solidFill>
+                            <a:schemeClr val="tx1"/>
+                          </a:solidFill>
+                        </a:rPr>
+                        <a:t>황제의 위엄</a:t>
+                      </a:r>
                     </a:p>
                   </a:txBody>
                   <a:tcPr>
@@ -9510,7 +9574,7 @@
             <p:ph idx="1"/>
             <p:extLst>
               <p:ext uri="{D42A27DB-BD31-4B8C-83A1-F6EECF244321}">
-                <p14:modId xmlns:p14="http://schemas.microsoft.com/office/powerpoint/2010/main" val="3239460368"/>
+                <p14:modId xmlns:p14="http://schemas.microsoft.com/office/powerpoint/2010/main" val="490042075"/>
               </p:ext>
             </p:extLst>
           </p:nvPr>
@@ -9733,11 +9797,14 @@
                     <a:lstStyle/>
                     <a:p>
                       <a:pPr algn="ctr" latinLnBrk="1"/>
-                      <a:endParaRPr lang="ko-KR" altLang="en-US" sz="1400" dirty="0">
-                        <a:solidFill>
-                          <a:schemeClr val="tx1"/>
-                        </a:solidFill>
-                      </a:endParaRPr>
+                      <a:r>
+                        <a:rPr lang="ko-KR" altLang="en-US" sz="1400" dirty="0">
+                          <a:solidFill>
+                            <a:schemeClr val="tx1"/>
+                          </a:solidFill>
+                        </a:rPr>
+                        <a:t>군인의 본분</a:t>
+                      </a:r>
                     </a:p>
                   </a:txBody>
                   <a:tcPr>
@@ -9908,11 +9975,14 @@
                     <a:lstStyle/>
                     <a:p>
                       <a:pPr algn="ctr" latinLnBrk="1"/>
-                      <a:endParaRPr lang="ko-KR" altLang="en-US" sz="1400" dirty="0">
-                        <a:solidFill>
-                          <a:schemeClr val="tx1"/>
-                        </a:solidFill>
-                      </a:endParaRPr>
+                      <a:r>
+                        <a:rPr lang="ko-KR" altLang="en-US" sz="1400" dirty="0">
+                          <a:solidFill>
+                            <a:schemeClr val="tx1"/>
+                          </a:solidFill>
+                        </a:rPr>
+                        <a:t>총검술</a:t>
+                      </a:r>
                     </a:p>
                   </a:txBody>
                   <a:tcPr>
@@ -10083,11 +10153,14 @@
                     <a:lstStyle/>
                     <a:p>
                       <a:pPr algn="ctr" latinLnBrk="1"/>
-                      <a:endParaRPr lang="ko-KR" altLang="en-US" sz="1400" dirty="0">
-                        <a:solidFill>
-                          <a:schemeClr val="tx1"/>
-                        </a:solidFill>
-                      </a:endParaRPr>
+                      <a:r>
+                        <a:rPr lang="ko-KR" altLang="en-US" sz="1400" dirty="0">
+                          <a:solidFill>
+                            <a:schemeClr val="tx1"/>
+                          </a:solidFill>
+                        </a:rPr>
+                        <a:t>태권도</a:t>
+                      </a:r>
                     </a:p>
                   </a:txBody>
                   <a:tcPr>
@@ -10258,11 +10331,14 @@
                     <a:lstStyle/>
                     <a:p>
                       <a:pPr algn="ctr" latinLnBrk="1"/>
-                      <a:endParaRPr lang="ko-KR" altLang="en-US" sz="1400" dirty="0">
-                        <a:solidFill>
-                          <a:schemeClr val="tx1"/>
-                        </a:solidFill>
-                      </a:endParaRPr>
+                      <a:r>
+                        <a:rPr lang="ko-KR" altLang="en-US" sz="1400" dirty="0">
+                          <a:solidFill>
+                            <a:schemeClr val="tx1"/>
+                          </a:solidFill>
+                        </a:rPr>
+                        <a:t>진급</a:t>
+                      </a:r>
                     </a:p>
                   </a:txBody>
                   <a:tcPr>
@@ -10433,6 +10509,14 @@
                     <a:lstStyle/>
                     <a:p>
                       <a:pPr algn="ctr" latinLnBrk="1"/>
+                      <a:r>
+                        <a:rPr lang="ko-KR" altLang="en-US" sz="1400" dirty="0" err="1">
+                          <a:solidFill>
+                            <a:schemeClr val="tx1"/>
+                          </a:solidFill>
+                        </a:rPr>
+                        <a:t>포상외박</a:t>
+                      </a:r>
                       <a:endParaRPr lang="ko-KR" altLang="en-US" sz="1400" dirty="0">
                         <a:solidFill>
                           <a:schemeClr val="tx1"/>
@@ -10608,11 +10692,14 @@
                     <a:lstStyle/>
                     <a:p>
                       <a:pPr algn="ctr" latinLnBrk="1"/>
-                      <a:endParaRPr lang="ko-KR" altLang="en-US" sz="1400" dirty="0">
-                        <a:solidFill>
-                          <a:schemeClr val="tx1"/>
-                        </a:solidFill>
-                      </a:endParaRPr>
+                      <a:r>
+                        <a:rPr lang="ko-KR" altLang="en-US" sz="1400" dirty="0">
+                          <a:solidFill>
+                            <a:schemeClr val="tx1"/>
+                          </a:solidFill>
+                        </a:rPr>
+                        <a:t>사격술</a:t>
+                      </a:r>
                     </a:p>
                   </a:txBody>
                   <a:tcPr>
@@ -10783,11 +10870,14 @@
                     <a:lstStyle/>
                     <a:p>
                       <a:pPr algn="ctr" latinLnBrk="1"/>
-                      <a:endParaRPr lang="ko-KR" altLang="en-US" sz="1400" dirty="0">
-                        <a:solidFill>
-                          <a:schemeClr val="tx1"/>
-                        </a:solidFill>
-                      </a:endParaRPr>
+                      <a:r>
+                        <a:rPr lang="ko-KR" altLang="en-US" sz="1400" dirty="0">
+                          <a:solidFill>
+                            <a:schemeClr val="tx1"/>
+                          </a:solidFill>
+                        </a:rPr>
+                        <a:t>수류탄 투척</a:t>
+                      </a:r>
                     </a:p>
                   </a:txBody>
                   <a:tcPr>
@@ -10958,11 +11048,30 @@
                     <a:lstStyle/>
                     <a:p>
                       <a:pPr algn="ctr" latinLnBrk="1"/>
-                      <a:endParaRPr lang="ko-KR" altLang="en-US" sz="1400" dirty="0">
-                        <a:solidFill>
-                          <a:schemeClr val="tx1"/>
-                        </a:solidFill>
-                      </a:endParaRPr>
+                      <a:r>
+                        <a:rPr lang="ko-KR" altLang="en-US" sz="1400" dirty="0">
+                          <a:solidFill>
+                            <a:schemeClr val="tx1"/>
+                          </a:solidFill>
+                        </a:rPr>
+                        <a:t>포상휴가 </a:t>
+                      </a:r>
+                      <a:r>
+                        <a:rPr lang="en-US" altLang="ko-KR" sz="1400" dirty="0">
+                          <a:solidFill>
+                            <a:schemeClr val="tx1"/>
+                          </a:solidFill>
+                        </a:rPr>
+                        <a:t>4</a:t>
+                      </a:r>
+                      <a:r>
+                        <a:rPr lang="ko-KR" altLang="en-US" sz="1400" dirty="0">
+                          <a:solidFill>
+                            <a:schemeClr val="tx1"/>
+                          </a:solidFill>
+                        </a:rPr>
+                        <a:t>일</a:t>
+                      </a:r>
                     </a:p>
                   </a:txBody>
                   <a:tcPr>
@@ -11133,6 +11242,22 @@
                     <a:lstStyle/>
                     <a:p>
                       <a:pPr algn="ctr" latinLnBrk="1"/>
+                      <a:r>
+                        <a:rPr lang="ko-KR" altLang="en-US" sz="1400" dirty="0">
+                          <a:solidFill>
+                            <a:schemeClr val="tx1"/>
+                          </a:solidFill>
+                        </a:rPr>
+                        <a:t>전역</a:t>
+                      </a:r>
+                      <a:r>
+                        <a:rPr lang="en-US" altLang="ko-KR" sz="1400" dirty="0">
+                          <a:solidFill>
+                            <a:schemeClr val="tx1"/>
+                          </a:solidFill>
+                        </a:rPr>
+                        <a:t>!</a:t>
+                      </a:r>
                       <a:endParaRPr lang="ko-KR" altLang="en-US" sz="1400" dirty="0">
                         <a:solidFill>
                           <a:schemeClr val="tx1"/>
@@ -11383,14 +11508,14 @@
             <p:ph idx="1"/>
             <p:extLst>
               <p:ext uri="{D42A27DB-BD31-4B8C-83A1-F6EECF244321}">
-                <p14:modId xmlns:p14="http://schemas.microsoft.com/office/powerpoint/2010/main" val="1240135393"/>
+                <p14:modId xmlns:p14="http://schemas.microsoft.com/office/powerpoint/2010/main" val="106508154"/>
               </p:ext>
             </p:extLst>
           </p:nvPr>
         </p:nvGraphicFramePr>
         <p:xfrm>
           <a:off x="838200" y="1825625"/>
-          <a:ext cx="10515597" cy="3708400"/>
+          <a:ext cx="10515597" cy="4246880"/>
         </p:xfrm>
         <a:graphic>
           <a:graphicData uri="http://schemas.openxmlformats.org/drawingml/2006/table">
@@ -11428,6 +11553,22 @@
                     <a:lstStyle/>
                     <a:p>
                       <a:pPr algn="ctr" latinLnBrk="1"/>
+                      <a:r>
+                        <a:rPr lang="ko-KR" altLang="en-US" dirty="0">
+                          <a:solidFill>
+                            <a:schemeClr val="tx1"/>
+                          </a:solidFill>
+                        </a:rPr>
+                        <a:t>에너지 </a:t>
+                      </a:r>
+                      <a:r>
+                        <a:rPr lang="ko-KR" altLang="en-US" dirty="0" err="1">
+                          <a:solidFill>
+                            <a:schemeClr val="tx1"/>
+                          </a:solidFill>
+                        </a:rPr>
+                        <a:t>실드</a:t>
+                      </a:r>
                       <a:endParaRPr lang="ko-KR" altLang="en-US" dirty="0">
                         <a:solidFill>
                           <a:schemeClr val="tx1"/>
@@ -11603,11 +11744,14 @@
                     <a:lstStyle/>
                     <a:p>
                       <a:pPr algn="ctr" latinLnBrk="1"/>
-                      <a:endParaRPr lang="ko-KR" altLang="en-US" dirty="0">
-                        <a:solidFill>
-                          <a:schemeClr val="tx1"/>
-                        </a:solidFill>
-                      </a:endParaRPr>
+                      <a:r>
+                        <a:rPr lang="ko-KR" altLang="en-US" dirty="0">
+                          <a:solidFill>
+                            <a:schemeClr val="tx1"/>
+                          </a:solidFill>
+                        </a:rPr>
+                        <a:t>에너지 총</a:t>
+                      </a:r>
                     </a:p>
                   </a:txBody>
                   <a:tcPr>
@@ -11778,6 +11922,14 @@
                     <a:lstStyle/>
                     <a:p>
                       <a:pPr algn="ctr" latinLnBrk="1"/>
+                      <a:r>
+                        <a:rPr lang="ko-KR" altLang="en-US" dirty="0" err="1">
+                          <a:solidFill>
+                            <a:schemeClr val="tx1"/>
+                          </a:solidFill>
+                        </a:rPr>
+                        <a:t>시스테마</a:t>
+                      </a:r>
                       <a:endParaRPr lang="ko-KR" altLang="en-US" dirty="0">
                         <a:solidFill>
                           <a:schemeClr val="tx1"/>
@@ -11953,6 +12105,14 @@
                     <a:lstStyle/>
                     <a:p>
                       <a:pPr algn="ctr" latinLnBrk="1"/>
+                      <a:r>
+                        <a:rPr lang="ko-KR" altLang="en-US" dirty="0" err="1">
+                          <a:solidFill>
+                            <a:schemeClr val="tx1"/>
+                          </a:solidFill>
+                        </a:rPr>
+                        <a:t>광선검</a:t>
+                      </a:r>
                       <a:endParaRPr lang="ko-KR" altLang="en-US" dirty="0">
                         <a:solidFill>
                           <a:schemeClr val="tx1"/>
@@ -12128,6 +12288,14 @@
                     <a:lstStyle/>
                     <a:p>
                       <a:pPr algn="ctr" latinLnBrk="1"/>
+                      <a:r>
+                        <a:rPr lang="ko-KR" altLang="en-US" dirty="0" err="1">
+                          <a:solidFill>
+                            <a:schemeClr val="tx1"/>
+                          </a:solidFill>
+                        </a:rPr>
+                        <a:t>레일건</a:t>
+                      </a:r>
                       <a:endParaRPr lang="ko-KR" altLang="en-US" dirty="0">
                         <a:solidFill>
                           <a:schemeClr val="tx1"/>
@@ -12303,11 +12471,14 @@
                     <a:lstStyle/>
                     <a:p>
                       <a:pPr algn="ctr" latinLnBrk="1"/>
-                      <a:endParaRPr lang="ko-KR" altLang="en-US" dirty="0">
-                        <a:solidFill>
-                          <a:schemeClr val="tx1"/>
-                        </a:solidFill>
-                      </a:endParaRPr>
+                      <a:r>
+                        <a:rPr lang="ko-KR" altLang="en-US" dirty="0">
+                          <a:solidFill>
+                            <a:schemeClr val="tx1"/>
+                          </a:solidFill>
+                        </a:rPr>
+                        <a:t>시간여행</a:t>
+                      </a:r>
                     </a:p>
                   </a:txBody>
                   <a:tcPr>
@@ -12478,11 +12649,14 @@
                     <a:lstStyle/>
                     <a:p>
                       <a:pPr algn="ctr" latinLnBrk="1"/>
-                      <a:endParaRPr lang="ko-KR" altLang="en-US" dirty="0">
-                        <a:solidFill>
-                          <a:schemeClr val="tx1"/>
-                        </a:solidFill>
-                      </a:endParaRPr>
+                      <a:r>
+                        <a:rPr lang="ko-KR" altLang="en-US" dirty="0">
+                          <a:solidFill>
+                            <a:schemeClr val="tx1"/>
+                          </a:solidFill>
+                        </a:rPr>
+                        <a:t>형상기억합금</a:t>
+                      </a:r>
                     </a:p>
                   </a:txBody>
                   <a:tcPr>
@@ -12653,11 +12827,14 @@
                     <a:lstStyle/>
                     <a:p>
                       <a:pPr algn="ctr" latinLnBrk="1"/>
-                      <a:endParaRPr lang="ko-KR" altLang="en-US" dirty="0">
-                        <a:solidFill>
-                          <a:schemeClr val="tx1"/>
-                        </a:solidFill>
-                      </a:endParaRPr>
+                      <a:r>
+                        <a:rPr lang="ko-KR" altLang="en-US" dirty="0">
+                          <a:solidFill>
+                            <a:schemeClr val="tx1"/>
+                          </a:solidFill>
+                        </a:rPr>
+                        <a:t>펄스 폭탄</a:t>
+                      </a:r>
                     </a:p>
                   </a:txBody>
                   <a:tcPr>
@@ -12828,6 +13005,14 @@
                     <a:lstStyle/>
                     <a:p>
                       <a:pPr algn="ctr" latinLnBrk="1"/>
+                      <a:r>
+                        <a:rPr lang="en-US" altLang="ko-KR" dirty="0">
+                          <a:solidFill>
+                            <a:schemeClr val="tx1"/>
+                          </a:solidFill>
+                        </a:rPr>
+                        <a:t>I’ll Be Back</a:t>
+                      </a:r>
                       <a:endParaRPr lang="ko-KR" altLang="en-US" dirty="0">
                         <a:solidFill>
                           <a:schemeClr val="tx1"/>
@@ -12886,6 +13071,22 @@
                     <a:lstStyle/>
                     <a:p>
                       <a:pPr latinLnBrk="1"/>
+                      <a:r>
+                        <a:rPr lang="ko-KR" altLang="en-US" dirty="0">
+                          <a:solidFill>
+                            <a:schemeClr val="tx1"/>
+                          </a:solidFill>
+                        </a:rPr>
+                        <a:t>죽을 시 모든 체력을 회복 후 부활한다</a:t>
+                      </a:r>
+                      <a:r>
+                        <a:rPr lang="en-US" altLang="ko-KR" dirty="0">
+                          <a:solidFill>
+                            <a:schemeClr val="tx1"/>
+                          </a:solidFill>
+                        </a:rPr>
+                        <a:t>.</a:t>
+                      </a:r>
                       <a:endParaRPr lang="ko-KR" altLang="en-US" dirty="0">
                         <a:solidFill>
                           <a:schemeClr val="tx1"/>
@@ -13003,11 +13204,14 @@
                     <a:lstStyle/>
                     <a:p>
                       <a:pPr algn="ctr" latinLnBrk="1"/>
-                      <a:endParaRPr lang="ko-KR" altLang="en-US" dirty="0">
-                        <a:solidFill>
-                          <a:schemeClr val="tx1"/>
-                        </a:solidFill>
-                      </a:endParaRPr>
+                      <a:r>
+                        <a:rPr lang="ko-KR" altLang="en-US" dirty="0">
+                          <a:solidFill>
+                            <a:schemeClr val="tx1"/>
+                          </a:solidFill>
+                        </a:rPr>
+                        <a:t>미래에서 온 로봇</a:t>
+                      </a:r>
                     </a:p>
                   </a:txBody>
                   <a:tcPr>
@@ -13061,6 +13265,22 @@
                     <a:lstStyle/>
                     <a:p>
                       <a:pPr latinLnBrk="1"/>
+                      <a:r>
+                        <a:rPr lang="ko-KR" altLang="en-US" dirty="0">
+                          <a:solidFill>
+                            <a:schemeClr val="tx1"/>
+                          </a:solidFill>
+                        </a:rPr>
+                        <a:t>보스의 공격을 예측하여 모든 공격을 회피한다</a:t>
+                      </a:r>
+                      <a:r>
+                        <a:rPr lang="en-US" altLang="ko-KR" dirty="0">
+                          <a:solidFill>
+                            <a:schemeClr val="tx1"/>
+                          </a:solidFill>
+                        </a:rPr>
+                        <a:t>.</a:t>
+                      </a:r>
                       <a:endParaRPr lang="ko-KR" altLang="en-US" dirty="0">
                         <a:solidFill>
                           <a:schemeClr val="tx1"/>

--- a/캐릭터 및 카드 컨셉, 디자인.pptx
+++ b/캐릭터 및 카드 컨셉, 디자인.pptx
@@ -266,7 +266,7 @@
           <a:p>
             <a:fld id="{05BC4793-986E-4D22-B9AD-0CF3790F042B}" type="datetimeFigureOut">
               <a:rPr lang="ko-KR" altLang="en-US" smtClean="0"/>
-              <a:t>2019-10-17</a:t>
+              <a:t>2019-11-24</a:t>
             </a:fld>
             <a:endParaRPr lang="ko-KR" altLang="en-US"/>
           </a:p>
@@ -464,7 +464,7 @@
           <a:p>
             <a:fld id="{05BC4793-986E-4D22-B9AD-0CF3790F042B}" type="datetimeFigureOut">
               <a:rPr lang="ko-KR" altLang="en-US" smtClean="0"/>
-              <a:t>2019-10-17</a:t>
+              <a:t>2019-11-24</a:t>
             </a:fld>
             <a:endParaRPr lang="ko-KR" altLang="en-US"/>
           </a:p>
@@ -672,7 +672,7 @@
           <a:p>
             <a:fld id="{05BC4793-986E-4D22-B9AD-0CF3790F042B}" type="datetimeFigureOut">
               <a:rPr lang="ko-KR" altLang="en-US" smtClean="0"/>
-              <a:t>2019-10-17</a:t>
+              <a:t>2019-11-24</a:t>
             </a:fld>
             <a:endParaRPr lang="ko-KR" altLang="en-US"/>
           </a:p>
@@ -870,7 +870,7 @@
           <a:p>
             <a:fld id="{05BC4793-986E-4D22-B9AD-0CF3790F042B}" type="datetimeFigureOut">
               <a:rPr lang="ko-KR" altLang="en-US" smtClean="0"/>
-              <a:t>2019-10-17</a:t>
+              <a:t>2019-11-24</a:t>
             </a:fld>
             <a:endParaRPr lang="ko-KR" altLang="en-US"/>
           </a:p>
@@ -1145,7 +1145,7 @@
           <a:p>
             <a:fld id="{05BC4793-986E-4D22-B9AD-0CF3790F042B}" type="datetimeFigureOut">
               <a:rPr lang="ko-KR" altLang="en-US" smtClean="0"/>
-              <a:t>2019-10-17</a:t>
+              <a:t>2019-11-24</a:t>
             </a:fld>
             <a:endParaRPr lang="ko-KR" altLang="en-US"/>
           </a:p>
@@ -1410,7 +1410,7 @@
           <a:p>
             <a:fld id="{05BC4793-986E-4D22-B9AD-0CF3790F042B}" type="datetimeFigureOut">
               <a:rPr lang="ko-KR" altLang="en-US" smtClean="0"/>
-              <a:t>2019-10-17</a:t>
+              <a:t>2019-11-24</a:t>
             </a:fld>
             <a:endParaRPr lang="ko-KR" altLang="en-US"/>
           </a:p>
@@ -1822,7 +1822,7 @@
           <a:p>
             <a:fld id="{05BC4793-986E-4D22-B9AD-0CF3790F042B}" type="datetimeFigureOut">
               <a:rPr lang="ko-KR" altLang="en-US" smtClean="0"/>
-              <a:t>2019-10-17</a:t>
+              <a:t>2019-11-24</a:t>
             </a:fld>
             <a:endParaRPr lang="ko-KR" altLang="en-US"/>
           </a:p>
@@ -1963,7 +1963,7 @@
           <a:p>
             <a:fld id="{05BC4793-986E-4D22-B9AD-0CF3790F042B}" type="datetimeFigureOut">
               <a:rPr lang="ko-KR" altLang="en-US" smtClean="0"/>
-              <a:t>2019-10-17</a:t>
+              <a:t>2019-11-24</a:t>
             </a:fld>
             <a:endParaRPr lang="ko-KR" altLang="en-US"/>
           </a:p>
@@ -2076,7 +2076,7 @@
           <a:p>
             <a:fld id="{05BC4793-986E-4D22-B9AD-0CF3790F042B}" type="datetimeFigureOut">
               <a:rPr lang="ko-KR" altLang="en-US" smtClean="0"/>
-              <a:t>2019-10-17</a:t>
+              <a:t>2019-11-24</a:t>
             </a:fld>
             <a:endParaRPr lang="ko-KR" altLang="en-US"/>
           </a:p>
@@ -2387,7 +2387,7 @@
           <a:p>
             <a:fld id="{05BC4793-986E-4D22-B9AD-0CF3790F042B}" type="datetimeFigureOut">
               <a:rPr lang="ko-KR" altLang="en-US" smtClean="0"/>
-              <a:t>2019-10-17</a:t>
+              <a:t>2019-11-24</a:t>
             </a:fld>
             <a:endParaRPr lang="ko-KR" altLang="en-US"/>
           </a:p>
@@ -2675,7 +2675,7 @@
           <a:p>
             <a:fld id="{05BC4793-986E-4D22-B9AD-0CF3790F042B}" type="datetimeFigureOut">
               <a:rPr lang="ko-KR" altLang="en-US" smtClean="0"/>
-              <a:t>2019-10-17</a:t>
+              <a:t>2019-11-24</a:t>
             </a:fld>
             <a:endParaRPr lang="ko-KR" altLang="en-US"/>
           </a:p>
@@ -2916,7 +2916,7 @@
           <a:p>
             <a:fld id="{05BC4793-986E-4D22-B9AD-0CF3790F042B}" type="datetimeFigureOut">
               <a:rPr lang="ko-KR" altLang="en-US" smtClean="0"/>
-              <a:t>2019-10-17</a:t>
+              <a:t>2019-11-24</a:t>
             </a:fld>
             <a:endParaRPr lang="ko-KR" altLang="en-US"/>
           </a:p>
@@ -3799,7 +3799,7 @@
             <p:ph idx="1"/>
             <p:extLst>
               <p:ext uri="{D42A27DB-BD31-4B8C-83A1-F6EECF244321}">
-                <p14:modId xmlns:p14="http://schemas.microsoft.com/office/powerpoint/2010/main" val="2732243435"/>
+                <p14:modId xmlns:p14="http://schemas.microsoft.com/office/powerpoint/2010/main" val="3642848313"/>
               </p:ext>
             </p:extLst>
           </p:nvPr>
@@ -3905,11 +3905,30 @@
                     <a:lstStyle/>
                     <a:p>
                       <a:pPr latinLnBrk="1"/>
-                      <a:endParaRPr lang="ko-KR" altLang="en-US" dirty="0">
-                        <a:solidFill>
-                          <a:schemeClr val="tx1"/>
-                        </a:solidFill>
-                      </a:endParaRPr>
+                      <a:r>
+                        <a:rPr lang="ko-KR" altLang="en-US" dirty="0">
+                          <a:solidFill>
+                            <a:schemeClr val="tx1"/>
+                          </a:solidFill>
+                        </a:rPr>
+                        <a:t>적에게 공격력 </a:t>
+                      </a:r>
+                      <a:r>
+                        <a:rPr lang="en-US" altLang="ko-KR" dirty="0">
+                          <a:solidFill>
+                            <a:schemeClr val="tx1"/>
+                          </a:solidFill>
+                        </a:rPr>
+                        <a:t>* 90% </a:t>
+                      </a:r>
+                      <a:r>
+                        <a:rPr lang="ko-KR" altLang="en-US" dirty="0">
+                          <a:solidFill>
+                            <a:schemeClr val="tx1"/>
+                          </a:solidFill>
+                        </a:rPr>
+                        <a:t>데미지</a:t>
+                      </a:r>
                     </a:p>
                   </a:txBody>
                   <a:tcPr>
@@ -4083,6 +4102,38 @@
                     <a:lstStyle/>
                     <a:p>
                       <a:pPr latinLnBrk="1"/>
+                      <a:r>
+                        <a:rPr lang="ko-KR" altLang="en-US" dirty="0">
+                          <a:solidFill>
+                            <a:schemeClr val="tx1"/>
+                          </a:solidFill>
+                        </a:rPr>
+                        <a:t>자신의 공격력</a:t>
+                      </a:r>
+                      <a:r>
+                        <a:rPr lang="en-US" altLang="ko-KR" dirty="0">
+                          <a:solidFill>
+                            <a:schemeClr val="tx1"/>
+                          </a:solidFill>
+                        </a:rPr>
+                        <a:t>, </a:t>
+                      </a:r>
+                      <a:r>
+                        <a:rPr lang="ko-KR" altLang="en-US" dirty="0">
+                          <a:solidFill>
+                            <a:schemeClr val="tx1"/>
+                          </a:solidFill>
+                        </a:rPr>
+                        <a:t>방어력 </a:t>
+                      </a:r>
+                      <a:r>
+                        <a:rPr lang="en-US" altLang="ko-KR" dirty="0">
+                          <a:solidFill>
+                            <a:schemeClr val="tx1"/>
+                          </a:solidFill>
+                        </a:rPr>
+                        <a:t>+10</a:t>
+                      </a:r>
                       <a:endParaRPr lang="ko-KR" altLang="en-US" dirty="0">
                         <a:solidFill>
                           <a:schemeClr val="tx1"/>
@@ -4261,6 +4312,22 @@
                     <a:lstStyle/>
                     <a:p>
                       <a:pPr latinLnBrk="1"/>
+                      <a:r>
+                        <a:rPr lang="ko-KR" altLang="en-US" dirty="0">
+                          <a:solidFill>
+                            <a:schemeClr val="tx1"/>
+                          </a:solidFill>
+                        </a:rPr>
+                        <a:t>자신의 </a:t>
+                      </a:r>
+                      <a:r>
+                        <a:rPr lang="en-US" altLang="ko-KR" dirty="0">
+                          <a:solidFill>
+                            <a:schemeClr val="tx1"/>
+                          </a:solidFill>
+                        </a:rPr>
+                        <a:t>HP + 10</a:t>
+                      </a:r>
                       <a:endParaRPr lang="ko-KR" altLang="en-US" dirty="0">
                         <a:solidFill>
                           <a:schemeClr val="tx1"/>
@@ -4439,11 +4506,30 @@
                     <a:lstStyle/>
                     <a:p>
                       <a:pPr latinLnBrk="1"/>
-                      <a:endParaRPr lang="ko-KR" altLang="en-US" dirty="0">
-                        <a:solidFill>
-                          <a:schemeClr val="tx1"/>
-                        </a:solidFill>
-                      </a:endParaRPr>
+                      <a:r>
+                        <a:rPr lang="ko-KR" altLang="en-US" dirty="0">
+                          <a:solidFill>
+                            <a:schemeClr val="tx1"/>
+                          </a:solidFill>
+                        </a:rPr>
+                        <a:t>적에게 공격력 </a:t>
+                      </a:r>
+                      <a:r>
+                        <a:rPr lang="en-US" altLang="ko-KR" dirty="0">
+                          <a:solidFill>
+                            <a:schemeClr val="tx1"/>
+                          </a:solidFill>
+                        </a:rPr>
+                        <a:t>* 100% </a:t>
+                      </a:r>
+                      <a:r>
+                        <a:rPr lang="ko-KR" altLang="en-US" dirty="0">
+                          <a:solidFill>
+                            <a:schemeClr val="tx1"/>
+                          </a:solidFill>
+                        </a:rPr>
+                        <a:t>데미지</a:t>
+                      </a:r>
                     </a:p>
                   </a:txBody>
                   <a:tcPr>
@@ -4617,6 +4703,22 @@
                     <a:lstStyle/>
                     <a:p>
                       <a:pPr latinLnBrk="1"/>
+                      <a:r>
+                        <a:rPr lang="ko-KR" altLang="en-US" dirty="0">
+                          <a:solidFill>
+                            <a:schemeClr val="tx1"/>
+                          </a:solidFill>
+                        </a:rPr>
+                        <a:t>자신의 공격력 </a:t>
+                      </a:r>
+                      <a:r>
+                        <a:rPr lang="en-US" altLang="ko-KR" dirty="0">
+                          <a:solidFill>
+                            <a:schemeClr val="tx1"/>
+                          </a:solidFill>
+                        </a:rPr>
+                        <a:t>+ 15</a:t>
+                      </a:r>
                       <a:endParaRPr lang="ko-KR" altLang="en-US" dirty="0">
                         <a:solidFill>
                           <a:schemeClr val="tx1"/>
@@ -4800,11 +4902,30 @@
                     <a:lstStyle/>
                     <a:p>
                       <a:pPr latinLnBrk="1"/>
-                      <a:endParaRPr lang="ko-KR" altLang="en-US" dirty="0">
-                        <a:solidFill>
-                          <a:schemeClr val="tx1"/>
-                        </a:solidFill>
-                      </a:endParaRPr>
+                      <a:r>
+                        <a:rPr lang="ko-KR" altLang="en-US" dirty="0">
+                          <a:solidFill>
+                            <a:schemeClr val="tx1"/>
+                          </a:solidFill>
+                        </a:rPr>
+                        <a:t>적에게 공격력 </a:t>
+                      </a:r>
+                      <a:r>
+                        <a:rPr lang="en-US" altLang="ko-KR" dirty="0">
+                          <a:solidFill>
+                            <a:schemeClr val="tx1"/>
+                          </a:solidFill>
+                        </a:rPr>
+                        <a:t>* 120% </a:t>
+                      </a:r>
+                      <a:r>
+                        <a:rPr lang="ko-KR" altLang="en-US" dirty="0">
+                          <a:solidFill>
+                            <a:schemeClr val="tx1"/>
+                          </a:solidFill>
+                        </a:rPr>
+                        <a:t>데미지</a:t>
+                      </a:r>
                     </a:p>
                   </a:txBody>
                   <a:tcPr>
@@ -4978,6 +5099,38 @@
                     <a:lstStyle/>
                     <a:p>
                       <a:pPr latinLnBrk="1"/>
+                      <a:r>
+                        <a:rPr lang="ko-KR" altLang="en-US" dirty="0">
+                          <a:solidFill>
+                            <a:schemeClr val="tx1"/>
+                          </a:solidFill>
+                        </a:rPr>
+                        <a:t>자신의 공격력</a:t>
+                      </a:r>
+                      <a:r>
+                        <a:rPr lang="en-US" altLang="ko-KR" dirty="0">
+                          <a:solidFill>
+                            <a:schemeClr val="tx1"/>
+                          </a:solidFill>
+                        </a:rPr>
+                        <a:t>, </a:t>
+                      </a:r>
+                      <a:r>
+                        <a:rPr lang="ko-KR" altLang="en-US" dirty="0">
+                          <a:solidFill>
+                            <a:schemeClr val="tx1"/>
+                          </a:solidFill>
+                        </a:rPr>
+                        <a:t>방어력 </a:t>
+                      </a:r>
+                      <a:r>
+                        <a:rPr lang="en-US" altLang="ko-KR" dirty="0">
+                          <a:solidFill>
+                            <a:schemeClr val="tx1"/>
+                          </a:solidFill>
+                        </a:rPr>
+                        <a:t>+ 15</a:t>
+                      </a:r>
                       <a:endParaRPr lang="ko-KR" altLang="en-US" dirty="0">
                         <a:solidFill>
                           <a:schemeClr val="tx1"/>
@@ -5156,11 +5309,30 @@
                     <a:lstStyle/>
                     <a:p>
                       <a:pPr latinLnBrk="1"/>
-                      <a:endParaRPr lang="ko-KR" altLang="en-US" dirty="0">
-                        <a:solidFill>
-                          <a:schemeClr val="tx1"/>
-                        </a:solidFill>
-                      </a:endParaRPr>
+                      <a:r>
+                        <a:rPr lang="ko-KR" altLang="en-US" dirty="0">
+                          <a:solidFill>
+                            <a:schemeClr val="tx1"/>
+                          </a:solidFill>
+                        </a:rPr>
+                        <a:t>적에게 공격력 </a:t>
+                      </a:r>
+                      <a:r>
+                        <a:rPr lang="en-US" altLang="ko-KR" dirty="0">
+                          <a:solidFill>
+                            <a:schemeClr val="tx1"/>
+                          </a:solidFill>
+                        </a:rPr>
+                        <a:t>* 150% </a:t>
+                      </a:r>
+                      <a:r>
+                        <a:rPr lang="ko-KR" altLang="en-US" dirty="0">
+                          <a:solidFill>
+                            <a:schemeClr val="tx1"/>
+                          </a:solidFill>
+                        </a:rPr>
+                        <a:t>데미지</a:t>
+                      </a:r>
                     </a:p>
                   </a:txBody>
                   <a:tcPr>
@@ -5334,11 +5506,30 @@
                     <a:lstStyle/>
                     <a:p>
                       <a:pPr latinLnBrk="1"/>
-                      <a:endParaRPr lang="ko-KR" altLang="en-US" dirty="0">
-                        <a:solidFill>
-                          <a:schemeClr val="tx1"/>
-                        </a:solidFill>
-                      </a:endParaRPr>
+                      <a:r>
+                        <a:rPr lang="ko-KR" altLang="en-US" dirty="0">
+                          <a:solidFill>
+                            <a:schemeClr val="tx1"/>
+                          </a:solidFill>
+                        </a:rPr>
+                        <a:t>적에게 공격받을 시 공격력 </a:t>
+                      </a:r>
+                      <a:r>
+                        <a:rPr lang="en-US" altLang="ko-KR" dirty="0">
+                          <a:solidFill>
+                            <a:schemeClr val="tx1"/>
+                          </a:solidFill>
+                        </a:rPr>
+                        <a:t>200% </a:t>
+                      </a:r>
+                      <a:r>
+                        <a:rPr lang="ko-KR" altLang="en-US" dirty="0">
+                          <a:solidFill>
+                            <a:schemeClr val="tx1"/>
+                          </a:solidFill>
+                        </a:rPr>
+                        <a:t>데미지</a:t>
+                      </a:r>
                     </a:p>
                   </a:txBody>
                   <a:tcPr>
@@ -5512,11 +5703,30 @@
                     <a:lstStyle/>
                     <a:p>
                       <a:pPr latinLnBrk="1"/>
-                      <a:endParaRPr lang="ko-KR" altLang="en-US" dirty="0">
-                        <a:solidFill>
-                          <a:schemeClr val="tx1"/>
-                        </a:solidFill>
-                      </a:endParaRPr>
+                      <a:r>
+                        <a:rPr lang="ko-KR" altLang="en-US" dirty="0">
+                          <a:solidFill>
+                            <a:schemeClr val="tx1"/>
+                          </a:solidFill>
+                        </a:rPr>
+                        <a:t>적에게 공격력 </a:t>
+                      </a:r>
+                      <a:r>
+                        <a:rPr lang="en-US" altLang="ko-KR" dirty="0">
+                          <a:solidFill>
+                            <a:schemeClr val="tx1"/>
+                          </a:solidFill>
+                        </a:rPr>
+                        <a:t>* 200% </a:t>
+                      </a:r>
+                      <a:r>
+                        <a:rPr lang="ko-KR" altLang="en-US" dirty="0">
+                          <a:solidFill>
+                            <a:schemeClr val="tx1"/>
+                          </a:solidFill>
+                        </a:rPr>
+                        <a:t>데미지</a:t>
+                      </a:r>
                     </a:p>
                   </a:txBody>
                   <a:tcPr>

--- a/캐릭터 및 카드 컨셉, 디자인.pptx
+++ b/캐릭터 및 카드 컨셉, 디자인.pptx
@@ -5914,14 +5914,14 @@
             <p:ph idx="1"/>
             <p:extLst>
               <p:ext uri="{D42A27DB-BD31-4B8C-83A1-F6EECF244321}">
-                <p14:modId xmlns:p14="http://schemas.microsoft.com/office/powerpoint/2010/main" val="1666647621"/>
+                <p14:modId xmlns:p14="http://schemas.microsoft.com/office/powerpoint/2010/main" val="1334036916"/>
               </p:ext>
             </p:extLst>
           </p:nvPr>
         </p:nvGraphicFramePr>
         <p:xfrm>
           <a:off x="838200" y="1825625"/>
-          <a:ext cx="10515597" cy="3708400"/>
+          <a:ext cx="10515597" cy="3718240"/>
         </p:xfrm>
         <a:graphic>
           <a:graphicData uri="http://schemas.openxmlformats.org/drawingml/2006/table">
@@ -5952,7 +5952,7 @@
                   </a:extLst>
                 </a:gridCol>
               </a:tblGrid>
-              <a:tr h="370840">
+              <a:tr h="380680">
                 <a:tc>
                   <a:txBody>
                     <a:bodyPr/>
@@ -6020,11 +6020,30 @@
                     <a:lstStyle/>
                     <a:p>
                       <a:pPr latinLnBrk="1"/>
-                      <a:endParaRPr lang="ko-KR" altLang="en-US" sz="1400" dirty="0">
-                        <a:solidFill>
-                          <a:schemeClr val="tx1"/>
-                        </a:solidFill>
-                      </a:endParaRPr>
+                      <a:r>
+                        <a:rPr lang="ko-KR" altLang="en-US" dirty="0">
+                          <a:solidFill>
+                            <a:schemeClr val="tx1"/>
+                          </a:solidFill>
+                        </a:rPr>
+                        <a:t>적에게 공격력 </a:t>
+                      </a:r>
+                      <a:r>
+                        <a:rPr lang="en-US" altLang="ko-KR" dirty="0">
+                          <a:solidFill>
+                            <a:schemeClr val="tx1"/>
+                          </a:solidFill>
+                        </a:rPr>
+                        <a:t>* 90% </a:t>
+                      </a:r>
+                      <a:r>
+                        <a:rPr lang="ko-KR" altLang="en-US" dirty="0">
+                          <a:solidFill>
+                            <a:schemeClr val="tx1"/>
+                          </a:solidFill>
+                        </a:rPr>
+                        <a:t>데미지</a:t>
+                      </a:r>
                     </a:p>
                   </a:txBody>
                   <a:tcPr>
@@ -6198,7 +6217,39 @@
                     <a:lstStyle/>
                     <a:p>
                       <a:pPr latinLnBrk="1"/>
-                      <a:endParaRPr lang="ko-KR" altLang="en-US" sz="1400" dirty="0">
+                      <a:r>
+                        <a:rPr lang="ko-KR" altLang="en-US" dirty="0">
+                          <a:solidFill>
+                            <a:schemeClr val="tx1"/>
+                          </a:solidFill>
+                        </a:rPr>
+                        <a:t>자신의 공격력</a:t>
+                      </a:r>
+                      <a:r>
+                        <a:rPr lang="en-US" altLang="ko-KR" dirty="0">
+                          <a:solidFill>
+                            <a:schemeClr val="tx1"/>
+                          </a:solidFill>
+                        </a:rPr>
+                        <a:t>, </a:t>
+                      </a:r>
+                      <a:r>
+                        <a:rPr lang="ko-KR" altLang="en-US" dirty="0">
+                          <a:solidFill>
+                            <a:schemeClr val="tx1"/>
+                          </a:solidFill>
+                        </a:rPr>
+                        <a:t>방어력 </a:t>
+                      </a:r>
+                      <a:r>
+                        <a:rPr lang="en-US" altLang="ko-KR" dirty="0">
+                          <a:solidFill>
+                            <a:schemeClr val="tx1"/>
+                          </a:solidFill>
+                        </a:rPr>
+                        <a:t>+10</a:t>
+                      </a:r>
+                      <a:endParaRPr lang="ko-KR" altLang="en-US" dirty="0">
                         <a:solidFill>
                           <a:schemeClr val="tx1"/>
                         </a:solidFill>
@@ -6381,7 +6432,23 @@
                     <a:lstStyle/>
                     <a:p>
                       <a:pPr latinLnBrk="1"/>
-                      <a:endParaRPr lang="ko-KR" altLang="en-US" sz="1400" dirty="0">
+                      <a:r>
+                        <a:rPr lang="ko-KR" altLang="en-US" dirty="0">
+                          <a:solidFill>
+                            <a:schemeClr val="tx1"/>
+                          </a:solidFill>
+                        </a:rPr>
+                        <a:t>자신의 </a:t>
+                      </a:r>
+                      <a:r>
+                        <a:rPr lang="en-US" altLang="ko-KR" dirty="0">
+                          <a:solidFill>
+                            <a:schemeClr val="tx1"/>
+                          </a:solidFill>
+                        </a:rPr>
+                        <a:t>HP + 10</a:t>
+                      </a:r>
+                      <a:endParaRPr lang="ko-KR" altLang="en-US" dirty="0">
                         <a:solidFill>
                           <a:schemeClr val="tx1"/>
                         </a:solidFill>
@@ -6559,11 +6626,30 @@
                     <a:lstStyle/>
                     <a:p>
                       <a:pPr latinLnBrk="1"/>
-                      <a:endParaRPr lang="ko-KR" altLang="en-US" sz="1400" dirty="0">
-                        <a:solidFill>
-                          <a:schemeClr val="tx1"/>
-                        </a:solidFill>
-                      </a:endParaRPr>
+                      <a:r>
+                        <a:rPr lang="ko-KR" altLang="en-US" dirty="0">
+                          <a:solidFill>
+                            <a:schemeClr val="tx1"/>
+                          </a:solidFill>
+                        </a:rPr>
+                        <a:t>적의 공격력을 </a:t>
+                      </a:r>
+                      <a:r>
+                        <a:rPr lang="en-US" altLang="ko-KR" dirty="0">
+                          <a:solidFill>
+                            <a:schemeClr val="tx1"/>
+                          </a:solidFill>
+                        </a:rPr>
+                        <a:t>10 </a:t>
+                      </a:r>
+                      <a:r>
+                        <a:rPr lang="ko-KR" altLang="en-US" dirty="0">
+                          <a:solidFill>
+                            <a:schemeClr val="tx1"/>
+                          </a:solidFill>
+                        </a:rPr>
+                        <a:t>흡수</a:t>
+                      </a:r>
                     </a:p>
                   </a:txBody>
                   <a:tcPr>
@@ -6737,7 +6823,23 @@
                     <a:lstStyle/>
                     <a:p>
                       <a:pPr latinLnBrk="1"/>
-                      <a:endParaRPr lang="ko-KR" altLang="en-US" sz="1400" dirty="0">
+                      <a:r>
+                        <a:rPr lang="ko-KR" altLang="en-US" dirty="0">
+                          <a:solidFill>
+                            <a:schemeClr val="tx1"/>
+                          </a:solidFill>
+                        </a:rPr>
+                        <a:t>자신의 방어력 </a:t>
+                      </a:r>
+                      <a:r>
+                        <a:rPr lang="en-US" altLang="ko-KR" dirty="0">
+                          <a:solidFill>
+                            <a:schemeClr val="tx1"/>
+                          </a:solidFill>
+                        </a:rPr>
+                        <a:t>+ 15</a:t>
+                      </a:r>
+                      <a:endParaRPr lang="ko-KR" altLang="en-US" dirty="0">
                         <a:solidFill>
                           <a:schemeClr val="tx1"/>
                         </a:solidFill>
@@ -6915,11 +7017,30 @@
                     <a:lstStyle/>
                     <a:p>
                       <a:pPr latinLnBrk="1"/>
-                      <a:endParaRPr lang="ko-KR" altLang="en-US" sz="1400" dirty="0">
-                        <a:solidFill>
-                          <a:schemeClr val="tx1"/>
-                        </a:solidFill>
-                      </a:endParaRPr>
+                      <a:r>
+                        <a:rPr lang="ko-KR" altLang="en-US" dirty="0">
+                          <a:solidFill>
+                            <a:schemeClr val="tx1"/>
+                          </a:solidFill>
+                        </a:rPr>
+                        <a:t>적의 공격력과 방어력 </a:t>
+                      </a:r>
+                      <a:r>
+                        <a:rPr lang="en-US" altLang="ko-KR" dirty="0">
+                          <a:solidFill>
+                            <a:schemeClr val="tx1"/>
+                          </a:solidFill>
+                        </a:rPr>
+                        <a:t>10</a:t>
+                      </a:r>
+                      <a:r>
+                        <a:rPr lang="ko-KR" altLang="en-US" dirty="0">
+                          <a:solidFill>
+                            <a:schemeClr val="tx1"/>
+                          </a:solidFill>
+                        </a:rPr>
+                        <a:t>씩 감소</a:t>
+                      </a:r>
                     </a:p>
                   </a:txBody>
                   <a:tcPr>
@@ -7101,7 +7222,39 @@
                     <a:lstStyle/>
                     <a:p>
                       <a:pPr latinLnBrk="1"/>
-                      <a:endParaRPr lang="ko-KR" altLang="en-US" sz="1400" dirty="0">
+                      <a:r>
+                        <a:rPr lang="ko-KR" altLang="en-US" dirty="0">
+                          <a:solidFill>
+                            <a:schemeClr val="tx1"/>
+                          </a:solidFill>
+                        </a:rPr>
+                        <a:t>자신의 공격력</a:t>
+                      </a:r>
+                      <a:r>
+                        <a:rPr lang="en-US" altLang="ko-KR" dirty="0">
+                          <a:solidFill>
+                            <a:schemeClr val="tx1"/>
+                          </a:solidFill>
+                        </a:rPr>
+                        <a:t>, </a:t>
+                      </a:r>
+                      <a:r>
+                        <a:rPr lang="ko-KR" altLang="en-US" dirty="0">
+                          <a:solidFill>
+                            <a:schemeClr val="tx1"/>
+                          </a:solidFill>
+                        </a:rPr>
+                        <a:t>방어력 </a:t>
+                      </a:r>
+                      <a:r>
+                        <a:rPr lang="en-US" altLang="ko-KR" dirty="0">
+                          <a:solidFill>
+                            <a:schemeClr val="tx1"/>
+                          </a:solidFill>
+                        </a:rPr>
+                        <a:t>+ 15</a:t>
+                      </a:r>
+                      <a:endParaRPr lang="ko-KR" altLang="en-US" dirty="0">
                         <a:solidFill>
                           <a:schemeClr val="tx1"/>
                         </a:solidFill>
@@ -7287,11 +7440,30 @@
                     <a:lstStyle/>
                     <a:p>
                       <a:pPr latinLnBrk="1"/>
-                      <a:endParaRPr lang="ko-KR" altLang="en-US" sz="1400" dirty="0">
-                        <a:solidFill>
-                          <a:schemeClr val="tx1"/>
-                        </a:solidFill>
-                      </a:endParaRPr>
+                      <a:r>
+                        <a:rPr lang="ko-KR" altLang="en-US" dirty="0">
+                          <a:solidFill>
+                            <a:schemeClr val="tx1"/>
+                          </a:solidFill>
+                        </a:rPr>
+                        <a:t>적에게 공격력 </a:t>
+                      </a:r>
+                      <a:r>
+                        <a:rPr lang="en-US" altLang="ko-KR" dirty="0">
+                          <a:solidFill>
+                            <a:schemeClr val="tx1"/>
+                          </a:solidFill>
+                        </a:rPr>
+                        <a:t>* 150% </a:t>
+                      </a:r>
+                      <a:r>
+                        <a:rPr lang="ko-KR" altLang="en-US" dirty="0">
+                          <a:solidFill>
+                            <a:schemeClr val="tx1"/>
+                          </a:solidFill>
+                        </a:rPr>
+                        <a:t>데미지</a:t>
+                      </a:r>
                     </a:p>
                   </a:txBody>
                   <a:tcPr>
@@ -7470,7 +7642,23 @@
                     <a:lstStyle/>
                     <a:p>
                       <a:pPr latinLnBrk="1"/>
-                      <a:endParaRPr lang="ko-KR" altLang="en-US" sz="1400" dirty="0">
+                      <a:r>
+                        <a:rPr lang="ko-KR" altLang="en-US" dirty="0">
+                          <a:solidFill>
+                            <a:schemeClr val="tx1"/>
+                          </a:solidFill>
+                        </a:rPr>
+                        <a:t>자신의 공격력</a:t>
+                      </a:r>
+                      <a:r>
+                        <a:rPr lang="en-US" altLang="ko-KR" dirty="0">
+                          <a:solidFill>
+                            <a:schemeClr val="tx1"/>
+                          </a:solidFill>
+                        </a:rPr>
+                        <a:t> + 25</a:t>
+                      </a:r>
+                      <a:endParaRPr lang="ko-KR" altLang="en-US" dirty="0">
                         <a:solidFill>
                           <a:schemeClr val="tx1"/>
                         </a:solidFill>
@@ -7648,7 +7836,31 @@
                     <a:lstStyle/>
                     <a:p>
                       <a:pPr latinLnBrk="1"/>
-                      <a:endParaRPr lang="ko-KR" altLang="en-US" sz="1400" dirty="0">
+                      <a:r>
+                        <a:rPr lang="ko-KR" altLang="en-US" dirty="0">
+                          <a:solidFill>
+                            <a:schemeClr val="tx1"/>
+                          </a:solidFill>
+                        </a:rPr>
+                        <a:t>적에게 공격력 </a:t>
+                      </a:r>
+                      <a:r>
+                        <a:rPr lang="en-US" altLang="ko-KR" dirty="0">
+                          <a:solidFill>
+                            <a:schemeClr val="tx1"/>
+                          </a:solidFill>
+                        </a:rPr>
+                        <a:t>* 200% </a:t>
+                      </a:r>
+                      <a:r>
+                        <a:rPr lang="ko-KR" altLang="en-US" dirty="0">
+                          <a:solidFill>
+                            <a:schemeClr val="tx1"/>
+                          </a:solidFill>
+                        </a:rPr>
+                        <a:t>데미지</a:t>
+                      </a:r>
+                      <a:endParaRPr lang="en-US" altLang="ko-KR" dirty="0">
                         <a:solidFill>
                           <a:schemeClr val="tx1"/>
                         </a:solidFill>
@@ -7845,7 +8057,7 @@
             <p:ph idx="1"/>
             <p:extLst>
               <p:ext uri="{D42A27DB-BD31-4B8C-83A1-F6EECF244321}">
-                <p14:modId xmlns:p14="http://schemas.microsoft.com/office/powerpoint/2010/main" val="46868149"/>
+                <p14:modId xmlns:p14="http://schemas.microsoft.com/office/powerpoint/2010/main" val="1437596946"/>
               </p:ext>
             </p:extLst>
           </p:nvPr>
@@ -7956,6 +8168,22 @@
                     <a:lstStyle/>
                     <a:p>
                       <a:pPr latinLnBrk="1"/>
+                      <a:r>
+                        <a:rPr lang="ko-KR" altLang="en-US" dirty="0">
+                          <a:solidFill>
+                            <a:schemeClr val="tx1"/>
+                          </a:solidFill>
+                        </a:rPr>
+                        <a:t>자신의 방어력 </a:t>
+                      </a:r>
+                      <a:r>
+                        <a:rPr lang="en-US" altLang="ko-KR" dirty="0">
+                          <a:solidFill>
+                            <a:schemeClr val="tx1"/>
+                          </a:solidFill>
+                        </a:rPr>
+                        <a:t>+ 10</a:t>
+                      </a:r>
                       <a:endParaRPr lang="ko-KR" altLang="en-US" dirty="0">
                         <a:solidFill>
                           <a:schemeClr val="tx1"/>
@@ -8134,11 +8362,46 @@
                     <a:lstStyle/>
                     <a:p>
                       <a:pPr latinLnBrk="1"/>
-                      <a:endParaRPr lang="ko-KR" altLang="en-US" dirty="0">
-                        <a:solidFill>
-                          <a:schemeClr val="tx1"/>
-                        </a:solidFill>
-                      </a:endParaRPr>
+                      <a:r>
+                        <a:rPr lang="ko-KR" altLang="en-US" dirty="0">
+                          <a:solidFill>
+                            <a:schemeClr val="tx1"/>
+                          </a:solidFill>
+                        </a:rPr>
+                        <a:t>자신의 공격력</a:t>
+                      </a:r>
+                      <a:r>
+                        <a:rPr lang="en-US" altLang="ko-KR" dirty="0">
+                          <a:solidFill>
+                            <a:schemeClr val="tx1"/>
+                          </a:solidFill>
+                        </a:rPr>
+                        <a:t> + 10, </a:t>
+                      </a:r>
+                      <a:r>
+                        <a:rPr lang="ko-KR" altLang="en-US" dirty="0">
+                          <a:solidFill>
+                            <a:schemeClr val="tx1"/>
+                          </a:solidFill>
+                        </a:rPr>
+                        <a:t>적에게 </a:t>
+                      </a:r>
+                      <a:r>
+                        <a:rPr lang="en-US" altLang="ko-KR" dirty="0">
+                          <a:solidFill>
+                            <a:schemeClr val="tx1"/>
+                          </a:solidFill>
+                        </a:rPr>
+                        <a:t>60% </a:t>
+                      </a:r>
+                      <a:r>
+                        <a:rPr lang="ko-KR" altLang="en-US" dirty="0">
+                          <a:solidFill>
+                            <a:schemeClr val="tx1"/>
+                          </a:solidFill>
+                        </a:rPr>
+                        <a:t>데미지</a:t>
+                      </a:r>
                     </a:p>
                   </a:txBody>
                   <a:tcPr>
@@ -8320,6 +8583,22 @@
                     <a:lstStyle/>
                     <a:p>
                       <a:pPr latinLnBrk="1"/>
+                      <a:r>
+                        <a:rPr lang="ko-KR" altLang="en-US" dirty="0">
+                          <a:solidFill>
+                            <a:schemeClr val="tx1"/>
+                          </a:solidFill>
+                        </a:rPr>
+                        <a:t>자신의 </a:t>
+                      </a:r>
+                      <a:r>
+                        <a:rPr lang="en-US" altLang="ko-KR" dirty="0">
+                          <a:solidFill>
+                            <a:schemeClr val="tx1"/>
+                          </a:solidFill>
+                        </a:rPr>
+                        <a:t>HP + 10</a:t>
+                      </a:r>
                       <a:endParaRPr lang="ko-KR" altLang="en-US" dirty="0">
                         <a:solidFill>
                           <a:schemeClr val="tx1"/>
@@ -8506,6 +8785,22 @@
                     <a:lstStyle/>
                     <a:p>
                       <a:pPr latinLnBrk="1"/>
+                      <a:r>
+                        <a:rPr lang="ko-KR" altLang="en-US" dirty="0">
+                          <a:solidFill>
+                            <a:schemeClr val="tx1"/>
+                          </a:solidFill>
+                        </a:rPr>
+                        <a:t>자신의 공격력 </a:t>
+                      </a:r>
+                      <a:r>
+                        <a:rPr lang="en-US" altLang="ko-KR" dirty="0">
+                          <a:solidFill>
+                            <a:schemeClr val="tx1"/>
+                          </a:solidFill>
+                        </a:rPr>
+                        <a:t>+ 15</a:t>
+                      </a:r>
                       <a:endParaRPr lang="ko-KR" altLang="en-US" dirty="0">
                         <a:solidFill>
                           <a:schemeClr val="tx1"/>
@@ -8684,6 +8979,38 @@
                     <a:lstStyle/>
                     <a:p>
                       <a:pPr latinLnBrk="1"/>
+                      <a:r>
+                        <a:rPr lang="ko-KR" altLang="en-US" dirty="0">
+                          <a:solidFill>
+                            <a:schemeClr val="tx1"/>
+                          </a:solidFill>
+                        </a:rPr>
+                        <a:t>자신의 공격력</a:t>
+                      </a:r>
+                      <a:r>
+                        <a:rPr lang="en-US" altLang="ko-KR" dirty="0">
+                          <a:solidFill>
+                            <a:schemeClr val="tx1"/>
+                          </a:solidFill>
+                        </a:rPr>
+                        <a:t>, </a:t>
+                      </a:r>
+                      <a:r>
+                        <a:rPr lang="ko-KR" altLang="en-US" dirty="0">
+                          <a:solidFill>
+                            <a:schemeClr val="tx1"/>
+                          </a:solidFill>
+                        </a:rPr>
+                        <a:t>방어력 </a:t>
+                      </a:r>
+                      <a:r>
+                        <a:rPr lang="en-US" altLang="ko-KR" dirty="0">
+                          <a:solidFill>
+                            <a:schemeClr val="tx1"/>
+                          </a:solidFill>
+                        </a:rPr>
+                        <a:t>+ 15</a:t>
+                      </a:r>
                       <a:endParaRPr lang="ko-KR" altLang="en-US" dirty="0">
                         <a:solidFill>
                           <a:schemeClr val="tx1"/>
@@ -8862,6 +9189,22 @@
                     <a:lstStyle/>
                     <a:p>
                       <a:pPr latinLnBrk="1"/>
+                      <a:r>
+                        <a:rPr lang="ko-KR" altLang="en-US" dirty="0">
+                          <a:solidFill>
+                            <a:schemeClr val="tx1"/>
+                          </a:solidFill>
+                        </a:rPr>
+                        <a:t>자신의 </a:t>
+                      </a:r>
+                      <a:r>
+                        <a:rPr lang="en-US" altLang="ko-KR" dirty="0">
+                          <a:solidFill>
+                            <a:schemeClr val="tx1"/>
+                          </a:solidFill>
+                        </a:rPr>
+                        <a:t>HP + 40</a:t>
+                      </a:r>
                       <a:endParaRPr lang="ko-KR" altLang="en-US" dirty="0">
                         <a:solidFill>
                           <a:schemeClr val="tx1"/>
@@ -9040,11 +9383,62 @@
                     <a:lstStyle/>
                     <a:p>
                       <a:pPr latinLnBrk="1"/>
-                      <a:endParaRPr lang="ko-KR" altLang="en-US" dirty="0">
-                        <a:solidFill>
-                          <a:schemeClr val="tx1"/>
-                        </a:solidFill>
-                      </a:endParaRPr>
+                      <a:r>
+                        <a:rPr lang="ko-KR" altLang="en-US" dirty="0">
+                          <a:solidFill>
+                            <a:schemeClr val="tx1"/>
+                          </a:solidFill>
+                        </a:rPr>
+                        <a:t>자신의 공격력</a:t>
+                      </a:r>
+                      <a:r>
+                        <a:rPr lang="en-US" altLang="ko-KR" dirty="0">
+                          <a:solidFill>
+                            <a:schemeClr val="tx1"/>
+                          </a:solidFill>
+                        </a:rPr>
+                        <a:t>, </a:t>
+                      </a:r>
+                      <a:r>
+                        <a:rPr lang="ko-KR" altLang="en-US" dirty="0">
+                          <a:solidFill>
+                            <a:schemeClr val="tx1"/>
+                          </a:solidFill>
+                        </a:rPr>
+                        <a:t>방어력 </a:t>
+                      </a:r>
+                      <a:r>
+                        <a:rPr lang="en-US" altLang="ko-KR" dirty="0">
+                          <a:solidFill>
+                            <a:schemeClr val="tx1"/>
+                          </a:solidFill>
+                        </a:rPr>
+                        <a:t>+ 15, </a:t>
+                      </a:r>
+                      <a:r>
+                        <a:rPr lang="ko-KR" altLang="en-US" dirty="0">
+                          <a:solidFill>
+                            <a:schemeClr val="tx1"/>
+                          </a:solidFill>
+                        </a:rPr>
+                        <a:t>적에게 </a:t>
+                      </a:r>
+                      <a:r>
+                        <a:rPr lang="en-US" altLang="ko-KR" dirty="0">
+                          <a:solidFill>
+                            <a:schemeClr val="tx1"/>
+                          </a:solidFill>
+                        </a:rPr>
+                        <a:t>80% </a:t>
+                      </a:r>
+                      <a:r>
+                        <a:rPr lang="ko-KR" altLang="en-US" dirty="0">
+                          <a:solidFill>
+                            <a:schemeClr val="tx1"/>
+                          </a:solidFill>
+                        </a:rPr>
+                        <a:t>데미지</a:t>
+                      </a:r>
                     </a:p>
                   </a:txBody>
                   <a:tcPr>
@@ -9226,11 +9620,30 @@
                     <a:lstStyle/>
                     <a:p>
                       <a:pPr latinLnBrk="1"/>
-                      <a:endParaRPr lang="ko-KR" altLang="en-US" dirty="0">
-                        <a:solidFill>
-                          <a:schemeClr val="tx1"/>
-                        </a:solidFill>
-                      </a:endParaRPr>
+                      <a:r>
+                        <a:rPr lang="ko-KR" altLang="en-US" dirty="0">
+                          <a:solidFill>
+                            <a:schemeClr val="tx1"/>
+                          </a:solidFill>
+                        </a:rPr>
+                        <a:t>적에게 공격력 </a:t>
+                      </a:r>
+                      <a:r>
+                        <a:rPr lang="en-US" altLang="ko-KR" dirty="0">
+                          <a:solidFill>
+                            <a:schemeClr val="tx1"/>
+                          </a:solidFill>
+                        </a:rPr>
+                        <a:t>* 150% </a:t>
+                      </a:r>
+                      <a:r>
+                        <a:rPr lang="ko-KR" altLang="en-US" dirty="0">
+                          <a:solidFill>
+                            <a:schemeClr val="tx1"/>
+                          </a:solidFill>
+                        </a:rPr>
+                        <a:t>데미지</a:t>
+                      </a:r>
                     </a:p>
                   </a:txBody>
                   <a:tcPr>
@@ -9409,11 +9822,46 @@
                     <a:lstStyle/>
                     <a:p>
                       <a:pPr latinLnBrk="1"/>
-                      <a:endParaRPr lang="ko-KR" altLang="en-US" dirty="0">
-                        <a:solidFill>
-                          <a:schemeClr val="tx1"/>
-                        </a:solidFill>
-                      </a:endParaRPr>
+                      <a:r>
+                        <a:rPr lang="ko-KR" altLang="en-US" dirty="0">
+                          <a:solidFill>
+                            <a:schemeClr val="tx1"/>
+                          </a:solidFill>
+                        </a:rPr>
+                        <a:t>자신의 공격력 </a:t>
+                      </a:r>
+                      <a:r>
+                        <a:rPr lang="en-US" altLang="ko-KR" dirty="0">
+                          <a:solidFill>
+                            <a:schemeClr val="tx1"/>
+                          </a:solidFill>
+                        </a:rPr>
+                        <a:t>+ 15 </a:t>
+                      </a:r>
+                      <a:r>
+                        <a:rPr lang="ko-KR" altLang="en-US" dirty="0">
+                          <a:solidFill>
+                            <a:schemeClr val="tx1"/>
+                          </a:solidFill>
+                        </a:rPr>
+                        <a:t>적에게 공격력 </a:t>
+                      </a:r>
+                      <a:r>
+                        <a:rPr lang="en-US" altLang="ko-KR" dirty="0">
+                          <a:solidFill>
+                            <a:schemeClr val="tx1"/>
+                          </a:solidFill>
+                        </a:rPr>
+                        <a:t>* 200% </a:t>
+                      </a:r>
+                      <a:r>
+                        <a:rPr lang="ko-KR" altLang="en-US" dirty="0">
+                          <a:solidFill>
+                            <a:schemeClr val="tx1"/>
+                          </a:solidFill>
+                        </a:rPr>
+                        <a:t>데미지</a:t>
+                      </a:r>
                     </a:p>
                   </a:txBody>
                   <a:tcPr>
@@ -9587,6 +10035,38 @@
                     <a:lstStyle/>
                     <a:p>
                       <a:pPr latinLnBrk="1"/>
+                      <a:r>
+                        <a:rPr lang="ko-KR" altLang="en-US" dirty="0">
+                          <a:solidFill>
+                            <a:schemeClr val="tx1"/>
+                          </a:solidFill>
+                        </a:rPr>
+                        <a:t>자신의 방어력 </a:t>
+                      </a:r>
+                      <a:r>
+                        <a:rPr lang="en-US" altLang="ko-KR" dirty="0">
+                          <a:solidFill>
+                            <a:schemeClr val="tx1"/>
+                          </a:solidFill>
+                        </a:rPr>
+                        <a:t>+ 20 </a:t>
+                      </a:r>
+                      <a:r>
+                        <a:rPr lang="ko-KR" altLang="en-US" dirty="0">
+                          <a:solidFill>
+                            <a:schemeClr val="tx1"/>
+                          </a:solidFill>
+                        </a:rPr>
+                        <a:t>적의 방어력 </a:t>
+                      </a:r>
+                      <a:r>
+                        <a:rPr lang="en-US" altLang="ko-KR" dirty="0">
+                          <a:solidFill>
+                            <a:schemeClr val="tx1"/>
+                          </a:solidFill>
+                        </a:rPr>
+                        <a:t>- 20</a:t>
+                      </a:r>
                       <a:endParaRPr lang="ko-KR" altLang="en-US" dirty="0">
                         <a:solidFill>
                           <a:schemeClr val="tx1"/>
@@ -9784,7 +10264,7 @@
             <p:ph idx="1"/>
             <p:extLst>
               <p:ext uri="{D42A27DB-BD31-4B8C-83A1-F6EECF244321}">
-                <p14:modId xmlns:p14="http://schemas.microsoft.com/office/powerpoint/2010/main" val="490042075"/>
+                <p14:modId xmlns:p14="http://schemas.microsoft.com/office/powerpoint/2010/main" val="3317893249"/>
               </p:ext>
             </p:extLst>
           </p:nvPr>
@@ -9890,6 +10370,38 @@
                     <a:lstStyle/>
                     <a:p>
                       <a:pPr latinLnBrk="1"/>
+                      <a:r>
+                        <a:rPr lang="ko-KR" altLang="en-US" sz="1400" dirty="0">
+                          <a:solidFill>
+                            <a:schemeClr val="tx1"/>
+                          </a:solidFill>
+                        </a:rPr>
+                        <a:t>자신의 체력 </a:t>
+                      </a:r>
+                      <a:r>
+                        <a:rPr lang="en-US" altLang="ko-KR" sz="1400" dirty="0">
+                          <a:solidFill>
+                            <a:schemeClr val="tx1"/>
+                          </a:solidFill>
+                        </a:rPr>
+                        <a:t>+ 20, </a:t>
+                      </a:r>
+                      <a:r>
+                        <a:rPr lang="ko-KR" altLang="en-US" sz="1400" dirty="0">
+                          <a:solidFill>
+                            <a:schemeClr val="tx1"/>
+                          </a:solidFill>
+                        </a:rPr>
+                        <a:t>방어력 </a:t>
+                      </a:r>
+                      <a:r>
+                        <a:rPr lang="en-US" altLang="ko-KR" sz="1400" dirty="0">
+                          <a:solidFill>
+                            <a:schemeClr val="tx1"/>
+                          </a:solidFill>
+                        </a:rPr>
+                        <a:t>+ 10 </a:t>
+                      </a:r>
                       <a:endParaRPr lang="ko-KR" altLang="en-US" sz="1400" dirty="0">
                         <a:solidFill>
                           <a:schemeClr val="tx1"/>
@@ -10068,6 +10580,38 @@
                     <a:lstStyle/>
                     <a:p>
                       <a:pPr latinLnBrk="1"/>
+                      <a:r>
+                        <a:rPr lang="ko-KR" altLang="en-US" sz="1400" dirty="0">
+                          <a:solidFill>
+                            <a:schemeClr val="tx1"/>
+                          </a:solidFill>
+                        </a:rPr>
+                        <a:t>자신의 공격력</a:t>
+                      </a:r>
+                      <a:r>
+                        <a:rPr lang="en-US" altLang="ko-KR" sz="1400" dirty="0">
+                          <a:solidFill>
+                            <a:schemeClr val="tx1"/>
+                          </a:solidFill>
+                        </a:rPr>
+                        <a:t>, </a:t>
+                      </a:r>
+                      <a:r>
+                        <a:rPr lang="ko-KR" altLang="en-US" sz="1400" dirty="0">
+                          <a:solidFill>
+                            <a:schemeClr val="tx1"/>
+                          </a:solidFill>
+                        </a:rPr>
+                        <a:t>방어력 </a:t>
+                      </a:r>
+                      <a:r>
+                        <a:rPr lang="en-US" altLang="ko-KR" sz="1400" dirty="0">
+                          <a:solidFill>
+                            <a:schemeClr val="tx1"/>
+                          </a:solidFill>
+                        </a:rPr>
+                        <a:t>+ 10</a:t>
+                      </a:r>
                       <a:endParaRPr lang="ko-KR" altLang="en-US" sz="1400" dirty="0">
                         <a:solidFill>
                           <a:schemeClr val="tx1"/>
@@ -10246,11 +10790,46 @@
                     <a:lstStyle/>
                     <a:p>
                       <a:pPr latinLnBrk="1"/>
-                      <a:endParaRPr lang="ko-KR" altLang="en-US" sz="1400" dirty="0">
-                        <a:solidFill>
-                          <a:schemeClr val="tx1"/>
-                        </a:solidFill>
-                      </a:endParaRPr>
+                      <a:r>
+                        <a:rPr lang="ko-KR" altLang="en-US" sz="1400" dirty="0">
+                          <a:solidFill>
+                            <a:schemeClr val="tx1"/>
+                          </a:solidFill>
+                        </a:rPr>
+                        <a:t>자신의 공격력 </a:t>
+                      </a:r>
+                      <a:r>
+                        <a:rPr lang="en-US" altLang="ko-KR" sz="1400" dirty="0">
+                          <a:solidFill>
+                            <a:schemeClr val="tx1"/>
+                          </a:solidFill>
+                        </a:rPr>
+                        <a:t>+ 10, </a:t>
+                      </a:r>
+                      <a:r>
+                        <a:rPr lang="ko-KR" altLang="en-US" sz="1400" dirty="0">
+                          <a:solidFill>
+                            <a:schemeClr val="tx1"/>
+                          </a:solidFill>
+                        </a:rPr>
+                        <a:t>적에게 </a:t>
+                      </a:r>
+                      <a:r>
+                        <a:rPr lang="en-US" altLang="ko-KR" sz="1400" dirty="0">
+                          <a:solidFill>
+                            <a:schemeClr val="tx1"/>
+                          </a:solidFill>
+                        </a:rPr>
+                        <a:t>80%</a:t>
+                      </a:r>
+                      <a:r>
+                        <a:rPr lang="ko-KR" altLang="en-US" sz="1400" dirty="0">
+                          <a:solidFill>
+                            <a:schemeClr val="tx1"/>
+                          </a:solidFill>
+                        </a:rPr>
+                        <a:t>로 공격</a:t>
+                      </a:r>
                     </a:p>
                   </a:txBody>
                   <a:tcPr>
@@ -10424,11 +11003,30 @@
                     <a:lstStyle/>
                     <a:p>
                       <a:pPr latinLnBrk="1"/>
-                      <a:endParaRPr lang="ko-KR" altLang="en-US" sz="1400" dirty="0">
-                        <a:solidFill>
-                          <a:schemeClr val="tx1"/>
-                        </a:solidFill>
-                      </a:endParaRPr>
+                      <a:r>
+                        <a:rPr lang="ko-KR" altLang="en-US" sz="1400" dirty="0">
+                          <a:solidFill>
+                            <a:schemeClr val="tx1"/>
+                          </a:solidFill>
+                        </a:rPr>
+                        <a:t>적에게 </a:t>
+                      </a:r>
+                      <a:r>
+                        <a:rPr lang="en-US" altLang="ko-KR" sz="1400" dirty="0">
+                          <a:solidFill>
+                            <a:schemeClr val="tx1"/>
+                          </a:solidFill>
+                        </a:rPr>
+                        <a:t>90% </a:t>
+                      </a:r>
+                      <a:r>
+                        <a:rPr lang="ko-KR" altLang="en-US" sz="1400" dirty="0">
+                          <a:solidFill>
+                            <a:schemeClr val="tx1"/>
+                          </a:solidFill>
+                        </a:rPr>
+                        <a:t>데미지</a:t>
+                      </a:r>
                     </a:p>
                   </a:txBody>
                   <a:tcPr>
@@ -10602,6 +11200,54 @@
                     <a:lstStyle/>
                     <a:p>
                       <a:pPr latinLnBrk="1"/>
+                      <a:r>
+                        <a:rPr lang="ko-KR" altLang="en-US" sz="1400" dirty="0">
+                          <a:solidFill>
+                            <a:schemeClr val="tx1"/>
+                          </a:solidFill>
+                        </a:rPr>
+                        <a:t>자신의 체력 </a:t>
+                      </a:r>
+                      <a:r>
+                        <a:rPr lang="en-US" altLang="ko-KR" sz="1400" dirty="0">
+                          <a:solidFill>
+                            <a:schemeClr val="tx1"/>
+                          </a:solidFill>
+                        </a:rPr>
+                        <a:t>+ 20, </a:t>
+                      </a:r>
+                      <a:r>
+                        <a:rPr lang="ko-KR" altLang="en-US" sz="1400" dirty="0">
+                          <a:solidFill>
+                            <a:schemeClr val="tx1"/>
+                          </a:solidFill>
+                        </a:rPr>
+                        <a:t>공격력 </a:t>
+                      </a:r>
+                      <a:r>
+                        <a:rPr lang="en-US" altLang="ko-KR" sz="1400" dirty="0">
+                          <a:solidFill>
+                            <a:schemeClr val="tx1"/>
+                          </a:solidFill>
+                        </a:rPr>
+                        <a:t>+ 10, </a:t>
+                      </a:r>
+                      <a:r>
+                        <a:rPr lang="ko-KR" altLang="en-US" sz="1400" dirty="0">
+                          <a:solidFill>
+                            <a:schemeClr val="tx1"/>
+                          </a:solidFill>
+                        </a:rPr>
+                        <a:t>방어력 </a:t>
+                      </a:r>
+                      <a:r>
+                        <a:rPr lang="en-US" altLang="ko-KR" sz="1400" dirty="0">
+                          <a:solidFill>
+                            <a:schemeClr val="tx1"/>
+                          </a:solidFill>
+                        </a:rPr>
+                        <a:t>+ 10</a:t>
+                      </a:r>
                       <a:endParaRPr lang="ko-KR" altLang="en-US" sz="1400" dirty="0">
                         <a:solidFill>
                           <a:schemeClr val="tx1"/>
@@ -10785,6 +11431,22 @@
                     <a:lstStyle/>
                     <a:p>
                       <a:pPr latinLnBrk="1"/>
+                      <a:r>
+                        <a:rPr lang="ko-KR" altLang="en-US" sz="1400" dirty="0">
+                          <a:solidFill>
+                            <a:schemeClr val="tx1"/>
+                          </a:solidFill>
+                        </a:rPr>
+                        <a:t>자신의 체력 </a:t>
+                      </a:r>
+                      <a:r>
+                        <a:rPr lang="en-US" altLang="ko-KR" sz="1400" dirty="0">
+                          <a:solidFill>
+                            <a:schemeClr val="tx1"/>
+                          </a:solidFill>
+                        </a:rPr>
+                        <a:t>+ 50</a:t>
+                      </a:r>
                       <a:endParaRPr lang="ko-KR" altLang="en-US" sz="1400" dirty="0">
                         <a:solidFill>
                           <a:schemeClr val="tx1"/>
@@ -10963,11 +11625,46 @@
                     <a:lstStyle/>
                     <a:p>
                       <a:pPr latinLnBrk="1"/>
-                      <a:endParaRPr lang="ko-KR" altLang="en-US" sz="1400" dirty="0">
-                        <a:solidFill>
-                          <a:schemeClr val="tx1"/>
-                        </a:solidFill>
-                      </a:endParaRPr>
+                      <a:r>
+                        <a:rPr lang="ko-KR" altLang="en-US" sz="1400" dirty="0">
+                          <a:solidFill>
+                            <a:schemeClr val="tx1"/>
+                          </a:solidFill>
+                        </a:rPr>
+                        <a:t>자신의 공격력 </a:t>
+                      </a:r>
+                      <a:r>
+                        <a:rPr lang="en-US" altLang="ko-KR" sz="1400" dirty="0">
+                          <a:solidFill>
+                            <a:schemeClr val="tx1"/>
+                          </a:solidFill>
+                        </a:rPr>
+                        <a:t>+ 20, </a:t>
+                      </a:r>
+                      <a:r>
+                        <a:rPr lang="ko-KR" altLang="en-US" sz="1400" dirty="0">
+                          <a:solidFill>
+                            <a:schemeClr val="tx1"/>
+                          </a:solidFill>
+                        </a:rPr>
+                        <a:t>적에게 </a:t>
+                      </a:r>
+                      <a:r>
+                        <a:rPr lang="en-US" altLang="ko-KR" sz="1400" dirty="0">
+                          <a:solidFill>
+                            <a:schemeClr val="tx1"/>
+                          </a:solidFill>
+                        </a:rPr>
+                        <a:t>80%</a:t>
+                      </a:r>
+                      <a:r>
+                        <a:rPr lang="ko-KR" altLang="en-US" sz="1400" dirty="0">
+                          <a:solidFill>
+                            <a:schemeClr val="tx1"/>
+                          </a:solidFill>
+                        </a:rPr>
+                        <a:t>로 공격</a:t>
+                      </a:r>
                     </a:p>
                   </a:txBody>
                   <a:tcPr>
@@ -11141,11 +11838,30 @@
                     <a:lstStyle/>
                     <a:p>
                       <a:pPr latinLnBrk="1"/>
-                      <a:endParaRPr lang="ko-KR" altLang="en-US" sz="1400" dirty="0">
-                        <a:solidFill>
-                          <a:schemeClr val="tx1"/>
-                        </a:solidFill>
-                      </a:endParaRPr>
+                      <a:r>
+                        <a:rPr lang="ko-KR" altLang="en-US" sz="1400" dirty="0">
+                          <a:solidFill>
+                            <a:schemeClr val="tx1"/>
+                          </a:solidFill>
+                        </a:rPr>
+                        <a:t>적에게 </a:t>
+                      </a:r>
+                      <a:r>
+                        <a:rPr lang="en-US" altLang="ko-KR" sz="1400" dirty="0">
+                          <a:solidFill>
+                            <a:schemeClr val="tx1"/>
+                          </a:solidFill>
+                        </a:rPr>
+                        <a:t>150% </a:t>
+                      </a:r>
+                      <a:r>
+                        <a:rPr lang="ko-KR" altLang="en-US" sz="1400" dirty="0">
+                          <a:solidFill>
+                            <a:schemeClr val="tx1"/>
+                          </a:solidFill>
+                        </a:rPr>
+                        <a:t>공격</a:t>
+                      </a:r>
                     </a:p>
                   </a:txBody>
                   <a:tcPr>
@@ -11335,6 +12051,38 @@
                     <a:lstStyle/>
                     <a:p>
                       <a:pPr latinLnBrk="1"/>
+                      <a:r>
+                        <a:rPr lang="ko-KR" altLang="en-US" sz="1400" dirty="0">
+                          <a:solidFill>
+                            <a:schemeClr val="tx1"/>
+                          </a:solidFill>
+                        </a:rPr>
+                        <a:t>자신의 체력 </a:t>
+                      </a:r>
+                      <a:r>
+                        <a:rPr lang="en-US" altLang="ko-KR" sz="1400" dirty="0">
+                          <a:solidFill>
+                            <a:schemeClr val="tx1"/>
+                          </a:solidFill>
+                        </a:rPr>
+                        <a:t>+ 80, </a:t>
+                      </a:r>
+                      <a:r>
+                        <a:rPr lang="ko-KR" altLang="en-US" sz="1400" dirty="0">
+                          <a:solidFill>
+                            <a:schemeClr val="tx1"/>
+                          </a:solidFill>
+                        </a:rPr>
+                        <a:t>공격력 </a:t>
+                      </a:r>
+                      <a:r>
+                        <a:rPr lang="en-US" altLang="ko-KR" sz="1400" dirty="0">
+                          <a:solidFill>
+                            <a:schemeClr val="tx1"/>
+                          </a:solidFill>
+                        </a:rPr>
+                        <a:t>+ 20</a:t>
+                      </a:r>
                       <a:endParaRPr lang="ko-KR" altLang="en-US" sz="1400" dirty="0">
                         <a:solidFill>
                           <a:schemeClr val="tx1"/>
@@ -11526,6 +12274,38 @@
                     <a:lstStyle/>
                     <a:p>
                       <a:pPr latinLnBrk="1"/>
+                      <a:r>
+                        <a:rPr lang="ko-KR" altLang="en-US" sz="1400" dirty="0">
+                          <a:solidFill>
+                            <a:schemeClr val="tx1"/>
+                          </a:solidFill>
+                        </a:rPr>
+                        <a:t>공격력 </a:t>
+                      </a:r>
+                      <a:r>
+                        <a:rPr lang="en-US" altLang="ko-KR" sz="1400" dirty="0">
+                          <a:solidFill>
+                            <a:schemeClr val="tx1"/>
+                          </a:solidFill>
+                        </a:rPr>
+                        <a:t>+ 25, </a:t>
+                      </a:r>
+                      <a:r>
+                        <a:rPr lang="ko-KR" altLang="en-US" sz="1400" dirty="0">
+                          <a:solidFill>
+                            <a:schemeClr val="tx1"/>
+                          </a:solidFill>
+                        </a:rPr>
+                        <a:t>방어력 </a:t>
+                      </a:r>
+                      <a:r>
+                        <a:rPr lang="en-US" altLang="ko-KR" sz="1400" dirty="0">
+                          <a:solidFill>
+                            <a:schemeClr val="tx1"/>
+                          </a:solidFill>
+                        </a:rPr>
+                        <a:t>+ 25</a:t>
+                      </a:r>
                       <a:endParaRPr lang="ko-KR" altLang="en-US" sz="1400" dirty="0">
                         <a:solidFill>
                           <a:schemeClr val="tx1"/>
@@ -11718,7 +12498,7 @@
             <p:ph idx="1"/>
             <p:extLst>
               <p:ext uri="{D42A27DB-BD31-4B8C-83A1-F6EECF244321}">
-                <p14:modId xmlns:p14="http://schemas.microsoft.com/office/powerpoint/2010/main" val="106508154"/>
+                <p14:modId xmlns:p14="http://schemas.microsoft.com/office/powerpoint/2010/main" val="261675274"/>
               </p:ext>
             </p:extLst>
           </p:nvPr>
@@ -11837,6 +12617,22 @@
                     <a:lstStyle/>
                     <a:p>
                       <a:pPr latinLnBrk="1"/>
+                      <a:r>
+                        <a:rPr lang="ko-KR" altLang="en-US" dirty="0">
+                          <a:solidFill>
+                            <a:schemeClr val="tx1"/>
+                          </a:solidFill>
+                        </a:rPr>
+                        <a:t>자신의 방어력 </a:t>
+                      </a:r>
+                      <a:r>
+                        <a:rPr lang="en-US" altLang="ko-KR">
+                          <a:solidFill>
+                            <a:schemeClr val="tx1"/>
+                          </a:solidFill>
+                        </a:rPr>
+                        <a:t>+ 20</a:t>
+                      </a:r>
                       <a:endParaRPr lang="ko-KR" altLang="en-US" dirty="0">
                         <a:solidFill>
                           <a:schemeClr val="tx1"/>
@@ -12015,11 +12811,30 @@
                     <a:lstStyle/>
                     <a:p>
                       <a:pPr latinLnBrk="1"/>
-                      <a:endParaRPr lang="ko-KR" altLang="en-US" dirty="0">
-                        <a:solidFill>
-                          <a:schemeClr val="tx1"/>
-                        </a:solidFill>
-                      </a:endParaRPr>
+                      <a:r>
+                        <a:rPr lang="ko-KR" altLang="en-US" dirty="0">
+                          <a:solidFill>
+                            <a:schemeClr val="tx1"/>
+                          </a:solidFill>
+                        </a:rPr>
+                        <a:t>적에게 </a:t>
+                      </a:r>
+                      <a:r>
+                        <a:rPr lang="en-US" altLang="ko-KR" dirty="0">
+                          <a:solidFill>
+                            <a:schemeClr val="tx1"/>
+                          </a:solidFill>
+                        </a:rPr>
+                        <a:t>110% </a:t>
+                      </a:r>
+                      <a:r>
+                        <a:rPr lang="ko-KR" altLang="en-US" dirty="0">
+                          <a:solidFill>
+                            <a:schemeClr val="tx1"/>
+                          </a:solidFill>
+                        </a:rPr>
+                        <a:t>데미지</a:t>
+                      </a:r>
                     </a:p>
                   </a:txBody>
                   <a:tcPr>
@@ -12198,11 +13013,30 @@
                     <a:lstStyle/>
                     <a:p>
                       <a:pPr latinLnBrk="1"/>
-                      <a:endParaRPr lang="ko-KR" altLang="en-US" dirty="0">
-                        <a:solidFill>
-                          <a:schemeClr val="tx1"/>
-                        </a:solidFill>
-                      </a:endParaRPr>
+                      <a:r>
+                        <a:rPr lang="ko-KR" altLang="en-US" dirty="0">
+                          <a:solidFill>
+                            <a:schemeClr val="tx1"/>
+                          </a:solidFill>
+                        </a:rPr>
+                        <a:t>적에게 </a:t>
+                      </a:r>
+                      <a:r>
+                        <a:rPr lang="en-US" altLang="ko-KR" dirty="0">
+                          <a:solidFill>
+                            <a:schemeClr val="tx1"/>
+                          </a:solidFill>
+                        </a:rPr>
+                        <a:t>90% </a:t>
+                      </a:r>
+                      <a:r>
+                        <a:rPr lang="ko-KR" altLang="en-US" dirty="0">
+                          <a:solidFill>
+                            <a:schemeClr val="tx1"/>
+                          </a:solidFill>
+                        </a:rPr>
+                        <a:t>데미지</a:t>
+                      </a:r>
                     </a:p>
                   </a:txBody>
                   <a:tcPr>
@@ -12381,11 +13215,30 @@
                     <a:lstStyle/>
                     <a:p>
                       <a:pPr latinLnBrk="1"/>
-                      <a:endParaRPr lang="ko-KR" altLang="en-US" dirty="0">
-                        <a:solidFill>
-                          <a:schemeClr val="tx1"/>
-                        </a:solidFill>
-                      </a:endParaRPr>
+                      <a:r>
+                        <a:rPr lang="ko-KR" altLang="en-US" dirty="0">
+                          <a:solidFill>
+                            <a:schemeClr val="tx1"/>
+                          </a:solidFill>
+                        </a:rPr>
+                        <a:t>적에게 </a:t>
+                      </a:r>
+                      <a:r>
+                        <a:rPr lang="en-US" altLang="ko-KR" dirty="0">
+                          <a:solidFill>
+                            <a:schemeClr val="tx1"/>
+                          </a:solidFill>
+                        </a:rPr>
+                        <a:t>100% </a:t>
+                      </a:r>
+                      <a:r>
+                        <a:rPr lang="ko-KR" altLang="en-US" dirty="0">
+                          <a:solidFill>
+                            <a:schemeClr val="tx1"/>
+                          </a:solidFill>
+                        </a:rPr>
+                        <a:t>데미지</a:t>
+                      </a:r>
                     </a:p>
                   </a:txBody>
                   <a:tcPr>
@@ -12564,11 +13417,46 @@
                     <a:lstStyle/>
                     <a:p>
                       <a:pPr latinLnBrk="1"/>
-                      <a:endParaRPr lang="ko-KR" altLang="en-US" dirty="0">
-                        <a:solidFill>
-                          <a:schemeClr val="tx1"/>
-                        </a:solidFill>
-                      </a:endParaRPr>
+                      <a:r>
+                        <a:rPr lang="ko-KR" altLang="en-US" dirty="0">
+                          <a:solidFill>
+                            <a:schemeClr val="tx1"/>
+                          </a:solidFill>
+                        </a:rPr>
+                        <a:t>공격력 </a:t>
+                      </a:r>
+                      <a:r>
+                        <a:rPr lang="en-US" altLang="ko-KR" dirty="0">
+                          <a:solidFill>
+                            <a:schemeClr val="tx1"/>
+                          </a:solidFill>
+                        </a:rPr>
+                        <a:t>+ 20, </a:t>
+                      </a:r>
+                      <a:r>
+                        <a:rPr lang="ko-KR" altLang="en-US" dirty="0">
+                          <a:solidFill>
+                            <a:schemeClr val="tx1"/>
+                          </a:solidFill>
+                        </a:rPr>
+                        <a:t>적에게 </a:t>
+                      </a:r>
+                      <a:r>
+                        <a:rPr lang="en-US" altLang="ko-KR" dirty="0">
+                          <a:solidFill>
+                            <a:schemeClr val="tx1"/>
+                          </a:solidFill>
+                        </a:rPr>
+                        <a:t>90% </a:t>
+                      </a:r>
+                      <a:r>
+                        <a:rPr lang="ko-KR" altLang="en-US" dirty="0">
+                          <a:solidFill>
+                            <a:schemeClr val="tx1"/>
+                          </a:solidFill>
+                        </a:rPr>
+                        <a:t>데미지</a:t>
+                      </a:r>
                     </a:p>
                   </a:txBody>
                   <a:tcPr>
@@ -12742,6 +13630,22 @@
                     <a:lstStyle/>
                     <a:p>
                       <a:pPr latinLnBrk="1"/>
+                      <a:r>
+                        <a:rPr lang="ko-KR" altLang="en-US" dirty="0">
+                          <a:solidFill>
+                            <a:schemeClr val="tx1"/>
+                          </a:solidFill>
+                        </a:rPr>
+                        <a:t>자신의 공격력과 방어력을 원상태로 돌린다</a:t>
+                      </a:r>
+                      <a:r>
+                        <a:rPr lang="en-US" altLang="ko-KR" dirty="0">
+                          <a:solidFill>
+                            <a:schemeClr val="tx1"/>
+                          </a:solidFill>
+                        </a:rPr>
+                        <a:t>.</a:t>
+                      </a:r>
                       <a:endParaRPr lang="ko-KR" altLang="en-US" dirty="0">
                         <a:solidFill>
                           <a:schemeClr val="tx1"/>
@@ -12920,6 +13824,22 @@
                     <a:lstStyle/>
                     <a:p>
                       <a:pPr latinLnBrk="1"/>
+                      <a:r>
+                        <a:rPr lang="ko-KR" altLang="en-US" dirty="0">
+                          <a:solidFill>
+                            <a:schemeClr val="tx1"/>
+                          </a:solidFill>
+                        </a:rPr>
+                        <a:t>자신의 체력을 원상태로 돌린다</a:t>
+                      </a:r>
+                      <a:r>
+                        <a:rPr lang="en-US" altLang="ko-KR" dirty="0">
+                          <a:solidFill>
+                            <a:schemeClr val="tx1"/>
+                          </a:solidFill>
+                        </a:rPr>
+                        <a:t>.</a:t>
+                      </a:r>
                       <a:endParaRPr lang="ko-KR" altLang="en-US" dirty="0">
                         <a:solidFill>
                           <a:schemeClr val="tx1"/>
@@ -13098,11 +14018,30 @@
                     <a:lstStyle/>
                     <a:p>
                       <a:pPr latinLnBrk="1"/>
-                      <a:endParaRPr lang="ko-KR" altLang="en-US" dirty="0">
-                        <a:solidFill>
-                          <a:schemeClr val="tx1"/>
-                        </a:solidFill>
-                      </a:endParaRPr>
+                      <a:r>
+                        <a:rPr lang="ko-KR" altLang="en-US" dirty="0">
+                          <a:solidFill>
+                            <a:schemeClr val="tx1"/>
+                          </a:solidFill>
+                        </a:rPr>
+                        <a:t>적에게 </a:t>
+                      </a:r>
+                      <a:r>
+                        <a:rPr lang="en-US" altLang="ko-KR" dirty="0">
+                          <a:solidFill>
+                            <a:schemeClr val="tx1"/>
+                          </a:solidFill>
+                        </a:rPr>
+                        <a:t>180% </a:t>
+                      </a:r>
+                      <a:r>
+                        <a:rPr lang="ko-KR" altLang="en-US" dirty="0">
+                          <a:solidFill>
+                            <a:schemeClr val="tx1"/>
+                          </a:solidFill>
+                        </a:rPr>
+                        <a:t>데미지</a:t>
+                      </a:r>
                     </a:p>
                   </a:txBody>
                   <a:tcPr>
@@ -13481,7 +14420,7 @@
                             <a:schemeClr val="tx1"/>
                           </a:solidFill>
                         </a:rPr>
-                        <a:t>보스의 공격을 예측하여 모든 공격을 회피한다</a:t>
+                        <a:t>적의 공격에 데미지 </a:t>
                       </a:r>
                       <a:r>
                         <a:rPr lang="en-US" altLang="ko-KR" dirty="0">
@@ -13489,7 +14428,7 @@
                             <a:schemeClr val="tx1"/>
                           </a:solidFill>
                         </a:rPr>
-                        <a:t>.</a:t>
+                        <a:t>X</a:t>
                       </a:r>
                       <a:endParaRPr lang="ko-KR" altLang="en-US" dirty="0">
                         <a:solidFill>
